--- a/presentetion.pptx
+++ b/presentetion.pptx
@@ -5,7 +5,7 @@
     <p:sldMasterId id="2147483648" r:id="rId1"/>
   </p:sldMasterIdLst>
   <p:notesMasterIdLst>
-    <p:notesMasterId r:id="rId14"/>
+    <p:notesMasterId r:id="rId15"/>
   </p:notesMasterIdLst>
   <p:sldIdLst>
     <p:sldId id="256" r:id="rId2"/>
@@ -13,13 +13,14 @@
     <p:sldId id="258" r:id="rId4"/>
     <p:sldId id="259" r:id="rId5"/>
     <p:sldId id="260" r:id="rId6"/>
-    <p:sldId id="261" r:id="rId7"/>
-    <p:sldId id="262" r:id="rId8"/>
-    <p:sldId id="263" r:id="rId9"/>
-    <p:sldId id="269" r:id="rId10"/>
-    <p:sldId id="268" r:id="rId11"/>
-    <p:sldId id="266" r:id="rId12"/>
-    <p:sldId id="267" r:id="rId13"/>
+    <p:sldId id="270" r:id="rId7"/>
+    <p:sldId id="261" r:id="rId8"/>
+    <p:sldId id="262" r:id="rId9"/>
+    <p:sldId id="263" r:id="rId10"/>
+    <p:sldId id="269" r:id="rId11"/>
+    <p:sldId id="268" r:id="rId12"/>
+    <p:sldId id="266" r:id="rId13"/>
+    <p:sldId id="267" r:id="rId14"/>
   </p:sldIdLst>
   <p:sldSz cx="12192000" cy="6858000"/>
   <p:notesSz cx="6858000" cy="9144000"/>
@@ -4084,21 +4085,7 @@
                 <a:latin typeface="Segoe UI Light" panose="020B0502040204020203" pitchFamily="34" charset="0"/>
                 <a:cs typeface="Segoe UI Light" panose="020B0502040204020203" pitchFamily="34" charset="0"/>
               </a:rPr>
-              <a:t>Совпель </a:t>
-            </a:r>
-            <a:r>
-              <a:rPr lang="ru-RU" b="1" dirty="0" smtClean="0">
-                <a:latin typeface="Segoe UI Light" panose="020B0502040204020203" pitchFamily="34" charset="0"/>
-                <a:cs typeface="Segoe UI Light" panose="020B0502040204020203" pitchFamily="34" charset="0"/>
-              </a:rPr>
-              <a:t>Игорь Васильевич,</a:t>
-            </a:r>
-            <a:r>
-              <a:rPr lang="ru-RU" b="1" dirty="0" smtClean="0">
-                <a:latin typeface="Segoe UI Light" panose="020B0502040204020203" pitchFamily="34" charset="0"/>
-                <a:cs typeface="Segoe UI Light" panose="020B0502040204020203" pitchFamily="34" charset="0"/>
-              </a:rPr>
-              <a:t/>
+              <a:t>Совпель Игорь Васильевич,</a:t>
             </a:r>
             <a:br>
               <a:rPr lang="ru-RU" b="1" dirty="0" smtClean="0">
@@ -4293,6 +4280,424 @@
 </file>
 
 <file path=ppt/slides/slide10.xml><?xml version="1.0" encoding="utf-8"?>
+<p:sld xmlns:a="http://schemas.openxmlformats.org/drawingml/2006/main" xmlns:r="http://schemas.openxmlformats.org/officeDocument/2006/relationships" xmlns:p="http://schemas.openxmlformats.org/presentationml/2006/main">
+  <p:cSld>
+    <p:spTree>
+      <p:nvGrpSpPr>
+        <p:cNvPr id="1" name=""/>
+        <p:cNvGrpSpPr/>
+        <p:nvPr/>
+      </p:nvGrpSpPr>
+      <p:grpSpPr>
+        <a:xfrm>
+          <a:off x="0" y="0"/>
+          <a:ext cx="0" cy="0"/>
+          <a:chOff x="0" y="0"/>
+          <a:chExt cx="0" cy="0"/>
+        </a:xfrm>
+      </p:grpSpPr>
+      <p:pic>
+        <p:nvPicPr>
+          <p:cNvPr id="2" name="Picture 1"/>
+          <p:cNvPicPr>
+            <a:picLocks noChangeAspect="1"/>
+          </p:cNvPicPr>
+          <p:nvPr/>
+        </p:nvPicPr>
+        <p:blipFill rotWithShape="1">
+          <a:blip r:embed="rId2"/>
+          <a:srcRect r="9412"/>
+          <a:stretch/>
+        </p:blipFill>
+        <p:spPr>
+          <a:xfrm>
+            <a:off x="1" y="0"/>
+            <a:ext cx="12192000" cy="1133475"/>
+          </a:xfrm>
+          <a:prstGeom prst="rect">
+            <a:avLst/>
+          </a:prstGeom>
+        </p:spPr>
+      </p:pic>
+      <p:sp>
+        <p:nvSpPr>
+          <p:cNvPr id="3" name="TextBox 2"/>
+          <p:cNvSpPr txBox="1"/>
+          <p:nvPr/>
+        </p:nvSpPr>
+        <p:spPr>
+          <a:xfrm>
+            <a:off x="3574473" y="142877"/>
+            <a:ext cx="8625049" cy="707886"/>
+          </a:xfrm>
+          <a:prstGeom prst="rect">
+            <a:avLst/>
+          </a:prstGeom>
+          <a:noFill/>
+        </p:spPr>
+        <p:txBody>
+          <a:bodyPr wrap="square" rtlCol="0">
+            <a:spAutoFit/>
+          </a:bodyPr>
+          <a:lstStyle/>
+          <a:p>
+            <a:pPr algn="r"/>
+            <a:r>
+              <a:rPr lang="ru-RU" sz="2000" dirty="0" smtClean="0">
+                <a:solidFill>
+                  <a:schemeClr val="bg1"/>
+                </a:solidFill>
+                <a:latin typeface="Segoe UI Light" panose="020B0502040204020203" pitchFamily="34" charset="0"/>
+                <a:ea typeface="Microsoft JhengHei" panose="020B0604030504040204" pitchFamily="34" charset="-120"/>
+                <a:cs typeface="Segoe UI Light" panose="020B0502040204020203" pitchFamily="34" charset="0"/>
+              </a:rPr>
+              <a:t>ФАКУЛЬТЕТ ПРИКЛАДНОЙ МАТЕМАТИКИ И ИНФОРМАТИКИ</a:t>
+            </a:r>
+            <a:endParaRPr lang="en-US" sz="2000" dirty="0" smtClean="0">
+              <a:solidFill>
+                <a:schemeClr val="bg1"/>
+              </a:solidFill>
+              <a:latin typeface="Segoe UI Light" panose="020B0502040204020203" pitchFamily="34" charset="0"/>
+              <a:ea typeface="Microsoft JhengHei" panose="020B0604030504040204" pitchFamily="34" charset="-120"/>
+              <a:cs typeface="Segoe UI Light" panose="020B0502040204020203" pitchFamily="34" charset="0"/>
+            </a:endParaRPr>
+          </a:p>
+          <a:p>
+            <a:pPr algn="r"/>
+            <a:r>
+              <a:rPr lang="ru-RU" sz="2000" dirty="0" smtClean="0">
+                <a:solidFill>
+                  <a:schemeClr val="bg1"/>
+                </a:solidFill>
+                <a:latin typeface="Segoe UI Light" panose="020B0502040204020203" pitchFamily="34" charset="0"/>
+                <a:ea typeface="Microsoft JhengHei" panose="020B0604030504040204" pitchFamily="34" charset="-120"/>
+                <a:cs typeface="Segoe UI Light" panose="020B0502040204020203" pitchFamily="34" charset="0"/>
+              </a:rPr>
+              <a:t>КАФЕДРА ИНФОРМАЦИОННЫХ СИСТЕМ УПРАВЛЕНИЯ</a:t>
+            </a:r>
+            <a:endParaRPr lang="en-US" sz="2000" dirty="0">
+              <a:solidFill>
+                <a:schemeClr val="bg1"/>
+              </a:solidFill>
+              <a:latin typeface="Segoe UI Light" panose="020B0502040204020203" pitchFamily="34" charset="0"/>
+              <a:ea typeface="Microsoft JhengHei" panose="020B0604030504040204" pitchFamily="34" charset="-120"/>
+              <a:cs typeface="Segoe UI Light" panose="020B0502040204020203" pitchFamily="34" charset="0"/>
+            </a:endParaRPr>
+          </a:p>
+        </p:txBody>
+      </p:sp>
+      <p:sp>
+        <p:nvSpPr>
+          <p:cNvPr id="4" name="Title 1"/>
+          <p:cNvSpPr txBox="1">
+            <a:spLocks/>
+          </p:cNvSpPr>
+          <p:nvPr/>
+        </p:nvSpPr>
+        <p:spPr>
+          <a:xfrm>
+            <a:off x="439387" y="1276352"/>
+            <a:ext cx="11269683" cy="611825"/>
+          </a:xfrm>
+          <a:prstGeom prst="rect">
+            <a:avLst/>
+          </a:prstGeom>
+        </p:spPr>
+        <p:txBody>
+          <a:bodyPr/>
+          <a:lstStyle>
+            <a:lvl1pPr algn="l" rtl="0" eaLnBrk="1" fontAlgn="base" hangingPunct="1">
+              <a:lnSpc>
+                <a:spcPct val="90000"/>
+              </a:lnSpc>
+              <a:spcBef>
+                <a:spcPct val="0"/>
+              </a:spcBef>
+              <a:spcAft>
+                <a:spcPct val="0"/>
+              </a:spcAft>
+              <a:defRPr sz="4400" kern="1200">
+                <a:solidFill>
+                  <a:schemeClr val="tx1"/>
+                </a:solidFill>
+                <a:latin typeface="+mj-lt"/>
+                <a:ea typeface="+mj-ea"/>
+                <a:cs typeface="+mj-cs"/>
+              </a:defRPr>
+            </a:lvl1pPr>
+            <a:lvl2pPr algn="l" rtl="0" eaLnBrk="1" fontAlgn="base" hangingPunct="1">
+              <a:lnSpc>
+                <a:spcPct val="90000"/>
+              </a:lnSpc>
+              <a:spcBef>
+                <a:spcPct val="0"/>
+              </a:spcBef>
+              <a:spcAft>
+                <a:spcPct val="0"/>
+              </a:spcAft>
+              <a:defRPr sz="4400">
+                <a:solidFill>
+                  <a:schemeClr val="tx1"/>
+                </a:solidFill>
+                <a:latin typeface="Calibri Light" panose="020F0302020204030204" pitchFamily="34" charset="0"/>
+              </a:defRPr>
+            </a:lvl2pPr>
+            <a:lvl3pPr algn="l" rtl="0" eaLnBrk="1" fontAlgn="base" hangingPunct="1">
+              <a:lnSpc>
+                <a:spcPct val="90000"/>
+              </a:lnSpc>
+              <a:spcBef>
+                <a:spcPct val="0"/>
+              </a:spcBef>
+              <a:spcAft>
+                <a:spcPct val="0"/>
+              </a:spcAft>
+              <a:defRPr sz="4400">
+                <a:solidFill>
+                  <a:schemeClr val="tx1"/>
+                </a:solidFill>
+                <a:latin typeface="Calibri Light" panose="020F0302020204030204" pitchFamily="34" charset="0"/>
+              </a:defRPr>
+            </a:lvl3pPr>
+            <a:lvl4pPr algn="l" rtl="0" eaLnBrk="1" fontAlgn="base" hangingPunct="1">
+              <a:lnSpc>
+                <a:spcPct val="90000"/>
+              </a:lnSpc>
+              <a:spcBef>
+                <a:spcPct val="0"/>
+              </a:spcBef>
+              <a:spcAft>
+                <a:spcPct val="0"/>
+              </a:spcAft>
+              <a:defRPr sz="4400">
+                <a:solidFill>
+                  <a:schemeClr val="tx1"/>
+                </a:solidFill>
+                <a:latin typeface="Calibri Light" panose="020F0302020204030204" pitchFamily="34" charset="0"/>
+              </a:defRPr>
+            </a:lvl4pPr>
+            <a:lvl5pPr algn="l" rtl="0" eaLnBrk="1" fontAlgn="base" hangingPunct="1">
+              <a:lnSpc>
+                <a:spcPct val="90000"/>
+              </a:lnSpc>
+              <a:spcBef>
+                <a:spcPct val="0"/>
+              </a:spcBef>
+              <a:spcAft>
+                <a:spcPct val="0"/>
+              </a:spcAft>
+              <a:defRPr sz="4400">
+                <a:solidFill>
+                  <a:schemeClr val="tx1"/>
+                </a:solidFill>
+                <a:latin typeface="Calibri Light" panose="020F0302020204030204" pitchFamily="34" charset="0"/>
+              </a:defRPr>
+            </a:lvl5pPr>
+            <a:lvl6pPr marL="457200" algn="l" rtl="0" eaLnBrk="1" fontAlgn="base" hangingPunct="1">
+              <a:lnSpc>
+                <a:spcPct val="90000"/>
+              </a:lnSpc>
+              <a:spcBef>
+                <a:spcPct val="0"/>
+              </a:spcBef>
+              <a:spcAft>
+                <a:spcPct val="0"/>
+              </a:spcAft>
+              <a:defRPr sz="4400">
+                <a:solidFill>
+                  <a:schemeClr val="tx1"/>
+                </a:solidFill>
+                <a:latin typeface="Calibri Light" panose="020F0302020204030204" pitchFamily="34" charset="0"/>
+              </a:defRPr>
+            </a:lvl6pPr>
+            <a:lvl7pPr marL="914400" algn="l" rtl="0" eaLnBrk="1" fontAlgn="base" hangingPunct="1">
+              <a:lnSpc>
+                <a:spcPct val="90000"/>
+              </a:lnSpc>
+              <a:spcBef>
+                <a:spcPct val="0"/>
+              </a:spcBef>
+              <a:spcAft>
+                <a:spcPct val="0"/>
+              </a:spcAft>
+              <a:defRPr sz="4400">
+                <a:solidFill>
+                  <a:schemeClr val="tx1"/>
+                </a:solidFill>
+                <a:latin typeface="Calibri Light" panose="020F0302020204030204" pitchFamily="34" charset="0"/>
+              </a:defRPr>
+            </a:lvl7pPr>
+            <a:lvl8pPr marL="1371600" algn="l" rtl="0" eaLnBrk="1" fontAlgn="base" hangingPunct="1">
+              <a:lnSpc>
+                <a:spcPct val="90000"/>
+              </a:lnSpc>
+              <a:spcBef>
+                <a:spcPct val="0"/>
+              </a:spcBef>
+              <a:spcAft>
+                <a:spcPct val="0"/>
+              </a:spcAft>
+              <a:defRPr sz="4400">
+                <a:solidFill>
+                  <a:schemeClr val="tx1"/>
+                </a:solidFill>
+                <a:latin typeface="Calibri Light" panose="020F0302020204030204" pitchFamily="34" charset="0"/>
+              </a:defRPr>
+            </a:lvl8pPr>
+            <a:lvl9pPr marL="1828800" algn="l" rtl="0" eaLnBrk="1" fontAlgn="base" hangingPunct="1">
+              <a:lnSpc>
+                <a:spcPct val="90000"/>
+              </a:lnSpc>
+              <a:spcBef>
+                <a:spcPct val="0"/>
+              </a:spcBef>
+              <a:spcAft>
+                <a:spcPct val="0"/>
+              </a:spcAft>
+              <a:defRPr sz="4400">
+                <a:solidFill>
+                  <a:schemeClr val="tx1"/>
+                </a:solidFill>
+                <a:latin typeface="Calibri Light" panose="020F0302020204030204" pitchFamily="34" charset="0"/>
+              </a:defRPr>
+            </a:lvl9pPr>
+          </a:lstStyle>
+          <a:p>
+            <a:pPr algn="ctr"/>
+            <a:r>
+              <a:rPr lang="ru-RU" b="1" dirty="0" smtClean="0">
+                <a:latin typeface="Segoe UI Light" panose="020B0502040204020203" pitchFamily="34" charset="0"/>
+                <a:cs typeface="Segoe UI Light" panose="020B0502040204020203" pitchFamily="34" charset="0"/>
+              </a:rPr>
+              <a:t>Демонстрация работы приложения</a:t>
+            </a:r>
+            <a:endParaRPr lang="en-US" b="1" dirty="0">
+              <a:latin typeface="Segoe UI Light" panose="020B0502040204020203" pitchFamily="34" charset="0"/>
+              <a:cs typeface="Segoe UI Light" panose="020B0502040204020203" pitchFamily="34" charset="0"/>
+            </a:endParaRPr>
+          </a:p>
+        </p:txBody>
+      </p:sp>
+      <p:pic>
+        <p:nvPicPr>
+          <p:cNvPr id="8" name="Рисунок 7" descr="D:\diplom\git\diplom\картинки\screenshots\6.jpg"/>
+          <p:cNvPicPr/>
+          <p:nvPr/>
+        </p:nvPicPr>
+        <p:blipFill>
+          <a:blip r:embed="rId3" cstate="print">
+            <a:extLst>
+              <a:ext uri="{28A0092B-C50C-407E-A947-70E740481C1C}">
+                <a14:useLocalDpi xmlns:a14="http://schemas.microsoft.com/office/drawing/2010/main" val="0"/>
+              </a:ext>
+            </a:extLst>
+          </a:blip>
+          <a:srcRect/>
+          <a:stretch>
+            <a:fillRect/>
+          </a:stretch>
+        </p:blipFill>
+        <p:spPr bwMode="auto">
+          <a:xfrm>
+            <a:off x="5000015" y="2435628"/>
+            <a:ext cx="2094902" cy="3707474"/>
+          </a:xfrm>
+          <a:prstGeom prst="rect">
+            <a:avLst/>
+          </a:prstGeom>
+          <a:noFill/>
+          <a:ln>
+            <a:noFill/>
+          </a:ln>
+        </p:spPr>
+      </p:pic>
+      <p:pic>
+        <p:nvPicPr>
+          <p:cNvPr id="12" name="Рисунок 12" descr="D:\diplom\git\diplom\картинки\screenshots\5.jpg"/>
+          <p:cNvPicPr/>
+          <p:nvPr/>
+        </p:nvPicPr>
+        <p:blipFill>
+          <a:blip r:embed="rId4" cstate="print">
+            <a:extLst>
+              <a:ext uri="{28A0092B-C50C-407E-A947-70E740481C1C}">
+                <a14:useLocalDpi xmlns:a14="http://schemas.microsoft.com/office/drawing/2010/main" val="0"/>
+              </a:ext>
+            </a:extLst>
+          </a:blip>
+          <a:srcRect/>
+          <a:stretch>
+            <a:fillRect/>
+          </a:stretch>
+        </p:blipFill>
+        <p:spPr bwMode="auto">
+          <a:xfrm>
+            <a:off x="7630991" y="2435628"/>
+            <a:ext cx="2094902" cy="3707474"/>
+          </a:xfrm>
+          <a:prstGeom prst="rect">
+            <a:avLst/>
+          </a:prstGeom>
+          <a:noFill/>
+          <a:ln>
+            <a:noFill/>
+          </a:ln>
+        </p:spPr>
+      </p:pic>
+      <p:pic>
+        <p:nvPicPr>
+          <p:cNvPr id="13" name="Рисунок 17" descr="D:\diplom\git\diplom\картинки\screenshots\1.jpg"/>
+          <p:cNvPicPr/>
+          <p:nvPr/>
+        </p:nvPicPr>
+        <p:blipFill>
+          <a:blip r:embed="rId5" cstate="print">
+            <a:extLst>
+              <a:ext uri="{28A0092B-C50C-407E-A947-70E740481C1C}">
+                <a14:useLocalDpi xmlns:a14="http://schemas.microsoft.com/office/drawing/2010/main" val="0"/>
+              </a:ext>
+            </a:extLst>
+          </a:blip>
+          <a:srcRect/>
+          <a:stretch>
+            <a:fillRect/>
+          </a:stretch>
+        </p:blipFill>
+        <p:spPr bwMode="auto">
+          <a:xfrm>
+            <a:off x="2369039" y="2435628"/>
+            <a:ext cx="2094902" cy="3707474"/>
+          </a:xfrm>
+          <a:prstGeom prst="rect">
+            <a:avLst/>
+          </a:prstGeom>
+          <a:noFill/>
+          <a:ln>
+            <a:noFill/>
+          </a:ln>
+        </p:spPr>
+      </p:pic>
+    </p:spTree>
+    <p:extLst>
+      <p:ext uri="{BB962C8B-B14F-4D97-AF65-F5344CB8AC3E}">
+        <p14:creationId xmlns:p14="http://schemas.microsoft.com/office/powerpoint/2010/main" val="2819871547"/>
+      </p:ext>
+    </p:extLst>
+  </p:cSld>
+  <p:clrMapOvr>
+    <a:masterClrMapping/>
+  </p:clrMapOvr>
+  <p:timing>
+    <p:tnLst>
+      <p:par>
+        <p:cTn id="1" dur="indefinite" restart="never" nodeType="tmRoot"/>
+      </p:par>
+    </p:tnLst>
+  </p:timing>
+</p:sld>
+</file>
+
+<file path=ppt/slides/slide11.xml><?xml version="1.0" encoding="utf-8"?>
 <p:sld xmlns:a="http://schemas.openxmlformats.org/drawingml/2006/main" xmlns:r="http://schemas.openxmlformats.org/officeDocument/2006/relationships" xmlns:p="http://schemas.openxmlformats.org/presentationml/2006/main">
   <p:cSld>
     <p:spTree>
@@ -4695,7 +5100,7 @@
 </p:sld>
 </file>
 
-<file path=ppt/slides/slide11.xml><?xml version="1.0" encoding="utf-8"?>
+<file path=ppt/slides/slide12.xml><?xml version="1.0" encoding="utf-8"?>
 <p:sld xmlns:a="http://schemas.openxmlformats.org/drawingml/2006/main" xmlns:r="http://schemas.openxmlformats.org/officeDocument/2006/relationships" xmlns:p="http://schemas.openxmlformats.org/presentationml/2006/main">
   <p:cSld>
     <p:spTree>
@@ -5245,7 +5650,7 @@
 </p:sld>
 </file>
 
-<file path=ppt/slides/slide12.xml><?xml version="1.0" encoding="utf-8"?>
+<file path=ppt/slides/slide13.xml><?xml version="1.0" encoding="utf-8"?>
 <p:sld xmlns:a="http://schemas.openxmlformats.org/drawingml/2006/main" xmlns:r="http://schemas.openxmlformats.org/officeDocument/2006/relationships" xmlns:p="http://schemas.openxmlformats.org/presentationml/2006/main">
   <p:cSld>
     <p:spTree>
@@ -6661,14 +7066,7 @@
                 <a:latin typeface="Segoe UI Light" panose="020B0502040204020203" pitchFamily="34" charset="0"/>
                 <a:cs typeface="Segoe UI Light" panose="020B0502040204020203" pitchFamily="34" charset="0"/>
               </a:rPr>
-              <a:t>Существующие </a:t>
-            </a:r>
-            <a:r>
-              <a:rPr lang="ru-RU" b="1" dirty="0" smtClean="0">
-                <a:latin typeface="Segoe UI Light" panose="020B0502040204020203" pitchFamily="34" charset="0"/>
-                <a:cs typeface="Segoe UI Light" panose="020B0502040204020203" pitchFamily="34" charset="0"/>
-              </a:rPr>
-              <a:t>решения</a:t>
+              <a:t>Существующие решения</a:t>
             </a:r>
             <a:endParaRPr lang="en-US" b="1" dirty="0">
               <a:latin typeface="Segoe UI Light" panose="020B0502040204020203" pitchFamily="34" charset="0"/>
@@ -7406,7 +7804,7 @@
       </p:sp>
       <p:sp>
         <p:nvSpPr>
-          <p:cNvPr id="5" name="Content Placeholder 2"/>
+          <p:cNvPr id="6" name="Content Placeholder 2"/>
           <p:cNvSpPr txBox="1">
             <a:spLocks/>
           </p:cNvSpPr>
@@ -7414,8 +7812,8 @@
         </p:nvSpPr>
         <p:spPr>
           <a:xfrm>
-            <a:off x="838200" y="2031054"/>
-            <a:ext cx="10515600" cy="4145909"/>
+            <a:off x="1647008" y="2471629"/>
+            <a:ext cx="8854440" cy="2906706"/>
           </a:xfrm>
           <a:prstGeom prst="rect">
             <a:avLst/>
@@ -7603,53 +8001,40 @@
             </a:lvl9pPr>
           </a:lstStyle>
           <a:p>
-            <a:r>
-              <a:rPr lang="en-US" sz="2400" b="1" dirty="0" smtClean="0">
-                <a:latin typeface="Segoe UI Light" panose="020B0502040204020203" pitchFamily="34" charset="0"/>
-                <a:cs typeface="Segoe UI Light" panose="020B0502040204020203" pitchFamily="34" charset="0"/>
-              </a:rPr>
-              <a:t>TripAdvisor – </a:t>
-            </a:r>
-            <a:r>
-              <a:rPr lang="ru-RU" sz="2400" b="1" dirty="0" smtClean="0">
-                <a:latin typeface="Segoe UI Light" panose="020B0502040204020203" pitchFamily="34" charset="0"/>
-                <a:cs typeface="Segoe UI Light" panose="020B0502040204020203" pitchFamily="34" charset="0"/>
-              </a:rPr>
-              <a:t>социальная сеть для путешественников, предоставляющая возможность пользователям оставлять отзывы на достопримечательности, исторические места, рестораны, места для отдыха. Каждый отзыв содержит информацию о местоположении пользователя, который его написал.</a:t>
-            </a:r>
-          </a:p>
-          <a:p>
-            <a:r>
-              <a:rPr lang="en-US" sz="2400" b="1" dirty="0" smtClean="0">
-                <a:latin typeface="Segoe UI Light" panose="020B0502040204020203" pitchFamily="34" charset="0"/>
-                <a:cs typeface="Segoe UI Light" panose="020B0502040204020203" pitchFamily="34" charset="0"/>
-              </a:rPr>
-              <a:t>Twitter – </a:t>
-            </a:r>
-            <a:r>
-              <a:rPr lang="ru-RU" sz="2400" b="1" dirty="0" smtClean="0">
-                <a:latin typeface="Segoe UI Light" panose="020B0502040204020203" pitchFamily="34" charset="0"/>
-                <a:cs typeface="Segoe UI Light" panose="020B0502040204020203" pitchFamily="34" charset="0"/>
-              </a:rPr>
-              <a:t>социальная сеть для публичного обмена короткими сообщениями «твитами». Каждый твит по умолчанию содержит информацию о местоположении  пользователя в момент публикации. </a:t>
-            </a:r>
-          </a:p>
-          <a:p>
-            <a:r>
-              <a:rPr lang="en-US" sz="2400" b="1" dirty="0" smtClean="0">
-                <a:latin typeface="Segoe UI Light" panose="020B0502040204020203" pitchFamily="34" charset="0"/>
-                <a:cs typeface="Segoe UI Light" panose="020B0502040204020203" pitchFamily="34" charset="0"/>
-              </a:rPr>
-              <a:t>Flickr – </a:t>
-            </a:r>
-            <a:r>
-              <a:rPr lang="ru-RU" sz="2400" b="1" dirty="0" smtClean="0">
-                <a:latin typeface="Segoe UI Light" panose="020B0502040204020203" pitchFamily="34" charset="0"/>
-                <a:cs typeface="Segoe UI Light" panose="020B0502040204020203" pitchFamily="34" charset="0"/>
-              </a:rPr>
-              <a:t>социальная сеть для обмена фотографиями. Каждая фотография по умолчанию содержит геолокационные данные о месте, в котором она была сделана, а профиль пользователя содержит его местоположение.</a:t>
-            </a:r>
-            <a:endParaRPr lang="ru-RU" sz="2000" b="1" dirty="0" smtClean="0">
+            <a:pPr marL="457200" lvl="1" indent="0">
+              <a:buNone/>
+            </a:pPr>
+            <a:r>
+              <a:rPr lang="ru-RU" sz="2000" b="1" dirty="0" smtClean="0">
+                <a:latin typeface="Segoe UI Light" panose="020B0502040204020203" pitchFamily="34" charset="0"/>
+                <a:cs typeface="Segoe UI Light" panose="020B0502040204020203" pitchFamily="34" charset="0"/>
+              </a:rPr>
+              <a:t>Сервисы</a:t>
+            </a:r>
+            <a:r>
+              <a:rPr lang="en-US" sz="2000" b="1" dirty="0" smtClean="0">
+                <a:latin typeface="Segoe UI Light" panose="020B0502040204020203" pitchFamily="34" charset="0"/>
+                <a:cs typeface="Segoe UI Light" panose="020B0502040204020203" pitchFamily="34" charset="0"/>
+              </a:rPr>
+              <a:t>/</a:t>
+            </a:r>
+            <a:r>
+              <a:rPr lang="ru-RU" sz="2000" b="1" dirty="0" smtClean="0">
+                <a:latin typeface="Segoe UI Light" panose="020B0502040204020203" pitchFamily="34" charset="0"/>
+                <a:cs typeface="Segoe UI Light" panose="020B0502040204020203" pitchFamily="34" charset="0"/>
+              </a:rPr>
+              <a:t>инструменты для извлечения ключевой информации из текста:</a:t>
+            </a:r>
+            <a:endParaRPr lang="en-US" sz="2000" b="1" dirty="0" smtClean="0">
+              <a:latin typeface="Segoe UI Light" panose="020B0502040204020203" pitchFamily="34" charset="0"/>
+              <a:cs typeface="Segoe UI Light" panose="020B0502040204020203" pitchFamily="34" charset="0"/>
+            </a:endParaRPr>
+          </a:p>
+          <a:p>
+            <a:pPr marL="457200" lvl="1" indent="0">
+              <a:buNone/>
+            </a:pPr>
+            <a:endParaRPr lang="en-US" sz="2000" b="1" dirty="0" smtClean="0">
               <a:latin typeface="Segoe UI Light" panose="020B0502040204020203" pitchFamily="34" charset="0"/>
               <a:cs typeface="Segoe UI Light" panose="020B0502040204020203" pitchFamily="34" charset="0"/>
             </a:endParaRPr>
@@ -7659,6 +8044,209 @@
               <a:buFont typeface="+mj-lt"/>
               <a:buAutoNum type="arabicPeriod"/>
             </a:pPr>
+            <a:r>
+              <a:rPr lang="en-US" sz="2000" b="1" dirty="0" err="1" smtClean="0">
+                <a:latin typeface="Segoe UI Light" panose="020B0502040204020203" pitchFamily="34" charset="0"/>
+                <a:cs typeface="Segoe UI Light" panose="020B0502040204020203" pitchFamily="34" charset="0"/>
+              </a:rPr>
+              <a:t>OpenCalais</a:t>
+            </a:r>
+            <a:r>
+              <a:rPr lang="en-US" sz="2000" b="1" dirty="0" smtClean="0">
+                <a:latin typeface="Segoe UI Light" panose="020B0502040204020203" pitchFamily="34" charset="0"/>
+                <a:cs typeface="Segoe UI Light" panose="020B0502040204020203" pitchFamily="34" charset="0"/>
+              </a:rPr>
+              <a:t>(</a:t>
+            </a:r>
+            <a:r>
+              <a:rPr lang="ru-RU" sz="2000" b="1" dirty="0">
+                <a:latin typeface="Segoe UI Light" panose="020B0502040204020203" pitchFamily="34" charset="0"/>
+                <a:cs typeface="Segoe UI Light" panose="020B0502040204020203" pitchFamily="34" charset="0"/>
+              </a:rPr>
+              <a:t>от </a:t>
+            </a:r>
+            <a:r>
+              <a:rPr lang="en-US" sz="2000" b="1" dirty="0">
+                <a:latin typeface="Segoe UI Light" panose="020B0502040204020203" pitchFamily="34" charset="0"/>
+                <a:cs typeface="Segoe UI Light" panose="020B0502040204020203" pitchFamily="34" charset="0"/>
+              </a:rPr>
+              <a:t>Thomson </a:t>
+            </a:r>
+            <a:r>
+              <a:rPr lang="en-US" sz="2000" b="1" dirty="0" smtClean="0">
+                <a:latin typeface="Segoe UI Light" panose="020B0502040204020203" pitchFamily="34" charset="0"/>
+                <a:cs typeface="Segoe UI Light" panose="020B0502040204020203" pitchFamily="34" charset="0"/>
+              </a:rPr>
+              <a:t>Reuters)</a:t>
+            </a:r>
+            <a:r>
+              <a:rPr lang="en-US" sz="2000" b="1" dirty="0">
+                <a:latin typeface="Segoe UI Light" panose="020B0502040204020203" pitchFamily="34" charset="0"/>
+                <a:cs typeface="Segoe UI Light" panose="020B0502040204020203" pitchFamily="34" charset="0"/>
+              </a:rPr>
+              <a:t>;</a:t>
+            </a:r>
+          </a:p>
+          <a:p>
+            <a:pPr marL="914400" lvl="1" indent="-457200">
+              <a:buFont typeface="+mj-lt"/>
+              <a:buAutoNum type="arabicPeriod"/>
+            </a:pPr>
+            <a:r>
+              <a:rPr lang="en-US" sz="2000" b="1" dirty="0">
+                <a:latin typeface="Segoe UI Light" panose="020B0502040204020203" pitchFamily="34" charset="0"/>
+                <a:cs typeface="Segoe UI Light" panose="020B0502040204020203" pitchFamily="34" charset="0"/>
+              </a:rPr>
+              <a:t>IBM's Watson Natural Language Understanding </a:t>
+            </a:r>
+            <a:r>
+              <a:rPr lang="en-US" sz="2000" b="1" dirty="0" smtClean="0">
+                <a:latin typeface="Segoe UI Light" panose="020B0502040204020203" pitchFamily="34" charset="0"/>
+                <a:cs typeface="Segoe UI Light" panose="020B0502040204020203" pitchFamily="34" charset="0"/>
+              </a:rPr>
+              <a:t>Service;</a:t>
+            </a:r>
+            <a:endParaRPr lang="en-US" sz="2000" b="1" dirty="0">
+              <a:latin typeface="Segoe UI Light" panose="020B0502040204020203" pitchFamily="34" charset="0"/>
+              <a:cs typeface="Segoe UI Light" panose="020B0502040204020203" pitchFamily="34" charset="0"/>
+            </a:endParaRPr>
+          </a:p>
+          <a:p>
+            <a:pPr marL="914400" lvl="1" indent="-457200">
+              <a:buFont typeface="+mj-lt"/>
+              <a:buAutoNum type="arabicPeriod"/>
+            </a:pPr>
+            <a:r>
+              <a:rPr lang="en-US" sz="2000" b="1" dirty="0">
+                <a:latin typeface="Segoe UI Light" panose="020B0502040204020203" pitchFamily="34" charset="0"/>
+                <a:cs typeface="Segoe UI Light" panose="020B0502040204020203" pitchFamily="34" charset="0"/>
+              </a:rPr>
+              <a:t>Yahoo Content </a:t>
+            </a:r>
+            <a:r>
+              <a:rPr lang="en-US" sz="2000" b="1" dirty="0" smtClean="0">
+                <a:latin typeface="Segoe UI Light" panose="020B0502040204020203" pitchFamily="34" charset="0"/>
+                <a:cs typeface="Segoe UI Light" panose="020B0502040204020203" pitchFamily="34" charset="0"/>
+              </a:rPr>
+              <a:t>Analysis;</a:t>
+            </a:r>
+            <a:endParaRPr lang="en-US" sz="2000" b="1" dirty="0">
+              <a:latin typeface="Segoe UI Light" panose="020B0502040204020203" pitchFamily="34" charset="0"/>
+              <a:cs typeface="Segoe UI Light" panose="020B0502040204020203" pitchFamily="34" charset="0"/>
+            </a:endParaRPr>
+          </a:p>
+          <a:p>
+            <a:pPr marL="914400" lvl="1" indent="-457200">
+              <a:buFont typeface="+mj-lt"/>
+              <a:buAutoNum type="arabicPeriod"/>
+            </a:pPr>
+            <a:r>
+              <a:rPr lang="en-US" sz="2000" b="1" dirty="0">
+                <a:latin typeface="Segoe UI Light" panose="020B0502040204020203" pitchFamily="34" charset="0"/>
+                <a:cs typeface="Segoe UI Light" panose="020B0502040204020203" pitchFamily="34" charset="0"/>
+              </a:rPr>
+              <a:t>Mining Cloud (</a:t>
+            </a:r>
+            <a:r>
+              <a:rPr lang="ru-RU" sz="2000" b="1" dirty="0">
+                <a:latin typeface="Segoe UI Light" panose="020B0502040204020203" pitchFamily="34" charset="0"/>
+                <a:cs typeface="Segoe UI Light" panose="020B0502040204020203" pitchFamily="34" charset="0"/>
+              </a:rPr>
+              <a:t>ранее </a:t>
+            </a:r>
+            <a:r>
+              <a:rPr lang="en-US" sz="2000" b="1" dirty="0">
+                <a:latin typeface="Segoe UI Light" panose="020B0502040204020203" pitchFamily="34" charset="0"/>
+                <a:cs typeface="Segoe UI Light" panose="020B0502040204020203" pitchFamily="34" charset="0"/>
+              </a:rPr>
+              <a:t>Text Analytics</a:t>
+            </a:r>
+            <a:r>
+              <a:rPr lang="en-US" sz="2000" b="1" dirty="0" smtClean="0">
+                <a:latin typeface="Segoe UI Light" panose="020B0502040204020203" pitchFamily="34" charset="0"/>
+                <a:cs typeface="Segoe UI Light" panose="020B0502040204020203" pitchFamily="34" charset="0"/>
+              </a:rPr>
+              <a:t>);</a:t>
+            </a:r>
+            <a:endParaRPr lang="en-US" sz="2000" b="1" dirty="0">
+              <a:latin typeface="Segoe UI Light" panose="020B0502040204020203" pitchFamily="34" charset="0"/>
+              <a:cs typeface="Segoe UI Light" panose="020B0502040204020203" pitchFamily="34" charset="0"/>
+            </a:endParaRPr>
+          </a:p>
+          <a:p>
+            <a:pPr marL="914400" lvl="1" indent="-457200">
+              <a:buFont typeface="+mj-lt"/>
+              <a:buAutoNum type="arabicPeriod"/>
+            </a:pPr>
+            <a:r>
+              <a:rPr lang="en-US" sz="2000" b="1" dirty="0">
+                <a:latin typeface="Segoe UI Light" panose="020B0502040204020203" pitchFamily="34" charset="0"/>
+                <a:cs typeface="Segoe UI Light" panose="020B0502040204020203" pitchFamily="34" charset="0"/>
+              </a:rPr>
+              <a:t>Stanford's Core NLP Suite </a:t>
+            </a:r>
+            <a:r>
+              <a:rPr lang="en-US" sz="2000" b="1" dirty="0" smtClean="0">
+                <a:latin typeface="Segoe UI Light" panose="020B0502040204020203" pitchFamily="34" charset="0"/>
+                <a:cs typeface="Segoe UI Light" panose="020B0502040204020203" pitchFamily="34" charset="0"/>
+              </a:rPr>
+              <a:t>;</a:t>
+            </a:r>
+            <a:endParaRPr lang="en-US" sz="2000" b="1" dirty="0">
+              <a:latin typeface="Segoe UI Light" panose="020B0502040204020203" pitchFamily="34" charset="0"/>
+              <a:cs typeface="Segoe UI Light" panose="020B0502040204020203" pitchFamily="34" charset="0"/>
+            </a:endParaRPr>
+          </a:p>
+          <a:p>
+            <a:pPr marL="914400" lvl="1" indent="-457200">
+              <a:buFont typeface="+mj-lt"/>
+              <a:buAutoNum type="arabicPeriod"/>
+            </a:pPr>
+            <a:r>
+              <a:rPr lang="en-US" sz="2000" b="1" dirty="0">
+                <a:latin typeface="Segoe UI Light" panose="020B0502040204020203" pitchFamily="34" charset="0"/>
+                <a:cs typeface="Segoe UI Light" panose="020B0502040204020203" pitchFamily="34" charset="0"/>
+              </a:rPr>
+              <a:t>Natural Language </a:t>
+            </a:r>
+            <a:r>
+              <a:rPr lang="en-US" sz="2000" b="1" dirty="0" smtClean="0">
+                <a:latin typeface="Segoe UI Light" panose="020B0502040204020203" pitchFamily="34" charset="0"/>
+                <a:cs typeface="Segoe UI Light" panose="020B0502040204020203" pitchFamily="34" charset="0"/>
+              </a:rPr>
+              <a:t>Toolkit;</a:t>
+            </a:r>
+            <a:endParaRPr lang="en-US" sz="2000" b="1" dirty="0">
+              <a:latin typeface="Segoe UI Light" panose="020B0502040204020203" pitchFamily="34" charset="0"/>
+              <a:cs typeface="Segoe UI Light" panose="020B0502040204020203" pitchFamily="34" charset="0"/>
+            </a:endParaRPr>
+          </a:p>
+          <a:p>
+            <a:pPr marL="914400" lvl="1" indent="-457200">
+              <a:buFont typeface="+mj-lt"/>
+              <a:buAutoNum type="arabicPeriod"/>
+            </a:pPr>
+            <a:r>
+              <a:rPr lang="en-US" sz="2000" b="1" dirty="0">
+                <a:latin typeface="Segoe UI Light" panose="020B0502040204020203" pitchFamily="34" charset="0"/>
+                <a:cs typeface="Segoe UI Light" panose="020B0502040204020203" pitchFamily="34" charset="0"/>
+              </a:rPr>
+              <a:t>Apache </a:t>
+            </a:r>
+            <a:r>
+              <a:rPr lang="en-US" sz="2000" b="1" dirty="0" err="1" smtClean="0">
+                <a:latin typeface="Segoe UI Light" panose="020B0502040204020203" pitchFamily="34" charset="0"/>
+                <a:cs typeface="Segoe UI Light" panose="020B0502040204020203" pitchFamily="34" charset="0"/>
+              </a:rPr>
+              <a:t>OpenNLP</a:t>
+            </a:r>
+            <a:r>
+              <a:rPr lang="en-US" sz="2000" b="1" dirty="0">
+                <a:latin typeface="Segoe UI Light" panose="020B0502040204020203" pitchFamily="34" charset="0"/>
+                <a:cs typeface="Segoe UI Light" panose="020B0502040204020203" pitchFamily="34" charset="0"/>
+              </a:rPr>
+              <a:t>.</a:t>
+            </a:r>
             <a:endParaRPr lang="ru-RU" sz="2000" b="1" dirty="0" smtClean="0">
               <a:latin typeface="Segoe UI Light" panose="020B0502040204020203" pitchFamily="34" charset="0"/>
               <a:cs typeface="Segoe UI Light" panose="020B0502040204020203" pitchFamily="34" charset="0"/>
@@ -7693,6 +8281,614 @@
 </file>
 
 <file path=ppt/slides/slide6.xml><?xml version="1.0" encoding="utf-8"?>
+<p:sld xmlns:a="http://schemas.openxmlformats.org/drawingml/2006/main" xmlns:r="http://schemas.openxmlformats.org/officeDocument/2006/relationships" xmlns:p="http://schemas.openxmlformats.org/presentationml/2006/main">
+  <p:cSld>
+    <p:spTree>
+      <p:nvGrpSpPr>
+        <p:cNvPr id="1" name=""/>
+        <p:cNvGrpSpPr/>
+        <p:nvPr/>
+      </p:nvGrpSpPr>
+      <p:grpSpPr>
+        <a:xfrm>
+          <a:off x="0" y="0"/>
+          <a:ext cx="0" cy="0"/>
+          <a:chOff x="0" y="0"/>
+          <a:chExt cx="0" cy="0"/>
+        </a:xfrm>
+      </p:grpSpPr>
+      <p:pic>
+        <p:nvPicPr>
+          <p:cNvPr id="2" name="Picture 1"/>
+          <p:cNvPicPr>
+            <a:picLocks noChangeAspect="1"/>
+          </p:cNvPicPr>
+          <p:nvPr/>
+        </p:nvPicPr>
+        <p:blipFill rotWithShape="1">
+          <a:blip r:embed="rId2"/>
+          <a:srcRect r="9412"/>
+          <a:stretch/>
+        </p:blipFill>
+        <p:spPr>
+          <a:xfrm>
+            <a:off x="1" y="0"/>
+            <a:ext cx="12192000" cy="1133475"/>
+          </a:xfrm>
+          <a:prstGeom prst="rect">
+            <a:avLst/>
+          </a:prstGeom>
+        </p:spPr>
+      </p:pic>
+      <p:sp>
+        <p:nvSpPr>
+          <p:cNvPr id="3" name="TextBox 2"/>
+          <p:cNvSpPr txBox="1"/>
+          <p:nvPr/>
+        </p:nvSpPr>
+        <p:spPr>
+          <a:xfrm>
+            <a:off x="3574473" y="142877"/>
+            <a:ext cx="8625049" cy="707886"/>
+          </a:xfrm>
+          <a:prstGeom prst="rect">
+            <a:avLst/>
+          </a:prstGeom>
+          <a:noFill/>
+        </p:spPr>
+        <p:txBody>
+          <a:bodyPr wrap="square" rtlCol="0">
+            <a:spAutoFit/>
+          </a:bodyPr>
+          <a:lstStyle/>
+          <a:p>
+            <a:pPr algn="r"/>
+            <a:r>
+              <a:rPr lang="ru-RU" sz="2000" dirty="0" smtClean="0">
+                <a:solidFill>
+                  <a:schemeClr val="bg1"/>
+                </a:solidFill>
+                <a:latin typeface="Segoe UI Light" panose="020B0502040204020203" pitchFamily="34" charset="0"/>
+                <a:ea typeface="Microsoft JhengHei" panose="020B0604030504040204" pitchFamily="34" charset="-120"/>
+                <a:cs typeface="Segoe UI Light" panose="020B0502040204020203" pitchFamily="34" charset="0"/>
+              </a:rPr>
+              <a:t>ФАКУЛЬТЕТ ПРИКЛАДНОЙ МАТЕМАТИКИ И ИНФОРМАТИКИ</a:t>
+            </a:r>
+            <a:endParaRPr lang="en-US" sz="2000" dirty="0" smtClean="0">
+              <a:solidFill>
+                <a:schemeClr val="bg1"/>
+              </a:solidFill>
+              <a:latin typeface="Segoe UI Light" panose="020B0502040204020203" pitchFamily="34" charset="0"/>
+              <a:ea typeface="Microsoft JhengHei" panose="020B0604030504040204" pitchFamily="34" charset="-120"/>
+              <a:cs typeface="Segoe UI Light" panose="020B0502040204020203" pitchFamily="34" charset="0"/>
+            </a:endParaRPr>
+          </a:p>
+          <a:p>
+            <a:pPr algn="r"/>
+            <a:r>
+              <a:rPr lang="ru-RU" sz="2000" dirty="0" smtClean="0">
+                <a:solidFill>
+                  <a:schemeClr val="bg1"/>
+                </a:solidFill>
+                <a:latin typeface="Segoe UI Light" panose="020B0502040204020203" pitchFamily="34" charset="0"/>
+                <a:ea typeface="Microsoft JhengHei" panose="020B0604030504040204" pitchFamily="34" charset="-120"/>
+                <a:cs typeface="Segoe UI Light" panose="020B0502040204020203" pitchFamily="34" charset="0"/>
+              </a:rPr>
+              <a:t>КАФЕДРА ИНФОРМАЦИОННЫХ СИСТЕМ УПРАВЛЕНИЯ</a:t>
+            </a:r>
+            <a:endParaRPr lang="en-US" sz="2000" dirty="0">
+              <a:solidFill>
+                <a:schemeClr val="bg1"/>
+              </a:solidFill>
+              <a:latin typeface="Segoe UI Light" panose="020B0502040204020203" pitchFamily="34" charset="0"/>
+              <a:ea typeface="Microsoft JhengHei" panose="020B0604030504040204" pitchFamily="34" charset="-120"/>
+              <a:cs typeface="Segoe UI Light" panose="020B0502040204020203" pitchFamily="34" charset="0"/>
+            </a:endParaRPr>
+          </a:p>
+        </p:txBody>
+      </p:sp>
+      <p:sp>
+        <p:nvSpPr>
+          <p:cNvPr id="4" name="Title 1"/>
+          <p:cNvSpPr txBox="1">
+            <a:spLocks/>
+          </p:cNvSpPr>
+          <p:nvPr/>
+        </p:nvSpPr>
+        <p:spPr>
+          <a:xfrm>
+            <a:off x="439387" y="1276352"/>
+            <a:ext cx="11269683" cy="611825"/>
+          </a:xfrm>
+          <a:prstGeom prst="rect">
+            <a:avLst/>
+          </a:prstGeom>
+        </p:spPr>
+        <p:txBody>
+          <a:bodyPr/>
+          <a:lstStyle>
+            <a:lvl1pPr algn="l" rtl="0" eaLnBrk="1" fontAlgn="base" hangingPunct="1">
+              <a:lnSpc>
+                <a:spcPct val="90000"/>
+              </a:lnSpc>
+              <a:spcBef>
+                <a:spcPct val="0"/>
+              </a:spcBef>
+              <a:spcAft>
+                <a:spcPct val="0"/>
+              </a:spcAft>
+              <a:defRPr sz="4400" kern="1200">
+                <a:solidFill>
+                  <a:schemeClr val="tx1"/>
+                </a:solidFill>
+                <a:latin typeface="+mj-lt"/>
+                <a:ea typeface="+mj-ea"/>
+                <a:cs typeface="+mj-cs"/>
+              </a:defRPr>
+            </a:lvl1pPr>
+            <a:lvl2pPr algn="l" rtl="0" eaLnBrk="1" fontAlgn="base" hangingPunct="1">
+              <a:lnSpc>
+                <a:spcPct val="90000"/>
+              </a:lnSpc>
+              <a:spcBef>
+                <a:spcPct val="0"/>
+              </a:spcBef>
+              <a:spcAft>
+                <a:spcPct val="0"/>
+              </a:spcAft>
+              <a:defRPr sz="4400">
+                <a:solidFill>
+                  <a:schemeClr val="tx1"/>
+                </a:solidFill>
+                <a:latin typeface="Calibri Light" panose="020F0302020204030204" pitchFamily="34" charset="0"/>
+              </a:defRPr>
+            </a:lvl2pPr>
+            <a:lvl3pPr algn="l" rtl="0" eaLnBrk="1" fontAlgn="base" hangingPunct="1">
+              <a:lnSpc>
+                <a:spcPct val="90000"/>
+              </a:lnSpc>
+              <a:spcBef>
+                <a:spcPct val="0"/>
+              </a:spcBef>
+              <a:spcAft>
+                <a:spcPct val="0"/>
+              </a:spcAft>
+              <a:defRPr sz="4400">
+                <a:solidFill>
+                  <a:schemeClr val="tx1"/>
+                </a:solidFill>
+                <a:latin typeface="Calibri Light" panose="020F0302020204030204" pitchFamily="34" charset="0"/>
+              </a:defRPr>
+            </a:lvl3pPr>
+            <a:lvl4pPr algn="l" rtl="0" eaLnBrk="1" fontAlgn="base" hangingPunct="1">
+              <a:lnSpc>
+                <a:spcPct val="90000"/>
+              </a:lnSpc>
+              <a:spcBef>
+                <a:spcPct val="0"/>
+              </a:spcBef>
+              <a:spcAft>
+                <a:spcPct val="0"/>
+              </a:spcAft>
+              <a:defRPr sz="4400">
+                <a:solidFill>
+                  <a:schemeClr val="tx1"/>
+                </a:solidFill>
+                <a:latin typeface="Calibri Light" panose="020F0302020204030204" pitchFamily="34" charset="0"/>
+              </a:defRPr>
+            </a:lvl4pPr>
+            <a:lvl5pPr algn="l" rtl="0" eaLnBrk="1" fontAlgn="base" hangingPunct="1">
+              <a:lnSpc>
+                <a:spcPct val="90000"/>
+              </a:lnSpc>
+              <a:spcBef>
+                <a:spcPct val="0"/>
+              </a:spcBef>
+              <a:spcAft>
+                <a:spcPct val="0"/>
+              </a:spcAft>
+              <a:defRPr sz="4400">
+                <a:solidFill>
+                  <a:schemeClr val="tx1"/>
+                </a:solidFill>
+                <a:latin typeface="Calibri Light" panose="020F0302020204030204" pitchFamily="34" charset="0"/>
+              </a:defRPr>
+            </a:lvl5pPr>
+            <a:lvl6pPr marL="457200" algn="l" rtl="0" eaLnBrk="1" fontAlgn="base" hangingPunct="1">
+              <a:lnSpc>
+                <a:spcPct val="90000"/>
+              </a:lnSpc>
+              <a:spcBef>
+                <a:spcPct val="0"/>
+              </a:spcBef>
+              <a:spcAft>
+                <a:spcPct val="0"/>
+              </a:spcAft>
+              <a:defRPr sz="4400">
+                <a:solidFill>
+                  <a:schemeClr val="tx1"/>
+                </a:solidFill>
+                <a:latin typeface="Calibri Light" panose="020F0302020204030204" pitchFamily="34" charset="0"/>
+              </a:defRPr>
+            </a:lvl6pPr>
+            <a:lvl7pPr marL="914400" algn="l" rtl="0" eaLnBrk="1" fontAlgn="base" hangingPunct="1">
+              <a:lnSpc>
+                <a:spcPct val="90000"/>
+              </a:lnSpc>
+              <a:spcBef>
+                <a:spcPct val="0"/>
+              </a:spcBef>
+              <a:spcAft>
+                <a:spcPct val="0"/>
+              </a:spcAft>
+              <a:defRPr sz="4400">
+                <a:solidFill>
+                  <a:schemeClr val="tx1"/>
+                </a:solidFill>
+                <a:latin typeface="Calibri Light" panose="020F0302020204030204" pitchFamily="34" charset="0"/>
+              </a:defRPr>
+            </a:lvl7pPr>
+            <a:lvl8pPr marL="1371600" algn="l" rtl="0" eaLnBrk="1" fontAlgn="base" hangingPunct="1">
+              <a:lnSpc>
+                <a:spcPct val="90000"/>
+              </a:lnSpc>
+              <a:spcBef>
+                <a:spcPct val="0"/>
+              </a:spcBef>
+              <a:spcAft>
+                <a:spcPct val="0"/>
+              </a:spcAft>
+              <a:defRPr sz="4400">
+                <a:solidFill>
+                  <a:schemeClr val="tx1"/>
+                </a:solidFill>
+                <a:latin typeface="Calibri Light" panose="020F0302020204030204" pitchFamily="34" charset="0"/>
+              </a:defRPr>
+            </a:lvl8pPr>
+            <a:lvl9pPr marL="1828800" algn="l" rtl="0" eaLnBrk="1" fontAlgn="base" hangingPunct="1">
+              <a:lnSpc>
+                <a:spcPct val="90000"/>
+              </a:lnSpc>
+              <a:spcBef>
+                <a:spcPct val="0"/>
+              </a:spcBef>
+              <a:spcAft>
+                <a:spcPct val="0"/>
+              </a:spcAft>
+              <a:defRPr sz="4400">
+                <a:solidFill>
+                  <a:schemeClr val="tx1"/>
+                </a:solidFill>
+                <a:latin typeface="Calibri Light" panose="020F0302020204030204" pitchFamily="34" charset="0"/>
+              </a:defRPr>
+            </a:lvl9pPr>
+          </a:lstStyle>
+          <a:p>
+            <a:pPr algn="ctr"/>
+            <a:r>
+              <a:rPr lang="ru-RU" b="1" dirty="0" smtClean="0">
+                <a:latin typeface="Segoe UI Light" panose="020B0502040204020203" pitchFamily="34" charset="0"/>
+                <a:cs typeface="Segoe UI Light" panose="020B0502040204020203" pitchFamily="34" charset="0"/>
+              </a:rPr>
+              <a:t>Составление поскового образа документа</a:t>
+            </a:r>
+            <a:endParaRPr lang="en-US" b="1" dirty="0">
+              <a:latin typeface="Segoe UI Light" panose="020B0502040204020203" pitchFamily="34" charset="0"/>
+              <a:cs typeface="Segoe UI Light" panose="020B0502040204020203" pitchFamily="34" charset="0"/>
+            </a:endParaRPr>
+          </a:p>
+        </p:txBody>
+      </p:sp>
+      <p:sp>
+        <p:nvSpPr>
+          <p:cNvPr id="6" name="Content Placeholder 2"/>
+          <p:cNvSpPr txBox="1">
+            <a:spLocks/>
+          </p:cNvSpPr>
+          <p:nvPr/>
+        </p:nvSpPr>
+        <p:spPr>
+          <a:xfrm>
+            <a:off x="231569" y="2421753"/>
+            <a:ext cx="6318860" cy="4145302"/>
+          </a:xfrm>
+          <a:prstGeom prst="rect">
+            <a:avLst/>
+          </a:prstGeom>
+        </p:spPr>
+        <p:txBody>
+          <a:bodyPr/>
+          <a:lstStyle>
+            <a:lvl1pPr marL="228600" indent="-228600" algn="l" rtl="0" eaLnBrk="1" fontAlgn="base" hangingPunct="1">
+              <a:lnSpc>
+                <a:spcPct val="90000"/>
+              </a:lnSpc>
+              <a:spcBef>
+                <a:spcPts val="1000"/>
+              </a:spcBef>
+              <a:spcAft>
+                <a:spcPct val="0"/>
+              </a:spcAft>
+              <a:buFont typeface="Arial" panose="020B0604020202020204" pitchFamily="34" charset="0"/>
+              <a:buChar char="•"/>
+              <a:defRPr sz="2800" kern="1200">
+                <a:solidFill>
+                  <a:schemeClr val="tx1"/>
+                </a:solidFill>
+                <a:latin typeface="+mn-lt"/>
+                <a:ea typeface="+mn-ea"/>
+                <a:cs typeface="+mn-cs"/>
+              </a:defRPr>
+            </a:lvl1pPr>
+            <a:lvl2pPr marL="685800" indent="-228600" algn="l" rtl="0" eaLnBrk="1" fontAlgn="base" hangingPunct="1">
+              <a:lnSpc>
+                <a:spcPct val="90000"/>
+              </a:lnSpc>
+              <a:spcBef>
+                <a:spcPts val="500"/>
+              </a:spcBef>
+              <a:spcAft>
+                <a:spcPct val="0"/>
+              </a:spcAft>
+              <a:buFont typeface="Arial" panose="020B0604020202020204" pitchFamily="34" charset="0"/>
+              <a:buChar char="•"/>
+              <a:defRPr sz="2400" kern="1200">
+                <a:solidFill>
+                  <a:schemeClr val="tx1"/>
+                </a:solidFill>
+                <a:latin typeface="+mn-lt"/>
+                <a:ea typeface="+mn-ea"/>
+                <a:cs typeface="+mn-cs"/>
+              </a:defRPr>
+            </a:lvl2pPr>
+            <a:lvl3pPr marL="1143000" indent="-228600" algn="l" rtl="0" eaLnBrk="1" fontAlgn="base" hangingPunct="1">
+              <a:lnSpc>
+                <a:spcPct val="90000"/>
+              </a:lnSpc>
+              <a:spcBef>
+                <a:spcPts val="500"/>
+              </a:spcBef>
+              <a:spcAft>
+                <a:spcPct val="0"/>
+              </a:spcAft>
+              <a:buFont typeface="Arial" panose="020B0604020202020204" pitchFamily="34" charset="0"/>
+              <a:buChar char="•"/>
+              <a:defRPr sz="2000" kern="1200">
+                <a:solidFill>
+                  <a:schemeClr val="tx1"/>
+                </a:solidFill>
+                <a:latin typeface="+mn-lt"/>
+                <a:ea typeface="+mn-ea"/>
+                <a:cs typeface="+mn-cs"/>
+              </a:defRPr>
+            </a:lvl3pPr>
+            <a:lvl4pPr marL="1600200" indent="-228600" algn="l" rtl="0" eaLnBrk="1" fontAlgn="base" hangingPunct="1">
+              <a:lnSpc>
+                <a:spcPct val="90000"/>
+              </a:lnSpc>
+              <a:spcBef>
+                <a:spcPts val="500"/>
+              </a:spcBef>
+              <a:spcAft>
+                <a:spcPct val="0"/>
+              </a:spcAft>
+              <a:buFont typeface="Arial" panose="020B0604020202020204" pitchFamily="34" charset="0"/>
+              <a:buChar char="•"/>
+              <a:defRPr kern="1200">
+                <a:solidFill>
+                  <a:schemeClr val="tx1"/>
+                </a:solidFill>
+                <a:latin typeface="+mn-lt"/>
+                <a:ea typeface="+mn-ea"/>
+                <a:cs typeface="+mn-cs"/>
+              </a:defRPr>
+            </a:lvl4pPr>
+            <a:lvl5pPr marL="2057400" indent="-228600" algn="l" rtl="0" eaLnBrk="1" fontAlgn="base" hangingPunct="1">
+              <a:lnSpc>
+                <a:spcPct val="90000"/>
+              </a:lnSpc>
+              <a:spcBef>
+                <a:spcPts val="500"/>
+              </a:spcBef>
+              <a:spcAft>
+                <a:spcPct val="0"/>
+              </a:spcAft>
+              <a:buFont typeface="Arial" panose="020B0604020202020204" pitchFamily="34" charset="0"/>
+              <a:buChar char="•"/>
+              <a:defRPr kern="1200">
+                <a:solidFill>
+                  <a:schemeClr val="tx1"/>
+                </a:solidFill>
+                <a:latin typeface="+mn-lt"/>
+                <a:ea typeface="+mn-ea"/>
+                <a:cs typeface="+mn-cs"/>
+              </a:defRPr>
+            </a:lvl5pPr>
+            <a:lvl6pPr marL="2514600" indent="-228600" algn="l" defTabSz="914400" rtl="0" eaLnBrk="1" latinLnBrk="0" hangingPunct="1">
+              <a:lnSpc>
+                <a:spcPct val="90000"/>
+              </a:lnSpc>
+              <a:spcBef>
+                <a:spcPts val="500"/>
+              </a:spcBef>
+              <a:buFont typeface="Arial" panose="020B0604020202020204" pitchFamily="34" charset="0"/>
+              <a:buChar char="•"/>
+              <a:defRPr sz="1800" kern="1200">
+                <a:solidFill>
+                  <a:schemeClr val="tx1"/>
+                </a:solidFill>
+                <a:latin typeface="+mn-lt"/>
+                <a:ea typeface="+mn-ea"/>
+                <a:cs typeface="+mn-cs"/>
+              </a:defRPr>
+            </a:lvl6pPr>
+            <a:lvl7pPr marL="2971800" indent="-228600" algn="l" defTabSz="914400" rtl="0" eaLnBrk="1" latinLnBrk="0" hangingPunct="1">
+              <a:lnSpc>
+                <a:spcPct val="90000"/>
+              </a:lnSpc>
+              <a:spcBef>
+                <a:spcPts val="500"/>
+              </a:spcBef>
+              <a:buFont typeface="Arial" panose="020B0604020202020204" pitchFamily="34" charset="0"/>
+              <a:buChar char="•"/>
+              <a:defRPr sz="1800" kern="1200">
+                <a:solidFill>
+                  <a:schemeClr val="tx1"/>
+                </a:solidFill>
+                <a:latin typeface="+mn-lt"/>
+                <a:ea typeface="+mn-ea"/>
+                <a:cs typeface="+mn-cs"/>
+              </a:defRPr>
+            </a:lvl7pPr>
+            <a:lvl8pPr marL="3429000" indent="-228600" algn="l" defTabSz="914400" rtl="0" eaLnBrk="1" latinLnBrk="0" hangingPunct="1">
+              <a:lnSpc>
+                <a:spcPct val="90000"/>
+              </a:lnSpc>
+              <a:spcBef>
+                <a:spcPts val="500"/>
+              </a:spcBef>
+              <a:buFont typeface="Arial" panose="020B0604020202020204" pitchFamily="34" charset="0"/>
+              <a:buChar char="•"/>
+              <a:defRPr sz="1800" kern="1200">
+                <a:solidFill>
+                  <a:schemeClr val="tx1"/>
+                </a:solidFill>
+                <a:latin typeface="+mn-lt"/>
+                <a:ea typeface="+mn-ea"/>
+                <a:cs typeface="+mn-cs"/>
+              </a:defRPr>
+            </a:lvl8pPr>
+            <a:lvl9pPr marL="3886200" indent="-228600" algn="l" defTabSz="914400" rtl="0" eaLnBrk="1" latinLnBrk="0" hangingPunct="1">
+              <a:lnSpc>
+                <a:spcPct val="90000"/>
+              </a:lnSpc>
+              <a:spcBef>
+                <a:spcPts val="500"/>
+              </a:spcBef>
+              <a:buFont typeface="Arial" panose="020B0604020202020204" pitchFamily="34" charset="0"/>
+              <a:buChar char="•"/>
+              <a:defRPr sz="1800" kern="1200">
+                <a:solidFill>
+                  <a:schemeClr val="tx1"/>
+                </a:solidFill>
+                <a:latin typeface="+mn-lt"/>
+                <a:ea typeface="+mn-ea"/>
+                <a:cs typeface="+mn-cs"/>
+              </a:defRPr>
+            </a:lvl9pPr>
+          </a:lstStyle>
+          <a:p>
+            <a:pPr marL="0" indent="0">
+              <a:buNone/>
+            </a:pPr>
+            <a:r>
+              <a:rPr lang="ru-RU" sz="2400" b="1" dirty="0" smtClean="0">
+                <a:latin typeface="Segoe UI Light" panose="020B0502040204020203" pitchFamily="34" charset="0"/>
+                <a:cs typeface="Segoe UI Light" panose="020B0502040204020203" pitchFamily="34" charset="0"/>
+              </a:rPr>
+              <a:t>Преимущества IBM's </a:t>
+            </a:r>
+            <a:r>
+              <a:rPr lang="ru-RU" sz="2400" b="1" dirty="0">
+                <a:latin typeface="Segoe UI Light" panose="020B0502040204020203" pitchFamily="34" charset="0"/>
+                <a:cs typeface="Segoe UI Light" panose="020B0502040204020203" pitchFamily="34" charset="0"/>
+              </a:rPr>
+              <a:t>Watson Natural Language Understanding </a:t>
+            </a:r>
+            <a:r>
+              <a:rPr lang="ru-RU" sz="2400" b="1" dirty="0" smtClean="0">
+                <a:latin typeface="Segoe UI Light" panose="020B0502040204020203" pitchFamily="34" charset="0"/>
+                <a:cs typeface="Segoe UI Light" panose="020B0502040204020203" pitchFamily="34" charset="0"/>
+              </a:rPr>
+              <a:t>Service:</a:t>
+            </a:r>
+            <a:endParaRPr lang="ru-RU" sz="2400" b="1" dirty="0">
+              <a:latin typeface="Segoe UI Light" panose="020B0502040204020203" pitchFamily="34" charset="0"/>
+              <a:cs typeface="Segoe UI Light" panose="020B0502040204020203" pitchFamily="34" charset="0"/>
+            </a:endParaRPr>
+          </a:p>
+          <a:p>
+            <a:r>
+              <a:rPr lang="ru-RU" sz="2400" b="1" dirty="0">
+                <a:latin typeface="Segoe UI Light" panose="020B0502040204020203" pitchFamily="34" charset="0"/>
+                <a:cs typeface="Segoe UI Light" panose="020B0502040204020203" pitchFamily="34" charset="0"/>
+              </a:rPr>
+              <a:t>Простота интеграции и наличие бесплатной версии API;</a:t>
+            </a:r>
+          </a:p>
+          <a:p>
+            <a:r>
+              <a:rPr lang="ru-RU" sz="2400" b="1" dirty="0">
+                <a:latin typeface="Segoe UI Light" panose="020B0502040204020203" pitchFamily="34" charset="0"/>
+                <a:cs typeface="Segoe UI Light" panose="020B0502040204020203" pitchFamily="34" charset="0"/>
+              </a:rPr>
+              <a:t>Входные данные: текст, html, url-адрес веб-страницы;</a:t>
+            </a:r>
+          </a:p>
+          <a:p>
+            <a:r>
+              <a:rPr lang="ru-RU" sz="2400" b="1" dirty="0">
+                <a:latin typeface="Segoe UI Light" panose="020B0502040204020203" pitchFamily="34" charset="0"/>
+                <a:cs typeface="Segoe UI Light" panose="020B0502040204020203" pitchFamily="34" charset="0"/>
+              </a:rPr>
+              <a:t>Широкий спектр поддерживаемых языков для извлечения ключевых слов: английский, русский, французский, немецкий, итальянский, португальский, испанский.</a:t>
+            </a:r>
+            <a:endParaRPr lang="ru-RU" sz="2400" b="1" dirty="0" smtClean="0">
+              <a:latin typeface="Segoe UI Light" panose="020B0502040204020203" pitchFamily="34" charset="0"/>
+              <a:cs typeface="Segoe UI Light" panose="020B0502040204020203" pitchFamily="34" charset="0"/>
+            </a:endParaRPr>
+          </a:p>
+        </p:txBody>
+      </p:sp>
+      <p:pic>
+        <p:nvPicPr>
+          <p:cNvPr id="7" name="Рисунок 9"/>
+          <p:cNvPicPr/>
+          <p:nvPr/>
+        </p:nvPicPr>
+        <p:blipFill>
+          <a:blip r:embed="rId3" cstate="print">
+            <a:extLst>
+              <a:ext uri="{28A0092B-C50C-407E-A947-70E740481C1C}">
+                <a14:useLocalDpi xmlns:a14="http://schemas.microsoft.com/office/drawing/2010/main" val="0"/>
+              </a:ext>
+            </a:extLst>
+          </a:blip>
+          <a:stretch>
+            <a:fillRect/>
+          </a:stretch>
+        </p:blipFill>
+        <p:spPr>
+          <a:xfrm>
+            <a:off x="7032567" y="2579694"/>
+            <a:ext cx="4759383" cy="3791711"/>
+          </a:xfrm>
+          <a:prstGeom prst="rect">
+            <a:avLst/>
+          </a:prstGeom>
+        </p:spPr>
+      </p:pic>
+    </p:spTree>
+    <p:extLst>
+      <p:ext uri="{BB962C8B-B14F-4D97-AF65-F5344CB8AC3E}">
+        <p14:creationId xmlns:p14="http://schemas.microsoft.com/office/powerpoint/2010/main" val="3720641881"/>
+      </p:ext>
+    </p:extLst>
+  </p:cSld>
+  <p:clrMapOvr>
+    <a:masterClrMapping/>
+  </p:clrMapOvr>
+  <p:timing>
+    <p:tnLst>
+      <p:par>
+        <p:cTn id="1" dur="indefinite" restart="never" nodeType="tmRoot"/>
+      </p:par>
+    </p:tnLst>
+  </p:timing>
+</p:sld>
+</file>
+
+<file path=ppt/slides/slide7.xml><?xml version="1.0" encoding="utf-8"?>
 <p:sld xmlns:a="http://schemas.openxmlformats.org/drawingml/2006/main" xmlns:r="http://schemas.openxmlformats.org/officeDocument/2006/relationships" xmlns:p="http://schemas.openxmlformats.org/presentationml/2006/main">
   <p:cSld>
     <p:spTree>
@@ -7821,7 +9017,7 @@
           <a:graphicData uri="http://schemas.openxmlformats.org/presentationml/2006/ole">
             <mc:AlternateContent xmlns:mc="http://schemas.openxmlformats.org/markup-compatibility/2006">
               <mc:Choice xmlns:v="urn:schemas-microsoft-com:vml" Requires="v">
-                <p:oleObj spid="_x0000_s8236" name="Visio" r:id="rId4" imgW="5467190" imgH="4057607" progId="Visio.Drawing.15">
+                <p:oleObj spid="_x0000_s8252" name="Visio" r:id="rId4" imgW="5467190" imgH="4057607" progId="Visio.Drawing.15">
                   <p:embed/>
                 </p:oleObj>
               </mc:Choice>
@@ -8087,7 +9283,7 @@
 </p:sld>
 </file>
 
-<file path=ppt/slides/slide7.xml><?xml version="1.0" encoding="utf-8"?>
+<file path=ppt/slides/slide8.xml><?xml version="1.0" encoding="utf-8"?>
 <p:sld xmlns:a="http://schemas.openxmlformats.org/drawingml/2006/main" xmlns:r="http://schemas.openxmlformats.org/officeDocument/2006/relationships" xmlns:p="http://schemas.openxmlformats.org/presentationml/2006/main">
   <p:cSld>
     <p:spTree>
@@ -8439,7 +9635,7 @@
 </p:sld>
 </file>
 
-<file path=ppt/slides/slide8.xml><?xml version="1.0" encoding="utf-8"?>
+<file path=ppt/slides/slide9.xml><?xml version="1.0" encoding="utf-8"?>
 <p:sld xmlns:a="http://schemas.openxmlformats.org/drawingml/2006/main" xmlns:r="http://schemas.openxmlformats.org/officeDocument/2006/relationships" xmlns:p="http://schemas.openxmlformats.org/presentationml/2006/main">
   <p:cSld>
     <p:spTree>
@@ -9092,424 +10288,6 @@
     <p:extLst>
       <p:ext uri="{BB962C8B-B14F-4D97-AF65-F5344CB8AC3E}">
         <p14:creationId xmlns:p14="http://schemas.microsoft.com/office/powerpoint/2010/main" val="2841718696"/>
-      </p:ext>
-    </p:extLst>
-  </p:cSld>
-  <p:clrMapOvr>
-    <a:masterClrMapping/>
-  </p:clrMapOvr>
-  <p:timing>
-    <p:tnLst>
-      <p:par>
-        <p:cTn id="1" dur="indefinite" restart="never" nodeType="tmRoot"/>
-      </p:par>
-    </p:tnLst>
-  </p:timing>
-</p:sld>
-</file>
-
-<file path=ppt/slides/slide9.xml><?xml version="1.0" encoding="utf-8"?>
-<p:sld xmlns:a="http://schemas.openxmlformats.org/drawingml/2006/main" xmlns:r="http://schemas.openxmlformats.org/officeDocument/2006/relationships" xmlns:p="http://schemas.openxmlformats.org/presentationml/2006/main">
-  <p:cSld>
-    <p:spTree>
-      <p:nvGrpSpPr>
-        <p:cNvPr id="1" name=""/>
-        <p:cNvGrpSpPr/>
-        <p:nvPr/>
-      </p:nvGrpSpPr>
-      <p:grpSpPr>
-        <a:xfrm>
-          <a:off x="0" y="0"/>
-          <a:ext cx="0" cy="0"/>
-          <a:chOff x="0" y="0"/>
-          <a:chExt cx="0" cy="0"/>
-        </a:xfrm>
-      </p:grpSpPr>
-      <p:pic>
-        <p:nvPicPr>
-          <p:cNvPr id="2" name="Picture 1"/>
-          <p:cNvPicPr>
-            <a:picLocks noChangeAspect="1"/>
-          </p:cNvPicPr>
-          <p:nvPr/>
-        </p:nvPicPr>
-        <p:blipFill rotWithShape="1">
-          <a:blip r:embed="rId2"/>
-          <a:srcRect r="9412"/>
-          <a:stretch/>
-        </p:blipFill>
-        <p:spPr>
-          <a:xfrm>
-            <a:off x="1" y="0"/>
-            <a:ext cx="12192000" cy="1133475"/>
-          </a:xfrm>
-          <a:prstGeom prst="rect">
-            <a:avLst/>
-          </a:prstGeom>
-        </p:spPr>
-      </p:pic>
-      <p:sp>
-        <p:nvSpPr>
-          <p:cNvPr id="3" name="TextBox 2"/>
-          <p:cNvSpPr txBox="1"/>
-          <p:nvPr/>
-        </p:nvSpPr>
-        <p:spPr>
-          <a:xfrm>
-            <a:off x="3574473" y="142877"/>
-            <a:ext cx="8625049" cy="707886"/>
-          </a:xfrm>
-          <a:prstGeom prst="rect">
-            <a:avLst/>
-          </a:prstGeom>
-          <a:noFill/>
-        </p:spPr>
-        <p:txBody>
-          <a:bodyPr wrap="square" rtlCol="0">
-            <a:spAutoFit/>
-          </a:bodyPr>
-          <a:lstStyle/>
-          <a:p>
-            <a:pPr algn="r"/>
-            <a:r>
-              <a:rPr lang="ru-RU" sz="2000" dirty="0" smtClean="0">
-                <a:solidFill>
-                  <a:schemeClr val="bg1"/>
-                </a:solidFill>
-                <a:latin typeface="Segoe UI Light" panose="020B0502040204020203" pitchFamily="34" charset="0"/>
-                <a:ea typeface="Microsoft JhengHei" panose="020B0604030504040204" pitchFamily="34" charset="-120"/>
-                <a:cs typeface="Segoe UI Light" panose="020B0502040204020203" pitchFamily="34" charset="0"/>
-              </a:rPr>
-              <a:t>ФАКУЛЬТЕТ ПРИКЛАДНОЙ МАТЕМАТИКИ И ИНФОРМАТИКИ</a:t>
-            </a:r>
-            <a:endParaRPr lang="en-US" sz="2000" dirty="0" smtClean="0">
-              <a:solidFill>
-                <a:schemeClr val="bg1"/>
-              </a:solidFill>
-              <a:latin typeface="Segoe UI Light" panose="020B0502040204020203" pitchFamily="34" charset="0"/>
-              <a:ea typeface="Microsoft JhengHei" panose="020B0604030504040204" pitchFamily="34" charset="-120"/>
-              <a:cs typeface="Segoe UI Light" panose="020B0502040204020203" pitchFamily="34" charset="0"/>
-            </a:endParaRPr>
-          </a:p>
-          <a:p>
-            <a:pPr algn="r"/>
-            <a:r>
-              <a:rPr lang="ru-RU" sz="2000" dirty="0" smtClean="0">
-                <a:solidFill>
-                  <a:schemeClr val="bg1"/>
-                </a:solidFill>
-                <a:latin typeface="Segoe UI Light" panose="020B0502040204020203" pitchFamily="34" charset="0"/>
-                <a:ea typeface="Microsoft JhengHei" panose="020B0604030504040204" pitchFamily="34" charset="-120"/>
-                <a:cs typeface="Segoe UI Light" panose="020B0502040204020203" pitchFamily="34" charset="0"/>
-              </a:rPr>
-              <a:t>КАФЕДРА ИНФОРМАЦИОННЫХ СИСТЕМ УПРАВЛЕНИЯ</a:t>
-            </a:r>
-            <a:endParaRPr lang="en-US" sz="2000" dirty="0">
-              <a:solidFill>
-                <a:schemeClr val="bg1"/>
-              </a:solidFill>
-              <a:latin typeface="Segoe UI Light" panose="020B0502040204020203" pitchFamily="34" charset="0"/>
-              <a:ea typeface="Microsoft JhengHei" panose="020B0604030504040204" pitchFamily="34" charset="-120"/>
-              <a:cs typeface="Segoe UI Light" panose="020B0502040204020203" pitchFamily="34" charset="0"/>
-            </a:endParaRPr>
-          </a:p>
-        </p:txBody>
-      </p:sp>
-      <p:sp>
-        <p:nvSpPr>
-          <p:cNvPr id="4" name="Title 1"/>
-          <p:cNvSpPr txBox="1">
-            <a:spLocks/>
-          </p:cNvSpPr>
-          <p:nvPr/>
-        </p:nvSpPr>
-        <p:spPr>
-          <a:xfrm>
-            <a:off x="439387" y="1276352"/>
-            <a:ext cx="11269683" cy="611825"/>
-          </a:xfrm>
-          <a:prstGeom prst="rect">
-            <a:avLst/>
-          </a:prstGeom>
-        </p:spPr>
-        <p:txBody>
-          <a:bodyPr/>
-          <a:lstStyle>
-            <a:lvl1pPr algn="l" rtl="0" eaLnBrk="1" fontAlgn="base" hangingPunct="1">
-              <a:lnSpc>
-                <a:spcPct val="90000"/>
-              </a:lnSpc>
-              <a:spcBef>
-                <a:spcPct val="0"/>
-              </a:spcBef>
-              <a:spcAft>
-                <a:spcPct val="0"/>
-              </a:spcAft>
-              <a:defRPr sz="4400" kern="1200">
-                <a:solidFill>
-                  <a:schemeClr val="tx1"/>
-                </a:solidFill>
-                <a:latin typeface="+mj-lt"/>
-                <a:ea typeface="+mj-ea"/>
-                <a:cs typeface="+mj-cs"/>
-              </a:defRPr>
-            </a:lvl1pPr>
-            <a:lvl2pPr algn="l" rtl="0" eaLnBrk="1" fontAlgn="base" hangingPunct="1">
-              <a:lnSpc>
-                <a:spcPct val="90000"/>
-              </a:lnSpc>
-              <a:spcBef>
-                <a:spcPct val="0"/>
-              </a:spcBef>
-              <a:spcAft>
-                <a:spcPct val="0"/>
-              </a:spcAft>
-              <a:defRPr sz="4400">
-                <a:solidFill>
-                  <a:schemeClr val="tx1"/>
-                </a:solidFill>
-                <a:latin typeface="Calibri Light" panose="020F0302020204030204" pitchFamily="34" charset="0"/>
-              </a:defRPr>
-            </a:lvl2pPr>
-            <a:lvl3pPr algn="l" rtl="0" eaLnBrk="1" fontAlgn="base" hangingPunct="1">
-              <a:lnSpc>
-                <a:spcPct val="90000"/>
-              </a:lnSpc>
-              <a:spcBef>
-                <a:spcPct val="0"/>
-              </a:spcBef>
-              <a:spcAft>
-                <a:spcPct val="0"/>
-              </a:spcAft>
-              <a:defRPr sz="4400">
-                <a:solidFill>
-                  <a:schemeClr val="tx1"/>
-                </a:solidFill>
-                <a:latin typeface="Calibri Light" panose="020F0302020204030204" pitchFamily="34" charset="0"/>
-              </a:defRPr>
-            </a:lvl3pPr>
-            <a:lvl4pPr algn="l" rtl="0" eaLnBrk="1" fontAlgn="base" hangingPunct="1">
-              <a:lnSpc>
-                <a:spcPct val="90000"/>
-              </a:lnSpc>
-              <a:spcBef>
-                <a:spcPct val="0"/>
-              </a:spcBef>
-              <a:spcAft>
-                <a:spcPct val="0"/>
-              </a:spcAft>
-              <a:defRPr sz="4400">
-                <a:solidFill>
-                  <a:schemeClr val="tx1"/>
-                </a:solidFill>
-                <a:latin typeface="Calibri Light" panose="020F0302020204030204" pitchFamily="34" charset="0"/>
-              </a:defRPr>
-            </a:lvl4pPr>
-            <a:lvl5pPr algn="l" rtl="0" eaLnBrk="1" fontAlgn="base" hangingPunct="1">
-              <a:lnSpc>
-                <a:spcPct val="90000"/>
-              </a:lnSpc>
-              <a:spcBef>
-                <a:spcPct val="0"/>
-              </a:spcBef>
-              <a:spcAft>
-                <a:spcPct val="0"/>
-              </a:spcAft>
-              <a:defRPr sz="4400">
-                <a:solidFill>
-                  <a:schemeClr val="tx1"/>
-                </a:solidFill>
-                <a:latin typeface="Calibri Light" panose="020F0302020204030204" pitchFamily="34" charset="0"/>
-              </a:defRPr>
-            </a:lvl5pPr>
-            <a:lvl6pPr marL="457200" algn="l" rtl="0" eaLnBrk="1" fontAlgn="base" hangingPunct="1">
-              <a:lnSpc>
-                <a:spcPct val="90000"/>
-              </a:lnSpc>
-              <a:spcBef>
-                <a:spcPct val="0"/>
-              </a:spcBef>
-              <a:spcAft>
-                <a:spcPct val="0"/>
-              </a:spcAft>
-              <a:defRPr sz="4400">
-                <a:solidFill>
-                  <a:schemeClr val="tx1"/>
-                </a:solidFill>
-                <a:latin typeface="Calibri Light" panose="020F0302020204030204" pitchFamily="34" charset="0"/>
-              </a:defRPr>
-            </a:lvl6pPr>
-            <a:lvl7pPr marL="914400" algn="l" rtl="0" eaLnBrk="1" fontAlgn="base" hangingPunct="1">
-              <a:lnSpc>
-                <a:spcPct val="90000"/>
-              </a:lnSpc>
-              <a:spcBef>
-                <a:spcPct val="0"/>
-              </a:spcBef>
-              <a:spcAft>
-                <a:spcPct val="0"/>
-              </a:spcAft>
-              <a:defRPr sz="4400">
-                <a:solidFill>
-                  <a:schemeClr val="tx1"/>
-                </a:solidFill>
-                <a:latin typeface="Calibri Light" panose="020F0302020204030204" pitchFamily="34" charset="0"/>
-              </a:defRPr>
-            </a:lvl7pPr>
-            <a:lvl8pPr marL="1371600" algn="l" rtl="0" eaLnBrk="1" fontAlgn="base" hangingPunct="1">
-              <a:lnSpc>
-                <a:spcPct val="90000"/>
-              </a:lnSpc>
-              <a:spcBef>
-                <a:spcPct val="0"/>
-              </a:spcBef>
-              <a:spcAft>
-                <a:spcPct val="0"/>
-              </a:spcAft>
-              <a:defRPr sz="4400">
-                <a:solidFill>
-                  <a:schemeClr val="tx1"/>
-                </a:solidFill>
-                <a:latin typeface="Calibri Light" panose="020F0302020204030204" pitchFamily="34" charset="0"/>
-              </a:defRPr>
-            </a:lvl8pPr>
-            <a:lvl9pPr marL="1828800" algn="l" rtl="0" eaLnBrk="1" fontAlgn="base" hangingPunct="1">
-              <a:lnSpc>
-                <a:spcPct val="90000"/>
-              </a:lnSpc>
-              <a:spcBef>
-                <a:spcPct val="0"/>
-              </a:spcBef>
-              <a:spcAft>
-                <a:spcPct val="0"/>
-              </a:spcAft>
-              <a:defRPr sz="4400">
-                <a:solidFill>
-                  <a:schemeClr val="tx1"/>
-                </a:solidFill>
-                <a:latin typeface="Calibri Light" panose="020F0302020204030204" pitchFamily="34" charset="0"/>
-              </a:defRPr>
-            </a:lvl9pPr>
-          </a:lstStyle>
-          <a:p>
-            <a:pPr algn="ctr"/>
-            <a:r>
-              <a:rPr lang="ru-RU" b="1" dirty="0" smtClean="0">
-                <a:latin typeface="Segoe UI Light" panose="020B0502040204020203" pitchFamily="34" charset="0"/>
-                <a:cs typeface="Segoe UI Light" panose="020B0502040204020203" pitchFamily="34" charset="0"/>
-              </a:rPr>
-              <a:t>Демонстрация работы приложения</a:t>
-            </a:r>
-            <a:endParaRPr lang="en-US" b="1" dirty="0">
-              <a:latin typeface="Segoe UI Light" panose="020B0502040204020203" pitchFamily="34" charset="0"/>
-              <a:cs typeface="Segoe UI Light" panose="020B0502040204020203" pitchFamily="34" charset="0"/>
-            </a:endParaRPr>
-          </a:p>
-        </p:txBody>
-      </p:sp>
-      <p:pic>
-        <p:nvPicPr>
-          <p:cNvPr id="8" name="Рисунок 7" descr="D:\diplom\git\diplom\картинки\screenshots\6.jpg"/>
-          <p:cNvPicPr/>
-          <p:nvPr/>
-        </p:nvPicPr>
-        <p:blipFill>
-          <a:blip r:embed="rId3" cstate="print">
-            <a:extLst>
-              <a:ext uri="{28A0092B-C50C-407E-A947-70E740481C1C}">
-                <a14:useLocalDpi xmlns:a14="http://schemas.microsoft.com/office/drawing/2010/main" val="0"/>
-              </a:ext>
-            </a:extLst>
-          </a:blip>
-          <a:srcRect/>
-          <a:stretch>
-            <a:fillRect/>
-          </a:stretch>
-        </p:blipFill>
-        <p:spPr bwMode="auto">
-          <a:xfrm>
-            <a:off x="5000015" y="2435628"/>
-            <a:ext cx="2094902" cy="3707474"/>
-          </a:xfrm>
-          <a:prstGeom prst="rect">
-            <a:avLst/>
-          </a:prstGeom>
-          <a:noFill/>
-          <a:ln>
-            <a:noFill/>
-          </a:ln>
-        </p:spPr>
-      </p:pic>
-      <p:pic>
-        <p:nvPicPr>
-          <p:cNvPr id="12" name="Рисунок 12" descr="D:\diplom\git\diplom\картинки\screenshots\5.jpg"/>
-          <p:cNvPicPr/>
-          <p:nvPr/>
-        </p:nvPicPr>
-        <p:blipFill>
-          <a:blip r:embed="rId4" cstate="print">
-            <a:extLst>
-              <a:ext uri="{28A0092B-C50C-407E-A947-70E740481C1C}">
-                <a14:useLocalDpi xmlns:a14="http://schemas.microsoft.com/office/drawing/2010/main" val="0"/>
-              </a:ext>
-            </a:extLst>
-          </a:blip>
-          <a:srcRect/>
-          <a:stretch>
-            <a:fillRect/>
-          </a:stretch>
-        </p:blipFill>
-        <p:spPr bwMode="auto">
-          <a:xfrm>
-            <a:off x="7630991" y="2435628"/>
-            <a:ext cx="2094902" cy="3707474"/>
-          </a:xfrm>
-          <a:prstGeom prst="rect">
-            <a:avLst/>
-          </a:prstGeom>
-          <a:noFill/>
-          <a:ln>
-            <a:noFill/>
-          </a:ln>
-        </p:spPr>
-      </p:pic>
-      <p:pic>
-        <p:nvPicPr>
-          <p:cNvPr id="13" name="Рисунок 17" descr="D:\diplom\git\diplom\картинки\screenshots\1.jpg"/>
-          <p:cNvPicPr/>
-          <p:nvPr/>
-        </p:nvPicPr>
-        <p:blipFill>
-          <a:blip r:embed="rId5" cstate="print">
-            <a:extLst>
-              <a:ext uri="{28A0092B-C50C-407E-A947-70E740481C1C}">
-                <a14:useLocalDpi xmlns:a14="http://schemas.microsoft.com/office/drawing/2010/main" val="0"/>
-              </a:ext>
-            </a:extLst>
-          </a:blip>
-          <a:srcRect/>
-          <a:stretch>
-            <a:fillRect/>
-          </a:stretch>
-        </p:blipFill>
-        <p:spPr bwMode="auto">
-          <a:xfrm>
-            <a:off x="2369039" y="2435628"/>
-            <a:ext cx="2094902" cy="3707474"/>
-          </a:xfrm>
-          <a:prstGeom prst="rect">
-            <a:avLst/>
-          </a:prstGeom>
-          <a:noFill/>
-          <a:ln>
-            <a:noFill/>
-          </a:ln>
-        </p:spPr>
-      </p:pic>
-    </p:spTree>
-    <p:extLst>
-      <p:ext uri="{BB962C8B-B14F-4D97-AF65-F5344CB8AC3E}">
-        <p14:creationId xmlns:p14="http://schemas.microsoft.com/office/powerpoint/2010/main" val="2819871547"/>
       </p:ext>
     </p:extLst>
   </p:cSld>

--- a/presentetion.pptx
+++ b/presentetion.pptx
@@ -8052,6 +8052,13 @@
               <a:t>OpenCalais</a:t>
             </a:r>
             <a:r>
+              <a:rPr lang="ru-RU" sz="2000" b="1" dirty="0" smtClean="0">
+                <a:latin typeface="Segoe UI Light" panose="020B0502040204020203" pitchFamily="34" charset="0"/>
+                <a:cs typeface="Segoe UI Light" panose="020B0502040204020203" pitchFamily="34" charset="0"/>
+              </a:rPr>
+              <a:t> </a:t>
+            </a:r>
+            <a:r>
               <a:rPr lang="en-US" sz="2000" b="1" dirty="0" smtClean="0">
                 <a:latin typeface="Segoe UI Light" panose="020B0502040204020203" pitchFamily="34" charset="0"/>
                 <a:cs typeface="Segoe UI Light" panose="020B0502040204020203" pitchFamily="34" charset="0"/>
@@ -8914,7 +8921,7 @@
           <p:nvPr/>
         </p:nvPicPr>
         <p:blipFill rotWithShape="1">
-          <a:blip r:embed="rId3"/>
+          <a:blip r:embed="rId2"/>
           <a:srcRect r="9412"/>
           <a:stretch/>
         </p:blipFill>
@@ -8995,82 +9002,6 @@
           </a:p>
         </p:txBody>
       </p:sp>
-      <p:graphicFrame>
-        <p:nvGraphicFramePr>
-          <p:cNvPr id="5" name="Object 4"/>
-          <p:cNvGraphicFramePr>
-            <a:graphicFrameLocks noChangeAspect="1"/>
-          </p:cNvGraphicFramePr>
-          <p:nvPr>
-            <p:extLst>
-              <p:ext uri="{D42A27DB-BD31-4B8C-83A1-F6EECF244321}">
-                <p14:modId xmlns:p14="http://schemas.microsoft.com/office/powerpoint/2010/main" val="817302310"/>
-              </p:ext>
-            </p:extLst>
-          </p:nvPr>
-        </p:nvGraphicFramePr>
-        <p:xfrm>
-          <a:off x="3362325" y="2544416"/>
-          <a:ext cx="5467350" cy="4057650"/>
-        </p:xfrm>
-        <a:graphic>
-          <a:graphicData uri="http://schemas.openxmlformats.org/presentationml/2006/ole">
-            <mc:AlternateContent xmlns:mc="http://schemas.openxmlformats.org/markup-compatibility/2006">
-              <mc:Choice xmlns:v="urn:schemas-microsoft-com:vml" Requires="v">
-                <p:oleObj spid="_x0000_s8252" name="Visio" r:id="rId4" imgW="5467190" imgH="4057607" progId="Visio.Drawing.15">
-                  <p:embed/>
-                </p:oleObj>
-              </mc:Choice>
-              <mc:Fallback>
-                <p:oleObj name="Visio" r:id="rId4" imgW="5467190" imgH="4057607" progId="Visio.Drawing.15">
-                  <p:embed/>
-                  <p:pic>
-                    <p:nvPicPr>
-                      <p:cNvPr id="0" name="Object 1"/>
-                      <p:cNvPicPr>
-                        <a:picLocks noChangeAspect="1" noChangeArrowheads="1"/>
-                      </p:cNvPicPr>
-                      <p:nvPr/>
-                    </p:nvPicPr>
-                    <p:blipFill>
-                      <a:blip r:embed="rId5">
-                        <a:extLst>
-                          <a:ext uri="{28A0092B-C50C-407E-A947-70E740481C1C}">
-                            <a14:useLocalDpi xmlns:a14="http://schemas.microsoft.com/office/drawing/2010/main" val="0"/>
-                          </a:ext>
-                        </a:extLst>
-                      </a:blip>
-                      <a:srcRect/>
-                      <a:stretch>
-                        <a:fillRect/>
-                      </a:stretch>
-                    </p:blipFill>
-                    <p:spPr bwMode="auto">
-                      <a:xfrm>
-                        <a:off x="3362325" y="2544416"/>
-                        <a:ext cx="5467350" cy="4057650"/>
-                      </a:xfrm>
-                      <a:prstGeom prst="rect">
-                        <a:avLst/>
-                      </a:prstGeom>
-                      <a:noFill/>
-                      <a:extLst>
-                        <a:ext uri="{909E8E84-426E-40DD-AFC4-6F175D3DCCD1}">
-                          <a14:hiddenFill xmlns:a14="http://schemas.microsoft.com/office/drawing/2010/main">
-                            <a:solidFill>
-                              <a:srgbClr val="FFFFFF"/>
-                            </a:solidFill>
-                          </a14:hiddenFill>
-                        </a:ext>
-                      </a:extLst>
-                    </p:spPr>
-                  </p:pic>
-                </p:oleObj>
-              </mc:Fallback>
-            </mc:AlternateContent>
-          </a:graphicData>
-        </a:graphic>
-      </p:graphicFrame>
       <p:sp>
         <p:nvSpPr>
           <p:cNvPr id="6" name="Title 1"/>
@@ -9257,6 +9188,392 @@
               <a:t>Разрешение лексической многозначности при переводе</a:t>
             </a:r>
             <a:endParaRPr lang="en-US" b="1" dirty="0">
+              <a:latin typeface="Segoe UI Light" panose="020B0502040204020203" pitchFamily="34" charset="0"/>
+              <a:cs typeface="Segoe UI Light" panose="020B0502040204020203" pitchFamily="34" charset="0"/>
+            </a:endParaRPr>
+          </a:p>
+        </p:txBody>
+      </p:sp>
+      <p:sp>
+        <p:nvSpPr>
+          <p:cNvPr id="8" name="Content Placeholder 2"/>
+          <p:cNvSpPr txBox="1">
+            <a:spLocks/>
+          </p:cNvSpPr>
+          <p:nvPr/>
+        </p:nvSpPr>
+        <p:spPr>
+          <a:xfrm>
+            <a:off x="838200" y="3103397"/>
+            <a:ext cx="10309167" cy="3305715"/>
+          </a:xfrm>
+          <a:prstGeom prst="rect">
+            <a:avLst/>
+          </a:prstGeom>
+        </p:spPr>
+        <p:txBody>
+          <a:bodyPr/>
+          <a:lstStyle>
+            <a:lvl1pPr marL="228600" indent="-228600" algn="l" rtl="0" eaLnBrk="1" fontAlgn="base" hangingPunct="1">
+              <a:lnSpc>
+                <a:spcPct val="90000"/>
+              </a:lnSpc>
+              <a:spcBef>
+                <a:spcPts val="1000"/>
+              </a:spcBef>
+              <a:spcAft>
+                <a:spcPct val="0"/>
+              </a:spcAft>
+              <a:buFont typeface="Arial" panose="020B0604020202020204" pitchFamily="34" charset="0"/>
+              <a:buChar char="•"/>
+              <a:defRPr sz="2800" kern="1200">
+                <a:solidFill>
+                  <a:schemeClr val="tx1"/>
+                </a:solidFill>
+                <a:latin typeface="+mn-lt"/>
+                <a:ea typeface="+mn-ea"/>
+                <a:cs typeface="+mn-cs"/>
+              </a:defRPr>
+            </a:lvl1pPr>
+            <a:lvl2pPr marL="685800" indent="-228600" algn="l" rtl="0" eaLnBrk="1" fontAlgn="base" hangingPunct="1">
+              <a:lnSpc>
+                <a:spcPct val="90000"/>
+              </a:lnSpc>
+              <a:spcBef>
+                <a:spcPts val="500"/>
+              </a:spcBef>
+              <a:spcAft>
+                <a:spcPct val="0"/>
+              </a:spcAft>
+              <a:buFont typeface="Arial" panose="020B0604020202020204" pitchFamily="34" charset="0"/>
+              <a:buChar char="•"/>
+              <a:defRPr sz="2400" kern="1200">
+                <a:solidFill>
+                  <a:schemeClr val="tx1"/>
+                </a:solidFill>
+                <a:latin typeface="+mn-lt"/>
+                <a:ea typeface="+mn-ea"/>
+                <a:cs typeface="+mn-cs"/>
+              </a:defRPr>
+            </a:lvl2pPr>
+            <a:lvl3pPr marL="1143000" indent="-228600" algn="l" rtl="0" eaLnBrk="1" fontAlgn="base" hangingPunct="1">
+              <a:lnSpc>
+                <a:spcPct val="90000"/>
+              </a:lnSpc>
+              <a:spcBef>
+                <a:spcPts val="500"/>
+              </a:spcBef>
+              <a:spcAft>
+                <a:spcPct val="0"/>
+              </a:spcAft>
+              <a:buFont typeface="Arial" panose="020B0604020202020204" pitchFamily="34" charset="0"/>
+              <a:buChar char="•"/>
+              <a:defRPr sz="2000" kern="1200">
+                <a:solidFill>
+                  <a:schemeClr val="tx1"/>
+                </a:solidFill>
+                <a:latin typeface="+mn-lt"/>
+                <a:ea typeface="+mn-ea"/>
+                <a:cs typeface="+mn-cs"/>
+              </a:defRPr>
+            </a:lvl3pPr>
+            <a:lvl4pPr marL="1600200" indent="-228600" algn="l" rtl="0" eaLnBrk="1" fontAlgn="base" hangingPunct="1">
+              <a:lnSpc>
+                <a:spcPct val="90000"/>
+              </a:lnSpc>
+              <a:spcBef>
+                <a:spcPts val="500"/>
+              </a:spcBef>
+              <a:spcAft>
+                <a:spcPct val="0"/>
+              </a:spcAft>
+              <a:buFont typeface="Arial" panose="020B0604020202020204" pitchFamily="34" charset="0"/>
+              <a:buChar char="•"/>
+              <a:defRPr kern="1200">
+                <a:solidFill>
+                  <a:schemeClr val="tx1"/>
+                </a:solidFill>
+                <a:latin typeface="+mn-lt"/>
+                <a:ea typeface="+mn-ea"/>
+                <a:cs typeface="+mn-cs"/>
+              </a:defRPr>
+            </a:lvl4pPr>
+            <a:lvl5pPr marL="2057400" indent="-228600" algn="l" rtl="0" eaLnBrk="1" fontAlgn="base" hangingPunct="1">
+              <a:lnSpc>
+                <a:spcPct val="90000"/>
+              </a:lnSpc>
+              <a:spcBef>
+                <a:spcPts val="500"/>
+              </a:spcBef>
+              <a:spcAft>
+                <a:spcPct val="0"/>
+              </a:spcAft>
+              <a:buFont typeface="Arial" panose="020B0604020202020204" pitchFamily="34" charset="0"/>
+              <a:buChar char="•"/>
+              <a:defRPr kern="1200">
+                <a:solidFill>
+                  <a:schemeClr val="tx1"/>
+                </a:solidFill>
+                <a:latin typeface="+mn-lt"/>
+                <a:ea typeface="+mn-ea"/>
+                <a:cs typeface="+mn-cs"/>
+              </a:defRPr>
+            </a:lvl5pPr>
+            <a:lvl6pPr marL="2514600" indent="-228600" algn="l" defTabSz="914400" rtl="0" eaLnBrk="1" latinLnBrk="0" hangingPunct="1">
+              <a:lnSpc>
+                <a:spcPct val="90000"/>
+              </a:lnSpc>
+              <a:spcBef>
+                <a:spcPts val="500"/>
+              </a:spcBef>
+              <a:buFont typeface="Arial" panose="020B0604020202020204" pitchFamily="34" charset="0"/>
+              <a:buChar char="•"/>
+              <a:defRPr sz="1800" kern="1200">
+                <a:solidFill>
+                  <a:schemeClr val="tx1"/>
+                </a:solidFill>
+                <a:latin typeface="+mn-lt"/>
+                <a:ea typeface="+mn-ea"/>
+                <a:cs typeface="+mn-cs"/>
+              </a:defRPr>
+            </a:lvl6pPr>
+            <a:lvl7pPr marL="2971800" indent="-228600" algn="l" defTabSz="914400" rtl="0" eaLnBrk="1" latinLnBrk="0" hangingPunct="1">
+              <a:lnSpc>
+                <a:spcPct val="90000"/>
+              </a:lnSpc>
+              <a:spcBef>
+                <a:spcPts val="500"/>
+              </a:spcBef>
+              <a:buFont typeface="Arial" panose="020B0604020202020204" pitchFamily="34" charset="0"/>
+              <a:buChar char="•"/>
+              <a:defRPr sz="1800" kern="1200">
+                <a:solidFill>
+                  <a:schemeClr val="tx1"/>
+                </a:solidFill>
+                <a:latin typeface="+mn-lt"/>
+                <a:ea typeface="+mn-ea"/>
+                <a:cs typeface="+mn-cs"/>
+              </a:defRPr>
+            </a:lvl7pPr>
+            <a:lvl8pPr marL="3429000" indent="-228600" algn="l" defTabSz="914400" rtl="0" eaLnBrk="1" latinLnBrk="0" hangingPunct="1">
+              <a:lnSpc>
+                <a:spcPct val="90000"/>
+              </a:lnSpc>
+              <a:spcBef>
+                <a:spcPts val="500"/>
+              </a:spcBef>
+              <a:buFont typeface="Arial" panose="020B0604020202020204" pitchFamily="34" charset="0"/>
+              <a:buChar char="•"/>
+              <a:defRPr sz="1800" kern="1200">
+                <a:solidFill>
+                  <a:schemeClr val="tx1"/>
+                </a:solidFill>
+                <a:latin typeface="+mn-lt"/>
+                <a:ea typeface="+mn-ea"/>
+                <a:cs typeface="+mn-cs"/>
+              </a:defRPr>
+            </a:lvl8pPr>
+            <a:lvl9pPr marL="3886200" indent="-228600" algn="l" defTabSz="914400" rtl="0" eaLnBrk="1" latinLnBrk="0" hangingPunct="1">
+              <a:lnSpc>
+                <a:spcPct val="90000"/>
+              </a:lnSpc>
+              <a:spcBef>
+                <a:spcPts val="500"/>
+              </a:spcBef>
+              <a:buFont typeface="Arial" panose="020B0604020202020204" pitchFamily="34" charset="0"/>
+              <a:buChar char="•"/>
+              <a:defRPr sz="1800" kern="1200">
+                <a:solidFill>
+                  <a:schemeClr val="tx1"/>
+                </a:solidFill>
+                <a:latin typeface="+mn-lt"/>
+                <a:ea typeface="+mn-ea"/>
+                <a:cs typeface="+mn-cs"/>
+              </a:defRPr>
+            </a:lvl9pPr>
+          </a:lstStyle>
+          <a:p>
+            <a:pPr marL="514350" indent="-514350">
+              <a:spcBef>
+                <a:spcPts val="2000"/>
+              </a:spcBef>
+              <a:buFont typeface="+mj-lt"/>
+              <a:buAutoNum type="arabicPeriod"/>
+            </a:pPr>
+            <a:r>
+              <a:rPr lang="ru-RU" sz="2400" b="1" dirty="0">
+                <a:latin typeface="Segoe UI Light" panose="020B0502040204020203" pitchFamily="34" charset="0"/>
+                <a:cs typeface="Segoe UI Light" panose="020B0502040204020203" pitchFamily="34" charset="0"/>
+              </a:rPr>
+              <a:t>Разрешение лексической многозначности происходит</a:t>
+            </a:r>
+            <a:r>
+              <a:rPr lang="en-US" sz="2400" b="1" dirty="0">
+                <a:latin typeface="Segoe UI Light" panose="020B0502040204020203" pitchFamily="34" charset="0"/>
+                <a:cs typeface="Segoe UI Light" panose="020B0502040204020203" pitchFamily="34" charset="0"/>
+              </a:rPr>
+              <a:t> </a:t>
+            </a:r>
+            <a:r>
+              <a:rPr lang="ru-RU" sz="2400" b="1" dirty="0">
+                <a:latin typeface="Segoe UI Light" panose="020B0502040204020203" pitchFamily="34" charset="0"/>
+                <a:cs typeface="Segoe UI Light" panose="020B0502040204020203" pitchFamily="34" charset="0"/>
+              </a:rPr>
+              <a:t>по методу Леска. </a:t>
+            </a:r>
+            <a:endParaRPr lang="ru-RU" sz="2400" b="1" dirty="0" smtClean="0">
+              <a:latin typeface="Segoe UI Light" panose="020B0502040204020203" pitchFamily="34" charset="0"/>
+              <a:cs typeface="Segoe UI Light" panose="020B0502040204020203" pitchFamily="34" charset="0"/>
+            </a:endParaRPr>
+          </a:p>
+          <a:p>
+            <a:pPr marL="514350" indent="-514350">
+              <a:lnSpc>
+                <a:spcPct val="120000"/>
+              </a:lnSpc>
+              <a:spcBef>
+                <a:spcPts val="2000"/>
+              </a:spcBef>
+              <a:buFont typeface="+mj-lt"/>
+              <a:buAutoNum type="arabicPeriod"/>
+            </a:pPr>
+            <a:r>
+              <a:rPr lang="ru-RU" sz="2400" b="1" dirty="0" smtClean="0">
+                <a:latin typeface="Segoe UI Light" panose="020B0502040204020203" pitchFamily="34" charset="0"/>
+                <a:cs typeface="Segoe UI Light" panose="020B0502040204020203" pitchFamily="34" charset="0"/>
+              </a:rPr>
+              <a:t>В качестве внешнего источника знаний используется </a:t>
+            </a:r>
+            <a:r>
+              <a:rPr lang="en-US" sz="2400" b="1" dirty="0" err="1" smtClean="0">
+                <a:latin typeface="Segoe UI Light" panose="020B0502040204020203" pitchFamily="34" charset="0"/>
+                <a:cs typeface="Segoe UI Light" panose="020B0502040204020203" pitchFamily="34" charset="0"/>
+              </a:rPr>
+              <a:t>BabelNet</a:t>
+            </a:r>
+            <a:r>
+              <a:rPr lang="en-US" sz="2400" b="1" dirty="0" smtClean="0">
+                <a:latin typeface="Segoe UI Light" panose="020B0502040204020203" pitchFamily="34" charset="0"/>
+                <a:cs typeface="Segoe UI Light" panose="020B0502040204020203" pitchFamily="34" charset="0"/>
+              </a:rPr>
+              <a:t>.</a:t>
+            </a:r>
+            <a:r>
+              <a:rPr lang="ru-RU" sz="2400" b="1" dirty="0" smtClean="0">
+                <a:latin typeface="Segoe UI Light" panose="020B0502040204020203" pitchFamily="34" charset="0"/>
+                <a:cs typeface="Segoe UI Light" panose="020B0502040204020203" pitchFamily="34" charset="0"/>
+              </a:rPr>
+              <a:t/>
+            </a:r>
+            <a:br>
+              <a:rPr lang="ru-RU" sz="2400" b="1" dirty="0" smtClean="0">
+                <a:latin typeface="Segoe UI Light" panose="020B0502040204020203" pitchFamily="34" charset="0"/>
+                <a:cs typeface="Segoe UI Light" panose="020B0502040204020203" pitchFamily="34" charset="0"/>
+              </a:rPr>
+            </a:br>
+            <a:r>
+              <a:rPr lang="ru-RU" sz="2400" b="1" dirty="0" smtClean="0">
+                <a:latin typeface="Segoe UI Light" panose="020B0502040204020203" pitchFamily="34" charset="0"/>
+                <a:cs typeface="Segoe UI Light" panose="020B0502040204020203" pitchFamily="34" charset="0"/>
+              </a:rPr>
+              <a:t>На 13.05.2017 </a:t>
+            </a:r>
+            <a:r>
+              <a:rPr lang="en-US" sz="2400" b="1" dirty="0" err="1" smtClean="0">
+                <a:latin typeface="Segoe UI Light" panose="020B0502040204020203" pitchFamily="34" charset="0"/>
+                <a:cs typeface="Segoe UI Light" panose="020B0502040204020203" pitchFamily="34" charset="0"/>
+              </a:rPr>
+              <a:t>BabelNet</a:t>
+            </a:r>
+            <a:r>
+              <a:rPr lang="en-US" sz="2400" b="1" dirty="0" smtClean="0">
+                <a:latin typeface="Segoe UI Light" panose="020B0502040204020203" pitchFamily="34" charset="0"/>
+                <a:cs typeface="Segoe UI Light" panose="020B0502040204020203" pitchFamily="34" charset="0"/>
+              </a:rPr>
+              <a:t> </a:t>
+            </a:r>
+            <a:r>
+              <a:rPr lang="ru-RU" sz="2400" b="1" dirty="0" smtClean="0">
+                <a:latin typeface="Segoe UI Light" panose="020B0502040204020203" pitchFamily="34" charset="0"/>
+                <a:cs typeface="Segoe UI Light" panose="020B0502040204020203" pitchFamily="34" charset="0"/>
+              </a:rPr>
+              <a:t>интегрировал в себе: </a:t>
+            </a:r>
+          </a:p>
+          <a:p>
+            <a:pPr lvl="2"/>
+            <a:r>
+              <a:rPr lang="en-US" sz="2200" b="1" dirty="0" smtClean="0">
+                <a:latin typeface="Segoe UI Light" panose="020B0502040204020203" pitchFamily="34" charset="0"/>
+                <a:cs typeface="Segoe UI Light" panose="020B0502040204020203" pitchFamily="34" charset="0"/>
+              </a:rPr>
+              <a:t>WordNet </a:t>
+            </a:r>
+            <a:r>
+              <a:rPr lang="en-US" sz="2200" b="1" dirty="0">
+                <a:latin typeface="Segoe UI Light" panose="020B0502040204020203" pitchFamily="34" charset="0"/>
+                <a:cs typeface="Segoe UI Light" panose="020B0502040204020203" pitchFamily="34" charset="0"/>
+              </a:rPr>
+              <a:t>(</a:t>
+            </a:r>
+            <a:r>
+              <a:rPr lang="ru-RU" sz="2200" b="1" dirty="0">
+                <a:latin typeface="Segoe UI Light" panose="020B0502040204020203" pitchFamily="34" charset="0"/>
+                <a:cs typeface="Segoe UI Light" panose="020B0502040204020203" pitchFamily="34" charset="0"/>
+              </a:rPr>
+              <a:t>версия 3.0), </a:t>
+            </a:r>
+          </a:p>
+          <a:p>
+            <a:pPr lvl="2"/>
+            <a:r>
+              <a:rPr lang="en-US" sz="2200" b="1" dirty="0">
+                <a:latin typeface="Segoe UI Light" panose="020B0502040204020203" pitchFamily="34" charset="0"/>
+                <a:cs typeface="Segoe UI Light" panose="020B0502040204020203" pitchFamily="34" charset="0"/>
+              </a:rPr>
+              <a:t>Open Multilingual WordNet (</a:t>
+            </a:r>
+            <a:r>
+              <a:rPr lang="ru-RU" sz="2200" b="1" dirty="0">
+                <a:latin typeface="Segoe UI Light" panose="020B0502040204020203" pitchFamily="34" charset="0"/>
+                <a:cs typeface="Segoe UI Light" panose="020B0502040204020203" pitchFamily="34" charset="0"/>
+              </a:rPr>
+              <a:t>январь 2017), </a:t>
+            </a:r>
+          </a:p>
+          <a:p>
+            <a:pPr lvl="2"/>
+            <a:r>
+              <a:rPr lang="en-US" sz="2200" b="1" dirty="0">
+                <a:latin typeface="Segoe UI Light" panose="020B0502040204020203" pitchFamily="34" charset="0"/>
+                <a:cs typeface="Segoe UI Light" panose="020B0502040204020203" pitchFamily="34" charset="0"/>
+              </a:rPr>
+              <a:t>Wikipedia (</a:t>
+            </a:r>
+            <a:r>
+              <a:rPr lang="ru-RU" sz="2200" b="1" dirty="0">
+                <a:latin typeface="Segoe UI Light" panose="020B0502040204020203" pitchFamily="34" charset="0"/>
+                <a:cs typeface="Segoe UI Light" panose="020B0502040204020203" pitchFamily="34" charset="0"/>
+              </a:rPr>
+              <a:t>январь 2017)</a:t>
+            </a:r>
+          </a:p>
+          <a:p>
+            <a:pPr lvl="2"/>
+            <a:r>
+              <a:rPr lang="ru-RU" sz="2200" b="1" dirty="0">
+                <a:latin typeface="Segoe UI Light" panose="020B0502040204020203" pitchFamily="34" charset="0"/>
+                <a:cs typeface="Segoe UI Light" panose="020B0502040204020203" pitchFamily="34" charset="0"/>
+              </a:rPr>
+              <a:t>...</a:t>
+            </a:r>
+            <a:endParaRPr lang="ru-RU" sz="2200" b="1" dirty="0" smtClean="0">
+              <a:latin typeface="Segoe UI Light" panose="020B0502040204020203" pitchFamily="34" charset="0"/>
+              <a:cs typeface="Segoe UI Light" panose="020B0502040204020203" pitchFamily="34" charset="0"/>
+            </a:endParaRPr>
+          </a:p>
+          <a:p>
+            <a:endParaRPr lang="ru-RU" sz="2400" b="1" dirty="0" smtClean="0">
               <a:latin typeface="Segoe UI Light" panose="020B0502040204020203" pitchFamily="34" charset="0"/>
               <a:cs typeface="Segoe UI Light" panose="020B0502040204020203" pitchFamily="34" charset="0"/>
             </a:endParaRPr>

--- a/presentetion.pptx
+++ b/presentetion.pptx
@@ -5409,8 +5409,8 @@
         </p:nvSpPr>
         <p:spPr>
           <a:xfrm>
-            <a:off x="838200" y="2031054"/>
-            <a:ext cx="10515600" cy="4145909"/>
+            <a:off x="671946" y="2031054"/>
+            <a:ext cx="10758054" cy="4646814"/>
           </a:xfrm>
           <a:prstGeom prst="rect">
             <a:avLst/>
@@ -5599,29 +5599,38 @@
           </a:lstStyle>
           <a:p>
             <a:r>
-              <a:rPr lang="ru-RU" b="1" dirty="0" smtClean="0">
-                <a:latin typeface="Segoe UI Light" panose="020B0502040204020203" pitchFamily="34" charset="0"/>
-                <a:cs typeface="Segoe UI Light" panose="020B0502040204020203" pitchFamily="34" charset="0"/>
-              </a:rPr>
-              <a:t>Построена система автоматизированного сбора данных из социальных сетей, поддерживающая интерфейс для данных из других систем, таких как собственные базы данных компаний.</a:t>
-            </a:r>
-          </a:p>
-          <a:p>
-            <a:r>
-              <a:rPr lang="ru-RU" b="1" dirty="0" smtClean="0">
-                <a:latin typeface="Segoe UI Light" panose="020B0502040204020203" pitchFamily="34" charset="0"/>
-                <a:cs typeface="Segoe UI Light" panose="020B0502040204020203" pitchFamily="34" charset="0"/>
-              </a:rPr>
-              <a:t>Построена система анализа полученных данных, позволяющая предсказывать поведение рынка пассажирских перевозок.</a:t>
-            </a:r>
-          </a:p>
-          <a:p>
-            <a:r>
-              <a:rPr lang="ru-RU" b="1" dirty="0" smtClean="0">
-                <a:latin typeface="Segoe UI Light" panose="020B0502040204020203" pitchFamily="34" charset="0"/>
-                <a:cs typeface="Segoe UI Light" panose="020B0502040204020203" pitchFamily="34" charset="0"/>
-              </a:rPr>
-              <a:t>Результаты анализа визуализированы в виде интерактивной карты и графиков, которые могут быть использованы сотрудниками компаний без специализированных знаний в области статистики.</a:t>
+              <a:rPr lang="ru-RU" b="1" dirty="0">
+                <a:latin typeface="Segoe UI Light" panose="020B0502040204020203" pitchFamily="34" charset="0"/>
+                <a:cs typeface="Segoe UI Light" panose="020B0502040204020203" pitchFamily="34" charset="0"/>
+              </a:rPr>
+              <a:t>Выполнен анализ сервисов, предоставляющих возможность извлечения ключевой информации из текста;</a:t>
+            </a:r>
+          </a:p>
+          <a:p>
+            <a:r>
+              <a:rPr lang="ru-RU" b="1" dirty="0">
+                <a:latin typeface="Segoe UI Light" panose="020B0502040204020203" pitchFamily="34" charset="0"/>
+                <a:cs typeface="Segoe UI Light" panose="020B0502040204020203" pitchFamily="34" charset="0"/>
+              </a:rPr>
+              <a:t>Исследованы алгоритмы, применяющиеся для разрешения лексической многозначности при переводе слов;</a:t>
+            </a:r>
+          </a:p>
+          <a:p>
+            <a:r>
+              <a:rPr lang="ru-RU" b="1" dirty="0">
+                <a:latin typeface="Segoe UI Light" panose="020B0502040204020203" pitchFamily="34" charset="0"/>
+                <a:cs typeface="Segoe UI Light" panose="020B0502040204020203" pitchFamily="34" charset="0"/>
+              </a:rPr>
+              <a:t>Построена структурно-функциональную схему системы поиска релевантных документов;</a:t>
+            </a:r>
+          </a:p>
+          <a:p>
+            <a:r>
+              <a:rPr lang="ru-RU" b="1" dirty="0">
+                <a:latin typeface="Segoe UI Light" panose="020B0502040204020203" pitchFamily="34" charset="0"/>
+                <a:cs typeface="Segoe UI Light" panose="020B0502040204020203" pitchFamily="34" charset="0"/>
+              </a:rPr>
+              <a:t>Разработано мобильное приложение под ОС Android, обеспечивающего поиск в сети интернет по заданному текстовому документу/веб-странице релевантных ему документов, в том числе представленных на языке отличном от языка входных данных.</a:t>
             </a:r>
             <a:endParaRPr lang="en-US" b="1" dirty="0">
               <a:latin typeface="Segoe UI Light" panose="020B0502040204020203" pitchFamily="34" charset="0"/>
@@ -6492,8 +6501,8 @@
         </p:nvSpPr>
         <p:spPr>
           <a:xfrm>
-            <a:off x="838200" y="2031054"/>
-            <a:ext cx="10515600" cy="4145909"/>
+            <a:off x="1008611" y="2247183"/>
+            <a:ext cx="10305010" cy="4303245"/>
           </a:xfrm>
           <a:prstGeom prst="rect">
             <a:avLst/>
@@ -6681,21 +6690,85 @@
             </a:lvl9pPr>
           </a:lstStyle>
           <a:p>
+            <a:pPr marL="0" indent="0" algn="just">
+              <a:buNone/>
+            </a:pPr>
             <a:r>
               <a:rPr lang="ru-RU" sz="2400" b="1" dirty="0" smtClean="0">
                 <a:latin typeface="Segoe UI Light" panose="020B0502040204020203" pitchFamily="34" charset="0"/>
                 <a:cs typeface="Segoe UI Light" panose="020B0502040204020203" pitchFamily="34" charset="0"/>
               </a:rPr>
-              <a:t>Целью данной дипломной работы является разработка системы анализа рынка пассажирских перевозок на основе данных из социальных сетей. </a:t>
-            </a:r>
-          </a:p>
-          <a:p>
+              <a:t>	</a:t>
+            </a:r>
             <a:r>
               <a:rPr lang="ru-RU" sz="2400" b="1" dirty="0" smtClean="0">
-                <a:latin typeface="Segoe UI Light" panose="020B0502040204020203" pitchFamily="34" charset="0"/>
-                <a:cs typeface="Segoe UI Light" panose="020B0502040204020203" pitchFamily="34" charset="0"/>
-              </a:rPr>
-              <a:t>Для поставленной цели необходимо решить следующие задачи:</a:t>
+                <a:latin typeface="Times New Roman" panose="02020603050405020304" pitchFamily="18" charset="0"/>
+                <a:cs typeface="Times New Roman" panose="02020603050405020304" pitchFamily="18" charset="0"/>
+              </a:rPr>
+              <a:t>Целью</a:t>
+            </a:r>
+            <a:r>
+              <a:rPr lang="ru-RU" sz="2400" b="1" dirty="0" smtClean="0">
+                <a:latin typeface="Segoe UI Light" panose="020B0502040204020203" pitchFamily="34" charset="0"/>
+                <a:cs typeface="Segoe UI Light" panose="020B0502040204020203" pitchFamily="34" charset="0"/>
+              </a:rPr>
+              <a:t> </a:t>
+            </a:r>
+            <a:r>
+              <a:rPr lang="ru-RU" sz="2400" b="1" dirty="0">
+                <a:latin typeface="Segoe UI Light" panose="020B0502040204020203" pitchFamily="34" charset="0"/>
+                <a:cs typeface="Segoe UI Light" panose="020B0502040204020203" pitchFamily="34" charset="0"/>
+              </a:rPr>
+              <a:t>данной дипломной работы является разработка мобильного приложение, обеспечивающего поиск в сети интернет по заданному текстовому документу/веб-странице релевантных ему документов, в том числе представленных на языке отличном от </a:t>
+            </a:r>
+            <a:r>
+              <a:rPr lang="ru-RU" sz="2400" b="1" dirty="0" smtClean="0">
+                <a:latin typeface="Segoe UI Light" panose="020B0502040204020203" pitchFamily="34" charset="0"/>
+                <a:cs typeface="Segoe UI Light" panose="020B0502040204020203" pitchFamily="34" charset="0"/>
+              </a:rPr>
+              <a:t>языка входных данных.</a:t>
+            </a:r>
+          </a:p>
+          <a:p>
+            <a:pPr marL="0" indent="0">
+              <a:buNone/>
+            </a:pPr>
+            <a:endParaRPr lang="ru-RU" sz="2400" b="1" dirty="0" smtClean="0">
+              <a:latin typeface="Segoe UI Light" panose="020B0502040204020203" pitchFamily="34" charset="0"/>
+              <a:cs typeface="Segoe UI Light" panose="020B0502040204020203" pitchFamily="34" charset="0"/>
+            </a:endParaRPr>
+          </a:p>
+          <a:p>
+            <a:pPr marL="0" indent="0">
+              <a:buNone/>
+            </a:pPr>
+            <a:r>
+              <a:rPr lang="ru-RU" sz="2400" b="1" dirty="0" smtClean="0">
+                <a:latin typeface="Segoe UI Light" panose="020B0502040204020203" pitchFamily="34" charset="0"/>
+                <a:cs typeface="Segoe UI Light" panose="020B0502040204020203" pitchFamily="34" charset="0"/>
+              </a:rPr>
+              <a:t>	Для </a:t>
+            </a:r>
+            <a:r>
+              <a:rPr lang="ru-RU" sz="2400" b="1" dirty="0">
+                <a:latin typeface="Segoe UI Light" panose="020B0502040204020203" pitchFamily="34" charset="0"/>
+                <a:cs typeface="Segoe UI Light" panose="020B0502040204020203" pitchFamily="34" charset="0"/>
+              </a:rPr>
+              <a:t>достижения поставленной цели необходимо решить следующие </a:t>
+            </a:r>
+            <a:r>
+              <a:rPr lang="ru-RU" sz="2400" b="1" dirty="0">
+                <a:latin typeface="Times New Roman" panose="02020603050405020304" pitchFamily="18" charset="0"/>
+                <a:cs typeface="Times New Roman" panose="02020603050405020304" pitchFamily="18" charset="0"/>
+              </a:rPr>
+              <a:t>задачи</a:t>
+            </a:r>
+            <a:r>
+              <a:rPr lang="ru-RU" sz="2400" b="1" dirty="0" smtClean="0">
+                <a:latin typeface="Segoe UI Light" panose="020B0502040204020203" pitchFamily="34" charset="0"/>
+                <a:cs typeface="Segoe UI Light" panose="020B0502040204020203" pitchFamily="34" charset="0"/>
+              </a:rPr>
+              <a:t>: </a:t>
             </a:r>
           </a:p>
           <a:p>
@@ -6704,11 +6777,18 @@
               <a:buAutoNum type="arabicPeriod"/>
             </a:pPr>
             <a:r>
+              <a:rPr lang="ru-RU" sz="2000" b="1" dirty="0">
+                <a:latin typeface="Segoe UI Light" panose="020B0502040204020203" pitchFamily="34" charset="0"/>
+                <a:cs typeface="Segoe UI Light" panose="020B0502040204020203" pitchFamily="34" charset="0"/>
+              </a:rPr>
+              <a:t>Разработать алгоритм составления ПОД</a:t>
+            </a:r>
+            <a:r>
               <a:rPr lang="ru-RU" sz="2000" b="1" dirty="0" smtClean="0">
                 <a:latin typeface="Segoe UI Light" panose="020B0502040204020203" pitchFamily="34" charset="0"/>
                 <a:cs typeface="Segoe UI Light" panose="020B0502040204020203" pitchFamily="34" charset="0"/>
               </a:rPr>
-              <a:t>Изучить предметную область, включая существующие методы анализа рынка пассажирских перевозок.</a:t>
+              <a:t>;</a:t>
             </a:r>
           </a:p>
           <a:p>
@@ -6717,11 +6797,18 @@
               <a:buAutoNum type="arabicPeriod"/>
             </a:pPr>
             <a:r>
+              <a:rPr lang="ru-RU" sz="2000" b="1" dirty="0">
+                <a:latin typeface="Segoe UI Light" panose="020B0502040204020203" pitchFamily="34" charset="0"/>
+                <a:cs typeface="Segoe UI Light" panose="020B0502040204020203" pitchFamily="34" charset="0"/>
+              </a:rPr>
+              <a:t>Разработать алгоритм разрешения лексической многозначности при переводе</a:t>
+            </a:r>
+            <a:r>
               <a:rPr lang="ru-RU" sz="2000" b="1" dirty="0" smtClean="0">
                 <a:latin typeface="Segoe UI Light" panose="020B0502040204020203" pitchFamily="34" charset="0"/>
                 <a:cs typeface="Segoe UI Light" panose="020B0502040204020203" pitchFamily="34" charset="0"/>
               </a:rPr>
-              <a:t>Организовать сбор данных из социальных сетей, необходимых для анализа.</a:t>
+              <a:t>;</a:t>
             </a:r>
           </a:p>
           <a:p>
@@ -6730,11 +6817,18 @@
               <a:buAutoNum type="arabicPeriod"/>
             </a:pPr>
             <a:r>
+              <a:rPr lang="ru-RU" sz="2000" b="1" dirty="0">
+                <a:latin typeface="Segoe UI Light" panose="020B0502040204020203" pitchFamily="34" charset="0"/>
+                <a:cs typeface="Segoe UI Light" panose="020B0502040204020203" pitchFamily="34" charset="0"/>
+              </a:rPr>
+              <a:t>Разработать структурно-функциональную схему системы поиска релевантных документов</a:t>
+            </a:r>
+            <a:r>
               <a:rPr lang="ru-RU" sz="2000" b="1" dirty="0" smtClean="0">
                 <a:latin typeface="Segoe UI Light" panose="020B0502040204020203" pitchFamily="34" charset="0"/>
                 <a:cs typeface="Segoe UI Light" panose="020B0502040204020203" pitchFamily="34" charset="0"/>
               </a:rPr>
-              <a:t>Построить автоматизированную систему анализа полученных данных.</a:t>
+              <a:t>;</a:t>
             </a:r>
           </a:p>
           <a:p>
@@ -6743,11 +6837,11 @@
               <a:buAutoNum type="arabicPeriod"/>
             </a:pPr>
             <a:r>
-              <a:rPr lang="ru-RU" sz="2000" b="1" dirty="0" smtClean="0">
-                <a:latin typeface="Segoe UI Light" panose="020B0502040204020203" pitchFamily="34" charset="0"/>
-                <a:cs typeface="Segoe UI Light" panose="020B0502040204020203" pitchFamily="34" charset="0"/>
-              </a:rPr>
-              <a:t>Визуализировать результаты анализа для использования их при последующем планировании.</a:t>
+              <a:rPr lang="ru-RU" sz="2000" b="1" dirty="0">
+                <a:latin typeface="Segoe UI Light" panose="020B0502040204020203" pitchFamily="34" charset="0"/>
+                <a:cs typeface="Segoe UI Light" panose="020B0502040204020203" pitchFamily="34" charset="0"/>
+              </a:rPr>
+              <a:t>Реализовать мобильное приложение.</a:t>
             </a:r>
             <a:endParaRPr lang="en-US" b="1" dirty="0">
               <a:latin typeface="Segoe UI Light" panose="020B0502040204020203" pitchFamily="34" charset="0"/>
@@ -7812,7 +7906,7 @@
         </p:nvSpPr>
         <p:spPr>
           <a:xfrm>
-            <a:off x="1647008" y="2471629"/>
+            <a:off x="1647008" y="2804139"/>
             <a:ext cx="8854440" cy="2906706"/>
           </a:xfrm>
           <a:prstGeom prst="rect">

--- a/presentetion.pptx
+++ b/presentetion.pptx
@@ -267,7 +267,7 @@
               <a:pPr>
                 <a:defRPr/>
               </a:pPr>
-              <a:t>23.05.17</a:t>
+              <a:t>24.05.17</a:t>
             </a:fld>
             <a:endParaRPr lang="be-BY"/>
           </a:p>
@@ -732,7 +732,7 @@
               <a:pPr>
                 <a:defRPr/>
               </a:pPr>
-              <a:t>23.05.17</a:t>
+              <a:t>24.05.17</a:t>
             </a:fld>
             <a:endParaRPr lang="be-BY"/>
           </a:p>
@@ -929,7 +929,7 @@
               <a:pPr>
                 <a:defRPr/>
               </a:pPr>
-              <a:t>23.05.17</a:t>
+              <a:t>24.05.17</a:t>
             </a:fld>
             <a:endParaRPr lang="be-BY"/>
           </a:p>
@@ -1136,7 +1136,7 @@
               <a:pPr>
                 <a:defRPr/>
               </a:pPr>
-              <a:t>23.05.17</a:t>
+              <a:t>24.05.17</a:t>
             </a:fld>
             <a:endParaRPr lang="be-BY"/>
           </a:p>
@@ -1333,7 +1333,7 @@
               <a:pPr>
                 <a:defRPr/>
               </a:pPr>
-              <a:t>23.05.17</a:t>
+              <a:t>24.05.17</a:t>
             </a:fld>
             <a:endParaRPr lang="be-BY"/>
           </a:p>
@@ -1606,7 +1606,7 @@
               <a:pPr>
                 <a:defRPr/>
               </a:pPr>
-              <a:t>23.05.17</a:t>
+              <a:t>24.05.17</a:t>
             </a:fld>
             <a:endParaRPr lang="be-BY"/>
           </a:p>
@@ -1865,7 +1865,7 @@
               <a:pPr>
                 <a:defRPr/>
               </a:pPr>
-              <a:t>23.05.17</a:t>
+              <a:t>24.05.17</a:t>
             </a:fld>
             <a:endParaRPr lang="be-BY"/>
           </a:p>
@@ -2259,7 +2259,7 @@
               <a:pPr>
                 <a:defRPr/>
               </a:pPr>
-              <a:t>23.05.17</a:t>
+              <a:t>24.05.17</a:t>
             </a:fld>
             <a:endParaRPr lang="be-BY"/>
           </a:p>
@@ -2404,7 +2404,7 @@
               <a:pPr>
                 <a:defRPr/>
               </a:pPr>
-              <a:t>23.05.17</a:t>
+              <a:t>24.05.17</a:t>
             </a:fld>
             <a:endParaRPr lang="be-BY"/>
           </a:p>
@@ -2526,7 +2526,7 @@
               <a:pPr>
                 <a:defRPr/>
               </a:pPr>
-              <a:t>23.05.17</a:t>
+              <a:t>24.05.17</a:t>
             </a:fld>
             <a:endParaRPr lang="be-BY"/>
           </a:p>
@@ -2830,7 +2830,7 @@
               <a:pPr>
                 <a:defRPr/>
               </a:pPr>
-              <a:t>23.05.17</a:t>
+              <a:t>24.05.17</a:t>
             </a:fld>
             <a:endParaRPr lang="be-BY"/>
           </a:p>
@@ -3117,7 +3117,7 @@
               <a:pPr>
                 <a:defRPr/>
               </a:pPr>
-              <a:t>23.05.17</a:t>
+              <a:t>24.05.17</a:t>
             </a:fld>
             <a:endParaRPr lang="be-BY"/>
           </a:p>
@@ -3414,7 +3414,7 @@
               <a:pPr>
                 <a:defRPr/>
               </a:pPr>
-              <a:t>23.05.17</a:t>
+              <a:t>24.05.17</a:t>
             </a:fld>
             <a:endParaRPr lang="be-BY"/>
           </a:p>
@@ -5621,7 +5621,35 @@
                 <a:latin typeface="Segoe UI Light" panose="020B0502040204020203" pitchFamily="34" charset="0"/>
                 <a:cs typeface="Segoe UI Light" panose="020B0502040204020203" pitchFamily="34" charset="0"/>
               </a:rPr>
-              <a:t>Построена структурно-функциональную схему системы поиска релевантных документов;</a:t>
+              <a:t>Построена </a:t>
+            </a:r>
+            <a:r>
+              <a:rPr lang="ru-RU" b="1" dirty="0" smtClean="0">
+                <a:latin typeface="Segoe UI Light" panose="020B0502040204020203" pitchFamily="34" charset="0"/>
+                <a:cs typeface="Segoe UI Light" panose="020B0502040204020203" pitchFamily="34" charset="0"/>
+              </a:rPr>
+              <a:t>структурно-функциональн</a:t>
+            </a:r>
+            <a:r>
+              <a:rPr lang="ru-RU" b="1" dirty="0" smtClean="0">
+                <a:latin typeface="Segoe UI Light" panose="020B0502040204020203" pitchFamily="34" charset="0"/>
+                <a:cs typeface="Segoe UI Light" panose="020B0502040204020203" pitchFamily="34" charset="0"/>
+              </a:rPr>
+              <a:t>ая</a:t>
+            </a:r>
+            <a:r>
+              <a:rPr lang="ru-RU" b="1" dirty="0" smtClean="0">
+                <a:latin typeface="Segoe UI Light" panose="020B0502040204020203" pitchFamily="34" charset="0"/>
+                <a:cs typeface="Segoe UI Light" panose="020B0502040204020203" pitchFamily="34" charset="0"/>
+              </a:rPr>
+              <a:t> схема </a:t>
+            </a:r>
+            <a:r>
+              <a:rPr lang="ru-RU" b="1" dirty="0">
+                <a:latin typeface="Segoe UI Light" panose="020B0502040204020203" pitchFamily="34" charset="0"/>
+                <a:cs typeface="Segoe UI Light" panose="020B0502040204020203" pitchFamily="34" charset="0"/>
+              </a:rPr>
+              <a:t>системы поиска релевантных документов;</a:t>
             </a:r>
           </a:p>
           <a:p>
@@ -7179,8 +7207,8 @@
         </p:nvSpPr>
         <p:spPr>
           <a:xfrm>
-            <a:off x="838200" y="2031054"/>
-            <a:ext cx="10515600" cy="4145909"/>
+            <a:off x="838200" y="3291840"/>
+            <a:ext cx="10515600" cy="3325091"/>
           </a:xfrm>
           <a:prstGeom prst="rect">
             <a:avLst/>
@@ -7373,31 +7401,90 @@
                 <a:latin typeface="Segoe UI Light" panose="020B0502040204020203" pitchFamily="34" charset="0"/>
                 <a:cs typeface="Segoe UI Light" panose="020B0502040204020203" pitchFamily="34" charset="0"/>
               </a:rPr>
-              <a:t>Существующие методы анализа рынка пассажирских перевозок</a:t>
-            </a:r>
+              <a:t>Возможности:</a:t>
+            </a:r>
+            <a:endParaRPr lang="ru-RU" sz="2400" b="1" dirty="0">
+              <a:latin typeface="Segoe UI Light" panose="020B0502040204020203" pitchFamily="34" charset="0"/>
+              <a:cs typeface="Segoe UI Light" panose="020B0502040204020203" pitchFamily="34" charset="0"/>
+            </a:endParaRPr>
+          </a:p>
+          <a:p>
+            <a:pPr marL="914400" lvl="1" indent="-457200">
+              <a:buFont typeface="+mj-lt"/>
+              <a:buAutoNum type="arabicPeriod"/>
+            </a:pPr>
+            <a:r>
+              <a:rPr lang="ru-RU" sz="2000" b="1" dirty="0" smtClean="0">
+                <a:latin typeface="Segoe UI Light" panose="020B0502040204020203" pitchFamily="34" charset="0"/>
+                <a:cs typeface="Segoe UI Light" panose="020B0502040204020203" pitchFamily="34" charset="0"/>
+              </a:rPr>
+              <a:t>Предоставляет большой список возможностей для поиска: поиск по карте, картинкам, видео...</a:t>
+            </a:r>
+            <a:endParaRPr lang="en-US" sz="2000" b="1" dirty="0" smtClean="0">
+              <a:latin typeface="Segoe UI Light" panose="020B0502040204020203" pitchFamily="34" charset="0"/>
+              <a:cs typeface="Segoe UI Light" panose="020B0502040204020203" pitchFamily="34" charset="0"/>
+            </a:endParaRPr>
+          </a:p>
+          <a:p>
+            <a:pPr marL="914400" lvl="1" indent="-457200">
+              <a:buFont typeface="+mj-lt"/>
+              <a:buAutoNum type="arabicPeriod"/>
+            </a:pPr>
+            <a:r>
+              <a:rPr lang="ru-RU" sz="2000" b="1" dirty="0" smtClean="0">
+                <a:latin typeface="Segoe UI Light" panose="020B0502040204020203" pitchFamily="34" charset="0"/>
+                <a:cs typeface="Segoe UI Light" panose="020B0502040204020203" pitchFamily="34" charset="0"/>
+              </a:rPr>
+              <a:t>Поддерживает </a:t>
+            </a:r>
+            <a:r>
+              <a:rPr lang="ru-RU" sz="2000" b="1" dirty="0">
+                <a:latin typeface="Segoe UI Light" panose="020B0502040204020203" pitchFamily="34" charset="0"/>
+                <a:cs typeface="Segoe UI Light" panose="020B0502040204020203" pitchFamily="34" charset="0"/>
+              </a:rPr>
+              <a:t>cross-language функциональности при поиске</a:t>
+            </a:r>
+            <a:r>
+              <a:rPr lang="ru-RU" sz="2000" b="1" dirty="0" smtClean="0">
+                <a:latin typeface="Segoe UI Light" panose="020B0502040204020203" pitchFamily="34" charset="0"/>
+                <a:cs typeface="Segoe UI Light" panose="020B0502040204020203" pitchFamily="34" charset="0"/>
+              </a:rPr>
+              <a:t>.</a:t>
+            </a:r>
+          </a:p>
+          <a:p>
+            <a:pPr marL="457200" lvl="1" indent="0">
+              <a:buNone/>
+            </a:pPr>
             <a:endParaRPr lang="ru-RU" sz="2000" b="1" dirty="0">
               <a:latin typeface="Segoe UI Light" panose="020B0502040204020203" pitchFamily="34" charset="0"/>
               <a:cs typeface="Segoe UI Light" panose="020B0502040204020203" pitchFamily="34" charset="0"/>
             </a:endParaRPr>
           </a:p>
           <a:p>
+            <a:r>
+              <a:rPr lang="ru-RU" sz="2400" b="1" dirty="0" smtClean="0">
+                <a:latin typeface="Segoe UI Light" panose="020B0502040204020203" pitchFamily="34" charset="0"/>
+                <a:cs typeface="Segoe UI Light" panose="020B0502040204020203" pitchFamily="34" charset="0"/>
+              </a:rPr>
+              <a:t>Чего не хватает:</a:t>
+            </a:r>
+            <a:endParaRPr lang="ru-RU" sz="2400" b="1" dirty="0" smtClean="0">
+              <a:latin typeface="Segoe UI Light" panose="020B0502040204020203" pitchFamily="34" charset="0"/>
+              <a:cs typeface="Segoe UI Light" panose="020B0502040204020203" pitchFamily="34" charset="0"/>
+            </a:endParaRPr>
+          </a:p>
+          <a:p>
             <a:pPr marL="914400" lvl="1" indent="-457200">
               <a:buFont typeface="+mj-lt"/>
               <a:buAutoNum type="arabicPeriod"/>
             </a:pPr>
             <a:r>
-              <a:rPr lang="ru-RU" sz="2000" b="1" dirty="0">
-                <a:latin typeface="Segoe UI Light" panose="020B0502040204020203" pitchFamily="34" charset="0"/>
-                <a:cs typeface="Segoe UI Light" panose="020B0502040204020203" pitchFamily="34" charset="0"/>
-              </a:rPr>
-              <a:t>анализ данных компаний-перевозчиков</a:t>
-            </a:r>
-            <a:r>
               <a:rPr lang="ru-RU" sz="2000" b="1" dirty="0" smtClean="0">
                 <a:latin typeface="Segoe UI Light" panose="020B0502040204020203" pitchFamily="34" charset="0"/>
                 <a:cs typeface="Segoe UI Light" panose="020B0502040204020203" pitchFamily="34" charset="0"/>
               </a:rPr>
-              <a:t>;</a:t>
+              <a:t>Увелечение максимальной длины запроса(текущее ограничение - 2048 сивмолов);</a:t>
             </a:r>
             <a:endParaRPr lang="ru-RU" sz="2000" b="1" dirty="0">
               <a:latin typeface="Segoe UI Light" panose="020B0502040204020203" pitchFamily="34" charset="0"/>
@@ -7410,25 +7497,18 @@
               <a:buAutoNum type="arabicPeriod"/>
             </a:pPr>
             <a:r>
+              <a:rPr lang="ru-RU" sz="2000" b="1" dirty="0" smtClean="0">
+                <a:latin typeface="Segoe UI Light" panose="020B0502040204020203" pitchFamily="34" charset="0"/>
+                <a:cs typeface="Segoe UI Light" panose="020B0502040204020203" pitchFamily="34" charset="0"/>
+              </a:rPr>
+              <a:t>Поддержки в качестве входных для поиска данных веб-страницы, </a:t>
+            </a:r>
+            <a:r>
               <a:rPr lang="ru-RU" sz="2000" b="1" dirty="0">
                 <a:latin typeface="Segoe UI Light" panose="020B0502040204020203" pitchFamily="34" charset="0"/>
                 <a:cs typeface="Segoe UI Light" panose="020B0502040204020203" pitchFamily="34" charset="0"/>
               </a:rPr>
-              <a:t>а</a:t>
-            </a:r>
-            <a:r>
-              <a:rPr lang="ru-RU" sz="2000" b="1" dirty="0" smtClean="0">
-                <a:latin typeface="Segoe UI Light" panose="020B0502040204020203" pitchFamily="34" charset="0"/>
-                <a:cs typeface="Segoe UI Light" panose="020B0502040204020203" pitchFamily="34" charset="0"/>
-              </a:rPr>
-              <a:t>нализ социальных опросов потребителей услуг</a:t>
-            </a:r>
-            <a:r>
-              <a:rPr lang="en-US" sz="2000" b="1" dirty="0" smtClean="0">
-                <a:latin typeface="Segoe UI Light" panose="020B0502040204020203" pitchFamily="34" charset="0"/>
-                <a:cs typeface="Segoe UI Light" panose="020B0502040204020203" pitchFamily="34" charset="0"/>
-              </a:rPr>
-              <a:t>;</a:t>
+              <a:t>текстового документа(PDF, TXT).</a:t>
             </a:r>
             <a:endParaRPr lang="ru-RU" sz="2000" b="1" dirty="0" smtClean="0">
               <a:latin typeface="Segoe UI Light" panose="020B0502040204020203" pitchFamily="34" charset="0"/>
@@ -7436,140 +7516,6 @@
             </a:endParaRPr>
           </a:p>
           <a:p>
-            <a:pPr marL="914400" lvl="1" indent="-457200">
-              <a:buFont typeface="+mj-lt"/>
-              <a:buAutoNum type="arabicPeriod"/>
-            </a:pPr>
-            <a:r>
-              <a:rPr lang="ru-RU" sz="2000" b="1" dirty="0">
-                <a:latin typeface="Segoe UI Light" panose="020B0502040204020203" pitchFamily="34" charset="0"/>
-                <a:cs typeface="Segoe UI Light" panose="020B0502040204020203" pitchFamily="34" charset="0"/>
-              </a:rPr>
-              <a:t>анализ данных официальной статистики</a:t>
-            </a:r>
-            <a:r>
-              <a:rPr lang="ru-RU" sz="2000" b="1" dirty="0" smtClean="0">
-                <a:latin typeface="Segoe UI Light" panose="020B0502040204020203" pitchFamily="34" charset="0"/>
-                <a:cs typeface="Segoe UI Light" panose="020B0502040204020203" pitchFamily="34" charset="0"/>
-              </a:rPr>
-              <a:t>;</a:t>
-            </a:r>
-            <a:endParaRPr lang="ru-RU" sz="2000" b="1" dirty="0">
-              <a:latin typeface="Segoe UI Light" panose="020B0502040204020203" pitchFamily="34" charset="0"/>
-              <a:cs typeface="Segoe UI Light" panose="020B0502040204020203" pitchFamily="34" charset="0"/>
-            </a:endParaRPr>
-          </a:p>
-          <a:p>
-            <a:pPr marL="914400" lvl="1" indent="-457200">
-              <a:buFont typeface="+mj-lt"/>
-              <a:buAutoNum type="arabicPeriod"/>
-            </a:pPr>
-            <a:r>
-              <a:rPr lang="ru-RU" sz="2000" b="1" dirty="0">
-                <a:latin typeface="Segoe UI Light" panose="020B0502040204020203" pitchFamily="34" charset="0"/>
-                <a:cs typeface="Segoe UI Light" panose="020B0502040204020203" pitchFamily="34" charset="0"/>
-              </a:rPr>
-              <a:t>анализ отраслевых </a:t>
-            </a:r>
-            <a:r>
-              <a:rPr lang="ru-RU" sz="2000" b="1" dirty="0" smtClean="0">
-                <a:latin typeface="Segoe UI Light" panose="020B0502040204020203" pitchFamily="34" charset="0"/>
-                <a:cs typeface="Segoe UI Light" panose="020B0502040204020203" pitchFamily="34" charset="0"/>
-              </a:rPr>
-              <a:t>СМИ</a:t>
-            </a:r>
-            <a:r>
-              <a:rPr lang="en-US" sz="2000" b="1" dirty="0">
-                <a:latin typeface="Segoe UI Light" panose="020B0502040204020203" pitchFamily="34" charset="0"/>
-                <a:cs typeface="Segoe UI Light" panose="020B0502040204020203" pitchFamily="34" charset="0"/>
-              </a:rPr>
-              <a:t>.</a:t>
-            </a:r>
-            <a:endParaRPr lang="ru-RU" sz="2000" b="1" dirty="0" smtClean="0">
-              <a:latin typeface="Segoe UI Light" panose="020B0502040204020203" pitchFamily="34" charset="0"/>
-              <a:cs typeface="Segoe UI Light" panose="020B0502040204020203" pitchFamily="34" charset="0"/>
-            </a:endParaRPr>
-          </a:p>
-          <a:p>
-            <a:r>
-              <a:rPr lang="ru-RU" sz="2400" b="1" dirty="0" smtClean="0">
-                <a:latin typeface="Segoe UI Light" panose="020B0502040204020203" pitchFamily="34" charset="0"/>
-                <a:cs typeface="Segoe UI Light" panose="020B0502040204020203" pitchFamily="34" charset="0"/>
-              </a:rPr>
-              <a:t>Недостатки:</a:t>
-            </a:r>
-          </a:p>
-          <a:p>
-            <a:pPr marL="914400" lvl="1" indent="-457200">
-              <a:buFont typeface="+mj-lt"/>
-              <a:buAutoNum type="arabicPeriod"/>
-            </a:pPr>
-            <a:r>
-              <a:rPr lang="ru-RU" sz="2000" b="1" dirty="0" smtClean="0">
-                <a:latin typeface="Segoe UI Light" panose="020B0502040204020203" pitchFamily="34" charset="0"/>
-                <a:cs typeface="Segoe UI Light" panose="020B0502040204020203" pitchFamily="34" charset="0"/>
-              </a:rPr>
-              <a:t>небольшие объемы информации для анализа в сравнении с объемами рынка</a:t>
-            </a:r>
-            <a:r>
-              <a:rPr lang="en-US" sz="2000" b="1" dirty="0" smtClean="0">
-                <a:latin typeface="Segoe UI Light" panose="020B0502040204020203" pitchFamily="34" charset="0"/>
-                <a:cs typeface="Segoe UI Light" panose="020B0502040204020203" pitchFamily="34" charset="0"/>
-              </a:rPr>
-              <a:t>;</a:t>
-            </a:r>
-          </a:p>
-          <a:p>
-            <a:pPr marL="914400" lvl="1" indent="-457200">
-              <a:buFont typeface="+mj-lt"/>
-              <a:buAutoNum type="arabicPeriod"/>
-            </a:pPr>
-            <a:r>
-              <a:rPr lang="ru-RU" sz="2000" b="1" dirty="0">
-                <a:latin typeface="Segoe UI Light" panose="020B0502040204020203" pitchFamily="34" charset="0"/>
-                <a:cs typeface="Segoe UI Light" panose="020B0502040204020203" pitchFamily="34" charset="0"/>
-              </a:rPr>
-              <a:t>т</a:t>
-            </a:r>
-            <a:r>
-              <a:rPr lang="ru-RU" sz="2000" b="1" dirty="0" smtClean="0">
-                <a:latin typeface="Segoe UI Light" panose="020B0502040204020203" pitchFamily="34" charset="0"/>
-                <a:cs typeface="Segoe UI Light" panose="020B0502040204020203" pitchFamily="34" charset="0"/>
-              </a:rPr>
-              <a:t>рудоемкость процесса сбора информации</a:t>
-            </a:r>
-            <a:r>
-              <a:rPr lang="en-US" sz="2000" b="1" dirty="0" smtClean="0">
-                <a:latin typeface="Segoe UI Light" panose="020B0502040204020203" pitchFamily="34" charset="0"/>
-                <a:cs typeface="Segoe UI Light" panose="020B0502040204020203" pitchFamily="34" charset="0"/>
-              </a:rPr>
-              <a:t>;</a:t>
-            </a:r>
-          </a:p>
-          <a:p>
-            <a:pPr marL="914400" lvl="1" indent="-457200">
-              <a:buFont typeface="+mj-lt"/>
-              <a:buAutoNum type="arabicPeriod"/>
-            </a:pPr>
-            <a:r>
-              <a:rPr lang="ru-RU" sz="2000" b="1" dirty="0" smtClean="0">
-                <a:latin typeface="Segoe UI Light" panose="020B0502040204020203" pitchFamily="34" charset="0"/>
-                <a:cs typeface="Segoe UI Light" panose="020B0502040204020203" pitchFamily="34" charset="0"/>
-              </a:rPr>
-              <a:t>отсутствие на рынке средств автоматизированного анализа.</a:t>
-            </a:r>
-          </a:p>
-          <a:p>
-            <a:pPr marL="914400" lvl="1" indent="-457200">
-              <a:buFont typeface="+mj-lt"/>
-              <a:buAutoNum type="arabicPeriod"/>
-            </a:pPr>
-            <a:endParaRPr lang="ru-RU" sz="2000" b="1" dirty="0" smtClean="0">
-              <a:latin typeface="Segoe UI Light" panose="020B0502040204020203" pitchFamily="34" charset="0"/>
-              <a:cs typeface="Segoe UI Light" panose="020B0502040204020203" pitchFamily="34" charset="0"/>
-            </a:endParaRPr>
-          </a:p>
-          <a:p>
             <a:endParaRPr lang="ru-RU" sz="2400" b="1" dirty="0" smtClean="0">
               <a:latin typeface="Segoe UI Light" panose="020B0502040204020203" pitchFamily="34" charset="0"/>
               <a:cs typeface="Segoe UI Light" panose="020B0502040204020203" pitchFamily="34" charset="0"/>
@@ -7577,6 +7523,36 @@
           </a:p>
         </p:txBody>
       </p:sp>
+      <p:pic>
+        <p:nvPicPr>
+          <p:cNvPr id="4" name="Picture 3"/>
+          <p:cNvPicPr>
+            <a:picLocks noChangeAspect="1"/>
+          </p:cNvPicPr>
+          <p:nvPr/>
+        </p:nvPicPr>
+        <p:blipFill>
+          <a:blip r:embed="rId3">
+            <a:extLst>
+              <a:ext uri="{28A0092B-C50C-407E-A947-70E740481C1C}">
+                <a14:useLocalDpi xmlns:a14="http://schemas.microsoft.com/office/drawing/2010/main" val="0"/>
+              </a:ext>
+            </a:extLst>
+          </a:blip>
+          <a:stretch>
+            <a:fillRect/>
+          </a:stretch>
+        </p:blipFill>
+        <p:spPr>
+          <a:xfrm>
+            <a:off x="838200" y="2254426"/>
+            <a:ext cx="2775360" cy="938150"/>
+          </a:xfrm>
+          <a:prstGeom prst="rect">
+            <a:avLst/>
+          </a:prstGeom>
+        </p:spPr>
+      </p:pic>
     </p:spTree>
     <p:extLst>
       <p:ext uri="{BB962C8B-B14F-4D97-AF65-F5344CB8AC3E}">
@@ -8961,8 +8937,8 @@
         </p:blipFill>
         <p:spPr>
           <a:xfrm>
-            <a:off x="7032567" y="2579694"/>
-            <a:ext cx="4759383" cy="3791711"/>
+            <a:off x="6941128" y="2651761"/>
+            <a:ext cx="4693128" cy="3495201"/>
           </a:xfrm>
           <a:prstGeom prst="rect">
             <a:avLst/>

--- a/presentetion.pptx
+++ b/presentetion.pptx
@@ -5628,21 +5628,7 @@
                 <a:latin typeface="Segoe UI Light" panose="020B0502040204020203" pitchFamily="34" charset="0"/>
                 <a:cs typeface="Segoe UI Light" panose="020B0502040204020203" pitchFamily="34" charset="0"/>
               </a:rPr>
-              <a:t>структурно-функциональн</a:t>
-            </a:r>
-            <a:r>
-              <a:rPr lang="ru-RU" b="1" dirty="0" smtClean="0">
-                <a:latin typeface="Segoe UI Light" panose="020B0502040204020203" pitchFamily="34" charset="0"/>
-                <a:cs typeface="Segoe UI Light" panose="020B0502040204020203" pitchFamily="34" charset="0"/>
-              </a:rPr>
-              <a:t>ая</a:t>
-            </a:r>
-            <a:r>
-              <a:rPr lang="ru-RU" b="1" dirty="0" smtClean="0">
-                <a:latin typeface="Segoe UI Light" panose="020B0502040204020203" pitchFamily="34" charset="0"/>
-                <a:cs typeface="Segoe UI Light" panose="020B0502040204020203" pitchFamily="34" charset="0"/>
-              </a:rPr>
-              <a:t> схема </a:t>
+              <a:t>структурно-функциональная схема </a:t>
             </a:r>
             <a:r>
               <a:rPr lang="ru-RU" b="1" dirty="0">
@@ -6070,8 +6056,8 @@
         </p:nvSpPr>
         <p:spPr>
           <a:xfrm>
-            <a:off x="838200" y="2031054"/>
-            <a:ext cx="10515600" cy="4145909"/>
+            <a:off x="1021080" y="2854015"/>
+            <a:ext cx="10515600" cy="1501854"/>
           </a:xfrm>
         </p:spPr>
         <p:txBody>
@@ -6079,20 +6065,39 @@
           <a:lstStyle/>
           <a:p>
             <a:r>
+              <a:rPr lang="ru-RU" sz="2400" b="1" dirty="0">
+                <a:latin typeface="Segoe UI Light" panose="020B0502040204020203" pitchFamily="34" charset="0"/>
+                <a:cs typeface="Segoe UI Light" panose="020B0502040204020203" pitchFamily="34" charset="0"/>
+              </a:rPr>
+              <a:t>Информации в </a:t>
+            </a:r>
+            <a:r>
               <a:rPr lang="ru-RU" sz="2400" b="1" dirty="0" smtClean="0">
                 <a:latin typeface="Segoe UI Light" panose="020B0502040204020203" pitchFamily="34" charset="0"/>
                 <a:cs typeface="Segoe UI Light" panose="020B0502040204020203" pitchFamily="34" charset="0"/>
               </a:rPr>
-              <a:t>Рынок пассажирских перевозок стремительно развивается, что обеспечило заинтересованность его участников в методах его анализа. </a:t>
-            </a:r>
-          </a:p>
-          <a:p>
+              <a:t>интернете </a:t>
+            </a:r>
+            <a:r>
+              <a:rPr lang="ru-RU" sz="2400" b="1" dirty="0">
+                <a:latin typeface="Segoe UI Light" panose="020B0502040204020203" pitchFamily="34" charset="0"/>
+                <a:cs typeface="Segoe UI Light" panose="020B0502040204020203" pitchFamily="34" charset="0"/>
+              </a:rPr>
+              <a:t>много, но она представлена не на всех </a:t>
+            </a:r>
             <a:r>
               <a:rPr lang="ru-RU" sz="2400" b="1" dirty="0" smtClean="0">
                 <a:latin typeface="Segoe UI Light" panose="020B0502040204020203" pitchFamily="34" charset="0"/>
                 <a:cs typeface="Segoe UI Light" panose="020B0502040204020203" pitchFamily="34" charset="0"/>
               </a:rPr>
-              <a:t>Существующие методы анализа рынка пассажирских перевозок не обеспечивают компании необходимой информацией о перспективах внедрения своих сервисов на новых территориях или в условиях существования конкуренции компаний на одной и той же территории, так как они основываются на исторических данных компаний, проводящих анализ, и не учитывают особенности ситуации в целом.</a:t>
+              <a:t>языках</a:t>
+            </a:r>
+            <a:r>
+              <a:rPr lang="en-US" sz="2400" b="1" dirty="0" smtClean="0">
+                <a:latin typeface="Segoe UI Light" panose="020B0502040204020203" pitchFamily="34" charset="0"/>
+                <a:cs typeface="Segoe UI Light" panose="020B0502040204020203" pitchFamily="34" charset="0"/>
+              </a:rPr>
+              <a:t>;</a:t>
             </a:r>
           </a:p>
           <a:p>
@@ -6101,7 +6106,14 @@
                 <a:latin typeface="Segoe UI Light" panose="020B0502040204020203" pitchFamily="34" charset="0"/>
                 <a:cs typeface="Segoe UI Light" panose="020B0502040204020203" pitchFamily="34" charset="0"/>
               </a:rPr>
-              <a:t>Социальные сети предоставляют новый источник данных для анализа, которые могут быть эффективно использованы.</a:t>
+              <a:t>Язык </a:t>
+            </a:r>
+            <a:r>
+              <a:rPr lang="ru-RU" sz="2400" b="1" dirty="0">
+                <a:latin typeface="Segoe UI Light" panose="020B0502040204020203" pitchFamily="34" charset="0"/>
+                <a:cs typeface="Segoe UI Light" panose="020B0502040204020203" pitchFamily="34" charset="0"/>
+              </a:rPr>
+              <a:t>извлечённой поисковыми системами информации такой же, как и язык исходного поискового запроса.</a:t>
             </a:r>
             <a:endParaRPr lang="en-US" b="1" dirty="0">
               <a:latin typeface="Segoe UI Light" panose="020B0502040204020203" pitchFamily="34" charset="0"/>
@@ -7469,10 +7481,6 @@
               </a:rPr>
               <a:t>Чего не хватает:</a:t>
             </a:r>
-            <a:endParaRPr lang="ru-RU" sz="2400" b="1" dirty="0" smtClean="0">
-              <a:latin typeface="Segoe UI Light" panose="020B0502040204020203" pitchFamily="34" charset="0"/>
-              <a:cs typeface="Segoe UI Light" panose="020B0502040204020203" pitchFamily="34" charset="0"/>
-            </a:endParaRPr>
           </a:p>
           <a:p>
             <a:pPr marL="914400" lvl="1" indent="-457200">
@@ -8666,7 +8674,7 @@
         </p:nvSpPr>
         <p:spPr>
           <a:xfrm>
-            <a:off x="231569" y="2421753"/>
+            <a:off x="248195" y="2324859"/>
             <a:ext cx="6318860" cy="4145302"/>
           </a:xfrm>
           <a:prstGeom prst="rect">
@@ -8937,14 +8945,44 @@
         </p:blipFill>
         <p:spPr>
           <a:xfrm>
-            <a:off x="6941128" y="2651761"/>
-            <a:ext cx="4693128" cy="3495201"/>
+            <a:off x="6691745" y="2397808"/>
+            <a:ext cx="5017325" cy="3675333"/>
           </a:xfrm>
           <a:prstGeom prst="rect">
             <a:avLst/>
           </a:prstGeom>
         </p:spPr>
       </p:pic>
+      <p:sp>
+        <p:nvSpPr>
+          <p:cNvPr id="5" name="TextBox 4"/>
+          <p:cNvSpPr txBox="1"/>
+          <p:nvPr/>
+        </p:nvSpPr>
+        <p:spPr>
+          <a:xfrm>
+            <a:off x="7445896" y="6097086"/>
+            <a:ext cx="3763972" cy="369332"/>
+          </a:xfrm>
+          <a:prstGeom prst="rect">
+            <a:avLst/>
+          </a:prstGeom>
+          <a:noFill/>
+        </p:spPr>
+        <p:txBody>
+          <a:bodyPr wrap="square" rtlCol="0">
+            <a:spAutoFit/>
+          </a:bodyPr>
+          <a:lstStyle/>
+          <a:p>
+            <a:r>
+              <a:rPr lang="ru-RU" dirty="0" smtClean="0"/>
+              <a:t>Список извлечённых ключевых слов</a:t>
+            </a:r>
+            <a:endParaRPr lang="en-US" dirty="0"/>
+          </a:p>
+        </p:txBody>
+      </p:sp>
     </p:spTree>
     <p:extLst>
       <p:ext uri="{BB962C8B-B14F-4D97-AF65-F5344CB8AC3E}">

--- a/presentetion.pptx
+++ b/presentetion.pptx
@@ -5,22 +5,23 @@
     <p:sldMasterId id="2147483648" r:id="rId1"/>
   </p:sldMasterIdLst>
   <p:notesMasterIdLst>
-    <p:notesMasterId r:id="rId15"/>
+    <p:notesMasterId r:id="rId16"/>
   </p:notesMasterIdLst>
   <p:sldIdLst>
     <p:sldId id="256" r:id="rId2"/>
     <p:sldId id="257" r:id="rId3"/>
-    <p:sldId id="258" r:id="rId4"/>
-    <p:sldId id="259" r:id="rId5"/>
+    <p:sldId id="259" r:id="rId4"/>
+    <p:sldId id="258" r:id="rId5"/>
     <p:sldId id="260" r:id="rId6"/>
-    <p:sldId id="270" r:id="rId7"/>
-    <p:sldId id="261" r:id="rId8"/>
-    <p:sldId id="262" r:id="rId9"/>
-    <p:sldId id="263" r:id="rId10"/>
-    <p:sldId id="269" r:id="rId11"/>
-    <p:sldId id="268" r:id="rId12"/>
-    <p:sldId id="266" r:id="rId13"/>
-    <p:sldId id="267" r:id="rId14"/>
+    <p:sldId id="271" r:id="rId7"/>
+    <p:sldId id="270" r:id="rId8"/>
+    <p:sldId id="261" r:id="rId9"/>
+    <p:sldId id="262" r:id="rId10"/>
+    <p:sldId id="263" r:id="rId11"/>
+    <p:sldId id="269" r:id="rId12"/>
+    <p:sldId id="268" r:id="rId13"/>
+    <p:sldId id="266" r:id="rId14"/>
+    <p:sldId id="267" r:id="rId15"/>
   </p:sldIdLst>
   <p:sldSz cx="12192000" cy="6858000"/>
   <p:notesSz cx="6858000" cy="9144000"/>
@@ -4569,6 +4570,675 @@
                 <a:latin typeface="Segoe UI Light" panose="020B0502040204020203" pitchFamily="34" charset="0"/>
                 <a:cs typeface="Segoe UI Light" panose="020B0502040204020203" pitchFamily="34" charset="0"/>
               </a:rPr>
+              <a:t>Архитектура приложения</a:t>
+            </a:r>
+            <a:endParaRPr lang="en-US" b="1" dirty="0">
+              <a:latin typeface="Segoe UI Light" panose="020B0502040204020203" pitchFamily="34" charset="0"/>
+              <a:cs typeface="Segoe UI Light" panose="020B0502040204020203" pitchFamily="34" charset="0"/>
+            </a:endParaRPr>
+          </a:p>
+        </p:txBody>
+      </p:sp>
+      <p:pic>
+        <p:nvPicPr>
+          <p:cNvPr id="7" name="Рисунок 1" descr="D:\diplom\git\diplom\картинки\clean_architecture_android.png"/>
+          <p:cNvPicPr/>
+          <p:nvPr/>
+        </p:nvPicPr>
+        <p:blipFill>
+          <a:blip r:embed="rId3">
+            <a:extLst>
+              <a:ext uri="{28A0092B-C50C-407E-A947-70E740481C1C}">
+                <a14:useLocalDpi xmlns:a14="http://schemas.microsoft.com/office/drawing/2010/main" val="0"/>
+              </a:ext>
+            </a:extLst>
+          </a:blip>
+          <a:srcRect/>
+          <a:stretch>
+            <a:fillRect/>
+          </a:stretch>
+        </p:blipFill>
+        <p:spPr bwMode="auto">
+          <a:xfrm>
+            <a:off x="795645" y="2361565"/>
+            <a:ext cx="4266804" cy="1870364"/>
+          </a:xfrm>
+          <a:prstGeom prst="rect">
+            <a:avLst/>
+          </a:prstGeom>
+          <a:noFill/>
+          <a:ln>
+            <a:noFill/>
+          </a:ln>
+        </p:spPr>
+      </p:pic>
+      <p:pic>
+        <p:nvPicPr>
+          <p:cNvPr id="8" name="Рисунок 11" descr="D:\diplom\git\diplom\картинки\repository.png"/>
+          <p:cNvPicPr/>
+          <p:nvPr/>
+        </p:nvPicPr>
+        <p:blipFill>
+          <a:blip r:embed="rId4" cstate="print">
+            <a:extLst>
+              <a:ext uri="{28A0092B-C50C-407E-A947-70E740481C1C}">
+                <a14:useLocalDpi xmlns:a14="http://schemas.microsoft.com/office/drawing/2010/main" val="0"/>
+              </a:ext>
+            </a:extLst>
+          </a:blip>
+          <a:srcRect/>
+          <a:stretch>
+            <a:fillRect/>
+          </a:stretch>
+        </p:blipFill>
+        <p:spPr bwMode="auto">
+          <a:xfrm>
+            <a:off x="1238599" y="4530438"/>
+            <a:ext cx="3458095" cy="1862052"/>
+          </a:xfrm>
+          <a:prstGeom prst="rect">
+            <a:avLst/>
+          </a:prstGeom>
+          <a:noFill/>
+          <a:ln>
+            <a:noFill/>
+          </a:ln>
+        </p:spPr>
+      </p:pic>
+      <p:sp>
+        <p:nvSpPr>
+          <p:cNvPr id="9" name="Content Placeholder 2"/>
+          <p:cNvSpPr txBox="1">
+            <a:spLocks/>
+          </p:cNvSpPr>
+          <p:nvPr/>
+        </p:nvSpPr>
+        <p:spPr>
+          <a:xfrm>
+            <a:off x="5764085" y="2649728"/>
+            <a:ext cx="5944985" cy="3164401"/>
+          </a:xfrm>
+          <a:prstGeom prst="rect">
+            <a:avLst/>
+          </a:prstGeom>
+        </p:spPr>
+        <p:txBody>
+          <a:bodyPr/>
+          <a:lstStyle>
+            <a:lvl1pPr marL="228600" indent="-228600" algn="l" rtl="0" eaLnBrk="1" fontAlgn="base" hangingPunct="1">
+              <a:lnSpc>
+                <a:spcPct val="90000"/>
+              </a:lnSpc>
+              <a:spcBef>
+                <a:spcPts val="1000"/>
+              </a:spcBef>
+              <a:spcAft>
+                <a:spcPct val="0"/>
+              </a:spcAft>
+              <a:buFont typeface="Arial" panose="020B0604020202020204" pitchFamily="34" charset="0"/>
+              <a:buChar char="•"/>
+              <a:defRPr sz="2800" kern="1200">
+                <a:solidFill>
+                  <a:schemeClr val="tx1"/>
+                </a:solidFill>
+                <a:latin typeface="+mn-lt"/>
+                <a:ea typeface="+mn-ea"/>
+                <a:cs typeface="+mn-cs"/>
+              </a:defRPr>
+            </a:lvl1pPr>
+            <a:lvl2pPr marL="685800" indent="-228600" algn="l" rtl="0" eaLnBrk="1" fontAlgn="base" hangingPunct="1">
+              <a:lnSpc>
+                <a:spcPct val="90000"/>
+              </a:lnSpc>
+              <a:spcBef>
+                <a:spcPts val="500"/>
+              </a:spcBef>
+              <a:spcAft>
+                <a:spcPct val="0"/>
+              </a:spcAft>
+              <a:buFont typeface="Arial" panose="020B0604020202020204" pitchFamily="34" charset="0"/>
+              <a:buChar char="•"/>
+              <a:defRPr sz="2400" kern="1200">
+                <a:solidFill>
+                  <a:schemeClr val="tx1"/>
+                </a:solidFill>
+                <a:latin typeface="+mn-lt"/>
+                <a:ea typeface="+mn-ea"/>
+                <a:cs typeface="+mn-cs"/>
+              </a:defRPr>
+            </a:lvl2pPr>
+            <a:lvl3pPr marL="1143000" indent="-228600" algn="l" rtl="0" eaLnBrk="1" fontAlgn="base" hangingPunct="1">
+              <a:lnSpc>
+                <a:spcPct val="90000"/>
+              </a:lnSpc>
+              <a:spcBef>
+                <a:spcPts val="500"/>
+              </a:spcBef>
+              <a:spcAft>
+                <a:spcPct val="0"/>
+              </a:spcAft>
+              <a:buFont typeface="Arial" panose="020B0604020202020204" pitchFamily="34" charset="0"/>
+              <a:buChar char="•"/>
+              <a:defRPr sz="2000" kern="1200">
+                <a:solidFill>
+                  <a:schemeClr val="tx1"/>
+                </a:solidFill>
+                <a:latin typeface="+mn-lt"/>
+                <a:ea typeface="+mn-ea"/>
+                <a:cs typeface="+mn-cs"/>
+              </a:defRPr>
+            </a:lvl3pPr>
+            <a:lvl4pPr marL="1600200" indent="-228600" algn="l" rtl="0" eaLnBrk="1" fontAlgn="base" hangingPunct="1">
+              <a:lnSpc>
+                <a:spcPct val="90000"/>
+              </a:lnSpc>
+              <a:spcBef>
+                <a:spcPts val="500"/>
+              </a:spcBef>
+              <a:spcAft>
+                <a:spcPct val="0"/>
+              </a:spcAft>
+              <a:buFont typeface="Arial" panose="020B0604020202020204" pitchFamily="34" charset="0"/>
+              <a:buChar char="•"/>
+              <a:defRPr kern="1200">
+                <a:solidFill>
+                  <a:schemeClr val="tx1"/>
+                </a:solidFill>
+                <a:latin typeface="+mn-lt"/>
+                <a:ea typeface="+mn-ea"/>
+                <a:cs typeface="+mn-cs"/>
+              </a:defRPr>
+            </a:lvl4pPr>
+            <a:lvl5pPr marL="2057400" indent="-228600" algn="l" rtl="0" eaLnBrk="1" fontAlgn="base" hangingPunct="1">
+              <a:lnSpc>
+                <a:spcPct val="90000"/>
+              </a:lnSpc>
+              <a:spcBef>
+                <a:spcPts val="500"/>
+              </a:spcBef>
+              <a:spcAft>
+                <a:spcPct val="0"/>
+              </a:spcAft>
+              <a:buFont typeface="Arial" panose="020B0604020202020204" pitchFamily="34" charset="0"/>
+              <a:buChar char="•"/>
+              <a:defRPr kern="1200">
+                <a:solidFill>
+                  <a:schemeClr val="tx1"/>
+                </a:solidFill>
+                <a:latin typeface="+mn-lt"/>
+                <a:ea typeface="+mn-ea"/>
+                <a:cs typeface="+mn-cs"/>
+              </a:defRPr>
+            </a:lvl5pPr>
+            <a:lvl6pPr marL="2514600" indent="-228600" algn="l" defTabSz="914400" rtl="0" eaLnBrk="1" latinLnBrk="0" hangingPunct="1">
+              <a:lnSpc>
+                <a:spcPct val="90000"/>
+              </a:lnSpc>
+              <a:spcBef>
+                <a:spcPts val="500"/>
+              </a:spcBef>
+              <a:buFont typeface="Arial" panose="020B0604020202020204" pitchFamily="34" charset="0"/>
+              <a:buChar char="•"/>
+              <a:defRPr sz="1800" kern="1200">
+                <a:solidFill>
+                  <a:schemeClr val="tx1"/>
+                </a:solidFill>
+                <a:latin typeface="+mn-lt"/>
+                <a:ea typeface="+mn-ea"/>
+                <a:cs typeface="+mn-cs"/>
+              </a:defRPr>
+            </a:lvl6pPr>
+            <a:lvl7pPr marL="2971800" indent="-228600" algn="l" defTabSz="914400" rtl="0" eaLnBrk="1" latinLnBrk="0" hangingPunct="1">
+              <a:lnSpc>
+                <a:spcPct val="90000"/>
+              </a:lnSpc>
+              <a:spcBef>
+                <a:spcPts val="500"/>
+              </a:spcBef>
+              <a:buFont typeface="Arial" panose="020B0604020202020204" pitchFamily="34" charset="0"/>
+              <a:buChar char="•"/>
+              <a:defRPr sz="1800" kern="1200">
+                <a:solidFill>
+                  <a:schemeClr val="tx1"/>
+                </a:solidFill>
+                <a:latin typeface="+mn-lt"/>
+                <a:ea typeface="+mn-ea"/>
+                <a:cs typeface="+mn-cs"/>
+              </a:defRPr>
+            </a:lvl7pPr>
+            <a:lvl8pPr marL="3429000" indent="-228600" algn="l" defTabSz="914400" rtl="0" eaLnBrk="1" latinLnBrk="0" hangingPunct="1">
+              <a:lnSpc>
+                <a:spcPct val="90000"/>
+              </a:lnSpc>
+              <a:spcBef>
+                <a:spcPts val="500"/>
+              </a:spcBef>
+              <a:buFont typeface="Arial" panose="020B0604020202020204" pitchFamily="34" charset="0"/>
+              <a:buChar char="•"/>
+              <a:defRPr sz="1800" kern="1200">
+                <a:solidFill>
+                  <a:schemeClr val="tx1"/>
+                </a:solidFill>
+                <a:latin typeface="+mn-lt"/>
+                <a:ea typeface="+mn-ea"/>
+                <a:cs typeface="+mn-cs"/>
+              </a:defRPr>
+            </a:lvl8pPr>
+            <a:lvl9pPr marL="3886200" indent="-228600" algn="l" defTabSz="914400" rtl="0" eaLnBrk="1" latinLnBrk="0" hangingPunct="1">
+              <a:lnSpc>
+                <a:spcPct val="90000"/>
+              </a:lnSpc>
+              <a:spcBef>
+                <a:spcPts val="500"/>
+              </a:spcBef>
+              <a:buFont typeface="Arial" panose="020B0604020202020204" pitchFamily="34" charset="0"/>
+              <a:buChar char="•"/>
+              <a:defRPr sz="1800" kern="1200">
+                <a:solidFill>
+                  <a:schemeClr val="tx1"/>
+                </a:solidFill>
+                <a:latin typeface="+mn-lt"/>
+                <a:ea typeface="+mn-ea"/>
+                <a:cs typeface="+mn-cs"/>
+              </a:defRPr>
+            </a:lvl9pPr>
+          </a:lstStyle>
+          <a:p>
+            <a:pPr marL="0" indent="0">
+              <a:buNone/>
+            </a:pPr>
+            <a:r>
+              <a:rPr lang="ru-RU" sz="2400" b="1" dirty="0">
+                <a:latin typeface="Segoe UI Light" panose="020B0502040204020203" pitchFamily="34" charset="0"/>
+                <a:cs typeface="Segoe UI Light" panose="020B0502040204020203" pitchFamily="34" charset="0"/>
+              </a:rPr>
+              <a:t>Преимущества архитектуры:</a:t>
+            </a:r>
+          </a:p>
+          <a:p>
+            <a:r>
+              <a:rPr lang="ru-RU" sz="2400" b="1" dirty="0">
+                <a:latin typeface="Segoe UI Light" panose="020B0502040204020203" pitchFamily="34" charset="0"/>
+                <a:cs typeface="Segoe UI Light" panose="020B0502040204020203" pitchFamily="34" charset="0"/>
+              </a:rPr>
+              <a:t>Независимость от внешних сервисов, </a:t>
+            </a:r>
+            <a:endParaRPr lang="en-US" sz="2400" b="1" dirty="0" smtClean="0">
+              <a:latin typeface="Segoe UI Light" panose="020B0502040204020203" pitchFamily="34" charset="0"/>
+              <a:cs typeface="Segoe UI Light" panose="020B0502040204020203" pitchFamily="34" charset="0"/>
+            </a:endParaRPr>
+          </a:p>
+          <a:p>
+            <a:pPr marL="0" indent="0">
+              <a:buNone/>
+            </a:pPr>
+            <a:r>
+              <a:rPr lang="ru-RU" sz="2400" b="1" dirty="0" smtClean="0">
+                <a:latin typeface="Segoe UI Light" panose="020B0502040204020203" pitchFamily="34" charset="0"/>
+                <a:cs typeface="Segoe UI Light" panose="020B0502040204020203" pitchFamily="34" charset="0"/>
+              </a:rPr>
+              <a:t>с </a:t>
+            </a:r>
+            <a:r>
+              <a:rPr lang="ru-RU" sz="2400" b="1" dirty="0">
+                <a:latin typeface="Segoe UI Light" panose="020B0502040204020203" pitchFamily="34" charset="0"/>
+                <a:cs typeface="Segoe UI Light" panose="020B0502040204020203" pitchFamily="34" charset="0"/>
+              </a:rPr>
+              <a:t>которыми взаимодействует приложение;</a:t>
+            </a:r>
+          </a:p>
+          <a:p>
+            <a:r>
+              <a:rPr lang="ru-RU" sz="2400" b="1" dirty="0">
+                <a:latin typeface="Segoe UI Light" panose="020B0502040204020203" pitchFamily="34" charset="0"/>
+                <a:cs typeface="Segoe UI Light" panose="020B0502040204020203" pitchFamily="34" charset="0"/>
+              </a:rPr>
+              <a:t>Независимость от фреймворков;</a:t>
+            </a:r>
+          </a:p>
+          <a:p>
+            <a:r>
+              <a:rPr lang="ru-RU" sz="2400" b="1" dirty="0">
+                <a:latin typeface="Segoe UI Light" panose="020B0502040204020203" pitchFamily="34" charset="0"/>
+                <a:cs typeface="Segoe UI Light" panose="020B0502040204020203" pitchFamily="34" charset="0"/>
+              </a:rPr>
+              <a:t>Независимость от Баз Данных;</a:t>
+            </a:r>
+          </a:p>
+          <a:p>
+            <a:r>
+              <a:rPr lang="ru-RU" sz="2400" b="1" dirty="0">
+                <a:latin typeface="Segoe UI Light" panose="020B0502040204020203" pitchFamily="34" charset="0"/>
+                <a:cs typeface="Segoe UI Light" panose="020B0502040204020203" pitchFamily="34" charset="0"/>
+              </a:rPr>
+              <a:t>Независимость от UI;</a:t>
+            </a:r>
+          </a:p>
+          <a:p>
+            <a:r>
+              <a:rPr lang="ru-RU" sz="2400" b="1" dirty="0">
+                <a:latin typeface="Segoe UI Light" panose="020B0502040204020203" pitchFamily="34" charset="0"/>
+                <a:cs typeface="Segoe UI Light" panose="020B0502040204020203" pitchFamily="34" charset="0"/>
+              </a:rPr>
+              <a:t>Простота написания тестов.</a:t>
+            </a:r>
+            <a:endParaRPr lang="ru-RU" sz="2400" b="1" dirty="0" smtClean="0">
+              <a:latin typeface="Segoe UI Light" panose="020B0502040204020203" pitchFamily="34" charset="0"/>
+              <a:cs typeface="Segoe UI Light" panose="020B0502040204020203" pitchFamily="34" charset="0"/>
+            </a:endParaRPr>
+          </a:p>
+        </p:txBody>
+      </p:sp>
+    </p:spTree>
+    <p:extLst>
+      <p:ext uri="{BB962C8B-B14F-4D97-AF65-F5344CB8AC3E}">
+        <p14:creationId xmlns:p14="http://schemas.microsoft.com/office/powerpoint/2010/main" val="2841718696"/>
+      </p:ext>
+    </p:extLst>
+  </p:cSld>
+  <p:clrMapOvr>
+    <a:masterClrMapping/>
+  </p:clrMapOvr>
+  <p:timing>
+    <p:tnLst>
+      <p:par>
+        <p:cTn id="1" dur="indefinite" restart="never" nodeType="tmRoot"/>
+      </p:par>
+    </p:tnLst>
+  </p:timing>
+</p:sld>
+</file>
+
+<file path=ppt/slides/slide11.xml><?xml version="1.0" encoding="utf-8"?>
+<p:sld xmlns:a="http://schemas.openxmlformats.org/drawingml/2006/main" xmlns:r="http://schemas.openxmlformats.org/officeDocument/2006/relationships" xmlns:p="http://schemas.openxmlformats.org/presentationml/2006/main">
+  <p:cSld>
+    <p:spTree>
+      <p:nvGrpSpPr>
+        <p:cNvPr id="1" name=""/>
+        <p:cNvGrpSpPr/>
+        <p:nvPr/>
+      </p:nvGrpSpPr>
+      <p:grpSpPr>
+        <a:xfrm>
+          <a:off x="0" y="0"/>
+          <a:ext cx="0" cy="0"/>
+          <a:chOff x="0" y="0"/>
+          <a:chExt cx="0" cy="0"/>
+        </a:xfrm>
+      </p:grpSpPr>
+      <p:pic>
+        <p:nvPicPr>
+          <p:cNvPr id="2" name="Picture 1"/>
+          <p:cNvPicPr>
+            <a:picLocks noChangeAspect="1"/>
+          </p:cNvPicPr>
+          <p:nvPr/>
+        </p:nvPicPr>
+        <p:blipFill rotWithShape="1">
+          <a:blip r:embed="rId2"/>
+          <a:srcRect r="9412"/>
+          <a:stretch/>
+        </p:blipFill>
+        <p:spPr>
+          <a:xfrm>
+            <a:off x="1" y="0"/>
+            <a:ext cx="12192000" cy="1133475"/>
+          </a:xfrm>
+          <a:prstGeom prst="rect">
+            <a:avLst/>
+          </a:prstGeom>
+        </p:spPr>
+      </p:pic>
+      <p:sp>
+        <p:nvSpPr>
+          <p:cNvPr id="3" name="TextBox 2"/>
+          <p:cNvSpPr txBox="1"/>
+          <p:nvPr/>
+        </p:nvSpPr>
+        <p:spPr>
+          <a:xfrm>
+            <a:off x="3574473" y="142877"/>
+            <a:ext cx="8625049" cy="707886"/>
+          </a:xfrm>
+          <a:prstGeom prst="rect">
+            <a:avLst/>
+          </a:prstGeom>
+          <a:noFill/>
+        </p:spPr>
+        <p:txBody>
+          <a:bodyPr wrap="square" rtlCol="0">
+            <a:spAutoFit/>
+          </a:bodyPr>
+          <a:lstStyle/>
+          <a:p>
+            <a:pPr algn="r"/>
+            <a:r>
+              <a:rPr lang="ru-RU" sz="2000" dirty="0" smtClean="0">
+                <a:solidFill>
+                  <a:schemeClr val="bg1"/>
+                </a:solidFill>
+                <a:latin typeface="Segoe UI Light" panose="020B0502040204020203" pitchFamily="34" charset="0"/>
+                <a:ea typeface="Microsoft JhengHei" panose="020B0604030504040204" pitchFamily="34" charset="-120"/>
+                <a:cs typeface="Segoe UI Light" panose="020B0502040204020203" pitchFamily="34" charset="0"/>
+              </a:rPr>
+              <a:t>ФАКУЛЬТЕТ ПРИКЛАДНОЙ МАТЕМАТИКИ И ИНФОРМАТИКИ</a:t>
+            </a:r>
+            <a:endParaRPr lang="en-US" sz="2000" dirty="0" smtClean="0">
+              <a:solidFill>
+                <a:schemeClr val="bg1"/>
+              </a:solidFill>
+              <a:latin typeface="Segoe UI Light" panose="020B0502040204020203" pitchFamily="34" charset="0"/>
+              <a:ea typeface="Microsoft JhengHei" panose="020B0604030504040204" pitchFamily="34" charset="-120"/>
+              <a:cs typeface="Segoe UI Light" panose="020B0502040204020203" pitchFamily="34" charset="0"/>
+            </a:endParaRPr>
+          </a:p>
+          <a:p>
+            <a:pPr algn="r"/>
+            <a:r>
+              <a:rPr lang="ru-RU" sz="2000" dirty="0" smtClean="0">
+                <a:solidFill>
+                  <a:schemeClr val="bg1"/>
+                </a:solidFill>
+                <a:latin typeface="Segoe UI Light" panose="020B0502040204020203" pitchFamily="34" charset="0"/>
+                <a:ea typeface="Microsoft JhengHei" panose="020B0604030504040204" pitchFamily="34" charset="-120"/>
+                <a:cs typeface="Segoe UI Light" panose="020B0502040204020203" pitchFamily="34" charset="0"/>
+              </a:rPr>
+              <a:t>КАФЕДРА ИНФОРМАЦИОННЫХ СИСТЕМ УПРАВЛЕНИЯ</a:t>
+            </a:r>
+            <a:endParaRPr lang="en-US" sz="2000" dirty="0">
+              <a:solidFill>
+                <a:schemeClr val="bg1"/>
+              </a:solidFill>
+              <a:latin typeface="Segoe UI Light" panose="020B0502040204020203" pitchFamily="34" charset="0"/>
+              <a:ea typeface="Microsoft JhengHei" panose="020B0604030504040204" pitchFamily="34" charset="-120"/>
+              <a:cs typeface="Segoe UI Light" panose="020B0502040204020203" pitchFamily="34" charset="0"/>
+            </a:endParaRPr>
+          </a:p>
+        </p:txBody>
+      </p:sp>
+      <p:sp>
+        <p:nvSpPr>
+          <p:cNvPr id="4" name="Title 1"/>
+          <p:cNvSpPr txBox="1">
+            <a:spLocks/>
+          </p:cNvSpPr>
+          <p:nvPr/>
+        </p:nvSpPr>
+        <p:spPr>
+          <a:xfrm>
+            <a:off x="439387" y="1276352"/>
+            <a:ext cx="11269683" cy="611825"/>
+          </a:xfrm>
+          <a:prstGeom prst="rect">
+            <a:avLst/>
+          </a:prstGeom>
+        </p:spPr>
+        <p:txBody>
+          <a:bodyPr/>
+          <a:lstStyle>
+            <a:lvl1pPr algn="l" rtl="0" eaLnBrk="1" fontAlgn="base" hangingPunct="1">
+              <a:lnSpc>
+                <a:spcPct val="90000"/>
+              </a:lnSpc>
+              <a:spcBef>
+                <a:spcPct val="0"/>
+              </a:spcBef>
+              <a:spcAft>
+                <a:spcPct val="0"/>
+              </a:spcAft>
+              <a:defRPr sz="4400" kern="1200">
+                <a:solidFill>
+                  <a:schemeClr val="tx1"/>
+                </a:solidFill>
+                <a:latin typeface="+mj-lt"/>
+                <a:ea typeface="+mj-ea"/>
+                <a:cs typeface="+mj-cs"/>
+              </a:defRPr>
+            </a:lvl1pPr>
+            <a:lvl2pPr algn="l" rtl="0" eaLnBrk="1" fontAlgn="base" hangingPunct="1">
+              <a:lnSpc>
+                <a:spcPct val="90000"/>
+              </a:lnSpc>
+              <a:spcBef>
+                <a:spcPct val="0"/>
+              </a:spcBef>
+              <a:spcAft>
+                <a:spcPct val="0"/>
+              </a:spcAft>
+              <a:defRPr sz="4400">
+                <a:solidFill>
+                  <a:schemeClr val="tx1"/>
+                </a:solidFill>
+                <a:latin typeface="Calibri Light" panose="020F0302020204030204" pitchFamily="34" charset="0"/>
+              </a:defRPr>
+            </a:lvl2pPr>
+            <a:lvl3pPr algn="l" rtl="0" eaLnBrk="1" fontAlgn="base" hangingPunct="1">
+              <a:lnSpc>
+                <a:spcPct val="90000"/>
+              </a:lnSpc>
+              <a:spcBef>
+                <a:spcPct val="0"/>
+              </a:spcBef>
+              <a:spcAft>
+                <a:spcPct val="0"/>
+              </a:spcAft>
+              <a:defRPr sz="4400">
+                <a:solidFill>
+                  <a:schemeClr val="tx1"/>
+                </a:solidFill>
+                <a:latin typeface="Calibri Light" panose="020F0302020204030204" pitchFamily="34" charset="0"/>
+              </a:defRPr>
+            </a:lvl3pPr>
+            <a:lvl4pPr algn="l" rtl="0" eaLnBrk="1" fontAlgn="base" hangingPunct="1">
+              <a:lnSpc>
+                <a:spcPct val="90000"/>
+              </a:lnSpc>
+              <a:spcBef>
+                <a:spcPct val="0"/>
+              </a:spcBef>
+              <a:spcAft>
+                <a:spcPct val="0"/>
+              </a:spcAft>
+              <a:defRPr sz="4400">
+                <a:solidFill>
+                  <a:schemeClr val="tx1"/>
+                </a:solidFill>
+                <a:latin typeface="Calibri Light" panose="020F0302020204030204" pitchFamily="34" charset="0"/>
+              </a:defRPr>
+            </a:lvl4pPr>
+            <a:lvl5pPr algn="l" rtl="0" eaLnBrk="1" fontAlgn="base" hangingPunct="1">
+              <a:lnSpc>
+                <a:spcPct val="90000"/>
+              </a:lnSpc>
+              <a:spcBef>
+                <a:spcPct val="0"/>
+              </a:spcBef>
+              <a:spcAft>
+                <a:spcPct val="0"/>
+              </a:spcAft>
+              <a:defRPr sz="4400">
+                <a:solidFill>
+                  <a:schemeClr val="tx1"/>
+                </a:solidFill>
+                <a:latin typeface="Calibri Light" panose="020F0302020204030204" pitchFamily="34" charset="0"/>
+              </a:defRPr>
+            </a:lvl5pPr>
+            <a:lvl6pPr marL="457200" algn="l" rtl="0" eaLnBrk="1" fontAlgn="base" hangingPunct="1">
+              <a:lnSpc>
+                <a:spcPct val="90000"/>
+              </a:lnSpc>
+              <a:spcBef>
+                <a:spcPct val="0"/>
+              </a:spcBef>
+              <a:spcAft>
+                <a:spcPct val="0"/>
+              </a:spcAft>
+              <a:defRPr sz="4400">
+                <a:solidFill>
+                  <a:schemeClr val="tx1"/>
+                </a:solidFill>
+                <a:latin typeface="Calibri Light" panose="020F0302020204030204" pitchFamily="34" charset="0"/>
+              </a:defRPr>
+            </a:lvl6pPr>
+            <a:lvl7pPr marL="914400" algn="l" rtl="0" eaLnBrk="1" fontAlgn="base" hangingPunct="1">
+              <a:lnSpc>
+                <a:spcPct val="90000"/>
+              </a:lnSpc>
+              <a:spcBef>
+                <a:spcPct val="0"/>
+              </a:spcBef>
+              <a:spcAft>
+                <a:spcPct val="0"/>
+              </a:spcAft>
+              <a:defRPr sz="4400">
+                <a:solidFill>
+                  <a:schemeClr val="tx1"/>
+                </a:solidFill>
+                <a:latin typeface="Calibri Light" panose="020F0302020204030204" pitchFamily="34" charset="0"/>
+              </a:defRPr>
+            </a:lvl7pPr>
+            <a:lvl8pPr marL="1371600" algn="l" rtl="0" eaLnBrk="1" fontAlgn="base" hangingPunct="1">
+              <a:lnSpc>
+                <a:spcPct val="90000"/>
+              </a:lnSpc>
+              <a:spcBef>
+                <a:spcPct val="0"/>
+              </a:spcBef>
+              <a:spcAft>
+                <a:spcPct val="0"/>
+              </a:spcAft>
+              <a:defRPr sz="4400">
+                <a:solidFill>
+                  <a:schemeClr val="tx1"/>
+                </a:solidFill>
+                <a:latin typeface="Calibri Light" panose="020F0302020204030204" pitchFamily="34" charset="0"/>
+              </a:defRPr>
+            </a:lvl8pPr>
+            <a:lvl9pPr marL="1828800" algn="l" rtl="0" eaLnBrk="1" fontAlgn="base" hangingPunct="1">
+              <a:lnSpc>
+                <a:spcPct val="90000"/>
+              </a:lnSpc>
+              <a:spcBef>
+                <a:spcPct val="0"/>
+              </a:spcBef>
+              <a:spcAft>
+                <a:spcPct val="0"/>
+              </a:spcAft>
+              <a:defRPr sz="4400">
+                <a:solidFill>
+                  <a:schemeClr val="tx1"/>
+                </a:solidFill>
+                <a:latin typeface="Calibri Light" panose="020F0302020204030204" pitchFamily="34" charset="0"/>
+              </a:defRPr>
+            </a:lvl9pPr>
+          </a:lstStyle>
+          <a:p>
+            <a:pPr algn="ctr"/>
+            <a:r>
+              <a:rPr lang="ru-RU" b="1" dirty="0" smtClean="0">
+                <a:latin typeface="Segoe UI Light" panose="020B0502040204020203" pitchFamily="34" charset="0"/>
+                <a:cs typeface="Segoe UI Light" panose="020B0502040204020203" pitchFamily="34" charset="0"/>
+              </a:rPr>
               <a:t>Демонстрация работы приложения</a:t>
             </a:r>
             <a:endParaRPr lang="en-US" b="1" dirty="0">
@@ -4697,7 +5367,7 @@
 </p:sld>
 </file>
 
-<file path=ppt/slides/slide11.xml><?xml version="1.0" encoding="utf-8"?>
+<file path=ppt/slides/slide12.xml><?xml version="1.0" encoding="utf-8"?>
 <p:sld xmlns:a="http://schemas.openxmlformats.org/drawingml/2006/main" xmlns:r="http://schemas.openxmlformats.org/officeDocument/2006/relationships" xmlns:p="http://schemas.openxmlformats.org/presentationml/2006/main">
   <p:cSld>
     <p:spTree>
@@ -5100,7 +5770,7 @@
 </p:sld>
 </file>
 
-<file path=ppt/slides/slide12.xml><?xml version="1.0" encoding="utf-8"?>
+<file path=ppt/slides/slide13.xml><?xml version="1.0" encoding="utf-8"?>
 <p:sld xmlns:a="http://schemas.openxmlformats.org/drawingml/2006/main" xmlns:r="http://schemas.openxmlformats.org/officeDocument/2006/relationships" xmlns:p="http://schemas.openxmlformats.org/presentationml/2006/main">
   <p:cSld>
     <p:spTree>
@@ -5673,7 +6343,7 @@
 </p:sld>
 </file>
 
-<file path=ppt/slides/slide13.xml><?xml version="1.0" encoding="utf-8"?>
+<file path=ppt/slides/slide14.xml><?xml version="1.0" encoding="utf-8"?>
 <p:sld xmlns:a="http://schemas.openxmlformats.org/drawingml/2006/main" xmlns:r="http://schemas.openxmlformats.org/officeDocument/2006/relationships" xmlns:p="http://schemas.openxmlformats.org/presentationml/2006/main">
   <p:cSld>
     <p:spTree>
@@ -6341,7 +7011,7 @@
       </p:sp>
       <p:sp>
         <p:nvSpPr>
-          <p:cNvPr id="4" name="Title 1"/>
+          <p:cNvPr id="7" name="Title 1"/>
           <p:cNvSpPr txBox="1">
             <a:spLocks/>
           </p:cNvSpPr>
@@ -6522,7 +7192,7 @@
                 <a:latin typeface="Segoe UI Light" panose="020B0502040204020203" pitchFamily="34" charset="0"/>
                 <a:cs typeface="Segoe UI Light" panose="020B0502040204020203" pitchFamily="34" charset="0"/>
               </a:rPr>
-              <a:t>Цели и задачи работы</a:t>
+              <a:t>Существующие решения</a:t>
             </a:r>
             <a:endParaRPr lang="en-US" b="1" dirty="0">
               <a:latin typeface="Segoe UI Light" panose="020B0502040204020203" pitchFamily="34" charset="0"/>
@@ -6533,7 +7203,7 @@
       </p:sp>
       <p:sp>
         <p:nvSpPr>
-          <p:cNvPr id="5" name="Content Placeholder 2"/>
+          <p:cNvPr id="8" name="Content Placeholder 2"/>
           <p:cNvSpPr txBox="1">
             <a:spLocks/>
           </p:cNvSpPr>
@@ -6541,8 +7211,8 @@
         </p:nvSpPr>
         <p:spPr>
           <a:xfrm>
-            <a:off x="1008611" y="2247183"/>
-            <a:ext cx="10305010" cy="4303245"/>
+            <a:off x="838200" y="3291840"/>
+            <a:ext cx="10515600" cy="3325091"/>
           </a:xfrm>
           <a:prstGeom prst="rect">
             <a:avLst/>
@@ -6730,170 +7400,163 @@
             </a:lvl9pPr>
           </a:lstStyle>
           <a:p>
-            <a:pPr marL="0" indent="0" algn="just">
+            <a:r>
+              <a:rPr lang="ru-RU" sz="2400" b="1" dirty="0" smtClean="0">
+                <a:latin typeface="Segoe UI Light" panose="020B0502040204020203" pitchFamily="34" charset="0"/>
+                <a:cs typeface="Segoe UI Light" panose="020B0502040204020203" pitchFamily="34" charset="0"/>
+              </a:rPr>
+              <a:t>Возможности:</a:t>
+            </a:r>
+            <a:endParaRPr lang="ru-RU" sz="2400" b="1" dirty="0">
+              <a:latin typeface="Segoe UI Light" panose="020B0502040204020203" pitchFamily="34" charset="0"/>
+              <a:cs typeface="Segoe UI Light" panose="020B0502040204020203" pitchFamily="34" charset="0"/>
+            </a:endParaRPr>
+          </a:p>
+          <a:p>
+            <a:pPr marL="914400" lvl="1" indent="-457200">
+              <a:buFont typeface="+mj-lt"/>
+              <a:buAutoNum type="arabicPeriod"/>
+            </a:pPr>
+            <a:r>
+              <a:rPr lang="ru-RU" sz="2000" b="1" dirty="0" smtClean="0">
+                <a:latin typeface="Segoe UI Light" panose="020B0502040204020203" pitchFamily="34" charset="0"/>
+                <a:cs typeface="Segoe UI Light" panose="020B0502040204020203" pitchFamily="34" charset="0"/>
+              </a:rPr>
+              <a:t>Предоставляет большой список возможностей для поиска: поиск по карте, картинкам, видео...</a:t>
+            </a:r>
+            <a:endParaRPr lang="en-US" sz="2000" b="1" dirty="0" smtClean="0">
+              <a:latin typeface="Segoe UI Light" panose="020B0502040204020203" pitchFamily="34" charset="0"/>
+              <a:cs typeface="Segoe UI Light" panose="020B0502040204020203" pitchFamily="34" charset="0"/>
+            </a:endParaRPr>
+          </a:p>
+          <a:p>
+            <a:pPr marL="914400" lvl="1" indent="-457200">
+              <a:buFont typeface="+mj-lt"/>
+              <a:buAutoNum type="arabicPeriod"/>
+            </a:pPr>
+            <a:r>
+              <a:rPr lang="ru-RU" sz="2000" b="1" dirty="0" smtClean="0">
+                <a:latin typeface="Segoe UI Light" panose="020B0502040204020203" pitchFamily="34" charset="0"/>
+                <a:cs typeface="Segoe UI Light" panose="020B0502040204020203" pitchFamily="34" charset="0"/>
+              </a:rPr>
+              <a:t>Поддерживает </a:t>
+            </a:r>
+            <a:r>
+              <a:rPr lang="ru-RU" sz="2000" b="1" dirty="0">
+                <a:latin typeface="Segoe UI Light" panose="020B0502040204020203" pitchFamily="34" charset="0"/>
+                <a:cs typeface="Segoe UI Light" panose="020B0502040204020203" pitchFamily="34" charset="0"/>
+              </a:rPr>
+              <a:t>cross-language функциональности при поиске</a:t>
+            </a:r>
+            <a:r>
+              <a:rPr lang="ru-RU" sz="2000" b="1" dirty="0" smtClean="0">
+                <a:latin typeface="Segoe UI Light" panose="020B0502040204020203" pitchFamily="34" charset="0"/>
+                <a:cs typeface="Segoe UI Light" panose="020B0502040204020203" pitchFamily="34" charset="0"/>
+              </a:rPr>
+              <a:t>.</a:t>
+            </a:r>
+          </a:p>
+          <a:p>
+            <a:pPr marL="457200" lvl="1" indent="0">
               <a:buNone/>
             </a:pPr>
+            <a:endParaRPr lang="ru-RU" sz="2000" b="1" dirty="0">
+              <a:latin typeface="Segoe UI Light" panose="020B0502040204020203" pitchFamily="34" charset="0"/>
+              <a:cs typeface="Segoe UI Light" panose="020B0502040204020203" pitchFamily="34" charset="0"/>
+            </a:endParaRPr>
+          </a:p>
+          <a:p>
             <a:r>
               <a:rPr lang="ru-RU" sz="2400" b="1" dirty="0" smtClean="0">
                 <a:latin typeface="Segoe UI Light" panose="020B0502040204020203" pitchFamily="34" charset="0"/>
                 <a:cs typeface="Segoe UI Light" panose="020B0502040204020203" pitchFamily="34" charset="0"/>
               </a:rPr>
-              <a:t>	</a:t>
-            </a:r>
-            <a:r>
-              <a:rPr lang="ru-RU" sz="2400" b="1" dirty="0" smtClean="0">
-                <a:latin typeface="Times New Roman" panose="02020603050405020304" pitchFamily="18" charset="0"/>
-                <a:cs typeface="Times New Roman" panose="02020603050405020304" pitchFamily="18" charset="0"/>
-              </a:rPr>
-              <a:t>Целью</a:t>
-            </a:r>
-            <a:r>
-              <a:rPr lang="ru-RU" sz="2400" b="1" dirty="0" smtClean="0">
-                <a:latin typeface="Segoe UI Light" panose="020B0502040204020203" pitchFamily="34" charset="0"/>
-                <a:cs typeface="Segoe UI Light" panose="020B0502040204020203" pitchFamily="34" charset="0"/>
-              </a:rPr>
-              <a:t> </a:t>
-            </a:r>
-            <a:r>
-              <a:rPr lang="ru-RU" sz="2400" b="1" dirty="0">
-                <a:latin typeface="Segoe UI Light" panose="020B0502040204020203" pitchFamily="34" charset="0"/>
-                <a:cs typeface="Segoe UI Light" panose="020B0502040204020203" pitchFamily="34" charset="0"/>
-              </a:rPr>
-              <a:t>данной дипломной работы является разработка мобильного приложение, обеспечивающего поиск в сети интернет по заданному текстовому документу/веб-странице релевантных ему документов, в том числе представленных на языке отличном от </a:t>
-            </a:r>
-            <a:r>
-              <a:rPr lang="ru-RU" sz="2400" b="1" dirty="0" smtClean="0">
-                <a:latin typeface="Segoe UI Light" panose="020B0502040204020203" pitchFamily="34" charset="0"/>
-                <a:cs typeface="Segoe UI Light" panose="020B0502040204020203" pitchFamily="34" charset="0"/>
-              </a:rPr>
-              <a:t>языка входных данных.</a:t>
-            </a:r>
-          </a:p>
-          <a:p>
-            <a:pPr marL="0" indent="0">
-              <a:buNone/>
+              <a:t>Чего не хватает:</a:t>
+            </a:r>
+          </a:p>
+          <a:p>
+            <a:pPr marL="914400" lvl="1" indent="-457200">
+              <a:buFont typeface="+mj-lt"/>
+              <a:buAutoNum type="arabicPeriod"/>
             </a:pPr>
+            <a:r>
+              <a:rPr lang="ru-RU" sz="2000" b="1" dirty="0" smtClean="0">
+                <a:latin typeface="Segoe UI Light" panose="020B0502040204020203" pitchFamily="34" charset="0"/>
+                <a:cs typeface="Segoe UI Light" panose="020B0502040204020203" pitchFamily="34" charset="0"/>
+              </a:rPr>
+              <a:t>Увелечение максимальной длины запроса(текущее ограничение - 2048 сивмолов);</a:t>
+            </a:r>
+            <a:endParaRPr lang="ru-RU" sz="2000" b="1" dirty="0">
+              <a:latin typeface="Segoe UI Light" panose="020B0502040204020203" pitchFamily="34" charset="0"/>
+              <a:cs typeface="Segoe UI Light" panose="020B0502040204020203" pitchFamily="34" charset="0"/>
+            </a:endParaRPr>
+          </a:p>
+          <a:p>
+            <a:pPr marL="914400" lvl="1" indent="-457200">
+              <a:buFont typeface="+mj-lt"/>
+              <a:buAutoNum type="arabicPeriod"/>
+            </a:pPr>
+            <a:r>
+              <a:rPr lang="ru-RU" sz="2000" b="1" dirty="0" smtClean="0">
+                <a:latin typeface="Segoe UI Light" panose="020B0502040204020203" pitchFamily="34" charset="0"/>
+                <a:cs typeface="Segoe UI Light" panose="020B0502040204020203" pitchFamily="34" charset="0"/>
+              </a:rPr>
+              <a:t>Поддержки в качестве входных для поиска данных веб-страницы, </a:t>
+            </a:r>
+            <a:r>
+              <a:rPr lang="ru-RU" sz="2000" b="1" dirty="0">
+                <a:latin typeface="Segoe UI Light" panose="020B0502040204020203" pitchFamily="34" charset="0"/>
+                <a:cs typeface="Segoe UI Light" panose="020B0502040204020203" pitchFamily="34" charset="0"/>
+              </a:rPr>
+              <a:t>текстового документа(PDF, TXT).</a:t>
+            </a:r>
+            <a:endParaRPr lang="ru-RU" sz="2000" b="1" dirty="0" smtClean="0">
+              <a:latin typeface="Segoe UI Light" panose="020B0502040204020203" pitchFamily="34" charset="0"/>
+              <a:cs typeface="Segoe UI Light" panose="020B0502040204020203" pitchFamily="34" charset="0"/>
+            </a:endParaRPr>
+          </a:p>
+          <a:p>
             <a:endParaRPr lang="ru-RU" sz="2400" b="1" dirty="0" smtClean="0">
               <a:latin typeface="Segoe UI Light" panose="020B0502040204020203" pitchFamily="34" charset="0"/>
               <a:cs typeface="Segoe UI Light" panose="020B0502040204020203" pitchFamily="34" charset="0"/>
             </a:endParaRPr>
           </a:p>
-          <a:p>
-            <a:pPr marL="0" indent="0">
-              <a:buNone/>
-            </a:pPr>
-            <a:r>
-              <a:rPr lang="ru-RU" sz="2400" b="1" dirty="0" smtClean="0">
-                <a:latin typeface="Segoe UI Light" panose="020B0502040204020203" pitchFamily="34" charset="0"/>
-                <a:cs typeface="Segoe UI Light" panose="020B0502040204020203" pitchFamily="34" charset="0"/>
-              </a:rPr>
-              <a:t>	Для </a:t>
-            </a:r>
-            <a:r>
-              <a:rPr lang="ru-RU" sz="2400" b="1" dirty="0">
-                <a:latin typeface="Segoe UI Light" panose="020B0502040204020203" pitchFamily="34" charset="0"/>
-                <a:cs typeface="Segoe UI Light" panose="020B0502040204020203" pitchFamily="34" charset="0"/>
-              </a:rPr>
-              <a:t>достижения поставленной цели необходимо решить следующие </a:t>
-            </a:r>
-            <a:r>
-              <a:rPr lang="ru-RU" sz="2400" b="1" dirty="0">
-                <a:latin typeface="Times New Roman" panose="02020603050405020304" pitchFamily="18" charset="0"/>
-                <a:cs typeface="Times New Roman" panose="02020603050405020304" pitchFamily="18" charset="0"/>
-              </a:rPr>
-              <a:t>задачи</a:t>
-            </a:r>
-            <a:r>
-              <a:rPr lang="ru-RU" sz="2400" b="1" dirty="0" smtClean="0">
-                <a:latin typeface="Segoe UI Light" panose="020B0502040204020203" pitchFamily="34" charset="0"/>
-                <a:cs typeface="Segoe UI Light" panose="020B0502040204020203" pitchFamily="34" charset="0"/>
-              </a:rPr>
-              <a:t>: </a:t>
-            </a:r>
-          </a:p>
-          <a:p>
-            <a:pPr marL="914400" lvl="1" indent="-457200">
-              <a:buFont typeface="+mj-lt"/>
-              <a:buAutoNum type="arabicPeriod"/>
-            </a:pPr>
-            <a:r>
-              <a:rPr lang="ru-RU" sz="2000" b="1" dirty="0">
-                <a:latin typeface="Segoe UI Light" panose="020B0502040204020203" pitchFamily="34" charset="0"/>
-                <a:cs typeface="Segoe UI Light" panose="020B0502040204020203" pitchFamily="34" charset="0"/>
-              </a:rPr>
-              <a:t>Разработать алгоритм составления ПОД</a:t>
-            </a:r>
-            <a:r>
-              <a:rPr lang="ru-RU" sz="2000" b="1" dirty="0" smtClean="0">
-                <a:latin typeface="Segoe UI Light" panose="020B0502040204020203" pitchFamily="34" charset="0"/>
-                <a:cs typeface="Segoe UI Light" panose="020B0502040204020203" pitchFamily="34" charset="0"/>
-              </a:rPr>
-              <a:t>;</a:t>
-            </a:r>
-          </a:p>
-          <a:p>
-            <a:pPr marL="914400" lvl="1" indent="-457200">
-              <a:buFont typeface="+mj-lt"/>
-              <a:buAutoNum type="arabicPeriod"/>
-            </a:pPr>
-            <a:r>
-              <a:rPr lang="ru-RU" sz="2000" b="1" dirty="0">
-                <a:latin typeface="Segoe UI Light" panose="020B0502040204020203" pitchFamily="34" charset="0"/>
-                <a:cs typeface="Segoe UI Light" panose="020B0502040204020203" pitchFamily="34" charset="0"/>
-              </a:rPr>
-              <a:t>Разработать алгоритм разрешения лексической многозначности при переводе</a:t>
-            </a:r>
-            <a:r>
-              <a:rPr lang="ru-RU" sz="2000" b="1" dirty="0" smtClean="0">
-                <a:latin typeface="Segoe UI Light" panose="020B0502040204020203" pitchFamily="34" charset="0"/>
-                <a:cs typeface="Segoe UI Light" panose="020B0502040204020203" pitchFamily="34" charset="0"/>
-              </a:rPr>
-              <a:t>;</a:t>
-            </a:r>
-          </a:p>
-          <a:p>
-            <a:pPr marL="914400" lvl="1" indent="-457200">
-              <a:buFont typeface="+mj-lt"/>
-              <a:buAutoNum type="arabicPeriod"/>
-            </a:pPr>
-            <a:r>
-              <a:rPr lang="ru-RU" sz="2000" b="1" dirty="0">
-                <a:latin typeface="Segoe UI Light" panose="020B0502040204020203" pitchFamily="34" charset="0"/>
-                <a:cs typeface="Segoe UI Light" panose="020B0502040204020203" pitchFamily="34" charset="0"/>
-              </a:rPr>
-              <a:t>Разработать структурно-функциональную схему системы поиска релевантных документов</a:t>
-            </a:r>
-            <a:r>
-              <a:rPr lang="ru-RU" sz="2000" b="1" dirty="0" smtClean="0">
-                <a:latin typeface="Segoe UI Light" panose="020B0502040204020203" pitchFamily="34" charset="0"/>
-                <a:cs typeface="Segoe UI Light" panose="020B0502040204020203" pitchFamily="34" charset="0"/>
-              </a:rPr>
-              <a:t>;</a:t>
-            </a:r>
-          </a:p>
-          <a:p>
-            <a:pPr marL="914400" lvl="1" indent="-457200">
-              <a:buFont typeface="+mj-lt"/>
-              <a:buAutoNum type="arabicPeriod"/>
-            </a:pPr>
-            <a:r>
-              <a:rPr lang="ru-RU" sz="2000" b="1" dirty="0">
-                <a:latin typeface="Segoe UI Light" panose="020B0502040204020203" pitchFamily="34" charset="0"/>
-                <a:cs typeface="Segoe UI Light" panose="020B0502040204020203" pitchFamily="34" charset="0"/>
-              </a:rPr>
-              <a:t>Реализовать мобильное приложение.</a:t>
-            </a:r>
-            <a:endParaRPr lang="en-US" b="1" dirty="0">
-              <a:latin typeface="Segoe UI Light" panose="020B0502040204020203" pitchFamily="34" charset="0"/>
-              <a:cs typeface="Segoe UI Light" panose="020B0502040204020203" pitchFamily="34" charset="0"/>
-            </a:endParaRPr>
-          </a:p>
         </p:txBody>
       </p:sp>
+      <p:pic>
+        <p:nvPicPr>
+          <p:cNvPr id="4" name="Picture 3"/>
+          <p:cNvPicPr>
+            <a:picLocks noChangeAspect="1"/>
+          </p:cNvPicPr>
+          <p:nvPr/>
+        </p:nvPicPr>
+        <p:blipFill>
+          <a:blip r:embed="rId3">
+            <a:extLst>
+              <a:ext uri="{28A0092B-C50C-407E-A947-70E740481C1C}">
+                <a14:useLocalDpi xmlns:a14="http://schemas.microsoft.com/office/drawing/2010/main" val="0"/>
+              </a:ext>
+            </a:extLst>
+          </a:blip>
+          <a:stretch>
+            <a:fillRect/>
+          </a:stretch>
+        </p:blipFill>
+        <p:spPr>
+          <a:xfrm>
+            <a:off x="838200" y="2254426"/>
+            <a:ext cx="2775360" cy="938150"/>
+          </a:xfrm>
+          <a:prstGeom prst="rect">
+            <a:avLst/>
+          </a:prstGeom>
+        </p:spPr>
+      </p:pic>
     </p:spTree>
     <p:extLst>
       <p:ext uri="{BB962C8B-B14F-4D97-AF65-F5344CB8AC3E}">
-        <p14:creationId xmlns:p14="http://schemas.microsoft.com/office/powerpoint/2010/main" val="70129838"/>
+        <p14:creationId xmlns:p14="http://schemas.microsoft.com/office/powerpoint/2010/main" val="748770921"/>
       </p:ext>
     </p:extLst>
   </p:cSld>
@@ -7019,7 +7682,7 @@
       </p:sp>
       <p:sp>
         <p:nvSpPr>
-          <p:cNvPr id="7" name="Title 1"/>
+          <p:cNvPr id="4" name="Title 1"/>
           <p:cNvSpPr txBox="1">
             <a:spLocks/>
           </p:cNvSpPr>
@@ -7200,7 +7863,7 @@
                 <a:latin typeface="Segoe UI Light" panose="020B0502040204020203" pitchFamily="34" charset="0"/>
                 <a:cs typeface="Segoe UI Light" panose="020B0502040204020203" pitchFamily="34" charset="0"/>
               </a:rPr>
-              <a:t>Существующие решения</a:t>
+              <a:t>Цели и задачи работы</a:t>
             </a:r>
             <a:endParaRPr lang="en-US" b="1" dirty="0">
               <a:latin typeface="Segoe UI Light" panose="020B0502040204020203" pitchFamily="34" charset="0"/>
@@ -7211,7 +7874,7 @@
       </p:sp>
       <p:sp>
         <p:nvSpPr>
-          <p:cNvPr id="8" name="Content Placeholder 2"/>
+          <p:cNvPr id="5" name="Content Placeholder 2"/>
           <p:cNvSpPr txBox="1">
             <a:spLocks/>
           </p:cNvSpPr>
@@ -7219,8 +7882,8 @@
         </p:nvSpPr>
         <p:spPr>
           <a:xfrm>
-            <a:off x="838200" y="3291840"/>
-            <a:ext cx="10515600" cy="3325091"/>
+            <a:off x="1008611" y="2247183"/>
+            <a:ext cx="10305010" cy="4303245"/>
           </a:xfrm>
           <a:prstGeom prst="rect">
             <a:avLst/>
@@ -7408,17 +8071,86 @@
             </a:lvl9pPr>
           </a:lstStyle>
           <a:p>
+            <a:pPr marL="0" indent="0" algn="just">
+              <a:buNone/>
+            </a:pPr>
             <a:r>
               <a:rPr lang="ru-RU" sz="2400" b="1" dirty="0" smtClean="0">
                 <a:latin typeface="Segoe UI Light" panose="020B0502040204020203" pitchFamily="34" charset="0"/>
                 <a:cs typeface="Segoe UI Light" panose="020B0502040204020203" pitchFamily="34" charset="0"/>
               </a:rPr>
-              <a:t>Возможности:</a:t>
-            </a:r>
-            <a:endParaRPr lang="ru-RU" sz="2400" b="1" dirty="0">
+              <a:t>	</a:t>
+            </a:r>
+            <a:r>
+              <a:rPr lang="ru-RU" sz="2400" b="1" dirty="0" smtClean="0">
+                <a:latin typeface="Times New Roman" panose="02020603050405020304" pitchFamily="18" charset="0"/>
+                <a:cs typeface="Times New Roman" panose="02020603050405020304" pitchFamily="18" charset="0"/>
+              </a:rPr>
+              <a:t>Целью</a:t>
+            </a:r>
+            <a:r>
+              <a:rPr lang="ru-RU" sz="2400" b="1" dirty="0" smtClean="0">
+                <a:latin typeface="Segoe UI Light" panose="020B0502040204020203" pitchFamily="34" charset="0"/>
+                <a:cs typeface="Segoe UI Light" panose="020B0502040204020203" pitchFamily="34" charset="0"/>
+              </a:rPr>
+              <a:t> </a:t>
+            </a:r>
+            <a:r>
+              <a:rPr lang="ru-RU" sz="2400" b="1" dirty="0">
+                <a:latin typeface="Segoe UI Light" panose="020B0502040204020203" pitchFamily="34" charset="0"/>
+                <a:cs typeface="Segoe UI Light" panose="020B0502040204020203" pitchFamily="34" charset="0"/>
+              </a:rPr>
+              <a:t>данной дипломной работы является разработка мобильного приложение, обеспечивающего поиск в сети интернет по заданному текстовому документу/веб-странице релевантных ему документов, в том числе представленных на языке отличном от </a:t>
+            </a:r>
+            <a:r>
+              <a:rPr lang="ru-RU" sz="2400" b="1" dirty="0" smtClean="0">
+                <a:latin typeface="Segoe UI Light" panose="020B0502040204020203" pitchFamily="34" charset="0"/>
+                <a:cs typeface="Segoe UI Light" panose="020B0502040204020203" pitchFamily="34" charset="0"/>
+              </a:rPr>
+              <a:t>языка входных данных.</a:t>
+            </a:r>
+          </a:p>
+          <a:p>
+            <a:pPr marL="0" indent="0">
+              <a:buNone/>
+            </a:pPr>
+            <a:endParaRPr lang="ru-RU" sz="2400" b="1" dirty="0" smtClean="0">
               <a:latin typeface="Segoe UI Light" panose="020B0502040204020203" pitchFamily="34" charset="0"/>
               <a:cs typeface="Segoe UI Light" panose="020B0502040204020203" pitchFamily="34" charset="0"/>
             </a:endParaRPr>
+          </a:p>
+          <a:p>
+            <a:pPr marL="0" indent="0">
+              <a:buNone/>
+            </a:pPr>
+            <a:r>
+              <a:rPr lang="ru-RU" sz="2400" b="1" dirty="0" smtClean="0">
+                <a:latin typeface="Segoe UI Light" panose="020B0502040204020203" pitchFamily="34" charset="0"/>
+                <a:cs typeface="Segoe UI Light" panose="020B0502040204020203" pitchFamily="34" charset="0"/>
+              </a:rPr>
+              <a:t>	Для </a:t>
+            </a:r>
+            <a:r>
+              <a:rPr lang="ru-RU" sz="2400" b="1" dirty="0">
+                <a:latin typeface="Segoe UI Light" panose="020B0502040204020203" pitchFamily="34" charset="0"/>
+                <a:cs typeface="Segoe UI Light" panose="020B0502040204020203" pitchFamily="34" charset="0"/>
+              </a:rPr>
+              <a:t>достижения поставленной цели необходимо решить следующие </a:t>
+            </a:r>
+            <a:r>
+              <a:rPr lang="ru-RU" sz="2400" b="1" dirty="0">
+                <a:latin typeface="Times New Roman" panose="02020603050405020304" pitchFamily="18" charset="0"/>
+                <a:cs typeface="Times New Roman" panose="02020603050405020304" pitchFamily="18" charset="0"/>
+              </a:rPr>
+              <a:t>задачи</a:t>
+            </a:r>
+            <a:r>
+              <a:rPr lang="ru-RU" sz="2400" b="1" dirty="0" smtClean="0">
+                <a:latin typeface="Segoe UI Light" panose="020B0502040204020203" pitchFamily="34" charset="0"/>
+                <a:cs typeface="Segoe UI Light" panose="020B0502040204020203" pitchFamily="34" charset="0"/>
+              </a:rPr>
+              <a:t>: </a:t>
+            </a:r>
           </a:p>
           <a:p>
             <a:pPr marL="914400" lvl="1" indent="-457200">
@@ -7426,16 +8158,19 @@
               <a:buAutoNum type="arabicPeriod"/>
             </a:pPr>
             <a:r>
+              <a:rPr lang="ru-RU" sz="2000" b="1" dirty="0">
+                <a:latin typeface="Segoe UI Light" panose="020B0502040204020203" pitchFamily="34" charset="0"/>
+                <a:cs typeface="Segoe UI Light" panose="020B0502040204020203" pitchFamily="34" charset="0"/>
+              </a:rPr>
+              <a:t>Разработать алгоритм составления ПОД</a:t>
+            </a:r>
+            <a:r>
               <a:rPr lang="ru-RU" sz="2000" b="1" dirty="0" smtClean="0">
                 <a:latin typeface="Segoe UI Light" panose="020B0502040204020203" pitchFamily="34" charset="0"/>
                 <a:cs typeface="Segoe UI Light" panose="020B0502040204020203" pitchFamily="34" charset="0"/>
               </a:rPr>
-              <a:t>Предоставляет большой список возможностей для поиска: поиск по карте, картинкам, видео...</a:t>
-            </a:r>
-            <a:endParaRPr lang="en-US" sz="2000" b="1" dirty="0" smtClean="0">
-              <a:latin typeface="Segoe UI Light" panose="020B0502040204020203" pitchFamily="34" charset="0"/>
-              <a:cs typeface="Segoe UI Light" panose="020B0502040204020203" pitchFamily="34" charset="0"/>
-            </a:endParaRPr>
+              <a:t>;</a:t>
+            </a:r>
           </a:p>
           <a:p>
             <a:pPr marL="914400" lvl="1" indent="-457200">
@@ -7443,43 +8178,18 @@
               <a:buAutoNum type="arabicPeriod"/>
             </a:pPr>
             <a:r>
+              <a:rPr lang="ru-RU" sz="2000" b="1" dirty="0">
+                <a:latin typeface="Segoe UI Light" panose="020B0502040204020203" pitchFamily="34" charset="0"/>
+                <a:cs typeface="Segoe UI Light" panose="020B0502040204020203" pitchFamily="34" charset="0"/>
+              </a:rPr>
+              <a:t>Разработать алгоритм разрешения лексической многозначности при переводе</a:t>
+            </a:r>
+            <a:r>
               <a:rPr lang="ru-RU" sz="2000" b="1" dirty="0" smtClean="0">
                 <a:latin typeface="Segoe UI Light" panose="020B0502040204020203" pitchFamily="34" charset="0"/>
                 <a:cs typeface="Segoe UI Light" panose="020B0502040204020203" pitchFamily="34" charset="0"/>
               </a:rPr>
-              <a:t>Поддерживает </a:t>
-            </a:r>
-            <a:r>
-              <a:rPr lang="ru-RU" sz="2000" b="1" dirty="0">
-                <a:latin typeface="Segoe UI Light" panose="020B0502040204020203" pitchFamily="34" charset="0"/>
-                <a:cs typeface="Segoe UI Light" panose="020B0502040204020203" pitchFamily="34" charset="0"/>
-              </a:rPr>
-              <a:t>cross-language функциональности при поиске</a:t>
-            </a:r>
-            <a:r>
-              <a:rPr lang="ru-RU" sz="2000" b="1" dirty="0" smtClean="0">
-                <a:latin typeface="Segoe UI Light" panose="020B0502040204020203" pitchFamily="34" charset="0"/>
-                <a:cs typeface="Segoe UI Light" panose="020B0502040204020203" pitchFamily="34" charset="0"/>
-              </a:rPr>
-              <a:t>.</a:t>
-            </a:r>
-          </a:p>
-          <a:p>
-            <a:pPr marL="457200" lvl="1" indent="0">
-              <a:buNone/>
-            </a:pPr>
-            <a:endParaRPr lang="ru-RU" sz="2000" b="1" dirty="0">
-              <a:latin typeface="Segoe UI Light" panose="020B0502040204020203" pitchFamily="34" charset="0"/>
-              <a:cs typeface="Segoe UI Light" panose="020B0502040204020203" pitchFamily="34" charset="0"/>
-            </a:endParaRPr>
-          </a:p>
-          <a:p>
-            <a:r>
-              <a:rPr lang="ru-RU" sz="2400" b="1" dirty="0" smtClean="0">
-                <a:latin typeface="Segoe UI Light" panose="020B0502040204020203" pitchFamily="34" charset="0"/>
-                <a:cs typeface="Segoe UI Light" panose="020B0502040204020203" pitchFamily="34" charset="0"/>
-              </a:rPr>
-              <a:t>Чего не хватает:</a:t>
+              <a:t>;</a:t>
             </a:r>
           </a:p>
           <a:p>
@@ -7488,16 +8198,19 @@
               <a:buAutoNum type="arabicPeriod"/>
             </a:pPr>
             <a:r>
+              <a:rPr lang="ru-RU" sz="2000" b="1" dirty="0">
+                <a:latin typeface="Segoe UI Light" panose="020B0502040204020203" pitchFamily="34" charset="0"/>
+                <a:cs typeface="Segoe UI Light" panose="020B0502040204020203" pitchFamily="34" charset="0"/>
+              </a:rPr>
+              <a:t>Разработать структурно-функциональную схему системы поиска релевантных документов</a:t>
+            </a:r>
+            <a:r>
               <a:rPr lang="ru-RU" sz="2000" b="1" dirty="0" smtClean="0">
                 <a:latin typeface="Segoe UI Light" panose="020B0502040204020203" pitchFamily="34" charset="0"/>
                 <a:cs typeface="Segoe UI Light" panose="020B0502040204020203" pitchFamily="34" charset="0"/>
               </a:rPr>
-              <a:t>Увелечение максимальной длины запроса(текущее ограничение - 2048 сивмолов);</a:t>
-            </a:r>
-            <a:endParaRPr lang="ru-RU" sz="2000" b="1" dirty="0">
-              <a:latin typeface="Segoe UI Light" panose="020B0502040204020203" pitchFamily="34" charset="0"/>
-              <a:cs typeface="Segoe UI Light" panose="020B0502040204020203" pitchFamily="34" charset="0"/>
-            </a:endParaRPr>
+              <a:t>;</a:t>
+            </a:r>
           </a:p>
           <a:p>
             <a:pPr marL="914400" lvl="1" indent="-457200">
@@ -7505,66 +8218,23 @@
               <a:buAutoNum type="arabicPeriod"/>
             </a:pPr>
             <a:r>
-              <a:rPr lang="ru-RU" sz="2000" b="1" dirty="0" smtClean="0">
-                <a:latin typeface="Segoe UI Light" panose="020B0502040204020203" pitchFamily="34" charset="0"/>
-                <a:cs typeface="Segoe UI Light" panose="020B0502040204020203" pitchFamily="34" charset="0"/>
-              </a:rPr>
-              <a:t>Поддержки в качестве входных для поиска данных веб-страницы, </a:t>
-            </a:r>
-            <a:r>
               <a:rPr lang="ru-RU" sz="2000" b="1" dirty="0">
                 <a:latin typeface="Segoe UI Light" panose="020B0502040204020203" pitchFamily="34" charset="0"/>
                 <a:cs typeface="Segoe UI Light" panose="020B0502040204020203" pitchFamily="34" charset="0"/>
               </a:rPr>
-              <a:t>текстового документа(PDF, TXT).</a:t>
-            </a:r>
-            <a:endParaRPr lang="ru-RU" sz="2000" b="1" dirty="0" smtClean="0">
+              <a:t>Реализовать мобильное приложение.</a:t>
+            </a:r>
+            <a:endParaRPr lang="en-US" b="1" dirty="0">
               <a:latin typeface="Segoe UI Light" panose="020B0502040204020203" pitchFamily="34" charset="0"/>
               <a:cs typeface="Segoe UI Light" panose="020B0502040204020203" pitchFamily="34" charset="0"/>
             </a:endParaRPr>
           </a:p>
-          <a:p>
-            <a:endParaRPr lang="ru-RU" sz="2400" b="1" dirty="0" smtClean="0">
-              <a:latin typeface="Segoe UI Light" panose="020B0502040204020203" pitchFamily="34" charset="0"/>
-              <a:cs typeface="Segoe UI Light" panose="020B0502040204020203" pitchFamily="34" charset="0"/>
-            </a:endParaRPr>
-          </a:p>
         </p:txBody>
       </p:sp>
-      <p:pic>
-        <p:nvPicPr>
-          <p:cNvPr id="4" name="Picture 3"/>
-          <p:cNvPicPr>
-            <a:picLocks noChangeAspect="1"/>
-          </p:cNvPicPr>
-          <p:nvPr/>
-        </p:nvPicPr>
-        <p:blipFill>
-          <a:blip r:embed="rId3">
-            <a:extLst>
-              <a:ext uri="{28A0092B-C50C-407E-A947-70E740481C1C}">
-                <a14:useLocalDpi xmlns:a14="http://schemas.microsoft.com/office/drawing/2010/main" val="0"/>
-              </a:ext>
-            </a:extLst>
-          </a:blip>
-          <a:stretch>
-            <a:fillRect/>
-          </a:stretch>
-        </p:blipFill>
-        <p:spPr>
-          <a:xfrm>
-            <a:off x="838200" y="2254426"/>
-            <a:ext cx="2775360" cy="938150"/>
-          </a:xfrm>
-          <a:prstGeom prst="rect">
-            <a:avLst/>
-          </a:prstGeom>
-        </p:spPr>
-      </p:pic>
     </p:spTree>
     <p:extLst>
       <p:ext uri="{BB962C8B-B14F-4D97-AF65-F5344CB8AC3E}">
-        <p14:creationId xmlns:p14="http://schemas.microsoft.com/office/powerpoint/2010/main" val="748770921"/>
+        <p14:creationId xmlns:p14="http://schemas.microsoft.com/office/powerpoint/2010/main" val="70129838"/>
       </p:ext>
     </p:extLst>
   </p:cSld>
@@ -7880,468 +8550,66 @@
           </a:p>
         </p:txBody>
       </p:sp>
+      <p:pic>
+        <p:nvPicPr>
+          <p:cNvPr id="8" name="Picture 2" descr="C:\personal\diplom\картинки\kw.png"/>
+          <p:cNvPicPr/>
+          <p:nvPr/>
+        </p:nvPicPr>
+        <p:blipFill>
+          <a:blip r:embed="rId3">
+            <a:extLst>
+              <a:ext uri="{28A0092B-C50C-407E-A947-70E740481C1C}">
+                <a14:useLocalDpi xmlns:a14="http://schemas.microsoft.com/office/drawing/2010/main" val="0"/>
+              </a:ext>
+            </a:extLst>
+          </a:blip>
+          <a:srcRect/>
+          <a:stretch>
+            <a:fillRect/>
+          </a:stretch>
+        </p:blipFill>
+        <p:spPr bwMode="auto">
+          <a:xfrm>
+            <a:off x="2181139" y="2445391"/>
+            <a:ext cx="7638174" cy="3737296"/>
+          </a:xfrm>
+          <a:prstGeom prst="rect">
+            <a:avLst/>
+          </a:prstGeom>
+          <a:noFill/>
+          <a:ln>
+            <a:noFill/>
+          </a:ln>
+        </p:spPr>
+      </p:pic>
       <p:sp>
         <p:nvSpPr>
-          <p:cNvPr id="6" name="Content Placeholder 2"/>
-          <p:cNvSpPr txBox="1">
-            <a:spLocks/>
-          </p:cNvSpPr>
+          <p:cNvPr id="9" name="TextBox 8"/>
+          <p:cNvSpPr txBox="1"/>
           <p:nvPr/>
         </p:nvSpPr>
         <p:spPr>
           <a:xfrm>
-            <a:off x="1647008" y="2804139"/>
-            <a:ext cx="8854440" cy="2906706"/>
+            <a:off x="3926714" y="6281654"/>
+            <a:ext cx="3763972" cy="369332"/>
           </a:xfrm>
           <a:prstGeom prst="rect">
             <a:avLst/>
           </a:prstGeom>
+          <a:noFill/>
         </p:spPr>
         <p:txBody>
-          <a:bodyPr/>
-          <a:lstStyle>
-            <a:lvl1pPr marL="228600" indent="-228600" algn="l" rtl="0" eaLnBrk="1" fontAlgn="base" hangingPunct="1">
-              <a:lnSpc>
-                <a:spcPct val="90000"/>
-              </a:lnSpc>
-              <a:spcBef>
-                <a:spcPts val="1000"/>
-              </a:spcBef>
-              <a:spcAft>
-                <a:spcPct val="0"/>
-              </a:spcAft>
-              <a:buFont typeface="Arial" panose="020B0604020202020204" pitchFamily="34" charset="0"/>
-              <a:buChar char="•"/>
-              <a:defRPr sz="2800" kern="1200">
-                <a:solidFill>
-                  <a:schemeClr val="tx1"/>
-                </a:solidFill>
-                <a:latin typeface="+mn-lt"/>
-                <a:ea typeface="+mn-ea"/>
-                <a:cs typeface="+mn-cs"/>
-              </a:defRPr>
-            </a:lvl1pPr>
-            <a:lvl2pPr marL="685800" indent="-228600" algn="l" rtl="0" eaLnBrk="1" fontAlgn="base" hangingPunct="1">
-              <a:lnSpc>
-                <a:spcPct val="90000"/>
-              </a:lnSpc>
-              <a:spcBef>
-                <a:spcPts val="500"/>
-              </a:spcBef>
-              <a:spcAft>
-                <a:spcPct val="0"/>
-              </a:spcAft>
-              <a:buFont typeface="Arial" panose="020B0604020202020204" pitchFamily="34" charset="0"/>
-              <a:buChar char="•"/>
-              <a:defRPr sz="2400" kern="1200">
-                <a:solidFill>
-                  <a:schemeClr val="tx1"/>
-                </a:solidFill>
-                <a:latin typeface="+mn-lt"/>
-                <a:ea typeface="+mn-ea"/>
-                <a:cs typeface="+mn-cs"/>
-              </a:defRPr>
-            </a:lvl2pPr>
-            <a:lvl3pPr marL="1143000" indent="-228600" algn="l" rtl="0" eaLnBrk="1" fontAlgn="base" hangingPunct="1">
-              <a:lnSpc>
-                <a:spcPct val="90000"/>
-              </a:lnSpc>
-              <a:spcBef>
-                <a:spcPts val="500"/>
-              </a:spcBef>
-              <a:spcAft>
-                <a:spcPct val="0"/>
-              </a:spcAft>
-              <a:buFont typeface="Arial" panose="020B0604020202020204" pitchFamily="34" charset="0"/>
-              <a:buChar char="•"/>
-              <a:defRPr sz="2000" kern="1200">
-                <a:solidFill>
-                  <a:schemeClr val="tx1"/>
-                </a:solidFill>
-                <a:latin typeface="+mn-lt"/>
-                <a:ea typeface="+mn-ea"/>
-                <a:cs typeface="+mn-cs"/>
-              </a:defRPr>
-            </a:lvl3pPr>
-            <a:lvl4pPr marL="1600200" indent="-228600" algn="l" rtl="0" eaLnBrk="1" fontAlgn="base" hangingPunct="1">
-              <a:lnSpc>
-                <a:spcPct val="90000"/>
-              </a:lnSpc>
-              <a:spcBef>
-                <a:spcPts val="500"/>
-              </a:spcBef>
-              <a:spcAft>
-                <a:spcPct val="0"/>
-              </a:spcAft>
-              <a:buFont typeface="Arial" panose="020B0604020202020204" pitchFamily="34" charset="0"/>
-              <a:buChar char="•"/>
-              <a:defRPr kern="1200">
-                <a:solidFill>
-                  <a:schemeClr val="tx1"/>
-                </a:solidFill>
-                <a:latin typeface="+mn-lt"/>
-                <a:ea typeface="+mn-ea"/>
-                <a:cs typeface="+mn-cs"/>
-              </a:defRPr>
-            </a:lvl4pPr>
-            <a:lvl5pPr marL="2057400" indent="-228600" algn="l" rtl="0" eaLnBrk="1" fontAlgn="base" hangingPunct="1">
-              <a:lnSpc>
-                <a:spcPct val="90000"/>
-              </a:lnSpc>
-              <a:spcBef>
-                <a:spcPts val="500"/>
-              </a:spcBef>
-              <a:spcAft>
-                <a:spcPct val="0"/>
-              </a:spcAft>
-              <a:buFont typeface="Arial" panose="020B0604020202020204" pitchFamily="34" charset="0"/>
-              <a:buChar char="•"/>
-              <a:defRPr kern="1200">
-                <a:solidFill>
-                  <a:schemeClr val="tx1"/>
-                </a:solidFill>
-                <a:latin typeface="+mn-lt"/>
-                <a:ea typeface="+mn-ea"/>
-                <a:cs typeface="+mn-cs"/>
-              </a:defRPr>
-            </a:lvl5pPr>
-            <a:lvl6pPr marL="2514600" indent="-228600" algn="l" defTabSz="914400" rtl="0" eaLnBrk="1" latinLnBrk="0" hangingPunct="1">
-              <a:lnSpc>
-                <a:spcPct val="90000"/>
-              </a:lnSpc>
-              <a:spcBef>
-                <a:spcPts val="500"/>
-              </a:spcBef>
-              <a:buFont typeface="Arial" panose="020B0604020202020204" pitchFamily="34" charset="0"/>
-              <a:buChar char="•"/>
-              <a:defRPr sz="1800" kern="1200">
-                <a:solidFill>
-                  <a:schemeClr val="tx1"/>
-                </a:solidFill>
-                <a:latin typeface="+mn-lt"/>
-                <a:ea typeface="+mn-ea"/>
-                <a:cs typeface="+mn-cs"/>
-              </a:defRPr>
-            </a:lvl6pPr>
-            <a:lvl7pPr marL="2971800" indent="-228600" algn="l" defTabSz="914400" rtl="0" eaLnBrk="1" latinLnBrk="0" hangingPunct="1">
-              <a:lnSpc>
-                <a:spcPct val="90000"/>
-              </a:lnSpc>
-              <a:spcBef>
-                <a:spcPts val="500"/>
-              </a:spcBef>
-              <a:buFont typeface="Arial" panose="020B0604020202020204" pitchFamily="34" charset="0"/>
-              <a:buChar char="•"/>
-              <a:defRPr sz="1800" kern="1200">
-                <a:solidFill>
-                  <a:schemeClr val="tx1"/>
-                </a:solidFill>
-                <a:latin typeface="+mn-lt"/>
-                <a:ea typeface="+mn-ea"/>
-                <a:cs typeface="+mn-cs"/>
-              </a:defRPr>
-            </a:lvl7pPr>
-            <a:lvl8pPr marL="3429000" indent="-228600" algn="l" defTabSz="914400" rtl="0" eaLnBrk="1" latinLnBrk="0" hangingPunct="1">
-              <a:lnSpc>
-                <a:spcPct val="90000"/>
-              </a:lnSpc>
-              <a:spcBef>
-                <a:spcPts val="500"/>
-              </a:spcBef>
-              <a:buFont typeface="Arial" panose="020B0604020202020204" pitchFamily="34" charset="0"/>
-              <a:buChar char="•"/>
-              <a:defRPr sz="1800" kern="1200">
-                <a:solidFill>
-                  <a:schemeClr val="tx1"/>
-                </a:solidFill>
-                <a:latin typeface="+mn-lt"/>
-                <a:ea typeface="+mn-ea"/>
-                <a:cs typeface="+mn-cs"/>
-              </a:defRPr>
-            </a:lvl8pPr>
-            <a:lvl9pPr marL="3886200" indent="-228600" algn="l" defTabSz="914400" rtl="0" eaLnBrk="1" latinLnBrk="0" hangingPunct="1">
-              <a:lnSpc>
-                <a:spcPct val="90000"/>
-              </a:lnSpc>
-              <a:spcBef>
-                <a:spcPts val="500"/>
-              </a:spcBef>
-              <a:buFont typeface="Arial" panose="020B0604020202020204" pitchFamily="34" charset="0"/>
-              <a:buChar char="•"/>
-              <a:defRPr sz="1800" kern="1200">
-                <a:solidFill>
-                  <a:schemeClr val="tx1"/>
-                </a:solidFill>
-                <a:latin typeface="+mn-lt"/>
-                <a:ea typeface="+mn-ea"/>
-                <a:cs typeface="+mn-cs"/>
-              </a:defRPr>
-            </a:lvl9pPr>
-          </a:lstStyle>
-          <a:p>
-            <a:pPr marL="457200" lvl="1" indent="0">
-              <a:buNone/>
-            </a:pPr>
-            <a:r>
-              <a:rPr lang="ru-RU" sz="2000" b="1" dirty="0" smtClean="0">
-                <a:latin typeface="Segoe UI Light" panose="020B0502040204020203" pitchFamily="34" charset="0"/>
-                <a:cs typeface="Segoe UI Light" panose="020B0502040204020203" pitchFamily="34" charset="0"/>
-              </a:rPr>
-              <a:t>Сервисы</a:t>
-            </a:r>
-            <a:r>
-              <a:rPr lang="en-US" sz="2000" b="1" dirty="0" smtClean="0">
-                <a:latin typeface="Segoe UI Light" panose="020B0502040204020203" pitchFamily="34" charset="0"/>
-                <a:cs typeface="Segoe UI Light" panose="020B0502040204020203" pitchFamily="34" charset="0"/>
-              </a:rPr>
-              <a:t>/</a:t>
-            </a:r>
-            <a:r>
-              <a:rPr lang="ru-RU" sz="2000" b="1" dirty="0" smtClean="0">
-                <a:latin typeface="Segoe UI Light" panose="020B0502040204020203" pitchFamily="34" charset="0"/>
-                <a:cs typeface="Segoe UI Light" panose="020B0502040204020203" pitchFamily="34" charset="0"/>
-              </a:rPr>
-              <a:t>инструменты для извлечения ключевой информации из текста:</a:t>
-            </a:r>
-            <a:endParaRPr lang="en-US" sz="2000" b="1" dirty="0" smtClean="0">
-              <a:latin typeface="Segoe UI Light" panose="020B0502040204020203" pitchFamily="34" charset="0"/>
-              <a:cs typeface="Segoe UI Light" panose="020B0502040204020203" pitchFamily="34" charset="0"/>
-            </a:endParaRPr>
-          </a:p>
-          <a:p>
-            <a:pPr marL="457200" lvl="1" indent="0">
-              <a:buNone/>
-            </a:pPr>
-            <a:endParaRPr lang="en-US" sz="2000" b="1" dirty="0" smtClean="0">
-              <a:latin typeface="Segoe UI Light" panose="020B0502040204020203" pitchFamily="34" charset="0"/>
-              <a:cs typeface="Segoe UI Light" panose="020B0502040204020203" pitchFamily="34" charset="0"/>
-            </a:endParaRPr>
-          </a:p>
-          <a:p>
-            <a:pPr marL="914400" lvl="1" indent="-457200">
-              <a:buFont typeface="+mj-lt"/>
-              <a:buAutoNum type="arabicPeriod"/>
-            </a:pPr>
-            <a:r>
-              <a:rPr lang="en-US" sz="2000" b="1" dirty="0" err="1" smtClean="0">
-                <a:latin typeface="Segoe UI Light" panose="020B0502040204020203" pitchFamily="34" charset="0"/>
-                <a:cs typeface="Segoe UI Light" panose="020B0502040204020203" pitchFamily="34" charset="0"/>
-              </a:rPr>
-              <a:t>OpenCalais</a:t>
-            </a:r>
-            <a:r>
-              <a:rPr lang="ru-RU" sz="2000" b="1" dirty="0" smtClean="0">
-                <a:latin typeface="Segoe UI Light" panose="020B0502040204020203" pitchFamily="34" charset="0"/>
-                <a:cs typeface="Segoe UI Light" panose="020B0502040204020203" pitchFamily="34" charset="0"/>
-              </a:rPr>
-              <a:t> </a:t>
-            </a:r>
-            <a:r>
-              <a:rPr lang="en-US" sz="2000" b="1" dirty="0" smtClean="0">
-                <a:latin typeface="Segoe UI Light" panose="020B0502040204020203" pitchFamily="34" charset="0"/>
-                <a:cs typeface="Segoe UI Light" panose="020B0502040204020203" pitchFamily="34" charset="0"/>
-              </a:rPr>
-              <a:t>(</a:t>
-            </a:r>
-            <a:r>
-              <a:rPr lang="ru-RU" sz="2000" b="1" dirty="0">
-                <a:latin typeface="Segoe UI Light" panose="020B0502040204020203" pitchFamily="34" charset="0"/>
-                <a:cs typeface="Segoe UI Light" panose="020B0502040204020203" pitchFamily="34" charset="0"/>
-              </a:rPr>
-              <a:t>от </a:t>
-            </a:r>
-            <a:r>
-              <a:rPr lang="en-US" sz="2000" b="1" dirty="0">
-                <a:latin typeface="Segoe UI Light" panose="020B0502040204020203" pitchFamily="34" charset="0"/>
-                <a:cs typeface="Segoe UI Light" panose="020B0502040204020203" pitchFamily="34" charset="0"/>
-              </a:rPr>
-              <a:t>Thomson </a:t>
-            </a:r>
-            <a:r>
-              <a:rPr lang="en-US" sz="2000" b="1" dirty="0" smtClean="0">
-                <a:latin typeface="Segoe UI Light" panose="020B0502040204020203" pitchFamily="34" charset="0"/>
-                <a:cs typeface="Segoe UI Light" panose="020B0502040204020203" pitchFamily="34" charset="0"/>
-              </a:rPr>
-              <a:t>Reuters)</a:t>
-            </a:r>
-            <a:r>
-              <a:rPr lang="en-US" sz="2000" b="1" dirty="0">
-                <a:latin typeface="Segoe UI Light" panose="020B0502040204020203" pitchFamily="34" charset="0"/>
-                <a:cs typeface="Segoe UI Light" panose="020B0502040204020203" pitchFamily="34" charset="0"/>
-              </a:rPr>
-              <a:t>;</a:t>
-            </a:r>
-          </a:p>
-          <a:p>
-            <a:pPr marL="914400" lvl="1" indent="-457200">
-              <a:buFont typeface="+mj-lt"/>
-              <a:buAutoNum type="arabicPeriod"/>
-            </a:pPr>
-            <a:r>
-              <a:rPr lang="en-US" sz="2000" b="1" dirty="0">
-                <a:latin typeface="Segoe UI Light" panose="020B0502040204020203" pitchFamily="34" charset="0"/>
-                <a:cs typeface="Segoe UI Light" panose="020B0502040204020203" pitchFamily="34" charset="0"/>
-              </a:rPr>
-              <a:t>IBM's Watson Natural Language Understanding </a:t>
-            </a:r>
-            <a:r>
-              <a:rPr lang="en-US" sz="2000" b="1" dirty="0" smtClean="0">
-                <a:latin typeface="Segoe UI Light" panose="020B0502040204020203" pitchFamily="34" charset="0"/>
-                <a:cs typeface="Segoe UI Light" panose="020B0502040204020203" pitchFamily="34" charset="0"/>
-              </a:rPr>
-              <a:t>Service;</a:t>
-            </a:r>
-            <a:endParaRPr lang="en-US" sz="2000" b="1" dirty="0">
-              <a:latin typeface="Segoe UI Light" panose="020B0502040204020203" pitchFamily="34" charset="0"/>
-              <a:cs typeface="Segoe UI Light" panose="020B0502040204020203" pitchFamily="34" charset="0"/>
-            </a:endParaRPr>
-          </a:p>
-          <a:p>
-            <a:pPr marL="914400" lvl="1" indent="-457200">
-              <a:buFont typeface="+mj-lt"/>
-              <a:buAutoNum type="arabicPeriod"/>
-            </a:pPr>
-            <a:r>
-              <a:rPr lang="en-US" sz="2000" b="1" dirty="0">
-                <a:latin typeface="Segoe UI Light" panose="020B0502040204020203" pitchFamily="34" charset="0"/>
-                <a:cs typeface="Segoe UI Light" panose="020B0502040204020203" pitchFamily="34" charset="0"/>
-              </a:rPr>
-              <a:t>Yahoo Content </a:t>
-            </a:r>
-            <a:r>
-              <a:rPr lang="en-US" sz="2000" b="1" dirty="0" smtClean="0">
-                <a:latin typeface="Segoe UI Light" panose="020B0502040204020203" pitchFamily="34" charset="0"/>
-                <a:cs typeface="Segoe UI Light" panose="020B0502040204020203" pitchFamily="34" charset="0"/>
-              </a:rPr>
-              <a:t>Analysis;</a:t>
-            </a:r>
-            <a:endParaRPr lang="en-US" sz="2000" b="1" dirty="0">
-              <a:latin typeface="Segoe UI Light" panose="020B0502040204020203" pitchFamily="34" charset="0"/>
-              <a:cs typeface="Segoe UI Light" panose="020B0502040204020203" pitchFamily="34" charset="0"/>
-            </a:endParaRPr>
-          </a:p>
-          <a:p>
-            <a:pPr marL="914400" lvl="1" indent="-457200">
-              <a:buFont typeface="+mj-lt"/>
-              <a:buAutoNum type="arabicPeriod"/>
-            </a:pPr>
-            <a:r>
-              <a:rPr lang="en-US" sz="2000" b="1" dirty="0">
-                <a:latin typeface="Segoe UI Light" panose="020B0502040204020203" pitchFamily="34" charset="0"/>
-                <a:cs typeface="Segoe UI Light" panose="020B0502040204020203" pitchFamily="34" charset="0"/>
-              </a:rPr>
-              <a:t>Mining Cloud (</a:t>
-            </a:r>
-            <a:r>
-              <a:rPr lang="ru-RU" sz="2000" b="1" dirty="0">
-                <a:latin typeface="Segoe UI Light" panose="020B0502040204020203" pitchFamily="34" charset="0"/>
-                <a:cs typeface="Segoe UI Light" panose="020B0502040204020203" pitchFamily="34" charset="0"/>
-              </a:rPr>
-              <a:t>ранее </a:t>
-            </a:r>
-            <a:r>
-              <a:rPr lang="en-US" sz="2000" b="1" dirty="0">
-                <a:latin typeface="Segoe UI Light" panose="020B0502040204020203" pitchFamily="34" charset="0"/>
-                <a:cs typeface="Segoe UI Light" panose="020B0502040204020203" pitchFamily="34" charset="0"/>
-              </a:rPr>
-              <a:t>Text Analytics</a:t>
-            </a:r>
-            <a:r>
-              <a:rPr lang="en-US" sz="2000" b="1" dirty="0" smtClean="0">
-                <a:latin typeface="Segoe UI Light" panose="020B0502040204020203" pitchFamily="34" charset="0"/>
-                <a:cs typeface="Segoe UI Light" panose="020B0502040204020203" pitchFamily="34" charset="0"/>
-              </a:rPr>
-              <a:t>);</a:t>
-            </a:r>
-            <a:endParaRPr lang="en-US" sz="2000" b="1" dirty="0">
-              <a:latin typeface="Segoe UI Light" panose="020B0502040204020203" pitchFamily="34" charset="0"/>
-              <a:cs typeface="Segoe UI Light" panose="020B0502040204020203" pitchFamily="34" charset="0"/>
-            </a:endParaRPr>
-          </a:p>
-          <a:p>
-            <a:pPr marL="914400" lvl="1" indent="-457200">
-              <a:buFont typeface="+mj-lt"/>
-              <a:buAutoNum type="arabicPeriod"/>
-            </a:pPr>
-            <a:r>
-              <a:rPr lang="en-US" sz="2000" b="1" dirty="0">
-                <a:latin typeface="Segoe UI Light" panose="020B0502040204020203" pitchFamily="34" charset="0"/>
-                <a:cs typeface="Segoe UI Light" panose="020B0502040204020203" pitchFamily="34" charset="0"/>
-              </a:rPr>
-              <a:t>Stanford's Core NLP Suite </a:t>
-            </a:r>
-            <a:r>
-              <a:rPr lang="en-US" sz="2000" b="1" dirty="0" smtClean="0">
-                <a:latin typeface="Segoe UI Light" panose="020B0502040204020203" pitchFamily="34" charset="0"/>
-                <a:cs typeface="Segoe UI Light" panose="020B0502040204020203" pitchFamily="34" charset="0"/>
-              </a:rPr>
-              <a:t>;</a:t>
-            </a:r>
-            <a:endParaRPr lang="en-US" sz="2000" b="1" dirty="0">
-              <a:latin typeface="Segoe UI Light" panose="020B0502040204020203" pitchFamily="34" charset="0"/>
-              <a:cs typeface="Segoe UI Light" panose="020B0502040204020203" pitchFamily="34" charset="0"/>
-            </a:endParaRPr>
-          </a:p>
-          <a:p>
-            <a:pPr marL="914400" lvl="1" indent="-457200">
-              <a:buFont typeface="+mj-lt"/>
-              <a:buAutoNum type="arabicPeriod"/>
-            </a:pPr>
-            <a:r>
-              <a:rPr lang="en-US" sz="2000" b="1" dirty="0">
-                <a:latin typeface="Segoe UI Light" panose="020B0502040204020203" pitchFamily="34" charset="0"/>
-                <a:cs typeface="Segoe UI Light" panose="020B0502040204020203" pitchFamily="34" charset="0"/>
-              </a:rPr>
-              <a:t>Natural Language </a:t>
-            </a:r>
-            <a:r>
-              <a:rPr lang="en-US" sz="2000" b="1" dirty="0" smtClean="0">
-                <a:latin typeface="Segoe UI Light" panose="020B0502040204020203" pitchFamily="34" charset="0"/>
-                <a:cs typeface="Segoe UI Light" panose="020B0502040204020203" pitchFamily="34" charset="0"/>
-              </a:rPr>
-              <a:t>Toolkit;</a:t>
-            </a:r>
-            <a:endParaRPr lang="en-US" sz="2000" b="1" dirty="0">
-              <a:latin typeface="Segoe UI Light" panose="020B0502040204020203" pitchFamily="34" charset="0"/>
-              <a:cs typeface="Segoe UI Light" panose="020B0502040204020203" pitchFamily="34" charset="0"/>
-            </a:endParaRPr>
-          </a:p>
-          <a:p>
-            <a:pPr marL="914400" lvl="1" indent="-457200">
-              <a:buFont typeface="+mj-lt"/>
-              <a:buAutoNum type="arabicPeriod"/>
-            </a:pPr>
-            <a:r>
-              <a:rPr lang="en-US" sz="2000" b="1" dirty="0">
-                <a:latin typeface="Segoe UI Light" panose="020B0502040204020203" pitchFamily="34" charset="0"/>
-                <a:cs typeface="Segoe UI Light" panose="020B0502040204020203" pitchFamily="34" charset="0"/>
-              </a:rPr>
-              <a:t>Apache </a:t>
-            </a:r>
-            <a:r>
-              <a:rPr lang="en-US" sz="2000" b="1" dirty="0" err="1" smtClean="0">
-                <a:latin typeface="Segoe UI Light" panose="020B0502040204020203" pitchFamily="34" charset="0"/>
-                <a:cs typeface="Segoe UI Light" panose="020B0502040204020203" pitchFamily="34" charset="0"/>
-              </a:rPr>
-              <a:t>OpenNLP</a:t>
-            </a:r>
-            <a:r>
-              <a:rPr lang="en-US" sz="2000" b="1" dirty="0">
-                <a:latin typeface="Segoe UI Light" panose="020B0502040204020203" pitchFamily="34" charset="0"/>
-                <a:cs typeface="Segoe UI Light" panose="020B0502040204020203" pitchFamily="34" charset="0"/>
-              </a:rPr>
-              <a:t>.</a:t>
-            </a:r>
-            <a:endParaRPr lang="ru-RU" sz="2000" b="1" dirty="0" smtClean="0">
-              <a:latin typeface="Segoe UI Light" panose="020B0502040204020203" pitchFamily="34" charset="0"/>
-              <a:cs typeface="Segoe UI Light" panose="020B0502040204020203" pitchFamily="34" charset="0"/>
-            </a:endParaRPr>
-          </a:p>
-          <a:p>
-            <a:endParaRPr lang="ru-RU" sz="2400" b="1" dirty="0" smtClean="0">
-              <a:latin typeface="Segoe UI Light" panose="020B0502040204020203" pitchFamily="34" charset="0"/>
-              <a:cs typeface="Segoe UI Light" panose="020B0502040204020203" pitchFamily="34" charset="0"/>
-            </a:endParaRPr>
+          <a:bodyPr wrap="square" rtlCol="0">
+            <a:spAutoFit/>
+          </a:bodyPr>
+          <a:lstStyle/>
+          <a:p>
+            <a:r>
+              <a:rPr lang="ru-RU" dirty="0"/>
+              <a:t>Процесс извлечения ключевых слов</a:t>
+            </a:r>
+            <a:endParaRPr lang="en-US" dirty="0"/>
           </a:p>
         </p:txBody>
       </p:sp>
@@ -8674,8 +8942,8 @@
         </p:nvSpPr>
         <p:spPr>
           <a:xfrm>
-            <a:off x="248195" y="2324859"/>
-            <a:ext cx="6318860" cy="4145302"/>
+            <a:off x="1647008" y="2804139"/>
+            <a:ext cx="8854440" cy="2906706"/>
           </a:xfrm>
           <a:prstGeom prst="rect">
             <a:avLst/>
@@ -8863,130 +9131,276 @@
             </a:lvl9pPr>
           </a:lstStyle>
           <a:p>
-            <a:pPr marL="0" indent="0">
+            <a:pPr marL="457200" lvl="1" indent="0">
               <a:buNone/>
             </a:pPr>
             <a:r>
-              <a:rPr lang="ru-RU" sz="2400" b="1" dirty="0" smtClean="0">
-                <a:latin typeface="Segoe UI Light" panose="020B0502040204020203" pitchFamily="34" charset="0"/>
-                <a:cs typeface="Segoe UI Light" panose="020B0502040204020203" pitchFamily="34" charset="0"/>
-              </a:rPr>
-              <a:t>Преимущества IBM's </a:t>
-            </a:r>
-            <a:r>
-              <a:rPr lang="ru-RU" sz="2400" b="1" dirty="0">
-                <a:latin typeface="Segoe UI Light" panose="020B0502040204020203" pitchFamily="34" charset="0"/>
-                <a:cs typeface="Segoe UI Light" panose="020B0502040204020203" pitchFamily="34" charset="0"/>
-              </a:rPr>
-              <a:t>Watson Natural Language Understanding </a:t>
-            </a:r>
-            <a:r>
-              <a:rPr lang="ru-RU" sz="2400" b="1" dirty="0" smtClean="0">
-                <a:latin typeface="Segoe UI Light" panose="020B0502040204020203" pitchFamily="34" charset="0"/>
-                <a:cs typeface="Segoe UI Light" panose="020B0502040204020203" pitchFamily="34" charset="0"/>
-              </a:rPr>
-              <a:t>Service:</a:t>
-            </a:r>
-            <a:endParaRPr lang="ru-RU" sz="2400" b="1" dirty="0">
+              <a:rPr lang="ru-RU" sz="2000" b="1" dirty="0" smtClean="0">
+                <a:latin typeface="Segoe UI Light" panose="020B0502040204020203" pitchFamily="34" charset="0"/>
+                <a:cs typeface="Segoe UI Light" panose="020B0502040204020203" pitchFamily="34" charset="0"/>
+              </a:rPr>
+              <a:t>Сервисы</a:t>
+            </a:r>
+            <a:r>
+              <a:rPr lang="en-US" sz="2000" b="1" dirty="0" smtClean="0">
+                <a:latin typeface="Segoe UI Light" panose="020B0502040204020203" pitchFamily="34" charset="0"/>
+                <a:cs typeface="Segoe UI Light" panose="020B0502040204020203" pitchFamily="34" charset="0"/>
+              </a:rPr>
+              <a:t>/</a:t>
+            </a:r>
+            <a:r>
+              <a:rPr lang="ru-RU" sz="2000" b="1" dirty="0" smtClean="0">
+                <a:latin typeface="Segoe UI Light" panose="020B0502040204020203" pitchFamily="34" charset="0"/>
+                <a:cs typeface="Segoe UI Light" panose="020B0502040204020203" pitchFamily="34" charset="0"/>
+              </a:rPr>
+              <a:t>инструменты для извлечения ключевой информации из текста:</a:t>
+            </a:r>
+            <a:endParaRPr lang="en-US" sz="2000" b="1" dirty="0" smtClean="0">
               <a:latin typeface="Segoe UI Light" panose="020B0502040204020203" pitchFamily="34" charset="0"/>
               <a:cs typeface="Segoe UI Light" panose="020B0502040204020203" pitchFamily="34" charset="0"/>
             </a:endParaRPr>
           </a:p>
           <a:p>
-            <a:r>
-              <a:rPr lang="ru-RU" sz="2400" b="1" dirty="0">
-                <a:latin typeface="Segoe UI Light" panose="020B0502040204020203" pitchFamily="34" charset="0"/>
-                <a:cs typeface="Segoe UI Light" panose="020B0502040204020203" pitchFamily="34" charset="0"/>
-              </a:rPr>
-              <a:t>Простота интеграции и наличие бесплатной версии API;</a:t>
-            </a:r>
-          </a:p>
-          <a:p>
-            <a:r>
-              <a:rPr lang="ru-RU" sz="2400" b="1" dirty="0">
-                <a:latin typeface="Segoe UI Light" panose="020B0502040204020203" pitchFamily="34" charset="0"/>
-                <a:cs typeface="Segoe UI Light" panose="020B0502040204020203" pitchFamily="34" charset="0"/>
-              </a:rPr>
-              <a:t>Входные данные: текст, html, url-адрес веб-страницы;</a:t>
-            </a:r>
-          </a:p>
-          <a:p>
-            <a:r>
-              <a:rPr lang="ru-RU" sz="2400" b="1" dirty="0">
-                <a:latin typeface="Segoe UI Light" panose="020B0502040204020203" pitchFamily="34" charset="0"/>
-                <a:cs typeface="Segoe UI Light" panose="020B0502040204020203" pitchFamily="34" charset="0"/>
-              </a:rPr>
-              <a:t>Широкий спектр поддерживаемых языков для извлечения ключевых слов: английский, русский, французский, немецкий, итальянский, португальский, испанский.</a:t>
-            </a:r>
+            <a:pPr marL="457200" lvl="1" indent="0">
+              <a:buNone/>
+            </a:pPr>
+            <a:endParaRPr lang="en-US" sz="2000" b="1" dirty="0" smtClean="0">
+              <a:latin typeface="Segoe UI Light" panose="020B0502040204020203" pitchFamily="34" charset="0"/>
+              <a:cs typeface="Segoe UI Light" panose="020B0502040204020203" pitchFamily="34" charset="0"/>
+            </a:endParaRPr>
+          </a:p>
+          <a:p>
+            <a:pPr marL="914400" lvl="1" indent="-457200">
+              <a:buFont typeface="+mj-lt"/>
+              <a:buAutoNum type="arabicPeriod"/>
+            </a:pPr>
+            <a:r>
+              <a:rPr lang="en-US" sz="2000" b="1" dirty="0" err="1" smtClean="0">
+                <a:latin typeface="Segoe UI Light" panose="020B0502040204020203" pitchFamily="34" charset="0"/>
+                <a:cs typeface="Segoe UI Light" panose="020B0502040204020203" pitchFamily="34" charset="0"/>
+              </a:rPr>
+              <a:t>OpenCalais</a:t>
+            </a:r>
+            <a:r>
+              <a:rPr lang="ru-RU" sz="2000" b="1" dirty="0" smtClean="0">
+                <a:latin typeface="Segoe UI Light" panose="020B0502040204020203" pitchFamily="34" charset="0"/>
+                <a:cs typeface="Segoe UI Light" panose="020B0502040204020203" pitchFamily="34" charset="0"/>
+              </a:rPr>
+              <a:t> </a:t>
+            </a:r>
+            <a:r>
+              <a:rPr lang="en-US" sz="2000" b="1" dirty="0" smtClean="0">
+                <a:latin typeface="Segoe UI Light" panose="020B0502040204020203" pitchFamily="34" charset="0"/>
+                <a:cs typeface="Segoe UI Light" panose="020B0502040204020203" pitchFamily="34" charset="0"/>
+              </a:rPr>
+              <a:t>(</a:t>
+            </a:r>
+            <a:r>
+              <a:rPr lang="ru-RU" sz="2000" b="1" dirty="0">
+                <a:latin typeface="Segoe UI Light" panose="020B0502040204020203" pitchFamily="34" charset="0"/>
+                <a:cs typeface="Segoe UI Light" panose="020B0502040204020203" pitchFamily="34" charset="0"/>
+              </a:rPr>
+              <a:t>от </a:t>
+            </a:r>
+            <a:r>
+              <a:rPr lang="en-US" sz="2000" b="1" dirty="0">
+                <a:latin typeface="Segoe UI Light" panose="020B0502040204020203" pitchFamily="34" charset="0"/>
+                <a:cs typeface="Segoe UI Light" panose="020B0502040204020203" pitchFamily="34" charset="0"/>
+              </a:rPr>
+              <a:t>Thomson </a:t>
+            </a:r>
+            <a:r>
+              <a:rPr lang="en-US" sz="2000" b="1" dirty="0" smtClean="0">
+                <a:latin typeface="Segoe UI Light" panose="020B0502040204020203" pitchFamily="34" charset="0"/>
+                <a:cs typeface="Segoe UI Light" panose="020B0502040204020203" pitchFamily="34" charset="0"/>
+              </a:rPr>
+              <a:t>Reuters)</a:t>
+            </a:r>
+            <a:r>
+              <a:rPr lang="en-US" sz="2000" b="1" dirty="0">
+                <a:latin typeface="Segoe UI Light" panose="020B0502040204020203" pitchFamily="34" charset="0"/>
+                <a:cs typeface="Segoe UI Light" panose="020B0502040204020203" pitchFamily="34" charset="0"/>
+              </a:rPr>
+              <a:t>;</a:t>
+            </a:r>
+          </a:p>
+          <a:p>
+            <a:pPr marL="914400" lvl="1" indent="-457200">
+              <a:buFont typeface="+mj-lt"/>
+              <a:buAutoNum type="arabicPeriod"/>
+            </a:pPr>
+            <a:r>
+              <a:rPr lang="en-US" sz="2000" b="1" dirty="0">
+                <a:latin typeface="Segoe UI Light" panose="020B0502040204020203" pitchFamily="34" charset="0"/>
+                <a:cs typeface="Segoe UI Light" panose="020B0502040204020203" pitchFamily="34" charset="0"/>
+              </a:rPr>
+              <a:t>IBM's Watson Natural Language Understanding </a:t>
+            </a:r>
+            <a:r>
+              <a:rPr lang="en-US" sz="2000" b="1" dirty="0" smtClean="0">
+                <a:latin typeface="Segoe UI Light" panose="020B0502040204020203" pitchFamily="34" charset="0"/>
+                <a:cs typeface="Segoe UI Light" panose="020B0502040204020203" pitchFamily="34" charset="0"/>
+              </a:rPr>
+              <a:t>Service;</a:t>
+            </a:r>
+            <a:endParaRPr lang="en-US" sz="2000" b="1" dirty="0">
+              <a:latin typeface="Segoe UI Light" panose="020B0502040204020203" pitchFamily="34" charset="0"/>
+              <a:cs typeface="Segoe UI Light" panose="020B0502040204020203" pitchFamily="34" charset="0"/>
+            </a:endParaRPr>
+          </a:p>
+          <a:p>
+            <a:pPr marL="914400" lvl="1" indent="-457200">
+              <a:buFont typeface="+mj-lt"/>
+              <a:buAutoNum type="arabicPeriod"/>
+            </a:pPr>
+            <a:r>
+              <a:rPr lang="en-US" sz="2000" b="1" dirty="0">
+                <a:latin typeface="Segoe UI Light" panose="020B0502040204020203" pitchFamily="34" charset="0"/>
+                <a:cs typeface="Segoe UI Light" panose="020B0502040204020203" pitchFamily="34" charset="0"/>
+              </a:rPr>
+              <a:t>Yahoo Content </a:t>
+            </a:r>
+            <a:r>
+              <a:rPr lang="en-US" sz="2000" b="1" dirty="0" smtClean="0">
+                <a:latin typeface="Segoe UI Light" panose="020B0502040204020203" pitchFamily="34" charset="0"/>
+                <a:cs typeface="Segoe UI Light" panose="020B0502040204020203" pitchFamily="34" charset="0"/>
+              </a:rPr>
+              <a:t>Analysis;</a:t>
+            </a:r>
+            <a:endParaRPr lang="en-US" sz="2000" b="1" dirty="0">
+              <a:latin typeface="Segoe UI Light" panose="020B0502040204020203" pitchFamily="34" charset="0"/>
+              <a:cs typeface="Segoe UI Light" panose="020B0502040204020203" pitchFamily="34" charset="0"/>
+            </a:endParaRPr>
+          </a:p>
+          <a:p>
+            <a:pPr marL="914400" lvl="1" indent="-457200">
+              <a:buFont typeface="+mj-lt"/>
+              <a:buAutoNum type="arabicPeriod"/>
+            </a:pPr>
+            <a:r>
+              <a:rPr lang="en-US" sz="2000" b="1" dirty="0">
+                <a:latin typeface="Segoe UI Light" panose="020B0502040204020203" pitchFamily="34" charset="0"/>
+                <a:cs typeface="Segoe UI Light" panose="020B0502040204020203" pitchFamily="34" charset="0"/>
+              </a:rPr>
+              <a:t>Mining Cloud (</a:t>
+            </a:r>
+            <a:r>
+              <a:rPr lang="ru-RU" sz="2000" b="1" dirty="0">
+                <a:latin typeface="Segoe UI Light" panose="020B0502040204020203" pitchFamily="34" charset="0"/>
+                <a:cs typeface="Segoe UI Light" panose="020B0502040204020203" pitchFamily="34" charset="0"/>
+              </a:rPr>
+              <a:t>ранее </a:t>
+            </a:r>
+            <a:r>
+              <a:rPr lang="en-US" sz="2000" b="1" dirty="0">
+                <a:latin typeface="Segoe UI Light" panose="020B0502040204020203" pitchFamily="34" charset="0"/>
+                <a:cs typeface="Segoe UI Light" panose="020B0502040204020203" pitchFamily="34" charset="0"/>
+              </a:rPr>
+              <a:t>Text Analytics</a:t>
+            </a:r>
+            <a:r>
+              <a:rPr lang="en-US" sz="2000" b="1" dirty="0" smtClean="0">
+                <a:latin typeface="Segoe UI Light" panose="020B0502040204020203" pitchFamily="34" charset="0"/>
+                <a:cs typeface="Segoe UI Light" panose="020B0502040204020203" pitchFamily="34" charset="0"/>
+              </a:rPr>
+              <a:t>);</a:t>
+            </a:r>
+            <a:endParaRPr lang="en-US" sz="2000" b="1" dirty="0">
+              <a:latin typeface="Segoe UI Light" panose="020B0502040204020203" pitchFamily="34" charset="0"/>
+              <a:cs typeface="Segoe UI Light" panose="020B0502040204020203" pitchFamily="34" charset="0"/>
+            </a:endParaRPr>
+          </a:p>
+          <a:p>
+            <a:pPr marL="914400" lvl="1" indent="-457200">
+              <a:buFont typeface="+mj-lt"/>
+              <a:buAutoNum type="arabicPeriod"/>
+            </a:pPr>
+            <a:r>
+              <a:rPr lang="en-US" sz="2000" b="1" dirty="0">
+                <a:latin typeface="Segoe UI Light" panose="020B0502040204020203" pitchFamily="34" charset="0"/>
+                <a:cs typeface="Segoe UI Light" panose="020B0502040204020203" pitchFamily="34" charset="0"/>
+              </a:rPr>
+              <a:t>Stanford's Core NLP Suite </a:t>
+            </a:r>
+            <a:r>
+              <a:rPr lang="en-US" sz="2000" b="1" dirty="0" smtClean="0">
+                <a:latin typeface="Segoe UI Light" panose="020B0502040204020203" pitchFamily="34" charset="0"/>
+                <a:cs typeface="Segoe UI Light" panose="020B0502040204020203" pitchFamily="34" charset="0"/>
+              </a:rPr>
+              <a:t>;</a:t>
+            </a:r>
+            <a:endParaRPr lang="en-US" sz="2000" b="1" dirty="0">
+              <a:latin typeface="Segoe UI Light" panose="020B0502040204020203" pitchFamily="34" charset="0"/>
+              <a:cs typeface="Segoe UI Light" panose="020B0502040204020203" pitchFamily="34" charset="0"/>
+            </a:endParaRPr>
+          </a:p>
+          <a:p>
+            <a:pPr marL="914400" lvl="1" indent="-457200">
+              <a:buFont typeface="+mj-lt"/>
+              <a:buAutoNum type="arabicPeriod"/>
+            </a:pPr>
+            <a:r>
+              <a:rPr lang="en-US" sz="2000" b="1" dirty="0">
+                <a:latin typeface="Segoe UI Light" panose="020B0502040204020203" pitchFamily="34" charset="0"/>
+                <a:cs typeface="Segoe UI Light" panose="020B0502040204020203" pitchFamily="34" charset="0"/>
+              </a:rPr>
+              <a:t>Natural Language </a:t>
+            </a:r>
+            <a:r>
+              <a:rPr lang="en-US" sz="2000" b="1" dirty="0" smtClean="0">
+                <a:latin typeface="Segoe UI Light" panose="020B0502040204020203" pitchFamily="34" charset="0"/>
+                <a:cs typeface="Segoe UI Light" panose="020B0502040204020203" pitchFamily="34" charset="0"/>
+              </a:rPr>
+              <a:t>Toolkit;</a:t>
+            </a:r>
+            <a:endParaRPr lang="en-US" sz="2000" b="1" dirty="0">
+              <a:latin typeface="Segoe UI Light" panose="020B0502040204020203" pitchFamily="34" charset="0"/>
+              <a:cs typeface="Segoe UI Light" panose="020B0502040204020203" pitchFamily="34" charset="0"/>
+            </a:endParaRPr>
+          </a:p>
+          <a:p>
+            <a:pPr marL="914400" lvl="1" indent="-457200">
+              <a:buFont typeface="+mj-lt"/>
+              <a:buAutoNum type="arabicPeriod"/>
+            </a:pPr>
+            <a:r>
+              <a:rPr lang="en-US" sz="2000" b="1" dirty="0">
+                <a:latin typeface="Segoe UI Light" panose="020B0502040204020203" pitchFamily="34" charset="0"/>
+                <a:cs typeface="Segoe UI Light" panose="020B0502040204020203" pitchFamily="34" charset="0"/>
+              </a:rPr>
+              <a:t>Apache </a:t>
+            </a:r>
+            <a:r>
+              <a:rPr lang="en-US" sz="2000" b="1" dirty="0" err="1" smtClean="0">
+                <a:latin typeface="Segoe UI Light" panose="020B0502040204020203" pitchFamily="34" charset="0"/>
+                <a:cs typeface="Segoe UI Light" panose="020B0502040204020203" pitchFamily="34" charset="0"/>
+              </a:rPr>
+              <a:t>OpenNLP</a:t>
+            </a:r>
+            <a:r>
+              <a:rPr lang="en-US" sz="2000" b="1" dirty="0">
+                <a:latin typeface="Segoe UI Light" panose="020B0502040204020203" pitchFamily="34" charset="0"/>
+                <a:cs typeface="Segoe UI Light" panose="020B0502040204020203" pitchFamily="34" charset="0"/>
+              </a:rPr>
+              <a:t>.</a:t>
+            </a:r>
+            <a:endParaRPr lang="ru-RU" sz="2000" b="1" dirty="0" smtClean="0">
+              <a:latin typeface="Segoe UI Light" panose="020B0502040204020203" pitchFamily="34" charset="0"/>
+              <a:cs typeface="Segoe UI Light" panose="020B0502040204020203" pitchFamily="34" charset="0"/>
+            </a:endParaRPr>
+          </a:p>
+          <a:p>
             <a:endParaRPr lang="ru-RU" sz="2400" b="1" dirty="0" smtClean="0">
               <a:latin typeface="Segoe UI Light" panose="020B0502040204020203" pitchFamily="34" charset="0"/>
               <a:cs typeface="Segoe UI Light" panose="020B0502040204020203" pitchFamily="34" charset="0"/>
             </a:endParaRPr>
-          </a:p>
-        </p:txBody>
-      </p:sp>
-      <p:pic>
-        <p:nvPicPr>
-          <p:cNvPr id="7" name="Рисунок 9"/>
-          <p:cNvPicPr/>
-          <p:nvPr/>
-        </p:nvPicPr>
-        <p:blipFill>
-          <a:blip r:embed="rId3" cstate="print">
-            <a:extLst>
-              <a:ext uri="{28A0092B-C50C-407E-A947-70E740481C1C}">
-                <a14:useLocalDpi xmlns:a14="http://schemas.microsoft.com/office/drawing/2010/main" val="0"/>
-              </a:ext>
-            </a:extLst>
-          </a:blip>
-          <a:stretch>
-            <a:fillRect/>
-          </a:stretch>
-        </p:blipFill>
-        <p:spPr>
-          <a:xfrm>
-            <a:off x="6691745" y="2397808"/>
-            <a:ext cx="5017325" cy="3675333"/>
-          </a:xfrm>
-          <a:prstGeom prst="rect">
-            <a:avLst/>
-          </a:prstGeom>
-        </p:spPr>
-      </p:pic>
-      <p:sp>
-        <p:nvSpPr>
-          <p:cNvPr id="5" name="TextBox 4"/>
-          <p:cNvSpPr txBox="1"/>
-          <p:nvPr/>
-        </p:nvSpPr>
-        <p:spPr>
-          <a:xfrm>
-            <a:off x="7445896" y="6097086"/>
-            <a:ext cx="3763972" cy="369332"/>
-          </a:xfrm>
-          <a:prstGeom prst="rect">
-            <a:avLst/>
-          </a:prstGeom>
-          <a:noFill/>
-        </p:spPr>
-        <p:txBody>
-          <a:bodyPr wrap="square" rtlCol="0">
-            <a:spAutoFit/>
-          </a:bodyPr>
-          <a:lstStyle/>
-          <a:p>
-            <a:r>
-              <a:rPr lang="ru-RU" dirty="0" smtClean="0"/>
-              <a:t>Список извлечённых ключевых слов</a:t>
-            </a:r>
-            <a:endParaRPr lang="en-US" dirty="0"/>
           </a:p>
         </p:txBody>
       </p:sp>
     </p:spTree>
     <p:extLst>
       <p:ext uri="{BB962C8B-B14F-4D97-AF65-F5344CB8AC3E}">
-        <p14:creationId xmlns:p14="http://schemas.microsoft.com/office/powerpoint/2010/main" val="3720641881"/>
+        <p14:creationId xmlns:p14="http://schemas.microsoft.com/office/powerpoint/2010/main" val="4171067120"/>
       </p:ext>
     </p:extLst>
   </p:cSld>
@@ -9112,7 +9526,7 @@
       </p:sp>
       <p:sp>
         <p:nvSpPr>
-          <p:cNvPr id="6" name="Title 1"/>
+          <p:cNvPr id="4" name="Title 1"/>
           <p:cNvSpPr txBox="1">
             <a:spLocks/>
           </p:cNvSpPr>
@@ -9120,8 +9534,8 @@
         </p:nvSpPr>
         <p:spPr>
           <a:xfrm>
-            <a:off x="838200" y="1276352"/>
-            <a:ext cx="10515600" cy="611825"/>
+            <a:off x="439387" y="1276352"/>
+            <a:ext cx="10571163" cy="1001259"/>
           </a:xfrm>
           <a:prstGeom prst="rect">
             <a:avLst/>
@@ -9287,15 +9701,87 @@
             </a:lvl9pPr>
           </a:lstStyle>
           <a:p>
-            <a:pPr algn="ctr"/>
-            <a:r>
-              <a:rPr lang="ru-RU" b="1" dirty="0" smtClean="0">
-                <a:latin typeface="Segoe UI Light" panose="020B0502040204020203" pitchFamily="34" charset="0"/>
-                <a:cs typeface="Segoe UI Light" panose="020B0502040204020203" pitchFamily="34" charset="0"/>
-              </a:rPr>
-              <a:t>Разрешение лексической многозначности при переводе</a:t>
-            </a:r>
-            <a:endParaRPr lang="en-US" b="1" dirty="0">
+            <a:pPr marL="0" indent="0" algn="ctr">
+              <a:buNone/>
+            </a:pPr>
+            <a:r>
+              <a:rPr lang="ru-RU" b="1" dirty="0" err="1">
+                <a:latin typeface="Segoe UI Light" panose="020B0502040204020203" pitchFamily="34" charset="0"/>
+                <a:cs typeface="Segoe UI Light" panose="020B0502040204020203" pitchFamily="34" charset="0"/>
+              </a:rPr>
+              <a:t>IBM's</a:t>
+            </a:r>
+            <a:r>
+              <a:rPr lang="ru-RU" b="1" dirty="0">
+                <a:latin typeface="Segoe UI Light" panose="020B0502040204020203" pitchFamily="34" charset="0"/>
+                <a:cs typeface="Segoe UI Light" panose="020B0502040204020203" pitchFamily="34" charset="0"/>
+              </a:rPr>
+              <a:t> </a:t>
+            </a:r>
+            <a:r>
+              <a:rPr lang="ru-RU" b="1" dirty="0" err="1">
+                <a:latin typeface="Segoe UI Light" panose="020B0502040204020203" pitchFamily="34" charset="0"/>
+                <a:cs typeface="Segoe UI Light" panose="020B0502040204020203" pitchFamily="34" charset="0"/>
+              </a:rPr>
+              <a:t>Watson</a:t>
+            </a:r>
+            <a:r>
+              <a:rPr lang="ru-RU" b="1" dirty="0">
+                <a:latin typeface="Segoe UI Light" panose="020B0502040204020203" pitchFamily="34" charset="0"/>
+                <a:cs typeface="Segoe UI Light" panose="020B0502040204020203" pitchFamily="34" charset="0"/>
+              </a:rPr>
+              <a:t> </a:t>
+            </a:r>
+            <a:r>
+              <a:rPr lang="ru-RU" b="1" dirty="0" err="1">
+                <a:latin typeface="Segoe UI Light" panose="020B0502040204020203" pitchFamily="34" charset="0"/>
+                <a:cs typeface="Segoe UI Light" panose="020B0502040204020203" pitchFamily="34" charset="0"/>
+              </a:rPr>
+              <a:t>Natural</a:t>
+            </a:r>
+            <a:r>
+              <a:rPr lang="ru-RU" b="1" dirty="0">
+                <a:latin typeface="Segoe UI Light" panose="020B0502040204020203" pitchFamily="34" charset="0"/>
+                <a:cs typeface="Segoe UI Light" panose="020B0502040204020203" pitchFamily="34" charset="0"/>
+              </a:rPr>
+              <a:t> </a:t>
+            </a:r>
+            <a:r>
+              <a:rPr lang="ru-RU" b="1" dirty="0" err="1">
+                <a:latin typeface="Segoe UI Light" panose="020B0502040204020203" pitchFamily="34" charset="0"/>
+                <a:cs typeface="Segoe UI Light" panose="020B0502040204020203" pitchFamily="34" charset="0"/>
+              </a:rPr>
+              <a:t>Language</a:t>
+            </a:r>
+            <a:r>
+              <a:rPr lang="ru-RU" b="1" dirty="0">
+                <a:latin typeface="Segoe UI Light" panose="020B0502040204020203" pitchFamily="34" charset="0"/>
+                <a:cs typeface="Segoe UI Light" panose="020B0502040204020203" pitchFamily="34" charset="0"/>
+              </a:rPr>
+              <a:t> </a:t>
+            </a:r>
+            <a:r>
+              <a:rPr lang="ru-RU" b="1" dirty="0" err="1">
+                <a:latin typeface="Segoe UI Light" panose="020B0502040204020203" pitchFamily="34" charset="0"/>
+                <a:cs typeface="Segoe UI Light" panose="020B0502040204020203" pitchFamily="34" charset="0"/>
+              </a:rPr>
+              <a:t>Understanding</a:t>
+            </a:r>
+            <a:r>
+              <a:rPr lang="ru-RU" b="1" dirty="0">
+                <a:latin typeface="Segoe UI Light" panose="020B0502040204020203" pitchFamily="34" charset="0"/>
+                <a:cs typeface="Segoe UI Light" panose="020B0502040204020203" pitchFamily="34" charset="0"/>
+              </a:rPr>
+              <a:t> </a:t>
+            </a:r>
+            <a:r>
+              <a:rPr lang="ru-RU" b="1" dirty="0" err="1">
+                <a:latin typeface="Segoe UI Light" panose="020B0502040204020203" pitchFamily="34" charset="0"/>
+                <a:cs typeface="Segoe UI Light" panose="020B0502040204020203" pitchFamily="34" charset="0"/>
+              </a:rPr>
+              <a:t>Service</a:t>
+            </a:r>
+            <a:endParaRPr lang="ru-RU" b="1" dirty="0">
               <a:latin typeface="Segoe UI Light" panose="020B0502040204020203" pitchFamily="34" charset="0"/>
               <a:cs typeface="Segoe UI Light" panose="020B0502040204020203" pitchFamily="34" charset="0"/>
             </a:endParaRPr>
@@ -9304,394 +9790,136 @@
       </p:sp>
       <p:sp>
         <p:nvSpPr>
-          <p:cNvPr id="8" name="Content Placeholder 2"/>
-          <p:cNvSpPr txBox="1">
-            <a:spLocks/>
-          </p:cNvSpPr>
+          <p:cNvPr id="5" name="TextBox 4"/>
+          <p:cNvSpPr txBox="1"/>
           <p:nvPr/>
         </p:nvSpPr>
         <p:spPr>
           <a:xfrm>
-            <a:off x="838200" y="3103397"/>
-            <a:ext cx="10309167" cy="3305715"/>
+            <a:off x="403341" y="6375137"/>
+            <a:ext cx="3763972" cy="369332"/>
+          </a:xfrm>
+          <a:prstGeom prst="rect">
+            <a:avLst/>
+          </a:prstGeom>
+          <a:noFill/>
+        </p:spPr>
+        <p:txBody>
+          <a:bodyPr wrap="square" rtlCol="0">
+            <a:spAutoFit/>
+          </a:bodyPr>
+          <a:lstStyle/>
+          <a:p>
+            <a:r>
+              <a:rPr lang="ru-RU" dirty="0" smtClean="0"/>
+              <a:t>Список извлечённых ключевых слов</a:t>
+            </a:r>
+            <a:endParaRPr lang="en-US" dirty="0"/>
+          </a:p>
+        </p:txBody>
+      </p:sp>
+      <p:pic>
+        <p:nvPicPr>
+          <p:cNvPr id="10" name="Рисунок 9"/>
+          <p:cNvPicPr>
+            <a:picLocks noChangeAspect="1"/>
+          </p:cNvPicPr>
+          <p:nvPr/>
+        </p:nvPicPr>
+        <p:blipFill>
+          <a:blip r:embed="rId3" cstate="print">
+            <a:extLst>
+              <a:ext uri="{28A0092B-C50C-407E-A947-70E740481C1C}">
+                <a14:useLocalDpi xmlns:a14="http://schemas.microsoft.com/office/drawing/2010/main" val="0"/>
+              </a:ext>
+            </a:extLst>
+          </a:blip>
+          <a:stretch>
+            <a:fillRect/>
+          </a:stretch>
+        </p:blipFill>
+        <p:spPr>
+          <a:xfrm>
+            <a:off x="4616744" y="2866282"/>
+            <a:ext cx="7289658" cy="3475303"/>
           </a:xfrm>
           <a:prstGeom prst="rect">
             <a:avLst/>
           </a:prstGeom>
         </p:spPr>
+      </p:pic>
+      <p:pic>
+        <p:nvPicPr>
+          <p:cNvPr id="12" name="Рисунок 11"/>
+          <p:cNvPicPr>
+            <a:picLocks noChangeAspect="1"/>
+          </p:cNvPicPr>
+          <p:nvPr/>
+        </p:nvPicPr>
+        <p:blipFill>
+          <a:blip r:embed="rId4" cstate="print">
+            <a:extLst>
+              <a:ext uri="{28A0092B-C50C-407E-A947-70E740481C1C}">
+                <a14:useLocalDpi xmlns:a14="http://schemas.microsoft.com/office/drawing/2010/main" val="0"/>
+              </a:ext>
+            </a:extLst>
+          </a:blip>
+          <a:stretch>
+            <a:fillRect/>
+          </a:stretch>
+        </p:blipFill>
+        <p:spPr>
+          <a:xfrm>
+            <a:off x="210138" y="2866282"/>
+            <a:ext cx="4077833" cy="3475303"/>
+          </a:xfrm>
+          <a:prstGeom prst="rect">
+            <a:avLst/>
+          </a:prstGeom>
+        </p:spPr>
+      </p:pic>
+      <p:sp>
+        <p:nvSpPr>
+          <p:cNvPr id="13" name="TextBox 12"/>
+          <p:cNvSpPr txBox="1"/>
+          <p:nvPr/>
+        </p:nvSpPr>
+        <p:spPr>
+          <a:xfrm>
+            <a:off x="5303918" y="6375137"/>
+            <a:ext cx="5970894" cy="369332"/>
+          </a:xfrm>
+          <a:prstGeom prst="rect">
+            <a:avLst/>
+          </a:prstGeom>
+          <a:noFill/>
+        </p:spPr>
         <p:txBody>
-          <a:bodyPr/>
-          <a:lstStyle>
-            <a:lvl1pPr marL="228600" indent="-228600" algn="l" rtl="0" eaLnBrk="1" fontAlgn="base" hangingPunct="1">
-              <a:lnSpc>
-                <a:spcPct val="90000"/>
-              </a:lnSpc>
-              <a:spcBef>
-                <a:spcPts val="1000"/>
-              </a:spcBef>
-              <a:spcAft>
-                <a:spcPct val="0"/>
-              </a:spcAft>
-              <a:buFont typeface="Arial" panose="020B0604020202020204" pitchFamily="34" charset="0"/>
-              <a:buChar char="•"/>
-              <a:defRPr sz="2800" kern="1200">
-                <a:solidFill>
-                  <a:schemeClr val="tx1"/>
-                </a:solidFill>
-                <a:latin typeface="+mn-lt"/>
-                <a:ea typeface="+mn-ea"/>
-                <a:cs typeface="+mn-cs"/>
-              </a:defRPr>
-            </a:lvl1pPr>
-            <a:lvl2pPr marL="685800" indent="-228600" algn="l" rtl="0" eaLnBrk="1" fontAlgn="base" hangingPunct="1">
-              <a:lnSpc>
-                <a:spcPct val="90000"/>
-              </a:lnSpc>
-              <a:spcBef>
-                <a:spcPts val="500"/>
-              </a:spcBef>
-              <a:spcAft>
-                <a:spcPct val="0"/>
-              </a:spcAft>
-              <a:buFont typeface="Arial" panose="020B0604020202020204" pitchFamily="34" charset="0"/>
-              <a:buChar char="•"/>
-              <a:defRPr sz="2400" kern="1200">
-                <a:solidFill>
-                  <a:schemeClr val="tx1"/>
-                </a:solidFill>
-                <a:latin typeface="+mn-lt"/>
-                <a:ea typeface="+mn-ea"/>
-                <a:cs typeface="+mn-cs"/>
-              </a:defRPr>
-            </a:lvl2pPr>
-            <a:lvl3pPr marL="1143000" indent="-228600" algn="l" rtl="0" eaLnBrk="1" fontAlgn="base" hangingPunct="1">
-              <a:lnSpc>
-                <a:spcPct val="90000"/>
-              </a:lnSpc>
-              <a:spcBef>
-                <a:spcPts val="500"/>
-              </a:spcBef>
-              <a:spcAft>
-                <a:spcPct val="0"/>
-              </a:spcAft>
-              <a:buFont typeface="Arial" panose="020B0604020202020204" pitchFamily="34" charset="0"/>
-              <a:buChar char="•"/>
-              <a:defRPr sz="2000" kern="1200">
-                <a:solidFill>
-                  <a:schemeClr val="tx1"/>
-                </a:solidFill>
-                <a:latin typeface="+mn-lt"/>
-                <a:ea typeface="+mn-ea"/>
-                <a:cs typeface="+mn-cs"/>
-              </a:defRPr>
-            </a:lvl3pPr>
-            <a:lvl4pPr marL="1600200" indent="-228600" algn="l" rtl="0" eaLnBrk="1" fontAlgn="base" hangingPunct="1">
-              <a:lnSpc>
-                <a:spcPct val="90000"/>
-              </a:lnSpc>
-              <a:spcBef>
-                <a:spcPts val="500"/>
-              </a:spcBef>
-              <a:spcAft>
-                <a:spcPct val="0"/>
-              </a:spcAft>
-              <a:buFont typeface="Arial" panose="020B0604020202020204" pitchFamily="34" charset="0"/>
-              <a:buChar char="•"/>
-              <a:defRPr kern="1200">
-                <a:solidFill>
-                  <a:schemeClr val="tx1"/>
-                </a:solidFill>
-                <a:latin typeface="+mn-lt"/>
-                <a:ea typeface="+mn-ea"/>
-                <a:cs typeface="+mn-cs"/>
-              </a:defRPr>
-            </a:lvl4pPr>
-            <a:lvl5pPr marL="2057400" indent="-228600" algn="l" rtl="0" eaLnBrk="1" fontAlgn="base" hangingPunct="1">
-              <a:lnSpc>
-                <a:spcPct val="90000"/>
-              </a:lnSpc>
-              <a:spcBef>
-                <a:spcPts val="500"/>
-              </a:spcBef>
-              <a:spcAft>
-                <a:spcPct val="0"/>
-              </a:spcAft>
-              <a:buFont typeface="Arial" panose="020B0604020202020204" pitchFamily="34" charset="0"/>
-              <a:buChar char="•"/>
-              <a:defRPr kern="1200">
-                <a:solidFill>
-                  <a:schemeClr val="tx1"/>
-                </a:solidFill>
-                <a:latin typeface="+mn-lt"/>
-                <a:ea typeface="+mn-ea"/>
-                <a:cs typeface="+mn-cs"/>
-              </a:defRPr>
-            </a:lvl5pPr>
-            <a:lvl6pPr marL="2514600" indent="-228600" algn="l" defTabSz="914400" rtl="0" eaLnBrk="1" latinLnBrk="0" hangingPunct="1">
-              <a:lnSpc>
-                <a:spcPct val="90000"/>
-              </a:lnSpc>
-              <a:spcBef>
-                <a:spcPts val="500"/>
-              </a:spcBef>
-              <a:buFont typeface="Arial" panose="020B0604020202020204" pitchFamily="34" charset="0"/>
-              <a:buChar char="•"/>
-              <a:defRPr sz="1800" kern="1200">
-                <a:solidFill>
-                  <a:schemeClr val="tx1"/>
-                </a:solidFill>
-                <a:latin typeface="+mn-lt"/>
-                <a:ea typeface="+mn-ea"/>
-                <a:cs typeface="+mn-cs"/>
-              </a:defRPr>
-            </a:lvl6pPr>
-            <a:lvl7pPr marL="2971800" indent="-228600" algn="l" defTabSz="914400" rtl="0" eaLnBrk="1" latinLnBrk="0" hangingPunct="1">
-              <a:lnSpc>
-                <a:spcPct val="90000"/>
-              </a:lnSpc>
-              <a:spcBef>
-                <a:spcPts val="500"/>
-              </a:spcBef>
-              <a:buFont typeface="Arial" panose="020B0604020202020204" pitchFamily="34" charset="0"/>
-              <a:buChar char="•"/>
-              <a:defRPr sz="1800" kern="1200">
-                <a:solidFill>
-                  <a:schemeClr val="tx1"/>
-                </a:solidFill>
-                <a:latin typeface="+mn-lt"/>
-                <a:ea typeface="+mn-ea"/>
-                <a:cs typeface="+mn-cs"/>
-              </a:defRPr>
-            </a:lvl7pPr>
-            <a:lvl8pPr marL="3429000" indent="-228600" algn="l" defTabSz="914400" rtl="0" eaLnBrk="1" latinLnBrk="0" hangingPunct="1">
-              <a:lnSpc>
-                <a:spcPct val="90000"/>
-              </a:lnSpc>
-              <a:spcBef>
-                <a:spcPts val="500"/>
-              </a:spcBef>
-              <a:buFont typeface="Arial" panose="020B0604020202020204" pitchFamily="34" charset="0"/>
-              <a:buChar char="•"/>
-              <a:defRPr sz="1800" kern="1200">
-                <a:solidFill>
-                  <a:schemeClr val="tx1"/>
-                </a:solidFill>
-                <a:latin typeface="+mn-lt"/>
-                <a:ea typeface="+mn-ea"/>
-                <a:cs typeface="+mn-cs"/>
-              </a:defRPr>
-            </a:lvl8pPr>
-            <a:lvl9pPr marL="3886200" indent="-228600" algn="l" defTabSz="914400" rtl="0" eaLnBrk="1" latinLnBrk="0" hangingPunct="1">
-              <a:lnSpc>
-                <a:spcPct val="90000"/>
-              </a:lnSpc>
-              <a:spcBef>
-                <a:spcPts val="500"/>
-              </a:spcBef>
-              <a:buFont typeface="Arial" panose="020B0604020202020204" pitchFamily="34" charset="0"/>
-              <a:buChar char="•"/>
-              <a:defRPr sz="1800" kern="1200">
-                <a:solidFill>
-                  <a:schemeClr val="tx1"/>
-                </a:solidFill>
-                <a:latin typeface="+mn-lt"/>
-                <a:ea typeface="+mn-ea"/>
-                <a:cs typeface="+mn-cs"/>
-              </a:defRPr>
-            </a:lvl9pPr>
-          </a:lstStyle>
-          <a:p>
-            <a:pPr marL="514350" indent="-514350">
-              <a:spcBef>
-                <a:spcPts val="2000"/>
-              </a:spcBef>
-              <a:buFont typeface="+mj-lt"/>
-              <a:buAutoNum type="arabicPeriod"/>
-            </a:pPr>
-            <a:r>
-              <a:rPr lang="ru-RU" sz="2400" b="1" dirty="0">
-                <a:latin typeface="Segoe UI Light" panose="020B0502040204020203" pitchFamily="34" charset="0"/>
-                <a:cs typeface="Segoe UI Light" panose="020B0502040204020203" pitchFamily="34" charset="0"/>
-              </a:rPr>
-              <a:t>Разрешение лексической многозначности происходит</a:t>
-            </a:r>
-            <a:r>
-              <a:rPr lang="en-US" sz="2400" b="1" dirty="0">
-                <a:latin typeface="Segoe UI Light" panose="020B0502040204020203" pitchFamily="34" charset="0"/>
-                <a:cs typeface="Segoe UI Light" panose="020B0502040204020203" pitchFamily="34" charset="0"/>
-              </a:rPr>
-              <a:t> </a:t>
-            </a:r>
-            <a:r>
-              <a:rPr lang="ru-RU" sz="2400" b="1" dirty="0">
-                <a:latin typeface="Segoe UI Light" panose="020B0502040204020203" pitchFamily="34" charset="0"/>
-                <a:cs typeface="Segoe UI Light" panose="020B0502040204020203" pitchFamily="34" charset="0"/>
-              </a:rPr>
-              <a:t>по методу Леска. </a:t>
-            </a:r>
-            <a:endParaRPr lang="ru-RU" sz="2400" b="1" dirty="0" smtClean="0">
-              <a:latin typeface="Segoe UI Light" panose="020B0502040204020203" pitchFamily="34" charset="0"/>
-              <a:cs typeface="Segoe UI Light" panose="020B0502040204020203" pitchFamily="34" charset="0"/>
-            </a:endParaRPr>
-          </a:p>
-          <a:p>
-            <a:pPr marL="514350" indent="-514350">
-              <a:lnSpc>
-                <a:spcPct val="120000"/>
-              </a:lnSpc>
-              <a:spcBef>
-                <a:spcPts val="2000"/>
-              </a:spcBef>
-              <a:buFont typeface="+mj-lt"/>
-              <a:buAutoNum type="arabicPeriod"/>
-            </a:pPr>
-            <a:r>
-              <a:rPr lang="ru-RU" sz="2400" b="1" dirty="0" smtClean="0">
-                <a:latin typeface="Segoe UI Light" panose="020B0502040204020203" pitchFamily="34" charset="0"/>
-                <a:cs typeface="Segoe UI Light" panose="020B0502040204020203" pitchFamily="34" charset="0"/>
-              </a:rPr>
-              <a:t>В качестве внешнего источника знаний используется </a:t>
-            </a:r>
-            <a:r>
-              <a:rPr lang="en-US" sz="2400" b="1" dirty="0" err="1" smtClean="0">
-                <a:latin typeface="Segoe UI Light" panose="020B0502040204020203" pitchFamily="34" charset="0"/>
-                <a:cs typeface="Segoe UI Light" panose="020B0502040204020203" pitchFamily="34" charset="0"/>
-              </a:rPr>
-              <a:t>BabelNet</a:t>
-            </a:r>
-            <a:r>
-              <a:rPr lang="en-US" sz="2400" b="1" dirty="0" smtClean="0">
-                <a:latin typeface="Segoe UI Light" panose="020B0502040204020203" pitchFamily="34" charset="0"/>
-                <a:cs typeface="Segoe UI Light" panose="020B0502040204020203" pitchFamily="34" charset="0"/>
-              </a:rPr>
-              <a:t>.</a:t>
-            </a:r>
-            <a:r>
-              <a:rPr lang="ru-RU" sz="2400" b="1" dirty="0" smtClean="0">
-                <a:latin typeface="Segoe UI Light" panose="020B0502040204020203" pitchFamily="34" charset="0"/>
-                <a:cs typeface="Segoe UI Light" panose="020B0502040204020203" pitchFamily="34" charset="0"/>
-              </a:rPr>
-              <a:t/>
-            </a:r>
-            <a:br>
-              <a:rPr lang="ru-RU" sz="2400" b="1" dirty="0" smtClean="0">
-                <a:latin typeface="Segoe UI Light" panose="020B0502040204020203" pitchFamily="34" charset="0"/>
-                <a:cs typeface="Segoe UI Light" panose="020B0502040204020203" pitchFamily="34" charset="0"/>
-              </a:rPr>
-            </a:br>
-            <a:r>
-              <a:rPr lang="ru-RU" sz="2400" b="1" dirty="0" smtClean="0">
-                <a:latin typeface="Segoe UI Light" panose="020B0502040204020203" pitchFamily="34" charset="0"/>
-                <a:cs typeface="Segoe UI Light" panose="020B0502040204020203" pitchFamily="34" charset="0"/>
-              </a:rPr>
-              <a:t>На 13.05.2017 </a:t>
-            </a:r>
-            <a:r>
-              <a:rPr lang="en-US" sz="2400" b="1" dirty="0" err="1" smtClean="0">
-                <a:latin typeface="Segoe UI Light" panose="020B0502040204020203" pitchFamily="34" charset="0"/>
-                <a:cs typeface="Segoe UI Light" panose="020B0502040204020203" pitchFamily="34" charset="0"/>
-              </a:rPr>
-              <a:t>BabelNet</a:t>
-            </a:r>
-            <a:r>
-              <a:rPr lang="en-US" sz="2400" b="1" dirty="0" smtClean="0">
-                <a:latin typeface="Segoe UI Light" panose="020B0502040204020203" pitchFamily="34" charset="0"/>
-                <a:cs typeface="Segoe UI Light" panose="020B0502040204020203" pitchFamily="34" charset="0"/>
-              </a:rPr>
-              <a:t> </a:t>
-            </a:r>
-            <a:r>
-              <a:rPr lang="ru-RU" sz="2400" b="1" dirty="0" smtClean="0">
-                <a:latin typeface="Segoe UI Light" panose="020B0502040204020203" pitchFamily="34" charset="0"/>
-                <a:cs typeface="Segoe UI Light" panose="020B0502040204020203" pitchFamily="34" charset="0"/>
-              </a:rPr>
-              <a:t>интегрировал в себе: </a:t>
-            </a:r>
-          </a:p>
-          <a:p>
-            <a:pPr lvl="2"/>
-            <a:r>
-              <a:rPr lang="en-US" sz="2200" b="1" dirty="0" smtClean="0">
-                <a:latin typeface="Segoe UI Light" panose="020B0502040204020203" pitchFamily="34" charset="0"/>
-                <a:cs typeface="Segoe UI Light" panose="020B0502040204020203" pitchFamily="34" charset="0"/>
-              </a:rPr>
-              <a:t>WordNet </a:t>
-            </a:r>
-            <a:r>
-              <a:rPr lang="en-US" sz="2200" b="1" dirty="0">
-                <a:latin typeface="Segoe UI Light" panose="020B0502040204020203" pitchFamily="34" charset="0"/>
-                <a:cs typeface="Segoe UI Light" panose="020B0502040204020203" pitchFamily="34" charset="0"/>
-              </a:rPr>
-              <a:t>(</a:t>
-            </a:r>
-            <a:r>
-              <a:rPr lang="ru-RU" sz="2200" b="1" dirty="0">
-                <a:latin typeface="Segoe UI Light" panose="020B0502040204020203" pitchFamily="34" charset="0"/>
-                <a:cs typeface="Segoe UI Light" panose="020B0502040204020203" pitchFamily="34" charset="0"/>
-              </a:rPr>
-              <a:t>версия 3.0), </a:t>
-            </a:r>
-          </a:p>
-          <a:p>
-            <a:pPr lvl="2"/>
-            <a:r>
-              <a:rPr lang="en-US" sz="2200" b="1" dirty="0">
-                <a:latin typeface="Segoe UI Light" panose="020B0502040204020203" pitchFamily="34" charset="0"/>
-                <a:cs typeface="Segoe UI Light" panose="020B0502040204020203" pitchFamily="34" charset="0"/>
-              </a:rPr>
-              <a:t>Open Multilingual WordNet (</a:t>
-            </a:r>
-            <a:r>
-              <a:rPr lang="ru-RU" sz="2200" b="1" dirty="0">
-                <a:latin typeface="Segoe UI Light" panose="020B0502040204020203" pitchFamily="34" charset="0"/>
-                <a:cs typeface="Segoe UI Light" panose="020B0502040204020203" pitchFamily="34" charset="0"/>
-              </a:rPr>
-              <a:t>январь 2017), </a:t>
-            </a:r>
-          </a:p>
-          <a:p>
-            <a:pPr lvl="2"/>
-            <a:r>
-              <a:rPr lang="en-US" sz="2200" b="1" dirty="0">
-                <a:latin typeface="Segoe UI Light" panose="020B0502040204020203" pitchFamily="34" charset="0"/>
-                <a:cs typeface="Segoe UI Light" panose="020B0502040204020203" pitchFamily="34" charset="0"/>
-              </a:rPr>
-              <a:t>Wikipedia (</a:t>
-            </a:r>
-            <a:r>
-              <a:rPr lang="ru-RU" sz="2200" b="1" dirty="0">
-                <a:latin typeface="Segoe UI Light" panose="020B0502040204020203" pitchFamily="34" charset="0"/>
-                <a:cs typeface="Segoe UI Light" panose="020B0502040204020203" pitchFamily="34" charset="0"/>
-              </a:rPr>
-              <a:t>январь 2017)</a:t>
-            </a:r>
-          </a:p>
-          <a:p>
-            <a:pPr lvl="2"/>
-            <a:r>
-              <a:rPr lang="ru-RU" sz="2200" b="1" dirty="0">
-                <a:latin typeface="Segoe UI Light" panose="020B0502040204020203" pitchFamily="34" charset="0"/>
-                <a:cs typeface="Segoe UI Light" panose="020B0502040204020203" pitchFamily="34" charset="0"/>
-              </a:rPr>
-              <a:t>...</a:t>
-            </a:r>
-            <a:endParaRPr lang="ru-RU" sz="2200" b="1" dirty="0" smtClean="0">
-              <a:latin typeface="Segoe UI Light" panose="020B0502040204020203" pitchFamily="34" charset="0"/>
-              <a:cs typeface="Segoe UI Light" panose="020B0502040204020203" pitchFamily="34" charset="0"/>
-            </a:endParaRPr>
-          </a:p>
-          <a:p>
-            <a:endParaRPr lang="ru-RU" sz="2400" b="1" dirty="0" smtClean="0">
-              <a:latin typeface="Segoe UI Light" panose="020B0502040204020203" pitchFamily="34" charset="0"/>
-              <a:cs typeface="Segoe UI Light" panose="020B0502040204020203" pitchFamily="34" charset="0"/>
-            </a:endParaRPr>
+          <a:bodyPr wrap="square" rtlCol="0">
+            <a:spAutoFit/>
+          </a:bodyPr>
+          <a:lstStyle/>
+          <a:p>
+            <a:r>
+              <a:rPr lang="ru-RU" dirty="0" smtClean="0"/>
+              <a:t>Выделение </a:t>
+            </a:r>
+            <a:r>
+              <a:rPr lang="en-US" dirty="0" smtClean="0"/>
+              <a:t>SAO,</a:t>
+            </a:r>
+            <a:r>
+              <a:rPr lang="ru-RU" dirty="0" smtClean="0"/>
+              <a:t> в состав которого входит ключевое слово</a:t>
+            </a:r>
+            <a:endParaRPr lang="en-US" dirty="0"/>
           </a:p>
         </p:txBody>
       </p:sp>
     </p:spTree>
     <p:extLst>
       <p:ext uri="{BB962C8B-B14F-4D97-AF65-F5344CB8AC3E}">
-        <p14:creationId xmlns:p14="http://schemas.microsoft.com/office/powerpoint/2010/main" val="3778504021"/>
+        <p14:creationId xmlns:p14="http://schemas.microsoft.com/office/powerpoint/2010/main" val="3720641881"/>
       </p:ext>
     </p:extLst>
   </p:cSld>
@@ -9817,7 +10045,7 @@
       </p:sp>
       <p:sp>
         <p:nvSpPr>
-          <p:cNvPr id="4" name="Title 1"/>
+          <p:cNvPr id="6" name="Title 1"/>
           <p:cNvSpPr txBox="1">
             <a:spLocks/>
           </p:cNvSpPr>
@@ -9825,8 +10053,8 @@
         </p:nvSpPr>
         <p:spPr>
           <a:xfrm>
-            <a:off x="439387" y="1276352"/>
-            <a:ext cx="11269683" cy="1308906"/>
+            <a:off x="838200" y="1276352"/>
+            <a:ext cx="10515600" cy="611825"/>
           </a:xfrm>
           <a:prstGeom prst="rect">
             <a:avLst/>
@@ -9994,11 +10222,11 @@
           <a:p>
             <a:pPr algn="ctr"/>
             <a:r>
-              <a:rPr lang="ru-RU" b="1" dirty="0">
-                <a:latin typeface="Segoe UI Light" panose="020B0502040204020203" pitchFamily="34" charset="0"/>
-                <a:cs typeface="Segoe UI Light" panose="020B0502040204020203" pitchFamily="34" charset="0"/>
-              </a:rPr>
-              <a:t>Структурно-функциональная схема системы поиска релевантных документов</a:t>
+              <a:rPr lang="ru-RU" b="1" dirty="0" smtClean="0">
+                <a:latin typeface="Segoe UI Light" panose="020B0502040204020203" pitchFamily="34" charset="0"/>
+                <a:cs typeface="Segoe UI Light" panose="020B0502040204020203" pitchFamily="34" charset="0"/>
+              </a:rPr>
+              <a:t>Разрешение лексической многозначности при переводе</a:t>
             </a:r>
             <a:endParaRPr lang="en-US" b="1" dirty="0">
               <a:latin typeface="Segoe UI Light" panose="020B0502040204020203" pitchFamily="34" charset="0"/>
@@ -10007,43 +10235,396 @@
           </a:p>
         </p:txBody>
       </p:sp>
-      <p:pic>
-        <p:nvPicPr>
-          <p:cNvPr id="8" name="Рисунок 4" descr="D:\diplom\git\diplom\картинки\sequence_diagramm.png"/>
-          <p:cNvPicPr/>
+      <p:sp>
+        <p:nvSpPr>
+          <p:cNvPr id="8" name="Content Placeholder 2"/>
+          <p:cNvSpPr txBox="1">
+            <a:spLocks/>
+          </p:cNvSpPr>
           <p:nvPr/>
-        </p:nvPicPr>
-        <p:blipFill>
-          <a:blip r:embed="rId3" cstate="print">
-            <a:extLst>
-              <a:ext uri="{28A0092B-C50C-407E-A947-70E740481C1C}">
-                <a14:useLocalDpi xmlns:a14="http://schemas.microsoft.com/office/drawing/2010/main" val="0"/>
-              </a:ext>
-            </a:extLst>
-          </a:blip>
-          <a:srcRect/>
-          <a:stretch>
-            <a:fillRect/>
-          </a:stretch>
-        </p:blipFill>
-        <p:spPr bwMode="auto">
+        </p:nvSpPr>
+        <p:spPr>
           <a:xfrm>
-            <a:off x="2103121" y="2743204"/>
-            <a:ext cx="7861502" cy="3802034"/>
+            <a:off x="838200" y="3103397"/>
+            <a:ext cx="10309167" cy="3305715"/>
           </a:xfrm>
           <a:prstGeom prst="rect">
             <a:avLst/>
           </a:prstGeom>
-          <a:noFill/>
-          <a:ln>
-            <a:noFill/>
-          </a:ln>
         </p:spPr>
-      </p:pic>
+        <p:txBody>
+          <a:bodyPr/>
+          <a:lstStyle>
+            <a:lvl1pPr marL="228600" indent="-228600" algn="l" rtl="0" eaLnBrk="1" fontAlgn="base" hangingPunct="1">
+              <a:lnSpc>
+                <a:spcPct val="90000"/>
+              </a:lnSpc>
+              <a:spcBef>
+                <a:spcPts val="1000"/>
+              </a:spcBef>
+              <a:spcAft>
+                <a:spcPct val="0"/>
+              </a:spcAft>
+              <a:buFont typeface="Arial" panose="020B0604020202020204" pitchFamily="34" charset="0"/>
+              <a:buChar char="•"/>
+              <a:defRPr sz="2800" kern="1200">
+                <a:solidFill>
+                  <a:schemeClr val="tx1"/>
+                </a:solidFill>
+                <a:latin typeface="+mn-lt"/>
+                <a:ea typeface="+mn-ea"/>
+                <a:cs typeface="+mn-cs"/>
+              </a:defRPr>
+            </a:lvl1pPr>
+            <a:lvl2pPr marL="685800" indent="-228600" algn="l" rtl="0" eaLnBrk="1" fontAlgn="base" hangingPunct="1">
+              <a:lnSpc>
+                <a:spcPct val="90000"/>
+              </a:lnSpc>
+              <a:spcBef>
+                <a:spcPts val="500"/>
+              </a:spcBef>
+              <a:spcAft>
+                <a:spcPct val="0"/>
+              </a:spcAft>
+              <a:buFont typeface="Arial" panose="020B0604020202020204" pitchFamily="34" charset="0"/>
+              <a:buChar char="•"/>
+              <a:defRPr sz="2400" kern="1200">
+                <a:solidFill>
+                  <a:schemeClr val="tx1"/>
+                </a:solidFill>
+                <a:latin typeface="+mn-lt"/>
+                <a:ea typeface="+mn-ea"/>
+                <a:cs typeface="+mn-cs"/>
+              </a:defRPr>
+            </a:lvl2pPr>
+            <a:lvl3pPr marL="1143000" indent="-228600" algn="l" rtl="0" eaLnBrk="1" fontAlgn="base" hangingPunct="1">
+              <a:lnSpc>
+                <a:spcPct val="90000"/>
+              </a:lnSpc>
+              <a:spcBef>
+                <a:spcPts val="500"/>
+              </a:spcBef>
+              <a:spcAft>
+                <a:spcPct val="0"/>
+              </a:spcAft>
+              <a:buFont typeface="Arial" panose="020B0604020202020204" pitchFamily="34" charset="0"/>
+              <a:buChar char="•"/>
+              <a:defRPr sz="2000" kern="1200">
+                <a:solidFill>
+                  <a:schemeClr val="tx1"/>
+                </a:solidFill>
+                <a:latin typeface="+mn-lt"/>
+                <a:ea typeface="+mn-ea"/>
+                <a:cs typeface="+mn-cs"/>
+              </a:defRPr>
+            </a:lvl3pPr>
+            <a:lvl4pPr marL="1600200" indent="-228600" algn="l" rtl="0" eaLnBrk="1" fontAlgn="base" hangingPunct="1">
+              <a:lnSpc>
+                <a:spcPct val="90000"/>
+              </a:lnSpc>
+              <a:spcBef>
+                <a:spcPts val="500"/>
+              </a:spcBef>
+              <a:spcAft>
+                <a:spcPct val="0"/>
+              </a:spcAft>
+              <a:buFont typeface="Arial" panose="020B0604020202020204" pitchFamily="34" charset="0"/>
+              <a:buChar char="•"/>
+              <a:defRPr kern="1200">
+                <a:solidFill>
+                  <a:schemeClr val="tx1"/>
+                </a:solidFill>
+                <a:latin typeface="+mn-lt"/>
+                <a:ea typeface="+mn-ea"/>
+                <a:cs typeface="+mn-cs"/>
+              </a:defRPr>
+            </a:lvl4pPr>
+            <a:lvl5pPr marL="2057400" indent="-228600" algn="l" rtl="0" eaLnBrk="1" fontAlgn="base" hangingPunct="1">
+              <a:lnSpc>
+                <a:spcPct val="90000"/>
+              </a:lnSpc>
+              <a:spcBef>
+                <a:spcPts val="500"/>
+              </a:spcBef>
+              <a:spcAft>
+                <a:spcPct val="0"/>
+              </a:spcAft>
+              <a:buFont typeface="Arial" panose="020B0604020202020204" pitchFamily="34" charset="0"/>
+              <a:buChar char="•"/>
+              <a:defRPr kern="1200">
+                <a:solidFill>
+                  <a:schemeClr val="tx1"/>
+                </a:solidFill>
+                <a:latin typeface="+mn-lt"/>
+                <a:ea typeface="+mn-ea"/>
+                <a:cs typeface="+mn-cs"/>
+              </a:defRPr>
+            </a:lvl5pPr>
+            <a:lvl6pPr marL="2514600" indent="-228600" algn="l" defTabSz="914400" rtl="0" eaLnBrk="1" latinLnBrk="0" hangingPunct="1">
+              <a:lnSpc>
+                <a:spcPct val="90000"/>
+              </a:lnSpc>
+              <a:spcBef>
+                <a:spcPts val="500"/>
+              </a:spcBef>
+              <a:buFont typeface="Arial" panose="020B0604020202020204" pitchFamily="34" charset="0"/>
+              <a:buChar char="•"/>
+              <a:defRPr sz="1800" kern="1200">
+                <a:solidFill>
+                  <a:schemeClr val="tx1"/>
+                </a:solidFill>
+                <a:latin typeface="+mn-lt"/>
+                <a:ea typeface="+mn-ea"/>
+                <a:cs typeface="+mn-cs"/>
+              </a:defRPr>
+            </a:lvl6pPr>
+            <a:lvl7pPr marL="2971800" indent="-228600" algn="l" defTabSz="914400" rtl="0" eaLnBrk="1" latinLnBrk="0" hangingPunct="1">
+              <a:lnSpc>
+                <a:spcPct val="90000"/>
+              </a:lnSpc>
+              <a:spcBef>
+                <a:spcPts val="500"/>
+              </a:spcBef>
+              <a:buFont typeface="Arial" panose="020B0604020202020204" pitchFamily="34" charset="0"/>
+              <a:buChar char="•"/>
+              <a:defRPr sz="1800" kern="1200">
+                <a:solidFill>
+                  <a:schemeClr val="tx1"/>
+                </a:solidFill>
+                <a:latin typeface="+mn-lt"/>
+                <a:ea typeface="+mn-ea"/>
+                <a:cs typeface="+mn-cs"/>
+              </a:defRPr>
+            </a:lvl7pPr>
+            <a:lvl8pPr marL="3429000" indent="-228600" algn="l" defTabSz="914400" rtl="0" eaLnBrk="1" latinLnBrk="0" hangingPunct="1">
+              <a:lnSpc>
+                <a:spcPct val="90000"/>
+              </a:lnSpc>
+              <a:spcBef>
+                <a:spcPts val="500"/>
+              </a:spcBef>
+              <a:buFont typeface="Arial" panose="020B0604020202020204" pitchFamily="34" charset="0"/>
+              <a:buChar char="•"/>
+              <a:defRPr sz="1800" kern="1200">
+                <a:solidFill>
+                  <a:schemeClr val="tx1"/>
+                </a:solidFill>
+                <a:latin typeface="+mn-lt"/>
+                <a:ea typeface="+mn-ea"/>
+                <a:cs typeface="+mn-cs"/>
+              </a:defRPr>
+            </a:lvl8pPr>
+            <a:lvl9pPr marL="3886200" indent="-228600" algn="l" defTabSz="914400" rtl="0" eaLnBrk="1" latinLnBrk="0" hangingPunct="1">
+              <a:lnSpc>
+                <a:spcPct val="90000"/>
+              </a:lnSpc>
+              <a:spcBef>
+                <a:spcPts val="500"/>
+              </a:spcBef>
+              <a:buFont typeface="Arial" panose="020B0604020202020204" pitchFamily="34" charset="0"/>
+              <a:buChar char="•"/>
+              <a:defRPr sz="1800" kern="1200">
+                <a:solidFill>
+                  <a:schemeClr val="tx1"/>
+                </a:solidFill>
+                <a:latin typeface="+mn-lt"/>
+                <a:ea typeface="+mn-ea"/>
+                <a:cs typeface="+mn-cs"/>
+              </a:defRPr>
+            </a:lvl9pPr>
+          </a:lstStyle>
+          <a:p>
+            <a:pPr marL="514350" indent="-514350">
+              <a:spcBef>
+                <a:spcPts val="2000"/>
+              </a:spcBef>
+              <a:buFont typeface="+mj-lt"/>
+              <a:buAutoNum type="arabicPeriod"/>
+            </a:pPr>
+            <a:r>
+              <a:rPr lang="ru-RU" sz="2400" b="1" dirty="0">
+                <a:latin typeface="Segoe UI Light" panose="020B0502040204020203" pitchFamily="34" charset="0"/>
+                <a:cs typeface="Segoe UI Light" panose="020B0502040204020203" pitchFamily="34" charset="0"/>
+              </a:rPr>
+              <a:t>Разрешение лексической многозначности происходит</a:t>
+            </a:r>
+            <a:r>
+              <a:rPr lang="en-US" sz="2400" b="1" dirty="0">
+                <a:latin typeface="Segoe UI Light" panose="020B0502040204020203" pitchFamily="34" charset="0"/>
+                <a:cs typeface="Segoe UI Light" panose="020B0502040204020203" pitchFamily="34" charset="0"/>
+              </a:rPr>
+              <a:t> </a:t>
+            </a:r>
+            <a:r>
+              <a:rPr lang="ru-RU" sz="2400" b="1" dirty="0">
+                <a:latin typeface="Segoe UI Light" panose="020B0502040204020203" pitchFamily="34" charset="0"/>
+                <a:cs typeface="Segoe UI Light" panose="020B0502040204020203" pitchFamily="34" charset="0"/>
+              </a:rPr>
+              <a:t>по методу Леска. </a:t>
+            </a:r>
+            <a:endParaRPr lang="ru-RU" sz="2400" b="1" dirty="0" smtClean="0">
+              <a:latin typeface="Segoe UI Light" panose="020B0502040204020203" pitchFamily="34" charset="0"/>
+              <a:cs typeface="Segoe UI Light" panose="020B0502040204020203" pitchFamily="34" charset="0"/>
+            </a:endParaRPr>
+          </a:p>
+          <a:p>
+            <a:pPr marL="514350" indent="-514350">
+              <a:lnSpc>
+                <a:spcPct val="120000"/>
+              </a:lnSpc>
+              <a:spcBef>
+                <a:spcPts val="2000"/>
+              </a:spcBef>
+              <a:buFont typeface="+mj-lt"/>
+              <a:buAutoNum type="arabicPeriod"/>
+            </a:pPr>
+            <a:r>
+              <a:rPr lang="ru-RU" sz="2400" b="1" dirty="0" smtClean="0">
+                <a:latin typeface="Segoe UI Light" panose="020B0502040204020203" pitchFamily="34" charset="0"/>
+                <a:cs typeface="Segoe UI Light" panose="020B0502040204020203" pitchFamily="34" charset="0"/>
+              </a:rPr>
+              <a:t>В качестве внешнего источника знаний используется </a:t>
+            </a:r>
+            <a:r>
+              <a:rPr lang="en-US" sz="2400" b="1" dirty="0" err="1" smtClean="0">
+                <a:latin typeface="Segoe UI Light" panose="020B0502040204020203" pitchFamily="34" charset="0"/>
+                <a:cs typeface="Segoe UI Light" panose="020B0502040204020203" pitchFamily="34" charset="0"/>
+              </a:rPr>
+              <a:t>BabelNet</a:t>
+            </a:r>
+            <a:r>
+              <a:rPr lang="en-US" sz="2400" b="1" dirty="0" smtClean="0">
+                <a:latin typeface="Segoe UI Light" panose="020B0502040204020203" pitchFamily="34" charset="0"/>
+                <a:cs typeface="Segoe UI Light" panose="020B0502040204020203" pitchFamily="34" charset="0"/>
+              </a:rPr>
+              <a:t>.</a:t>
+            </a:r>
+            <a:r>
+              <a:rPr lang="ru-RU" sz="2400" b="1" dirty="0" smtClean="0">
+                <a:latin typeface="Segoe UI Light" panose="020B0502040204020203" pitchFamily="34" charset="0"/>
+                <a:cs typeface="Segoe UI Light" panose="020B0502040204020203" pitchFamily="34" charset="0"/>
+              </a:rPr>
+              <a:t/>
+            </a:r>
+            <a:br>
+              <a:rPr lang="ru-RU" sz="2400" b="1" dirty="0" smtClean="0">
+                <a:latin typeface="Segoe UI Light" panose="020B0502040204020203" pitchFamily="34" charset="0"/>
+                <a:cs typeface="Segoe UI Light" panose="020B0502040204020203" pitchFamily="34" charset="0"/>
+              </a:rPr>
+            </a:br>
+            <a:r>
+              <a:rPr lang="ru-RU" sz="2400" b="1" dirty="0" smtClean="0">
+                <a:latin typeface="Segoe UI Light" panose="020B0502040204020203" pitchFamily="34" charset="0"/>
+                <a:cs typeface="Segoe UI Light" panose="020B0502040204020203" pitchFamily="34" charset="0"/>
+              </a:rPr>
+              <a:t>На 13.05.2017 </a:t>
+            </a:r>
+            <a:r>
+              <a:rPr lang="en-US" sz="2400" b="1" dirty="0" err="1" smtClean="0">
+                <a:latin typeface="Segoe UI Light" panose="020B0502040204020203" pitchFamily="34" charset="0"/>
+                <a:cs typeface="Segoe UI Light" panose="020B0502040204020203" pitchFamily="34" charset="0"/>
+              </a:rPr>
+              <a:t>BabelNet</a:t>
+            </a:r>
+            <a:r>
+              <a:rPr lang="en-US" sz="2400" b="1" dirty="0" smtClean="0">
+                <a:latin typeface="Segoe UI Light" panose="020B0502040204020203" pitchFamily="34" charset="0"/>
+                <a:cs typeface="Segoe UI Light" panose="020B0502040204020203" pitchFamily="34" charset="0"/>
+              </a:rPr>
+              <a:t> </a:t>
+            </a:r>
+            <a:r>
+              <a:rPr lang="ru-RU" sz="2400" b="1" dirty="0" smtClean="0">
+                <a:latin typeface="Segoe UI Light" panose="020B0502040204020203" pitchFamily="34" charset="0"/>
+                <a:cs typeface="Segoe UI Light" panose="020B0502040204020203" pitchFamily="34" charset="0"/>
+              </a:rPr>
+              <a:t>интегрировал в себе: </a:t>
+            </a:r>
+          </a:p>
+          <a:p>
+            <a:pPr lvl="2"/>
+            <a:r>
+              <a:rPr lang="en-US" sz="2200" b="1" dirty="0" smtClean="0">
+                <a:latin typeface="Segoe UI Light" panose="020B0502040204020203" pitchFamily="34" charset="0"/>
+                <a:cs typeface="Segoe UI Light" panose="020B0502040204020203" pitchFamily="34" charset="0"/>
+              </a:rPr>
+              <a:t>WordNet </a:t>
+            </a:r>
+            <a:r>
+              <a:rPr lang="en-US" sz="2200" b="1" dirty="0">
+                <a:latin typeface="Segoe UI Light" panose="020B0502040204020203" pitchFamily="34" charset="0"/>
+                <a:cs typeface="Segoe UI Light" panose="020B0502040204020203" pitchFamily="34" charset="0"/>
+              </a:rPr>
+              <a:t>(</a:t>
+            </a:r>
+            <a:r>
+              <a:rPr lang="ru-RU" sz="2200" b="1" dirty="0">
+                <a:latin typeface="Segoe UI Light" panose="020B0502040204020203" pitchFamily="34" charset="0"/>
+                <a:cs typeface="Segoe UI Light" panose="020B0502040204020203" pitchFamily="34" charset="0"/>
+              </a:rPr>
+              <a:t>версия 3.0), </a:t>
+            </a:r>
+          </a:p>
+          <a:p>
+            <a:pPr lvl="2"/>
+            <a:r>
+              <a:rPr lang="en-US" sz="2200" b="1" dirty="0">
+                <a:latin typeface="Segoe UI Light" panose="020B0502040204020203" pitchFamily="34" charset="0"/>
+                <a:cs typeface="Segoe UI Light" panose="020B0502040204020203" pitchFamily="34" charset="0"/>
+              </a:rPr>
+              <a:t>Open Multilingual WordNet (</a:t>
+            </a:r>
+            <a:r>
+              <a:rPr lang="ru-RU" sz="2200" b="1" dirty="0">
+                <a:latin typeface="Segoe UI Light" panose="020B0502040204020203" pitchFamily="34" charset="0"/>
+                <a:cs typeface="Segoe UI Light" panose="020B0502040204020203" pitchFamily="34" charset="0"/>
+              </a:rPr>
+              <a:t>январь 2017), </a:t>
+            </a:r>
+          </a:p>
+          <a:p>
+            <a:pPr lvl="2"/>
+            <a:r>
+              <a:rPr lang="en-US" sz="2200" b="1" dirty="0">
+                <a:latin typeface="Segoe UI Light" panose="020B0502040204020203" pitchFamily="34" charset="0"/>
+                <a:cs typeface="Segoe UI Light" panose="020B0502040204020203" pitchFamily="34" charset="0"/>
+              </a:rPr>
+              <a:t>Wikipedia (</a:t>
+            </a:r>
+            <a:r>
+              <a:rPr lang="ru-RU" sz="2200" b="1" dirty="0">
+                <a:latin typeface="Segoe UI Light" panose="020B0502040204020203" pitchFamily="34" charset="0"/>
+                <a:cs typeface="Segoe UI Light" panose="020B0502040204020203" pitchFamily="34" charset="0"/>
+              </a:rPr>
+              <a:t>январь 2017)</a:t>
+            </a:r>
+          </a:p>
+          <a:p>
+            <a:pPr lvl="2"/>
+            <a:r>
+              <a:rPr lang="ru-RU" sz="2200" b="1" dirty="0">
+                <a:latin typeface="Segoe UI Light" panose="020B0502040204020203" pitchFamily="34" charset="0"/>
+                <a:cs typeface="Segoe UI Light" panose="020B0502040204020203" pitchFamily="34" charset="0"/>
+              </a:rPr>
+              <a:t>...</a:t>
+            </a:r>
+            <a:endParaRPr lang="ru-RU" sz="2200" b="1" dirty="0" smtClean="0">
+              <a:latin typeface="Segoe UI Light" panose="020B0502040204020203" pitchFamily="34" charset="0"/>
+              <a:cs typeface="Segoe UI Light" panose="020B0502040204020203" pitchFamily="34" charset="0"/>
+            </a:endParaRPr>
+          </a:p>
+          <a:p>
+            <a:endParaRPr lang="ru-RU" sz="2400" b="1" dirty="0" smtClean="0">
+              <a:latin typeface="Segoe UI Light" panose="020B0502040204020203" pitchFamily="34" charset="0"/>
+              <a:cs typeface="Segoe UI Light" panose="020B0502040204020203" pitchFamily="34" charset="0"/>
+            </a:endParaRPr>
+          </a:p>
+        </p:txBody>
+      </p:sp>
     </p:spTree>
     <p:extLst>
       <p:ext uri="{BB962C8B-B14F-4D97-AF65-F5344CB8AC3E}">
-        <p14:creationId xmlns:p14="http://schemas.microsoft.com/office/powerpoint/2010/main" val="2568091625"/>
+        <p14:creationId xmlns:p14="http://schemas.microsoft.com/office/powerpoint/2010/main" val="3778504021"/>
       </p:ext>
     </p:extLst>
   </p:cSld>
@@ -10178,7 +10759,7 @@
         <p:spPr>
           <a:xfrm>
             <a:off x="439387" y="1276352"/>
-            <a:ext cx="11269683" cy="611825"/>
+            <a:ext cx="11269683" cy="1308906"/>
           </a:xfrm>
           <a:prstGeom prst="rect">
             <a:avLst/>
@@ -10346,11 +10927,11 @@
           <a:p>
             <a:pPr algn="ctr"/>
             <a:r>
-              <a:rPr lang="ru-RU" b="1" dirty="0" smtClean="0">
-                <a:latin typeface="Segoe UI Light" panose="020B0502040204020203" pitchFamily="34" charset="0"/>
-                <a:cs typeface="Segoe UI Light" panose="020B0502040204020203" pitchFamily="34" charset="0"/>
-              </a:rPr>
-              <a:t>Архитектура приложения</a:t>
+              <a:rPr lang="ru-RU" b="1" dirty="0">
+                <a:latin typeface="Segoe UI Light" panose="020B0502040204020203" pitchFamily="34" charset="0"/>
+                <a:cs typeface="Segoe UI Light" panose="020B0502040204020203" pitchFamily="34" charset="0"/>
+              </a:rPr>
+              <a:t>Структурно-функциональная схема системы поиска релевантных документов</a:t>
             </a:r>
             <a:endParaRPr lang="en-US" b="1" dirty="0">
               <a:latin typeface="Segoe UI Light" panose="020B0502040204020203" pitchFamily="34" charset="0"/>
@@ -10361,12 +10942,12 @@
       </p:sp>
       <p:pic>
         <p:nvPicPr>
-          <p:cNvPr id="7" name="Рисунок 1" descr="D:\diplom\git\diplom\картинки\clean_architecture_android.png"/>
+          <p:cNvPr id="8" name="Рисунок 4" descr="D:\diplom\git\diplom\картинки\sequence_diagramm.png"/>
           <p:cNvPicPr/>
           <p:nvPr/>
         </p:nvPicPr>
         <p:blipFill>
-          <a:blip r:embed="rId3">
+          <a:blip r:embed="rId3" cstate="print">
             <a:extLst>
               <a:ext uri="{28A0092B-C50C-407E-A947-70E740481C1C}">
                 <a14:useLocalDpi xmlns:a14="http://schemas.microsoft.com/office/drawing/2010/main" val="0"/>
@@ -10380,8 +10961,8 @@
         </p:blipFill>
         <p:spPr bwMode="auto">
           <a:xfrm>
-            <a:off x="795645" y="2361565"/>
-            <a:ext cx="4266804" cy="1870364"/>
+            <a:off x="2103121" y="2743204"/>
+            <a:ext cx="7861502" cy="3802034"/>
           </a:xfrm>
           <a:prstGeom prst="rect">
             <a:avLst/>
@@ -10392,327 +10973,10 @@
           </a:ln>
         </p:spPr>
       </p:pic>
-      <p:pic>
-        <p:nvPicPr>
-          <p:cNvPr id="8" name="Рисунок 11" descr="D:\diplom\git\diplom\картинки\repository.png"/>
-          <p:cNvPicPr/>
-          <p:nvPr/>
-        </p:nvPicPr>
-        <p:blipFill>
-          <a:blip r:embed="rId4" cstate="print">
-            <a:extLst>
-              <a:ext uri="{28A0092B-C50C-407E-A947-70E740481C1C}">
-                <a14:useLocalDpi xmlns:a14="http://schemas.microsoft.com/office/drawing/2010/main" val="0"/>
-              </a:ext>
-            </a:extLst>
-          </a:blip>
-          <a:srcRect/>
-          <a:stretch>
-            <a:fillRect/>
-          </a:stretch>
-        </p:blipFill>
-        <p:spPr bwMode="auto">
-          <a:xfrm>
-            <a:off x="1238599" y="4530438"/>
-            <a:ext cx="3458095" cy="1862052"/>
-          </a:xfrm>
-          <a:prstGeom prst="rect">
-            <a:avLst/>
-          </a:prstGeom>
-          <a:noFill/>
-          <a:ln>
-            <a:noFill/>
-          </a:ln>
-        </p:spPr>
-      </p:pic>
-      <p:sp>
-        <p:nvSpPr>
-          <p:cNvPr id="9" name="Content Placeholder 2"/>
-          <p:cNvSpPr txBox="1">
-            <a:spLocks/>
-          </p:cNvSpPr>
-          <p:nvPr/>
-        </p:nvSpPr>
-        <p:spPr>
-          <a:xfrm>
-            <a:off x="5764085" y="2649728"/>
-            <a:ext cx="5944985" cy="3164401"/>
-          </a:xfrm>
-          <a:prstGeom prst="rect">
-            <a:avLst/>
-          </a:prstGeom>
-        </p:spPr>
-        <p:txBody>
-          <a:bodyPr/>
-          <a:lstStyle>
-            <a:lvl1pPr marL="228600" indent="-228600" algn="l" rtl="0" eaLnBrk="1" fontAlgn="base" hangingPunct="1">
-              <a:lnSpc>
-                <a:spcPct val="90000"/>
-              </a:lnSpc>
-              <a:spcBef>
-                <a:spcPts val="1000"/>
-              </a:spcBef>
-              <a:spcAft>
-                <a:spcPct val="0"/>
-              </a:spcAft>
-              <a:buFont typeface="Arial" panose="020B0604020202020204" pitchFamily="34" charset="0"/>
-              <a:buChar char="•"/>
-              <a:defRPr sz="2800" kern="1200">
-                <a:solidFill>
-                  <a:schemeClr val="tx1"/>
-                </a:solidFill>
-                <a:latin typeface="+mn-lt"/>
-                <a:ea typeface="+mn-ea"/>
-                <a:cs typeface="+mn-cs"/>
-              </a:defRPr>
-            </a:lvl1pPr>
-            <a:lvl2pPr marL="685800" indent="-228600" algn="l" rtl="0" eaLnBrk="1" fontAlgn="base" hangingPunct="1">
-              <a:lnSpc>
-                <a:spcPct val="90000"/>
-              </a:lnSpc>
-              <a:spcBef>
-                <a:spcPts val="500"/>
-              </a:spcBef>
-              <a:spcAft>
-                <a:spcPct val="0"/>
-              </a:spcAft>
-              <a:buFont typeface="Arial" panose="020B0604020202020204" pitchFamily="34" charset="0"/>
-              <a:buChar char="•"/>
-              <a:defRPr sz="2400" kern="1200">
-                <a:solidFill>
-                  <a:schemeClr val="tx1"/>
-                </a:solidFill>
-                <a:latin typeface="+mn-lt"/>
-                <a:ea typeface="+mn-ea"/>
-                <a:cs typeface="+mn-cs"/>
-              </a:defRPr>
-            </a:lvl2pPr>
-            <a:lvl3pPr marL="1143000" indent="-228600" algn="l" rtl="0" eaLnBrk="1" fontAlgn="base" hangingPunct="1">
-              <a:lnSpc>
-                <a:spcPct val="90000"/>
-              </a:lnSpc>
-              <a:spcBef>
-                <a:spcPts val="500"/>
-              </a:spcBef>
-              <a:spcAft>
-                <a:spcPct val="0"/>
-              </a:spcAft>
-              <a:buFont typeface="Arial" panose="020B0604020202020204" pitchFamily="34" charset="0"/>
-              <a:buChar char="•"/>
-              <a:defRPr sz="2000" kern="1200">
-                <a:solidFill>
-                  <a:schemeClr val="tx1"/>
-                </a:solidFill>
-                <a:latin typeface="+mn-lt"/>
-                <a:ea typeface="+mn-ea"/>
-                <a:cs typeface="+mn-cs"/>
-              </a:defRPr>
-            </a:lvl3pPr>
-            <a:lvl4pPr marL="1600200" indent="-228600" algn="l" rtl="0" eaLnBrk="1" fontAlgn="base" hangingPunct="1">
-              <a:lnSpc>
-                <a:spcPct val="90000"/>
-              </a:lnSpc>
-              <a:spcBef>
-                <a:spcPts val="500"/>
-              </a:spcBef>
-              <a:spcAft>
-                <a:spcPct val="0"/>
-              </a:spcAft>
-              <a:buFont typeface="Arial" panose="020B0604020202020204" pitchFamily="34" charset="0"/>
-              <a:buChar char="•"/>
-              <a:defRPr kern="1200">
-                <a:solidFill>
-                  <a:schemeClr val="tx1"/>
-                </a:solidFill>
-                <a:latin typeface="+mn-lt"/>
-                <a:ea typeface="+mn-ea"/>
-                <a:cs typeface="+mn-cs"/>
-              </a:defRPr>
-            </a:lvl4pPr>
-            <a:lvl5pPr marL="2057400" indent="-228600" algn="l" rtl="0" eaLnBrk="1" fontAlgn="base" hangingPunct="1">
-              <a:lnSpc>
-                <a:spcPct val="90000"/>
-              </a:lnSpc>
-              <a:spcBef>
-                <a:spcPts val="500"/>
-              </a:spcBef>
-              <a:spcAft>
-                <a:spcPct val="0"/>
-              </a:spcAft>
-              <a:buFont typeface="Arial" panose="020B0604020202020204" pitchFamily="34" charset="0"/>
-              <a:buChar char="•"/>
-              <a:defRPr kern="1200">
-                <a:solidFill>
-                  <a:schemeClr val="tx1"/>
-                </a:solidFill>
-                <a:latin typeface="+mn-lt"/>
-                <a:ea typeface="+mn-ea"/>
-                <a:cs typeface="+mn-cs"/>
-              </a:defRPr>
-            </a:lvl5pPr>
-            <a:lvl6pPr marL="2514600" indent="-228600" algn="l" defTabSz="914400" rtl="0" eaLnBrk="1" latinLnBrk="0" hangingPunct="1">
-              <a:lnSpc>
-                <a:spcPct val="90000"/>
-              </a:lnSpc>
-              <a:spcBef>
-                <a:spcPts val="500"/>
-              </a:spcBef>
-              <a:buFont typeface="Arial" panose="020B0604020202020204" pitchFamily="34" charset="0"/>
-              <a:buChar char="•"/>
-              <a:defRPr sz="1800" kern="1200">
-                <a:solidFill>
-                  <a:schemeClr val="tx1"/>
-                </a:solidFill>
-                <a:latin typeface="+mn-lt"/>
-                <a:ea typeface="+mn-ea"/>
-                <a:cs typeface="+mn-cs"/>
-              </a:defRPr>
-            </a:lvl6pPr>
-            <a:lvl7pPr marL="2971800" indent="-228600" algn="l" defTabSz="914400" rtl="0" eaLnBrk="1" latinLnBrk="0" hangingPunct="1">
-              <a:lnSpc>
-                <a:spcPct val="90000"/>
-              </a:lnSpc>
-              <a:spcBef>
-                <a:spcPts val="500"/>
-              </a:spcBef>
-              <a:buFont typeface="Arial" panose="020B0604020202020204" pitchFamily="34" charset="0"/>
-              <a:buChar char="•"/>
-              <a:defRPr sz="1800" kern="1200">
-                <a:solidFill>
-                  <a:schemeClr val="tx1"/>
-                </a:solidFill>
-                <a:latin typeface="+mn-lt"/>
-                <a:ea typeface="+mn-ea"/>
-                <a:cs typeface="+mn-cs"/>
-              </a:defRPr>
-            </a:lvl7pPr>
-            <a:lvl8pPr marL="3429000" indent="-228600" algn="l" defTabSz="914400" rtl="0" eaLnBrk="1" latinLnBrk="0" hangingPunct="1">
-              <a:lnSpc>
-                <a:spcPct val="90000"/>
-              </a:lnSpc>
-              <a:spcBef>
-                <a:spcPts val="500"/>
-              </a:spcBef>
-              <a:buFont typeface="Arial" panose="020B0604020202020204" pitchFamily="34" charset="0"/>
-              <a:buChar char="•"/>
-              <a:defRPr sz="1800" kern="1200">
-                <a:solidFill>
-                  <a:schemeClr val="tx1"/>
-                </a:solidFill>
-                <a:latin typeface="+mn-lt"/>
-                <a:ea typeface="+mn-ea"/>
-                <a:cs typeface="+mn-cs"/>
-              </a:defRPr>
-            </a:lvl8pPr>
-            <a:lvl9pPr marL="3886200" indent="-228600" algn="l" defTabSz="914400" rtl="0" eaLnBrk="1" latinLnBrk="0" hangingPunct="1">
-              <a:lnSpc>
-                <a:spcPct val="90000"/>
-              </a:lnSpc>
-              <a:spcBef>
-                <a:spcPts val="500"/>
-              </a:spcBef>
-              <a:buFont typeface="Arial" panose="020B0604020202020204" pitchFamily="34" charset="0"/>
-              <a:buChar char="•"/>
-              <a:defRPr sz="1800" kern="1200">
-                <a:solidFill>
-                  <a:schemeClr val="tx1"/>
-                </a:solidFill>
-                <a:latin typeface="+mn-lt"/>
-                <a:ea typeface="+mn-ea"/>
-                <a:cs typeface="+mn-cs"/>
-              </a:defRPr>
-            </a:lvl9pPr>
-          </a:lstStyle>
-          <a:p>
-            <a:pPr marL="0" indent="0">
-              <a:buNone/>
-            </a:pPr>
-            <a:r>
-              <a:rPr lang="ru-RU" sz="2400" b="1" dirty="0">
-                <a:latin typeface="Segoe UI Light" panose="020B0502040204020203" pitchFamily="34" charset="0"/>
-                <a:cs typeface="Segoe UI Light" panose="020B0502040204020203" pitchFamily="34" charset="0"/>
-              </a:rPr>
-              <a:t>Преимущества архитектуры:</a:t>
-            </a:r>
-          </a:p>
-          <a:p>
-            <a:r>
-              <a:rPr lang="ru-RU" sz="2400" b="1" dirty="0">
-                <a:latin typeface="Segoe UI Light" panose="020B0502040204020203" pitchFamily="34" charset="0"/>
-                <a:cs typeface="Segoe UI Light" panose="020B0502040204020203" pitchFamily="34" charset="0"/>
-              </a:rPr>
-              <a:t>Независимость от внешних сервисов, </a:t>
-            </a:r>
-            <a:endParaRPr lang="en-US" sz="2400" b="1" dirty="0" smtClean="0">
-              <a:latin typeface="Segoe UI Light" panose="020B0502040204020203" pitchFamily="34" charset="0"/>
-              <a:cs typeface="Segoe UI Light" panose="020B0502040204020203" pitchFamily="34" charset="0"/>
-            </a:endParaRPr>
-          </a:p>
-          <a:p>
-            <a:pPr marL="0" indent="0">
-              <a:buNone/>
-            </a:pPr>
-            <a:r>
-              <a:rPr lang="ru-RU" sz="2400" b="1" dirty="0" smtClean="0">
-                <a:latin typeface="Segoe UI Light" panose="020B0502040204020203" pitchFamily="34" charset="0"/>
-                <a:cs typeface="Segoe UI Light" panose="020B0502040204020203" pitchFamily="34" charset="0"/>
-              </a:rPr>
-              <a:t>с </a:t>
-            </a:r>
-            <a:r>
-              <a:rPr lang="ru-RU" sz="2400" b="1" dirty="0">
-                <a:latin typeface="Segoe UI Light" panose="020B0502040204020203" pitchFamily="34" charset="0"/>
-                <a:cs typeface="Segoe UI Light" panose="020B0502040204020203" pitchFamily="34" charset="0"/>
-              </a:rPr>
-              <a:t>которыми взаимодействует приложение;</a:t>
-            </a:r>
-          </a:p>
-          <a:p>
-            <a:r>
-              <a:rPr lang="ru-RU" sz="2400" b="1" dirty="0">
-                <a:latin typeface="Segoe UI Light" panose="020B0502040204020203" pitchFamily="34" charset="0"/>
-                <a:cs typeface="Segoe UI Light" panose="020B0502040204020203" pitchFamily="34" charset="0"/>
-              </a:rPr>
-              <a:t>Независимость от фреймворков;</a:t>
-            </a:r>
-          </a:p>
-          <a:p>
-            <a:r>
-              <a:rPr lang="ru-RU" sz="2400" b="1" dirty="0">
-                <a:latin typeface="Segoe UI Light" panose="020B0502040204020203" pitchFamily="34" charset="0"/>
-                <a:cs typeface="Segoe UI Light" panose="020B0502040204020203" pitchFamily="34" charset="0"/>
-              </a:rPr>
-              <a:t>Независимость от Баз Данных;</a:t>
-            </a:r>
-          </a:p>
-          <a:p>
-            <a:r>
-              <a:rPr lang="ru-RU" sz="2400" b="1" dirty="0">
-                <a:latin typeface="Segoe UI Light" panose="020B0502040204020203" pitchFamily="34" charset="0"/>
-                <a:cs typeface="Segoe UI Light" panose="020B0502040204020203" pitchFamily="34" charset="0"/>
-              </a:rPr>
-              <a:t>Независимость от UI;</a:t>
-            </a:r>
-          </a:p>
-          <a:p>
-            <a:r>
-              <a:rPr lang="ru-RU" sz="2400" b="1" dirty="0">
-                <a:latin typeface="Segoe UI Light" panose="020B0502040204020203" pitchFamily="34" charset="0"/>
-                <a:cs typeface="Segoe UI Light" panose="020B0502040204020203" pitchFamily="34" charset="0"/>
-              </a:rPr>
-              <a:t>Простота написания тестов.</a:t>
-            </a:r>
-            <a:endParaRPr lang="ru-RU" sz="2400" b="1" dirty="0" smtClean="0">
-              <a:latin typeface="Segoe UI Light" panose="020B0502040204020203" pitchFamily="34" charset="0"/>
-              <a:cs typeface="Segoe UI Light" panose="020B0502040204020203" pitchFamily="34" charset="0"/>
-            </a:endParaRPr>
-          </a:p>
-        </p:txBody>
-      </p:sp>
     </p:spTree>
     <p:extLst>
       <p:ext uri="{BB962C8B-B14F-4D97-AF65-F5344CB8AC3E}">
-        <p14:creationId xmlns:p14="http://schemas.microsoft.com/office/powerpoint/2010/main" val="2841718696"/>
+        <p14:creationId xmlns:p14="http://schemas.microsoft.com/office/powerpoint/2010/main" val="2568091625"/>
       </p:ext>
     </p:extLst>
   </p:cSld>

--- a/presentetion.pptx
+++ b/presentetion.pptx
@@ -6314,7 +6314,21 @@
                 <a:latin typeface="Segoe UI Light" panose="020B0502040204020203" pitchFamily="34" charset="0"/>
                 <a:cs typeface="Segoe UI Light" panose="020B0502040204020203" pitchFamily="34" charset="0"/>
               </a:rPr>
-              <a:t>Разработано мобильное приложение под ОС Android, обеспечивающего поиск в сети интернет по заданному текстовому документу/веб-странице релевантных ему документов, в том числе представленных на языке отличном от языка входных данных.</a:t>
+              <a:t>Разработано мобильное приложение под ОС Android, обеспечивающего поиск в сети интернет по заданному текстовому документу/веб-странице релевантных </a:t>
+            </a:r>
+            <a:r>
+              <a:rPr lang="ru-RU" b="1" dirty="0" smtClean="0">
+                <a:latin typeface="Segoe UI Light" panose="020B0502040204020203" pitchFamily="34" charset="0"/>
+                <a:cs typeface="Segoe UI Light" panose="020B0502040204020203" pitchFamily="34" charset="0"/>
+              </a:rPr>
+              <a:t>документов</a:t>
+            </a:r>
+            <a:r>
+              <a:rPr lang="ru-RU" b="1" dirty="0">
+                <a:latin typeface="Segoe UI Light" panose="020B0502040204020203" pitchFamily="34" charset="0"/>
+                <a:cs typeface="Segoe UI Light" panose="020B0502040204020203" pitchFamily="34" charset="0"/>
+              </a:rPr>
+              <a:t>, в том числе представленных на языке отличном от языка входных данных.</a:t>
             </a:r>
             <a:endParaRPr lang="en-US" b="1" dirty="0">
               <a:latin typeface="Segoe UI Light" panose="020B0502040204020203" pitchFamily="34" charset="0"/>
@@ -8100,7 +8114,21 @@
                 <a:latin typeface="Segoe UI Light" panose="020B0502040204020203" pitchFamily="34" charset="0"/>
                 <a:cs typeface="Segoe UI Light" panose="020B0502040204020203" pitchFamily="34" charset="0"/>
               </a:rPr>
-              <a:t>данной дипломной работы является разработка мобильного приложение, обеспечивающего поиск в сети интернет по заданному текстовому документу/веб-странице релевантных ему документов, в том числе представленных на языке отличном от </a:t>
+              <a:t>данной дипломной работы является разработка мобильного приложение, обеспечивающего поиск в сети интернет по заданному текстовому документу/веб-странице релевантных </a:t>
+            </a:r>
+            <a:r>
+              <a:rPr lang="ru-RU" sz="2400" b="1" dirty="0" smtClean="0">
+                <a:latin typeface="Segoe UI Light" panose="020B0502040204020203" pitchFamily="34" charset="0"/>
+                <a:cs typeface="Segoe UI Light" panose="020B0502040204020203" pitchFamily="34" charset="0"/>
+              </a:rPr>
+              <a:t>документов</a:t>
+            </a:r>
+            <a:r>
+              <a:rPr lang="ru-RU" sz="2400" b="1" dirty="0">
+                <a:latin typeface="Segoe UI Light" panose="020B0502040204020203" pitchFamily="34" charset="0"/>
+                <a:cs typeface="Segoe UI Light" panose="020B0502040204020203" pitchFamily="34" charset="0"/>
+              </a:rPr>
+              <a:t>, в том числе представленных на языке отличном от </a:t>
             </a:r>
             <a:r>
               <a:rPr lang="ru-RU" sz="2400" b="1" dirty="0" smtClean="0">
@@ -9905,12 +9933,16 @@
               <a:t>Выделение </a:t>
             </a:r>
             <a:r>
-              <a:rPr lang="en-US" dirty="0" smtClean="0"/>
-              <a:t>SAO,</a:t>
-            </a:r>
-            <a:r>
               <a:rPr lang="ru-RU" dirty="0" smtClean="0"/>
-              <a:t> в состав которого входит ключевое слово</a:t>
+              <a:t>контекста для</a:t>
+            </a:r>
+            <a:r>
+              <a:rPr lang="ru-RU" dirty="0" smtClean="0"/>
+              <a:t> ключевого </a:t>
+            </a:r>
+            <a:r>
+              <a:rPr lang="ru-RU" dirty="0" smtClean="0"/>
+              <a:t>слово</a:t>
             </a:r>
             <a:endParaRPr lang="en-US" dirty="0"/>
           </a:p>

--- a/presentetion.pptx
+++ b/presentetion.pptx
@@ -1,11 +1,11 @@
 
 <file path=ppt/presentation.xml><?xml version="1.0" encoding="utf-8"?>
-<p:presentation xmlns:a="http://schemas.openxmlformats.org/drawingml/2006/main" xmlns:r="http://schemas.openxmlformats.org/officeDocument/2006/relationships" xmlns:p="http://schemas.openxmlformats.org/presentationml/2006/main" saveSubsetFonts="1">
+<p:presentation xmlns:a="http://schemas.openxmlformats.org/drawingml/2006/main" xmlns:r="http://schemas.openxmlformats.org/officeDocument/2006/relationships" xmlns:p="http://schemas.openxmlformats.org/presentationml/2006/main" showSpecialPlsOnTitleSld="0" saveSubsetFonts="1">
   <p:sldMasterIdLst>
     <p:sldMasterId id="2147483648" r:id="rId1"/>
   </p:sldMasterIdLst>
   <p:notesMasterIdLst>
-    <p:notesMasterId r:id="rId16"/>
+    <p:notesMasterId r:id="rId17"/>
   </p:notesMasterIdLst>
   <p:sldIdLst>
     <p:sldId id="256" r:id="rId2"/>
@@ -16,12 +16,13 @@
     <p:sldId id="271" r:id="rId7"/>
     <p:sldId id="270" r:id="rId8"/>
     <p:sldId id="261" r:id="rId9"/>
-    <p:sldId id="262" r:id="rId10"/>
-    <p:sldId id="263" r:id="rId11"/>
-    <p:sldId id="269" r:id="rId12"/>
-    <p:sldId id="268" r:id="rId13"/>
-    <p:sldId id="266" r:id="rId14"/>
-    <p:sldId id="267" r:id="rId15"/>
+    <p:sldId id="272" r:id="rId10"/>
+    <p:sldId id="262" r:id="rId11"/>
+    <p:sldId id="263" r:id="rId12"/>
+    <p:sldId id="269" r:id="rId13"/>
+    <p:sldId id="268" r:id="rId14"/>
+    <p:sldId id="266" r:id="rId15"/>
+    <p:sldId id="267" r:id="rId16"/>
   </p:sldIdLst>
   <p:sldSz cx="12192000" cy="6858000"/>
   <p:notesSz cx="6858000" cy="9144000"/>
@@ -268,7 +269,7 @@
               <a:pPr>
                 <a:defRPr/>
               </a:pPr>
-              <a:t>24.05.17</a:t>
+              <a:t>05.06.17</a:t>
             </a:fld>
             <a:endParaRPr lang="be-BY"/>
           </a:p>
@@ -592,6 +593,186 @@
 </p:notesMaster>
 </file>
 
+<file path=ppt/notesSlides/notesSlide1.xml><?xml version="1.0" encoding="utf-8"?>
+<p:notes xmlns:a="http://schemas.openxmlformats.org/drawingml/2006/main" xmlns:r="http://schemas.openxmlformats.org/officeDocument/2006/relationships" xmlns:p="http://schemas.openxmlformats.org/presentationml/2006/main">
+  <p:cSld>
+    <p:spTree>
+      <p:nvGrpSpPr>
+        <p:cNvPr id="1" name=""/>
+        <p:cNvGrpSpPr/>
+        <p:nvPr/>
+      </p:nvGrpSpPr>
+      <p:grpSpPr>
+        <a:xfrm>
+          <a:off x="0" y="0"/>
+          <a:ext cx="0" cy="0"/>
+          <a:chOff x="0" y="0"/>
+          <a:chExt cx="0" cy="0"/>
+        </a:xfrm>
+      </p:grpSpPr>
+      <p:sp>
+        <p:nvSpPr>
+          <p:cNvPr id="2" name="Образ слайда 1"/>
+          <p:cNvSpPr>
+            <a:spLocks noGrp="1" noRot="1" noChangeAspect="1"/>
+          </p:cNvSpPr>
+          <p:nvPr>
+            <p:ph type="sldImg"/>
+          </p:nvPr>
+        </p:nvSpPr>
+        <p:spPr/>
+      </p:sp>
+      <p:sp>
+        <p:nvSpPr>
+          <p:cNvPr id="3" name="Заметки 2"/>
+          <p:cNvSpPr>
+            <a:spLocks noGrp="1"/>
+          </p:cNvSpPr>
+          <p:nvPr>
+            <p:ph type="body" idx="1"/>
+          </p:nvPr>
+        </p:nvSpPr>
+        <p:spPr/>
+        <p:txBody>
+          <a:bodyPr/>
+          <a:lstStyle/>
+          <a:p>
+            <a:endParaRPr lang="be-BY"/>
+          </a:p>
+        </p:txBody>
+      </p:sp>
+      <p:sp>
+        <p:nvSpPr>
+          <p:cNvPr id="4" name="Номер слайда 3"/>
+          <p:cNvSpPr>
+            <a:spLocks noGrp="1"/>
+          </p:cNvSpPr>
+          <p:nvPr>
+            <p:ph type="sldNum" sz="quarter" idx="10"/>
+          </p:nvPr>
+        </p:nvSpPr>
+        <p:spPr/>
+        <p:txBody>
+          <a:bodyPr/>
+          <a:lstStyle/>
+          <a:p>
+            <a:pPr>
+              <a:defRPr/>
+            </a:pPr>
+            <a:fld id="{0A527426-2D33-4167-9F8D-1F19E7E5E287}" type="slidenum">
+              <a:rPr lang="be-BY" smtClean="0"/>
+              <a:pPr>
+                <a:defRPr/>
+              </a:pPr>
+              <a:t>1</a:t>
+            </a:fld>
+            <a:endParaRPr lang="be-BY"/>
+          </a:p>
+        </p:txBody>
+      </p:sp>
+    </p:spTree>
+    <p:extLst>
+      <p:ext uri="{BB962C8B-B14F-4D97-AF65-F5344CB8AC3E}">
+        <p14:creationId xmlns:p14="http://schemas.microsoft.com/office/powerpoint/2010/main" val="421379090"/>
+      </p:ext>
+    </p:extLst>
+  </p:cSld>
+  <p:clrMapOvr>
+    <a:masterClrMapping/>
+  </p:clrMapOvr>
+</p:notes>
+</file>
+
+<file path=ppt/notesSlides/notesSlide2.xml><?xml version="1.0" encoding="utf-8"?>
+<p:notes xmlns:a="http://schemas.openxmlformats.org/drawingml/2006/main" xmlns:r="http://schemas.openxmlformats.org/officeDocument/2006/relationships" xmlns:p="http://schemas.openxmlformats.org/presentationml/2006/main">
+  <p:cSld>
+    <p:spTree>
+      <p:nvGrpSpPr>
+        <p:cNvPr id="1" name=""/>
+        <p:cNvGrpSpPr/>
+        <p:nvPr/>
+      </p:nvGrpSpPr>
+      <p:grpSpPr>
+        <a:xfrm>
+          <a:off x="0" y="0"/>
+          <a:ext cx="0" cy="0"/>
+          <a:chOff x="0" y="0"/>
+          <a:chExt cx="0" cy="0"/>
+        </a:xfrm>
+      </p:grpSpPr>
+      <p:sp>
+        <p:nvSpPr>
+          <p:cNvPr id="2" name="Образ слайда 1"/>
+          <p:cNvSpPr>
+            <a:spLocks noGrp="1" noRot="1" noChangeAspect="1"/>
+          </p:cNvSpPr>
+          <p:nvPr>
+            <p:ph type="sldImg"/>
+          </p:nvPr>
+        </p:nvSpPr>
+        <p:spPr/>
+      </p:sp>
+      <p:sp>
+        <p:nvSpPr>
+          <p:cNvPr id="3" name="Заметки 2"/>
+          <p:cNvSpPr>
+            <a:spLocks noGrp="1"/>
+          </p:cNvSpPr>
+          <p:nvPr>
+            <p:ph type="body" idx="1"/>
+          </p:nvPr>
+        </p:nvSpPr>
+        <p:spPr/>
+        <p:txBody>
+          <a:bodyPr/>
+          <a:lstStyle/>
+          <a:p>
+            <a:endParaRPr lang="be-BY"/>
+          </a:p>
+        </p:txBody>
+      </p:sp>
+      <p:sp>
+        <p:nvSpPr>
+          <p:cNvPr id="4" name="Номер слайда 3"/>
+          <p:cNvSpPr>
+            <a:spLocks noGrp="1"/>
+          </p:cNvSpPr>
+          <p:nvPr>
+            <p:ph type="sldNum" sz="quarter" idx="10"/>
+          </p:nvPr>
+        </p:nvSpPr>
+        <p:spPr/>
+        <p:txBody>
+          <a:bodyPr/>
+          <a:lstStyle/>
+          <a:p>
+            <a:pPr>
+              <a:defRPr/>
+            </a:pPr>
+            <a:fld id="{0A527426-2D33-4167-9F8D-1F19E7E5E287}" type="slidenum">
+              <a:rPr lang="be-BY" smtClean="0"/>
+              <a:pPr>
+                <a:defRPr/>
+              </a:pPr>
+              <a:t>5</a:t>
+            </a:fld>
+            <a:endParaRPr lang="be-BY"/>
+          </a:p>
+        </p:txBody>
+      </p:sp>
+    </p:spTree>
+    <p:extLst>
+      <p:ext uri="{BB962C8B-B14F-4D97-AF65-F5344CB8AC3E}">
+        <p14:creationId xmlns:p14="http://schemas.microsoft.com/office/powerpoint/2010/main" val="2205167737"/>
+      </p:ext>
+    </p:extLst>
+  </p:cSld>
+  <p:clrMapOvr>
+    <a:masterClrMapping/>
+  </p:clrMapOvr>
+</p:notes>
+</file>
+
 <file path=ppt/slideLayouts/slideLayout1.xml><?xml version="1.0" encoding="utf-8"?>
 <p:sldLayout xmlns:a="http://schemas.openxmlformats.org/drawingml/2006/main" xmlns:r="http://schemas.openxmlformats.org/officeDocument/2006/relationships" xmlns:p="http://schemas.openxmlformats.org/presentationml/2006/main" type="title" preserve="1">
   <p:cSld name="Титульный слайд">
@@ -728,12 +909,9 @@
             <a:pPr>
               <a:defRPr/>
             </a:pPr>
-            <a:fld id="{A9E1CBA6-7647-4670-8DD0-833CCF8083F5}" type="datetimeFigureOut">
-              <a:rPr lang="be-BY"/>
-              <a:pPr>
-                <a:defRPr/>
-              </a:pPr>
-              <a:t>24.05.17</a:t>
+            <a:fld id="{72E035CA-3935-4357-8491-22E26CEDE912}" type="datetime1">
+              <a:rPr lang="be-BY" smtClean="0"/>
+              <a:t>05.06.17</a:t>
             </a:fld>
             <a:endParaRPr lang="be-BY"/>
           </a:p>
@@ -925,12 +1103,9 @@
             <a:pPr>
               <a:defRPr/>
             </a:pPr>
-            <a:fld id="{7AF7E8C1-7E3A-42FB-BF92-307575A3CC64}" type="datetimeFigureOut">
-              <a:rPr lang="be-BY"/>
-              <a:pPr>
-                <a:defRPr/>
-              </a:pPr>
-              <a:t>24.05.17</a:t>
+            <a:fld id="{B14443A5-FF57-425C-B9C1-5D63F7413CFF}" type="datetime1">
+              <a:rPr lang="be-BY" smtClean="0"/>
+              <a:t>05.06.17</a:t>
             </a:fld>
             <a:endParaRPr lang="be-BY"/>
           </a:p>
@@ -1132,12 +1307,9 @@
             <a:pPr>
               <a:defRPr/>
             </a:pPr>
-            <a:fld id="{F583FBFF-E90A-42B8-8D1F-AB0778C1ED78}" type="datetimeFigureOut">
-              <a:rPr lang="be-BY"/>
-              <a:pPr>
-                <a:defRPr/>
-              </a:pPr>
-              <a:t>24.05.17</a:t>
+            <a:fld id="{7CA0136E-CF41-4AB4-AFE4-3DAEDCD33CC7}" type="datetime1">
+              <a:rPr lang="be-BY" smtClean="0"/>
+              <a:t>05.06.17</a:t>
             </a:fld>
             <a:endParaRPr lang="be-BY"/>
           </a:p>
@@ -1329,12 +1501,9 @@
             <a:pPr>
               <a:defRPr/>
             </a:pPr>
-            <a:fld id="{DC6E1D28-F357-4A47-ADF0-2CAD04EEA90E}" type="datetimeFigureOut">
-              <a:rPr lang="be-BY"/>
-              <a:pPr>
-                <a:defRPr/>
-              </a:pPr>
-              <a:t>24.05.17</a:t>
+            <a:fld id="{CE9D15D6-D64C-4BF6-B1FE-F7CFCF29553B}" type="datetime1">
+              <a:rPr lang="be-BY" smtClean="0"/>
+              <a:t>05.06.17</a:t>
             </a:fld>
             <a:endParaRPr lang="be-BY"/>
           </a:p>
@@ -1602,12 +1771,9 @@
             <a:pPr>
               <a:defRPr/>
             </a:pPr>
-            <a:fld id="{6C0F225F-6DC1-434E-98B0-4C369BCCD986}" type="datetimeFigureOut">
-              <a:rPr lang="be-BY"/>
-              <a:pPr>
-                <a:defRPr/>
-              </a:pPr>
-              <a:t>24.05.17</a:t>
+            <a:fld id="{76A75039-A849-49A8-8324-AFBEFDF62066}" type="datetime1">
+              <a:rPr lang="be-BY" smtClean="0"/>
+              <a:t>05.06.17</a:t>
             </a:fld>
             <a:endParaRPr lang="be-BY"/>
           </a:p>
@@ -1861,12 +2027,9 @@
             <a:pPr>
               <a:defRPr/>
             </a:pPr>
-            <a:fld id="{98E6516A-854B-435A-9189-B28A156EB87C}" type="datetimeFigureOut">
-              <a:rPr lang="be-BY"/>
-              <a:pPr>
-                <a:defRPr/>
-              </a:pPr>
-              <a:t>24.05.17</a:t>
+            <a:fld id="{CBA6FA47-D6D5-441C-9885-32A8112784D1}" type="datetime1">
+              <a:rPr lang="be-BY" smtClean="0"/>
+              <a:t>05.06.17</a:t>
             </a:fld>
             <a:endParaRPr lang="be-BY"/>
           </a:p>
@@ -2255,12 +2418,9 @@
             <a:pPr>
               <a:defRPr/>
             </a:pPr>
-            <a:fld id="{38244A04-43BC-412C-B8DA-2E340C328443}" type="datetimeFigureOut">
-              <a:rPr lang="be-BY"/>
-              <a:pPr>
-                <a:defRPr/>
-              </a:pPr>
-              <a:t>24.05.17</a:t>
+            <a:fld id="{3D03DAED-E05B-4E07-91DC-8409190F770F}" type="datetime1">
+              <a:rPr lang="be-BY" smtClean="0"/>
+              <a:t>05.06.17</a:t>
             </a:fld>
             <a:endParaRPr lang="be-BY"/>
           </a:p>
@@ -2400,12 +2560,9 @@
             <a:pPr>
               <a:defRPr/>
             </a:pPr>
-            <a:fld id="{664B754C-00CD-4D26-95F0-8BAC82C30557}" type="datetimeFigureOut">
-              <a:rPr lang="be-BY"/>
-              <a:pPr>
-                <a:defRPr/>
-              </a:pPr>
-              <a:t>24.05.17</a:t>
+            <a:fld id="{216953B4-3D52-4CB3-A4BF-CDB99ACEC15C}" type="datetime1">
+              <a:rPr lang="be-BY" smtClean="0"/>
+              <a:t>05.06.17</a:t>
             </a:fld>
             <a:endParaRPr lang="be-BY"/>
           </a:p>
@@ -2522,12 +2679,9 @@
             <a:pPr>
               <a:defRPr/>
             </a:pPr>
-            <a:fld id="{63684813-1AF5-4D2F-8C44-05797FDBF2CD}" type="datetimeFigureOut">
-              <a:rPr lang="be-BY"/>
-              <a:pPr>
-                <a:defRPr/>
-              </a:pPr>
-              <a:t>24.05.17</a:t>
+            <a:fld id="{8A80A686-65AE-4C2D-81D8-C2A684EA78DA}" type="datetime1">
+              <a:rPr lang="be-BY" smtClean="0"/>
+              <a:t>05.06.17</a:t>
             </a:fld>
             <a:endParaRPr lang="be-BY"/>
           </a:p>
@@ -2826,12 +2980,9 @@
             <a:pPr>
               <a:defRPr/>
             </a:pPr>
-            <a:fld id="{232B0E04-9308-44AD-BE1A-87862F29F9D7}" type="datetimeFigureOut">
-              <a:rPr lang="be-BY"/>
-              <a:pPr>
-                <a:defRPr/>
-              </a:pPr>
-              <a:t>24.05.17</a:t>
+            <a:fld id="{E2A8E326-5E86-45F4-B7E8-282039748A1D}" type="datetime1">
+              <a:rPr lang="be-BY" smtClean="0"/>
+              <a:t>05.06.17</a:t>
             </a:fld>
             <a:endParaRPr lang="be-BY"/>
           </a:p>
@@ -3113,12 +3264,9 @@
             <a:pPr>
               <a:defRPr/>
             </a:pPr>
-            <a:fld id="{496F7540-8DE7-473D-95AF-32BC0F2E099B}" type="datetimeFigureOut">
-              <a:rPr lang="be-BY"/>
-              <a:pPr>
-                <a:defRPr/>
-              </a:pPr>
-              <a:t>24.05.17</a:t>
+            <a:fld id="{5F08B3C8-E28F-497D-9F84-0C546264DB4E}" type="datetime1">
+              <a:rPr lang="be-BY" smtClean="0"/>
+              <a:t>05.06.17</a:t>
             </a:fld>
             <a:endParaRPr lang="be-BY"/>
           </a:p>
@@ -3410,12 +3558,9 @@
             <a:pPr>
               <a:defRPr/>
             </a:pPr>
-            <a:fld id="{8DEF467A-EBDD-435B-8290-6B331C285CF8}" type="datetimeFigureOut">
-              <a:rPr lang="be-BY"/>
-              <a:pPr>
-                <a:defRPr/>
-              </a:pPr>
-              <a:t>24.05.17</a:t>
+            <a:fld id="{DB79B7F2-61B4-4AC3-A852-2FC89656C819}" type="datetime1">
+              <a:rPr lang="be-BY" smtClean="0"/>
+              <a:t>05.06.17</a:t>
             </a:fld>
             <a:endParaRPr lang="be-BY"/>
           </a:p>
@@ -3538,6 +3683,7 @@
     <p:sldLayoutId id="2147483658" r:id="rId10"/>
     <p:sldLayoutId id="2147483659" r:id="rId11"/>
   </p:sldLayoutIdLst>
+  <p:hf hdr="0" ftr="0" dt="0"/>
   <p:txStyles>
     <p:titleStyle>
       <a:lvl1pPr algn="l" rtl="0" eaLnBrk="1" fontAlgn="base" hangingPunct="1">
@@ -4036,7 +4182,7 @@
           <p:nvPr/>
         </p:nvPicPr>
         <p:blipFill rotWithShape="1">
-          <a:blip r:embed="rId2"/>
+          <a:blip r:embed="rId3"/>
           <a:srcRect r="9412"/>
           <a:stretch/>
         </p:blipFill>
@@ -4281,6 +4427,394 @@
 </file>
 
 <file path=ppt/slides/slide10.xml><?xml version="1.0" encoding="utf-8"?>
+<p:sld xmlns:a="http://schemas.openxmlformats.org/drawingml/2006/main" xmlns:r="http://schemas.openxmlformats.org/officeDocument/2006/relationships" xmlns:p="http://schemas.openxmlformats.org/presentationml/2006/main">
+  <p:cSld>
+    <p:spTree>
+      <p:nvGrpSpPr>
+        <p:cNvPr id="1" name=""/>
+        <p:cNvGrpSpPr/>
+        <p:nvPr/>
+      </p:nvGrpSpPr>
+      <p:grpSpPr>
+        <a:xfrm>
+          <a:off x="0" y="0"/>
+          <a:ext cx="0" cy="0"/>
+          <a:chOff x="0" y="0"/>
+          <a:chExt cx="0" cy="0"/>
+        </a:xfrm>
+      </p:grpSpPr>
+      <p:pic>
+        <p:nvPicPr>
+          <p:cNvPr id="2" name="Picture 1"/>
+          <p:cNvPicPr>
+            <a:picLocks noChangeAspect="1"/>
+          </p:cNvPicPr>
+          <p:nvPr/>
+        </p:nvPicPr>
+        <p:blipFill rotWithShape="1">
+          <a:blip r:embed="rId2"/>
+          <a:srcRect r="9412"/>
+          <a:stretch/>
+        </p:blipFill>
+        <p:spPr>
+          <a:xfrm>
+            <a:off x="1" y="0"/>
+            <a:ext cx="12192000" cy="1133475"/>
+          </a:xfrm>
+          <a:prstGeom prst="rect">
+            <a:avLst/>
+          </a:prstGeom>
+        </p:spPr>
+      </p:pic>
+      <p:sp>
+        <p:nvSpPr>
+          <p:cNvPr id="3" name="TextBox 2"/>
+          <p:cNvSpPr txBox="1"/>
+          <p:nvPr/>
+        </p:nvSpPr>
+        <p:spPr>
+          <a:xfrm>
+            <a:off x="3574473" y="142877"/>
+            <a:ext cx="8625049" cy="707886"/>
+          </a:xfrm>
+          <a:prstGeom prst="rect">
+            <a:avLst/>
+          </a:prstGeom>
+          <a:noFill/>
+        </p:spPr>
+        <p:txBody>
+          <a:bodyPr wrap="square" rtlCol="0">
+            <a:spAutoFit/>
+          </a:bodyPr>
+          <a:lstStyle/>
+          <a:p>
+            <a:pPr algn="r"/>
+            <a:r>
+              <a:rPr lang="ru-RU" sz="2000" dirty="0" smtClean="0">
+                <a:solidFill>
+                  <a:schemeClr val="bg1"/>
+                </a:solidFill>
+                <a:latin typeface="Segoe UI Light" panose="020B0502040204020203" pitchFamily="34" charset="0"/>
+                <a:ea typeface="Microsoft JhengHei" panose="020B0604030504040204" pitchFamily="34" charset="-120"/>
+                <a:cs typeface="Segoe UI Light" panose="020B0502040204020203" pitchFamily="34" charset="0"/>
+              </a:rPr>
+              <a:t>ФАКУЛЬТЕТ ПРИКЛАДНОЙ МАТЕМАТИКИ И ИНФОРМАТИКИ</a:t>
+            </a:r>
+            <a:endParaRPr lang="en-US" sz="2000" dirty="0" smtClean="0">
+              <a:solidFill>
+                <a:schemeClr val="bg1"/>
+              </a:solidFill>
+              <a:latin typeface="Segoe UI Light" panose="020B0502040204020203" pitchFamily="34" charset="0"/>
+              <a:ea typeface="Microsoft JhengHei" panose="020B0604030504040204" pitchFamily="34" charset="-120"/>
+              <a:cs typeface="Segoe UI Light" panose="020B0502040204020203" pitchFamily="34" charset="0"/>
+            </a:endParaRPr>
+          </a:p>
+          <a:p>
+            <a:pPr algn="r"/>
+            <a:r>
+              <a:rPr lang="ru-RU" sz="2000" dirty="0" smtClean="0">
+                <a:solidFill>
+                  <a:schemeClr val="bg1"/>
+                </a:solidFill>
+                <a:latin typeface="Segoe UI Light" panose="020B0502040204020203" pitchFamily="34" charset="0"/>
+                <a:ea typeface="Microsoft JhengHei" panose="020B0604030504040204" pitchFamily="34" charset="-120"/>
+                <a:cs typeface="Segoe UI Light" panose="020B0502040204020203" pitchFamily="34" charset="0"/>
+              </a:rPr>
+              <a:t>КАФЕДРА ИНФОРМАЦИОННЫХ СИСТЕМ УПРАВЛЕНИЯ</a:t>
+            </a:r>
+            <a:endParaRPr lang="en-US" sz="2000" dirty="0">
+              <a:solidFill>
+                <a:schemeClr val="bg1"/>
+              </a:solidFill>
+              <a:latin typeface="Segoe UI Light" panose="020B0502040204020203" pitchFamily="34" charset="0"/>
+              <a:ea typeface="Microsoft JhengHei" panose="020B0604030504040204" pitchFamily="34" charset="-120"/>
+              <a:cs typeface="Segoe UI Light" panose="020B0502040204020203" pitchFamily="34" charset="0"/>
+            </a:endParaRPr>
+          </a:p>
+        </p:txBody>
+      </p:sp>
+      <p:sp>
+        <p:nvSpPr>
+          <p:cNvPr id="4" name="Title 1"/>
+          <p:cNvSpPr txBox="1">
+            <a:spLocks/>
+          </p:cNvSpPr>
+          <p:nvPr/>
+        </p:nvSpPr>
+        <p:spPr>
+          <a:xfrm>
+            <a:off x="439387" y="1276352"/>
+            <a:ext cx="11269683" cy="1308906"/>
+          </a:xfrm>
+          <a:prstGeom prst="rect">
+            <a:avLst/>
+          </a:prstGeom>
+        </p:spPr>
+        <p:txBody>
+          <a:bodyPr/>
+          <a:lstStyle>
+            <a:lvl1pPr algn="l" rtl="0" eaLnBrk="1" fontAlgn="base" hangingPunct="1">
+              <a:lnSpc>
+                <a:spcPct val="90000"/>
+              </a:lnSpc>
+              <a:spcBef>
+                <a:spcPct val="0"/>
+              </a:spcBef>
+              <a:spcAft>
+                <a:spcPct val="0"/>
+              </a:spcAft>
+              <a:defRPr sz="4400" kern="1200">
+                <a:solidFill>
+                  <a:schemeClr val="tx1"/>
+                </a:solidFill>
+                <a:latin typeface="+mj-lt"/>
+                <a:ea typeface="+mj-ea"/>
+                <a:cs typeface="+mj-cs"/>
+              </a:defRPr>
+            </a:lvl1pPr>
+            <a:lvl2pPr algn="l" rtl="0" eaLnBrk="1" fontAlgn="base" hangingPunct="1">
+              <a:lnSpc>
+                <a:spcPct val="90000"/>
+              </a:lnSpc>
+              <a:spcBef>
+                <a:spcPct val="0"/>
+              </a:spcBef>
+              <a:spcAft>
+                <a:spcPct val="0"/>
+              </a:spcAft>
+              <a:defRPr sz="4400">
+                <a:solidFill>
+                  <a:schemeClr val="tx1"/>
+                </a:solidFill>
+                <a:latin typeface="Calibri Light" panose="020F0302020204030204" pitchFamily="34" charset="0"/>
+              </a:defRPr>
+            </a:lvl2pPr>
+            <a:lvl3pPr algn="l" rtl="0" eaLnBrk="1" fontAlgn="base" hangingPunct="1">
+              <a:lnSpc>
+                <a:spcPct val="90000"/>
+              </a:lnSpc>
+              <a:spcBef>
+                <a:spcPct val="0"/>
+              </a:spcBef>
+              <a:spcAft>
+                <a:spcPct val="0"/>
+              </a:spcAft>
+              <a:defRPr sz="4400">
+                <a:solidFill>
+                  <a:schemeClr val="tx1"/>
+                </a:solidFill>
+                <a:latin typeface="Calibri Light" panose="020F0302020204030204" pitchFamily="34" charset="0"/>
+              </a:defRPr>
+            </a:lvl3pPr>
+            <a:lvl4pPr algn="l" rtl="0" eaLnBrk="1" fontAlgn="base" hangingPunct="1">
+              <a:lnSpc>
+                <a:spcPct val="90000"/>
+              </a:lnSpc>
+              <a:spcBef>
+                <a:spcPct val="0"/>
+              </a:spcBef>
+              <a:spcAft>
+                <a:spcPct val="0"/>
+              </a:spcAft>
+              <a:defRPr sz="4400">
+                <a:solidFill>
+                  <a:schemeClr val="tx1"/>
+                </a:solidFill>
+                <a:latin typeface="Calibri Light" panose="020F0302020204030204" pitchFamily="34" charset="0"/>
+              </a:defRPr>
+            </a:lvl4pPr>
+            <a:lvl5pPr algn="l" rtl="0" eaLnBrk="1" fontAlgn="base" hangingPunct="1">
+              <a:lnSpc>
+                <a:spcPct val="90000"/>
+              </a:lnSpc>
+              <a:spcBef>
+                <a:spcPct val="0"/>
+              </a:spcBef>
+              <a:spcAft>
+                <a:spcPct val="0"/>
+              </a:spcAft>
+              <a:defRPr sz="4400">
+                <a:solidFill>
+                  <a:schemeClr val="tx1"/>
+                </a:solidFill>
+                <a:latin typeface="Calibri Light" panose="020F0302020204030204" pitchFamily="34" charset="0"/>
+              </a:defRPr>
+            </a:lvl5pPr>
+            <a:lvl6pPr marL="457200" algn="l" rtl="0" eaLnBrk="1" fontAlgn="base" hangingPunct="1">
+              <a:lnSpc>
+                <a:spcPct val="90000"/>
+              </a:lnSpc>
+              <a:spcBef>
+                <a:spcPct val="0"/>
+              </a:spcBef>
+              <a:spcAft>
+                <a:spcPct val="0"/>
+              </a:spcAft>
+              <a:defRPr sz="4400">
+                <a:solidFill>
+                  <a:schemeClr val="tx1"/>
+                </a:solidFill>
+                <a:latin typeface="Calibri Light" panose="020F0302020204030204" pitchFamily="34" charset="0"/>
+              </a:defRPr>
+            </a:lvl6pPr>
+            <a:lvl7pPr marL="914400" algn="l" rtl="0" eaLnBrk="1" fontAlgn="base" hangingPunct="1">
+              <a:lnSpc>
+                <a:spcPct val="90000"/>
+              </a:lnSpc>
+              <a:spcBef>
+                <a:spcPct val="0"/>
+              </a:spcBef>
+              <a:spcAft>
+                <a:spcPct val="0"/>
+              </a:spcAft>
+              <a:defRPr sz="4400">
+                <a:solidFill>
+                  <a:schemeClr val="tx1"/>
+                </a:solidFill>
+                <a:latin typeface="Calibri Light" panose="020F0302020204030204" pitchFamily="34" charset="0"/>
+              </a:defRPr>
+            </a:lvl7pPr>
+            <a:lvl8pPr marL="1371600" algn="l" rtl="0" eaLnBrk="1" fontAlgn="base" hangingPunct="1">
+              <a:lnSpc>
+                <a:spcPct val="90000"/>
+              </a:lnSpc>
+              <a:spcBef>
+                <a:spcPct val="0"/>
+              </a:spcBef>
+              <a:spcAft>
+                <a:spcPct val="0"/>
+              </a:spcAft>
+              <a:defRPr sz="4400">
+                <a:solidFill>
+                  <a:schemeClr val="tx1"/>
+                </a:solidFill>
+                <a:latin typeface="Calibri Light" panose="020F0302020204030204" pitchFamily="34" charset="0"/>
+              </a:defRPr>
+            </a:lvl8pPr>
+            <a:lvl9pPr marL="1828800" algn="l" rtl="0" eaLnBrk="1" fontAlgn="base" hangingPunct="1">
+              <a:lnSpc>
+                <a:spcPct val="90000"/>
+              </a:lnSpc>
+              <a:spcBef>
+                <a:spcPct val="0"/>
+              </a:spcBef>
+              <a:spcAft>
+                <a:spcPct val="0"/>
+              </a:spcAft>
+              <a:defRPr sz="4400">
+                <a:solidFill>
+                  <a:schemeClr val="tx1"/>
+                </a:solidFill>
+                <a:latin typeface="Calibri Light" panose="020F0302020204030204" pitchFamily="34" charset="0"/>
+              </a:defRPr>
+            </a:lvl9pPr>
+          </a:lstStyle>
+          <a:p>
+            <a:pPr algn="ctr"/>
+            <a:r>
+              <a:rPr lang="ru-RU" b="1" dirty="0" smtClean="0">
+                <a:latin typeface="Segoe UI Light" panose="020B0502040204020203" pitchFamily="34" charset="0"/>
+                <a:cs typeface="Segoe UI Light" panose="020B0502040204020203" pitchFamily="34" charset="0"/>
+              </a:rPr>
+              <a:t>Диаграмма последовательности поиска </a:t>
+            </a:r>
+            <a:r>
+              <a:rPr lang="ru-RU" b="1" dirty="0">
+                <a:latin typeface="Segoe UI Light" panose="020B0502040204020203" pitchFamily="34" charset="0"/>
+                <a:cs typeface="Segoe UI Light" panose="020B0502040204020203" pitchFamily="34" charset="0"/>
+              </a:rPr>
+              <a:t>релевантных документов</a:t>
+            </a:r>
+            <a:endParaRPr lang="en-US" b="1" dirty="0">
+              <a:latin typeface="Segoe UI Light" panose="020B0502040204020203" pitchFamily="34" charset="0"/>
+              <a:cs typeface="Segoe UI Light" panose="020B0502040204020203" pitchFamily="34" charset="0"/>
+            </a:endParaRPr>
+          </a:p>
+        </p:txBody>
+      </p:sp>
+      <p:pic>
+        <p:nvPicPr>
+          <p:cNvPr id="8" name="Рисунок 4" descr="D:\diplom\git\diplom\картинки\sequence_diagramm.png"/>
+          <p:cNvPicPr/>
+          <p:nvPr/>
+        </p:nvPicPr>
+        <p:blipFill>
+          <a:blip r:embed="rId3" cstate="print">
+            <a:extLst>
+              <a:ext uri="{28A0092B-C50C-407E-A947-70E740481C1C}">
+                <a14:useLocalDpi xmlns:a14="http://schemas.microsoft.com/office/drawing/2010/main" val="0"/>
+              </a:ext>
+            </a:extLst>
+          </a:blip>
+          <a:srcRect/>
+          <a:stretch>
+            <a:fillRect/>
+          </a:stretch>
+        </p:blipFill>
+        <p:spPr bwMode="auto">
+          <a:xfrm>
+            <a:off x="2103121" y="2743204"/>
+            <a:ext cx="7861502" cy="3802034"/>
+          </a:xfrm>
+          <a:prstGeom prst="rect">
+            <a:avLst/>
+          </a:prstGeom>
+          <a:noFill/>
+          <a:ln>
+            <a:noFill/>
+          </a:ln>
+        </p:spPr>
+      </p:pic>
+      <p:sp>
+        <p:nvSpPr>
+          <p:cNvPr id="7" name="Номер слайда 6"/>
+          <p:cNvSpPr>
+            <a:spLocks noGrp="1"/>
+          </p:cNvSpPr>
+          <p:nvPr>
+            <p:ph type="sldNum" sz="quarter" idx="12"/>
+          </p:nvPr>
+        </p:nvSpPr>
+        <p:spPr/>
+        <p:txBody>
+          <a:bodyPr/>
+          <a:lstStyle/>
+          <a:p>
+            <a:pPr>
+              <a:defRPr/>
+            </a:pPr>
+            <a:fld id="{637BB883-034B-46AA-86AA-031E198DD488}" type="slidenum">
+              <a:rPr lang="be-BY" smtClean="0"/>
+              <a:pPr>
+                <a:defRPr/>
+              </a:pPr>
+              <a:t>10</a:t>
+            </a:fld>
+            <a:endParaRPr lang="be-BY"/>
+          </a:p>
+        </p:txBody>
+      </p:sp>
+    </p:spTree>
+    <p:extLst>
+      <p:ext uri="{BB962C8B-B14F-4D97-AF65-F5344CB8AC3E}">
+        <p14:creationId xmlns:p14="http://schemas.microsoft.com/office/powerpoint/2010/main" val="2568091625"/>
+      </p:ext>
+    </p:extLst>
+  </p:cSld>
+  <p:clrMapOvr>
+    <a:masterClrMapping/>
+  </p:clrMapOvr>
+  <p:timing>
+    <p:tnLst>
+      <p:par>
+        <p:cTn id="1" dur="indefinite" restart="never" nodeType="tmRoot"/>
+      </p:par>
+    </p:tnLst>
+  </p:timing>
+</p:sld>
+</file>
+
+<file path=ppt/slides/slide11.xml><?xml version="1.0" encoding="utf-8"?>
 <p:sld xmlns:a="http://schemas.openxmlformats.org/drawingml/2006/main" xmlns:r="http://schemas.openxmlformats.org/officeDocument/2006/relationships" xmlns:p="http://schemas.openxmlformats.org/presentationml/2006/main">
   <p:cSld>
     <p:spTree>
@@ -4929,6 +5463,35 @@
           </a:p>
         </p:txBody>
       </p:sp>
+      <p:sp>
+        <p:nvSpPr>
+          <p:cNvPr id="10" name="Номер слайда 9"/>
+          <p:cNvSpPr>
+            <a:spLocks noGrp="1"/>
+          </p:cNvSpPr>
+          <p:nvPr>
+            <p:ph type="sldNum" sz="quarter" idx="12"/>
+          </p:nvPr>
+        </p:nvSpPr>
+        <p:spPr/>
+        <p:txBody>
+          <a:bodyPr/>
+          <a:lstStyle/>
+          <a:p>
+            <a:pPr>
+              <a:defRPr/>
+            </a:pPr>
+            <a:fld id="{637BB883-034B-46AA-86AA-031E198DD488}" type="slidenum">
+              <a:rPr lang="be-BY" smtClean="0"/>
+              <a:pPr>
+                <a:defRPr/>
+              </a:pPr>
+              <a:t>11</a:t>
+            </a:fld>
+            <a:endParaRPr lang="be-BY"/>
+          </a:p>
+        </p:txBody>
+      </p:sp>
     </p:spTree>
     <p:extLst>
       <p:ext uri="{BB962C8B-B14F-4D97-AF65-F5344CB8AC3E}">
@@ -4949,7 +5512,7 @@
 </p:sld>
 </file>
 
-<file path=ppt/slides/slide11.xml><?xml version="1.0" encoding="utf-8"?>
+<file path=ppt/slides/slide12.xml><?xml version="1.0" encoding="utf-8"?>
 <p:sld xmlns:a="http://schemas.openxmlformats.org/drawingml/2006/main" xmlns:r="http://schemas.openxmlformats.org/officeDocument/2006/relationships" xmlns:p="http://schemas.openxmlformats.org/presentationml/2006/main">
   <p:cSld>
     <p:spTree>
@@ -5347,6 +5910,35 @@
           </a:ln>
         </p:spPr>
       </p:pic>
+      <p:sp>
+        <p:nvSpPr>
+          <p:cNvPr id="7" name="Номер слайда 6"/>
+          <p:cNvSpPr>
+            <a:spLocks noGrp="1"/>
+          </p:cNvSpPr>
+          <p:nvPr>
+            <p:ph type="sldNum" sz="quarter" idx="12"/>
+          </p:nvPr>
+        </p:nvSpPr>
+        <p:spPr/>
+        <p:txBody>
+          <a:bodyPr/>
+          <a:lstStyle/>
+          <a:p>
+            <a:pPr>
+              <a:defRPr/>
+            </a:pPr>
+            <a:fld id="{637BB883-034B-46AA-86AA-031E198DD488}" type="slidenum">
+              <a:rPr lang="be-BY" smtClean="0"/>
+              <a:pPr>
+                <a:defRPr/>
+              </a:pPr>
+              <a:t>12</a:t>
+            </a:fld>
+            <a:endParaRPr lang="be-BY"/>
+          </a:p>
+        </p:txBody>
+      </p:sp>
     </p:spTree>
     <p:extLst>
       <p:ext uri="{BB962C8B-B14F-4D97-AF65-F5344CB8AC3E}">
@@ -5367,7 +5959,7 @@
 </p:sld>
 </file>
 
-<file path=ppt/slides/slide12.xml><?xml version="1.0" encoding="utf-8"?>
+<file path=ppt/slides/slide13.xml><?xml version="1.0" encoding="utf-8"?>
 <p:sld xmlns:a="http://schemas.openxmlformats.org/drawingml/2006/main" xmlns:r="http://schemas.openxmlformats.org/officeDocument/2006/relationships" xmlns:p="http://schemas.openxmlformats.org/presentationml/2006/main">
   <p:cSld>
     <p:spTree>
@@ -5750,597 +6342,39 @@
           </a:prstGeom>
         </p:spPr>
       </p:pic>
+      <p:sp>
+        <p:nvSpPr>
+          <p:cNvPr id="7" name="Номер слайда 6"/>
+          <p:cNvSpPr>
+            <a:spLocks noGrp="1"/>
+          </p:cNvSpPr>
+          <p:nvPr>
+            <p:ph type="sldNum" sz="quarter" idx="12"/>
+          </p:nvPr>
+        </p:nvSpPr>
+        <p:spPr/>
+        <p:txBody>
+          <a:bodyPr/>
+          <a:lstStyle/>
+          <a:p>
+            <a:pPr>
+              <a:defRPr/>
+            </a:pPr>
+            <a:fld id="{637BB883-034B-46AA-86AA-031E198DD488}" type="slidenum">
+              <a:rPr lang="be-BY" smtClean="0"/>
+              <a:pPr>
+                <a:defRPr/>
+              </a:pPr>
+              <a:t>13</a:t>
+            </a:fld>
+            <a:endParaRPr lang="be-BY"/>
+          </a:p>
+        </p:txBody>
+      </p:sp>
     </p:spTree>
     <p:extLst>
       <p:ext uri="{BB962C8B-B14F-4D97-AF65-F5344CB8AC3E}">
         <p14:creationId xmlns:p14="http://schemas.microsoft.com/office/powerpoint/2010/main" val="2103902833"/>
-      </p:ext>
-    </p:extLst>
-  </p:cSld>
-  <p:clrMapOvr>
-    <a:masterClrMapping/>
-  </p:clrMapOvr>
-  <p:timing>
-    <p:tnLst>
-      <p:par>
-        <p:cTn id="1" dur="indefinite" restart="never" nodeType="tmRoot"/>
-      </p:par>
-    </p:tnLst>
-  </p:timing>
-</p:sld>
-</file>
-
-<file path=ppt/slides/slide13.xml><?xml version="1.0" encoding="utf-8"?>
-<p:sld xmlns:a="http://schemas.openxmlformats.org/drawingml/2006/main" xmlns:r="http://schemas.openxmlformats.org/officeDocument/2006/relationships" xmlns:p="http://schemas.openxmlformats.org/presentationml/2006/main">
-  <p:cSld>
-    <p:spTree>
-      <p:nvGrpSpPr>
-        <p:cNvPr id="1" name=""/>
-        <p:cNvGrpSpPr/>
-        <p:nvPr/>
-      </p:nvGrpSpPr>
-      <p:grpSpPr>
-        <a:xfrm>
-          <a:off x="0" y="0"/>
-          <a:ext cx="0" cy="0"/>
-          <a:chOff x="0" y="0"/>
-          <a:chExt cx="0" cy="0"/>
-        </a:xfrm>
-      </p:grpSpPr>
-      <p:pic>
-        <p:nvPicPr>
-          <p:cNvPr id="2" name="Picture 1"/>
-          <p:cNvPicPr>
-            <a:picLocks noChangeAspect="1"/>
-          </p:cNvPicPr>
-          <p:nvPr/>
-        </p:nvPicPr>
-        <p:blipFill rotWithShape="1">
-          <a:blip r:embed="rId2"/>
-          <a:srcRect r="9412"/>
-          <a:stretch/>
-        </p:blipFill>
-        <p:spPr>
-          <a:xfrm>
-            <a:off x="1" y="0"/>
-            <a:ext cx="12192000" cy="1133475"/>
-          </a:xfrm>
-          <a:prstGeom prst="rect">
-            <a:avLst/>
-          </a:prstGeom>
-        </p:spPr>
-      </p:pic>
-      <p:sp>
-        <p:nvSpPr>
-          <p:cNvPr id="3" name="TextBox 2"/>
-          <p:cNvSpPr txBox="1"/>
-          <p:nvPr/>
-        </p:nvSpPr>
-        <p:spPr>
-          <a:xfrm>
-            <a:off x="3574473" y="142877"/>
-            <a:ext cx="8625049" cy="707886"/>
-          </a:xfrm>
-          <a:prstGeom prst="rect">
-            <a:avLst/>
-          </a:prstGeom>
-          <a:noFill/>
-        </p:spPr>
-        <p:txBody>
-          <a:bodyPr wrap="square" rtlCol="0">
-            <a:spAutoFit/>
-          </a:bodyPr>
-          <a:lstStyle/>
-          <a:p>
-            <a:pPr algn="r"/>
-            <a:r>
-              <a:rPr lang="ru-RU" sz="2000" dirty="0" smtClean="0">
-                <a:solidFill>
-                  <a:schemeClr val="bg1"/>
-                </a:solidFill>
-                <a:latin typeface="Segoe UI Light" panose="020B0502040204020203" pitchFamily="34" charset="0"/>
-                <a:ea typeface="Microsoft JhengHei" panose="020B0604030504040204" pitchFamily="34" charset="-120"/>
-                <a:cs typeface="Segoe UI Light" panose="020B0502040204020203" pitchFamily="34" charset="0"/>
-              </a:rPr>
-              <a:t>ФАКУЛЬТЕТ ПРИКЛАДНОЙ МАТЕМАТИКИ И ИНФОРМАТИКИ</a:t>
-            </a:r>
-            <a:endParaRPr lang="en-US" sz="2000" dirty="0" smtClean="0">
-              <a:solidFill>
-                <a:schemeClr val="bg1"/>
-              </a:solidFill>
-              <a:latin typeface="Segoe UI Light" panose="020B0502040204020203" pitchFamily="34" charset="0"/>
-              <a:ea typeface="Microsoft JhengHei" panose="020B0604030504040204" pitchFamily="34" charset="-120"/>
-              <a:cs typeface="Segoe UI Light" panose="020B0502040204020203" pitchFamily="34" charset="0"/>
-            </a:endParaRPr>
-          </a:p>
-          <a:p>
-            <a:pPr algn="r"/>
-            <a:r>
-              <a:rPr lang="ru-RU" sz="2000" dirty="0" smtClean="0">
-                <a:solidFill>
-                  <a:schemeClr val="bg1"/>
-                </a:solidFill>
-                <a:latin typeface="Segoe UI Light" panose="020B0502040204020203" pitchFamily="34" charset="0"/>
-                <a:ea typeface="Microsoft JhengHei" panose="020B0604030504040204" pitchFamily="34" charset="-120"/>
-                <a:cs typeface="Segoe UI Light" panose="020B0502040204020203" pitchFamily="34" charset="0"/>
-              </a:rPr>
-              <a:t>КАФЕДРА ИНФОРМАЦИОННЫХ СИСТЕМ УПРАВЛЕНИЯ</a:t>
-            </a:r>
-            <a:endParaRPr lang="en-US" sz="2000" dirty="0">
-              <a:solidFill>
-                <a:schemeClr val="bg1"/>
-              </a:solidFill>
-              <a:latin typeface="Segoe UI Light" panose="020B0502040204020203" pitchFamily="34" charset="0"/>
-              <a:ea typeface="Microsoft JhengHei" panose="020B0604030504040204" pitchFamily="34" charset="-120"/>
-              <a:cs typeface="Segoe UI Light" panose="020B0502040204020203" pitchFamily="34" charset="0"/>
-            </a:endParaRPr>
-          </a:p>
-        </p:txBody>
-      </p:sp>
-      <p:sp>
-        <p:nvSpPr>
-          <p:cNvPr id="4" name="Title 1"/>
-          <p:cNvSpPr txBox="1">
-            <a:spLocks/>
-          </p:cNvSpPr>
-          <p:nvPr/>
-        </p:nvSpPr>
-        <p:spPr>
-          <a:xfrm>
-            <a:off x="439387" y="1276352"/>
-            <a:ext cx="11269683" cy="611825"/>
-          </a:xfrm>
-          <a:prstGeom prst="rect">
-            <a:avLst/>
-          </a:prstGeom>
-        </p:spPr>
-        <p:txBody>
-          <a:bodyPr/>
-          <a:lstStyle>
-            <a:lvl1pPr algn="l" rtl="0" eaLnBrk="1" fontAlgn="base" hangingPunct="1">
-              <a:lnSpc>
-                <a:spcPct val="90000"/>
-              </a:lnSpc>
-              <a:spcBef>
-                <a:spcPct val="0"/>
-              </a:spcBef>
-              <a:spcAft>
-                <a:spcPct val="0"/>
-              </a:spcAft>
-              <a:defRPr sz="4400" kern="1200">
-                <a:solidFill>
-                  <a:schemeClr val="tx1"/>
-                </a:solidFill>
-                <a:latin typeface="+mj-lt"/>
-                <a:ea typeface="+mj-ea"/>
-                <a:cs typeface="+mj-cs"/>
-              </a:defRPr>
-            </a:lvl1pPr>
-            <a:lvl2pPr algn="l" rtl="0" eaLnBrk="1" fontAlgn="base" hangingPunct="1">
-              <a:lnSpc>
-                <a:spcPct val="90000"/>
-              </a:lnSpc>
-              <a:spcBef>
-                <a:spcPct val="0"/>
-              </a:spcBef>
-              <a:spcAft>
-                <a:spcPct val="0"/>
-              </a:spcAft>
-              <a:defRPr sz="4400">
-                <a:solidFill>
-                  <a:schemeClr val="tx1"/>
-                </a:solidFill>
-                <a:latin typeface="Calibri Light" panose="020F0302020204030204" pitchFamily="34" charset="0"/>
-              </a:defRPr>
-            </a:lvl2pPr>
-            <a:lvl3pPr algn="l" rtl="0" eaLnBrk="1" fontAlgn="base" hangingPunct="1">
-              <a:lnSpc>
-                <a:spcPct val="90000"/>
-              </a:lnSpc>
-              <a:spcBef>
-                <a:spcPct val="0"/>
-              </a:spcBef>
-              <a:spcAft>
-                <a:spcPct val="0"/>
-              </a:spcAft>
-              <a:defRPr sz="4400">
-                <a:solidFill>
-                  <a:schemeClr val="tx1"/>
-                </a:solidFill>
-                <a:latin typeface="Calibri Light" panose="020F0302020204030204" pitchFamily="34" charset="0"/>
-              </a:defRPr>
-            </a:lvl3pPr>
-            <a:lvl4pPr algn="l" rtl="0" eaLnBrk="1" fontAlgn="base" hangingPunct="1">
-              <a:lnSpc>
-                <a:spcPct val="90000"/>
-              </a:lnSpc>
-              <a:spcBef>
-                <a:spcPct val="0"/>
-              </a:spcBef>
-              <a:spcAft>
-                <a:spcPct val="0"/>
-              </a:spcAft>
-              <a:defRPr sz="4400">
-                <a:solidFill>
-                  <a:schemeClr val="tx1"/>
-                </a:solidFill>
-                <a:latin typeface="Calibri Light" panose="020F0302020204030204" pitchFamily="34" charset="0"/>
-              </a:defRPr>
-            </a:lvl4pPr>
-            <a:lvl5pPr algn="l" rtl="0" eaLnBrk="1" fontAlgn="base" hangingPunct="1">
-              <a:lnSpc>
-                <a:spcPct val="90000"/>
-              </a:lnSpc>
-              <a:spcBef>
-                <a:spcPct val="0"/>
-              </a:spcBef>
-              <a:spcAft>
-                <a:spcPct val="0"/>
-              </a:spcAft>
-              <a:defRPr sz="4400">
-                <a:solidFill>
-                  <a:schemeClr val="tx1"/>
-                </a:solidFill>
-                <a:latin typeface="Calibri Light" panose="020F0302020204030204" pitchFamily="34" charset="0"/>
-              </a:defRPr>
-            </a:lvl5pPr>
-            <a:lvl6pPr marL="457200" algn="l" rtl="0" eaLnBrk="1" fontAlgn="base" hangingPunct="1">
-              <a:lnSpc>
-                <a:spcPct val="90000"/>
-              </a:lnSpc>
-              <a:spcBef>
-                <a:spcPct val="0"/>
-              </a:spcBef>
-              <a:spcAft>
-                <a:spcPct val="0"/>
-              </a:spcAft>
-              <a:defRPr sz="4400">
-                <a:solidFill>
-                  <a:schemeClr val="tx1"/>
-                </a:solidFill>
-                <a:latin typeface="Calibri Light" panose="020F0302020204030204" pitchFamily="34" charset="0"/>
-              </a:defRPr>
-            </a:lvl6pPr>
-            <a:lvl7pPr marL="914400" algn="l" rtl="0" eaLnBrk="1" fontAlgn="base" hangingPunct="1">
-              <a:lnSpc>
-                <a:spcPct val="90000"/>
-              </a:lnSpc>
-              <a:spcBef>
-                <a:spcPct val="0"/>
-              </a:spcBef>
-              <a:spcAft>
-                <a:spcPct val="0"/>
-              </a:spcAft>
-              <a:defRPr sz="4400">
-                <a:solidFill>
-                  <a:schemeClr val="tx1"/>
-                </a:solidFill>
-                <a:latin typeface="Calibri Light" panose="020F0302020204030204" pitchFamily="34" charset="0"/>
-              </a:defRPr>
-            </a:lvl7pPr>
-            <a:lvl8pPr marL="1371600" algn="l" rtl="0" eaLnBrk="1" fontAlgn="base" hangingPunct="1">
-              <a:lnSpc>
-                <a:spcPct val="90000"/>
-              </a:lnSpc>
-              <a:spcBef>
-                <a:spcPct val="0"/>
-              </a:spcBef>
-              <a:spcAft>
-                <a:spcPct val="0"/>
-              </a:spcAft>
-              <a:defRPr sz="4400">
-                <a:solidFill>
-                  <a:schemeClr val="tx1"/>
-                </a:solidFill>
-                <a:latin typeface="Calibri Light" panose="020F0302020204030204" pitchFamily="34" charset="0"/>
-              </a:defRPr>
-            </a:lvl8pPr>
-            <a:lvl9pPr marL="1828800" algn="l" rtl="0" eaLnBrk="1" fontAlgn="base" hangingPunct="1">
-              <a:lnSpc>
-                <a:spcPct val="90000"/>
-              </a:lnSpc>
-              <a:spcBef>
-                <a:spcPct val="0"/>
-              </a:spcBef>
-              <a:spcAft>
-                <a:spcPct val="0"/>
-              </a:spcAft>
-              <a:defRPr sz="4400">
-                <a:solidFill>
-                  <a:schemeClr val="tx1"/>
-                </a:solidFill>
-                <a:latin typeface="Calibri Light" panose="020F0302020204030204" pitchFamily="34" charset="0"/>
-              </a:defRPr>
-            </a:lvl9pPr>
-          </a:lstStyle>
-          <a:p>
-            <a:pPr algn="ctr"/>
-            <a:r>
-              <a:rPr lang="ru-RU" b="1" dirty="0" smtClean="0">
-                <a:latin typeface="Segoe UI Light" panose="020B0502040204020203" pitchFamily="34" charset="0"/>
-                <a:cs typeface="Segoe UI Light" panose="020B0502040204020203" pitchFamily="34" charset="0"/>
-              </a:rPr>
-              <a:t>Результаты</a:t>
-            </a:r>
-            <a:endParaRPr lang="en-US" b="1" dirty="0">
-              <a:latin typeface="Segoe UI Light" panose="020B0502040204020203" pitchFamily="34" charset="0"/>
-              <a:cs typeface="Segoe UI Light" panose="020B0502040204020203" pitchFamily="34" charset="0"/>
-            </a:endParaRPr>
-          </a:p>
-        </p:txBody>
-      </p:sp>
-      <p:sp>
-        <p:nvSpPr>
-          <p:cNvPr id="5" name="Content Placeholder 2"/>
-          <p:cNvSpPr txBox="1">
-            <a:spLocks/>
-          </p:cNvSpPr>
-          <p:nvPr/>
-        </p:nvSpPr>
-        <p:spPr>
-          <a:xfrm>
-            <a:off x="671946" y="2031054"/>
-            <a:ext cx="10758054" cy="4646814"/>
-          </a:xfrm>
-          <a:prstGeom prst="rect">
-            <a:avLst/>
-          </a:prstGeom>
-        </p:spPr>
-        <p:txBody>
-          <a:bodyPr/>
-          <a:lstStyle>
-            <a:lvl1pPr marL="228600" indent="-228600" algn="l" rtl="0" eaLnBrk="1" fontAlgn="base" hangingPunct="1">
-              <a:lnSpc>
-                <a:spcPct val="90000"/>
-              </a:lnSpc>
-              <a:spcBef>
-                <a:spcPts val="1000"/>
-              </a:spcBef>
-              <a:spcAft>
-                <a:spcPct val="0"/>
-              </a:spcAft>
-              <a:buFont typeface="Arial" panose="020B0604020202020204" pitchFamily="34" charset="0"/>
-              <a:buChar char="•"/>
-              <a:defRPr sz="2800" kern="1200">
-                <a:solidFill>
-                  <a:schemeClr val="tx1"/>
-                </a:solidFill>
-                <a:latin typeface="+mn-lt"/>
-                <a:ea typeface="+mn-ea"/>
-                <a:cs typeface="+mn-cs"/>
-              </a:defRPr>
-            </a:lvl1pPr>
-            <a:lvl2pPr marL="685800" indent="-228600" algn="l" rtl="0" eaLnBrk="1" fontAlgn="base" hangingPunct="1">
-              <a:lnSpc>
-                <a:spcPct val="90000"/>
-              </a:lnSpc>
-              <a:spcBef>
-                <a:spcPts val="500"/>
-              </a:spcBef>
-              <a:spcAft>
-                <a:spcPct val="0"/>
-              </a:spcAft>
-              <a:buFont typeface="Arial" panose="020B0604020202020204" pitchFamily="34" charset="0"/>
-              <a:buChar char="•"/>
-              <a:defRPr sz="2400" kern="1200">
-                <a:solidFill>
-                  <a:schemeClr val="tx1"/>
-                </a:solidFill>
-                <a:latin typeface="+mn-lt"/>
-                <a:ea typeface="+mn-ea"/>
-                <a:cs typeface="+mn-cs"/>
-              </a:defRPr>
-            </a:lvl2pPr>
-            <a:lvl3pPr marL="1143000" indent="-228600" algn="l" rtl="0" eaLnBrk="1" fontAlgn="base" hangingPunct="1">
-              <a:lnSpc>
-                <a:spcPct val="90000"/>
-              </a:lnSpc>
-              <a:spcBef>
-                <a:spcPts val="500"/>
-              </a:spcBef>
-              <a:spcAft>
-                <a:spcPct val="0"/>
-              </a:spcAft>
-              <a:buFont typeface="Arial" panose="020B0604020202020204" pitchFamily="34" charset="0"/>
-              <a:buChar char="•"/>
-              <a:defRPr sz="2000" kern="1200">
-                <a:solidFill>
-                  <a:schemeClr val="tx1"/>
-                </a:solidFill>
-                <a:latin typeface="+mn-lt"/>
-                <a:ea typeface="+mn-ea"/>
-                <a:cs typeface="+mn-cs"/>
-              </a:defRPr>
-            </a:lvl3pPr>
-            <a:lvl4pPr marL="1600200" indent="-228600" algn="l" rtl="0" eaLnBrk="1" fontAlgn="base" hangingPunct="1">
-              <a:lnSpc>
-                <a:spcPct val="90000"/>
-              </a:lnSpc>
-              <a:spcBef>
-                <a:spcPts val="500"/>
-              </a:spcBef>
-              <a:spcAft>
-                <a:spcPct val="0"/>
-              </a:spcAft>
-              <a:buFont typeface="Arial" panose="020B0604020202020204" pitchFamily="34" charset="0"/>
-              <a:buChar char="•"/>
-              <a:defRPr kern="1200">
-                <a:solidFill>
-                  <a:schemeClr val="tx1"/>
-                </a:solidFill>
-                <a:latin typeface="+mn-lt"/>
-                <a:ea typeface="+mn-ea"/>
-                <a:cs typeface="+mn-cs"/>
-              </a:defRPr>
-            </a:lvl4pPr>
-            <a:lvl5pPr marL="2057400" indent="-228600" algn="l" rtl="0" eaLnBrk="1" fontAlgn="base" hangingPunct="1">
-              <a:lnSpc>
-                <a:spcPct val="90000"/>
-              </a:lnSpc>
-              <a:spcBef>
-                <a:spcPts val="500"/>
-              </a:spcBef>
-              <a:spcAft>
-                <a:spcPct val="0"/>
-              </a:spcAft>
-              <a:buFont typeface="Arial" panose="020B0604020202020204" pitchFamily="34" charset="0"/>
-              <a:buChar char="•"/>
-              <a:defRPr kern="1200">
-                <a:solidFill>
-                  <a:schemeClr val="tx1"/>
-                </a:solidFill>
-                <a:latin typeface="+mn-lt"/>
-                <a:ea typeface="+mn-ea"/>
-                <a:cs typeface="+mn-cs"/>
-              </a:defRPr>
-            </a:lvl5pPr>
-            <a:lvl6pPr marL="2514600" indent="-228600" algn="l" defTabSz="914400" rtl="0" eaLnBrk="1" latinLnBrk="0" hangingPunct="1">
-              <a:lnSpc>
-                <a:spcPct val="90000"/>
-              </a:lnSpc>
-              <a:spcBef>
-                <a:spcPts val="500"/>
-              </a:spcBef>
-              <a:buFont typeface="Arial" panose="020B0604020202020204" pitchFamily="34" charset="0"/>
-              <a:buChar char="•"/>
-              <a:defRPr sz="1800" kern="1200">
-                <a:solidFill>
-                  <a:schemeClr val="tx1"/>
-                </a:solidFill>
-                <a:latin typeface="+mn-lt"/>
-                <a:ea typeface="+mn-ea"/>
-                <a:cs typeface="+mn-cs"/>
-              </a:defRPr>
-            </a:lvl6pPr>
-            <a:lvl7pPr marL="2971800" indent="-228600" algn="l" defTabSz="914400" rtl="0" eaLnBrk="1" latinLnBrk="0" hangingPunct="1">
-              <a:lnSpc>
-                <a:spcPct val="90000"/>
-              </a:lnSpc>
-              <a:spcBef>
-                <a:spcPts val="500"/>
-              </a:spcBef>
-              <a:buFont typeface="Arial" panose="020B0604020202020204" pitchFamily="34" charset="0"/>
-              <a:buChar char="•"/>
-              <a:defRPr sz="1800" kern="1200">
-                <a:solidFill>
-                  <a:schemeClr val="tx1"/>
-                </a:solidFill>
-                <a:latin typeface="+mn-lt"/>
-                <a:ea typeface="+mn-ea"/>
-                <a:cs typeface="+mn-cs"/>
-              </a:defRPr>
-            </a:lvl7pPr>
-            <a:lvl8pPr marL="3429000" indent="-228600" algn="l" defTabSz="914400" rtl="0" eaLnBrk="1" latinLnBrk="0" hangingPunct="1">
-              <a:lnSpc>
-                <a:spcPct val="90000"/>
-              </a:lnSpc>
-              <a:spcBef>
-                <a:spcPts val="500"/>
-              </a:spcBef>
-              <a:buFont typeface="Arial" panose="020B0604020202020204" pitchFamily="34" charset="0"/>
-              <a:buChar char="•"/>
-              <a:defRPr sz="1800" kern="1200">
-                <a:solidFill>
-                  <a:schemeClr val="tx1"/>
-                </a:solidFill>
-                <a:latin typeface="+mn-lt"/>
-                <a:ea typeface="+mn-ea"/>
-                <a:cs typeface="+mn-cs"/>
-              </a:defRPr>
-            </a:lvl8pPr>
-            <a:lvl9pPr marL="3886200" indent="-228600" algn="l" defTabSz="914400" rtl="0" eaLnBrk="1" latinLnBrk="0" hangingPunct="1">
-              <a:lnSpc>
-                <a:spcPct val="90000"/>
-              </a:lnSpc>
-              <a:spcBef>
-                <a:spcPts val="500"/>
-              </a:spcBef>
-              <a:buFont typeface="Arial" panose="020B0604020202020204" pitchFamily="34" charset="0"/>
-              <a:buChar char="•"/>
-              <a:defRPr sz="1800" kern="1200">
-                <a:solidFill>
-                  <a:schemeClr val="tx1"/>
-                </a:solidFill>
-                <a:latin typeface="+mn-lt"/>
-                <a:ea typeface="+mn-ea"/>
-                <a:cs typeface="+mn-cs"/>
-              </a:defRPr>
-            </a:lvl9pPr>
-          </a:lstStyle>
-          <a:p>
-            <a:r>
-              <a:rPr lang="ru-RU" b="1" dirty="0">
-                <a:latin typeface="Segoe UI Light" panose="020B0502040204020203" pitchFamily="34" charset="0"/>
-                <a:cs typeface="Segoe UI Light" panose="020B0502040204020203" pitchFamily="34" charset="0"/>
-              </a:rPr>
-              <a:t>Выполнен анализ сервисов, предоставляющих возможность извлечения ключевой информации из текста;</a:t>
-            </a:r>
-          </a:p>
-          <a:p>
-            <a:r>
-              <a:rPr lang="ru-RU" b="1" dirty="0">
-                <a:latin typeface="Segoe UI Light" panose="020B0502040204020203" pitchFamily="34" charset="0"/>
-                <a:cs typeface="Segoe UI Light" panose="020B0502040204020203" pitchFamily="34" charset="0"/>
-              </a:rPr>
-              <a:t>Исследованы алгоритмы, применяющиеся для разрешения лексической многозначности при переводе слов;</a:t>
-            </a:r>
-          </a:p>
-          <a:p>
-            <a:r>
-              <a:rPr lang="ru-RU" b="1" dirty="0">
-                <a:latin typeface="Segoe UI Light" panose="020B0502040204020203" pitchFamily="34" charset="0"/>
-                <a:cs typeface="Segoe UI Light" panose="020B0502040204020203" pitchFamily="34" charset="0"/>
-              </a:rPr>
-              <a:t>Построена </a:t>
-            </a:r>
-            <a:r>
-              <a:rPr lang="ru-RU" b="1" dirty="0" smtClean="0">
-                <a:latin typeface="Segoe UI Light" panose="020B0502040204020203" pitchFamily="34" charset="0"/>
-                <a:cs typeface="Segoe UI Light" panose="020B0502040204020203" pitchFamily="34" charset="0"/>
-              </a:rPr>
-              <a:t>структурно-функциональная схема </a:t>
-            </a:r>
-            <a:r>
-              <a:rPr lang="ru-RU" b="1" dirty="0">
-                <a:latin typeface="Segoe UI Light" panose="020B0502040204020203" pitchFamily="34" charset="0"/>
-                <a:cs typeface="Segoe UI Light" panose="020B0502040204020203" pitchFamily="34" charset="0"/>
-              </a:rPr>
-              <a:t>системы поиска релевантных документов;</a:t>
-            </a:r>
-          </a:p>
-          <a:p>
-            <a:r>
-              <a:rPr lang="ru-RU" b="1" dirty="0">
-                <a:latin typeface="Segoe UI Light" panose="020B0502040204020203" pitchFamily="34" charset="0"/>
-                <a:cs typeface="Segoe UI Light" panose="020B0502040204020203" pitchFamily="34" charset="0"/>
-              </a:rPr>
-              <a:t>Разработано мобильное приложение под ОС Android, обеспечивающего поиск в сети интернет по заданному текстовому документу/веб-странице релевантных </a:t>
-            </a:r>
-            <a:r>
-              <a:rPr lang="ru-RU" b="1" dirty="0" smtClean="0">
-                <a:latin typeface="Segoe UI Light" panose="020B0502040204020203" pitchFamily="34" charset="0"/>
-                <a:cs typeface="Segoe UI Light" panose="020B0502040204020203" pitchFamily="34" charset="0"/>
-              </a:rPr>
-              <a:t>документов</a:t>
-            </a:r>
-            <a:r>
-              <a:rPr lang="ru-RU" b="1" dirty="0">
-                <a:latin typeface="Segoe UI Light" panose="020B0502040204020203" pitchFamily="34" charset="0"/>
-                <a:cs typeface="Segoe UI Light" panose="020B0502040204020203" pitchFamily="34" charset="0"/>
-              </a:rPr>
-              <a:t>, в том числе представленных на языке отличном от языка входных данных.</a:t>
-            </a:r>
-            <a:endParaRPr lang="en-US" b="1" dirty="0">
-              <a:latin typeface="Segoe UI Light" panose="020B0502040204020203" pitchFamily="34" charset="0"/>
-              <a:cs typeface="Segoe UI Light" panose="020B0502040204020203" pitchFamily="34" charset="0"/>
-            </a:endParaRPr>
-          </a:p>
-        </p:txBody>
-      </p:sp>
-    </p:spTree>
-    <p:extLst>
-      <p:ext uri="{BB962C8B-B14F-4D97-AF65-F5344CB8AC3E}">
-        <p14:creationId xmlns:p14="http://schemas.microsoft.com/office/powerpoint/2010/main" val="832058148"/>
       </p:ext>
     </p:extLst>
   </p:cSld>
@@ -6647,12 +6681,671 @@
                 <a:latin typeface="Segoe UI Light" panose="020B0502040204020203" pitchFamily="34" charset="0"/>
                 <a:cs typeface="Segoe UI Light" panose="020B0502040204020203" pitchFamily="34" charset="0"/>
               </a:rPr>
-              <a:t>Спасибо за внимание!</a:t>
+              <a:t>Результаты</a:t>
             </a:r>
             <a:endParaRPr lang="en-US" b="1" dirty="0">
               <a:latin typeface="Segoe UI Light" panose="020B0502040204020203" pitchFamily="34" charset="0"/>
               <a:cs typeface="Segoe UI Light" panose="020B0502040204020203" pitchFamily="34" charset="0"/>
             </a:endParaRPr>
+          </a:p>
+        </p:txBody>
+      </p:sp>
+      <p:sp>
+        <p:nvSpPr>
+          <p:cNvPr id="5" name="Content Placeholder 2"/>
+          <p:cNvSpPr txBox="1">
+            <a:spLocks/>
+          </p:cNvSpPr>
+          <p:nvPr/>
+        </p:nvSpPr>
+        <p:spPr>
+          <a:xfrm>
+            <a:off x="302004" y="2031054"/>
+            <a:ext cx="11639724" cy="4646814"/>
+          </a:xfrm>
+          <a:prstGeom prst="rect">
+            <a:avLst/>
+          </a:prstGeom>
+        </p:spPr>
+        <p:txBody>
+          <a:bodyPr/>
+          <a:lstStyle>
+            <a:lvl1pPr marL="228600" indent="-228600" algn="l" rtl="0" eaLnBrk="1" fontAlgn="base" hangingPunct="1">
+              <a:lnSpc>
+                <a:spcPct val="90000"/>
+              </a:lnSpc>
+              <a:spcBef>
+                <a:spcPts val="1000"/>
+              </a:spcBef>
+              <a:spcAft>
+                <a:spcPct val="0"/>
+              </a:spcAft>
+              <a:buFont typeface="Arial" panose="020B0604020202020204" pitchFamily="34" charset="0"/>
+              <a:buChar char="•"/>
+              <a:defRPr sz="2800" kern="1200">
+                <a:solidFill>
+                  <a:schemeClr val="tx1"/>
+                </a:solidFill>
+                <a:latin typeface="+mn-lt"/>
+                <a:ea typeface="+mn-ea"/>
+                <a:cs typeface="+mn-cs"/>
+              </a:defRPr>
+            </a:lvl1pPr>
+            <a:lvl2pPr marL="685800" indent="-228600" algn="l" rtl="0" eaLnBrk="1" fontAlgn="base" hangingPunct="1">
+              <a:lnSpc>
+                <a:spcPct val="90000"/>
+              </a:lnSpc>
+              <a:spcBef>
+                <a:spcPts val="500"/>
+              </a:spcBef>
+              <a:spcAft>
+                <a:spcPct val="0"/>
+              </a:spcAft>
+              <a:buFont typeface="Arial" panose="020B0604020202020204" pitchFamily="34" charset="0"/>
+              <a:buChar char="•"/>
+              <a:defRPr sz="2400" kern="1200">
+                <a:solidFill>
+                  <a:schemeClr val="tx1"/>
+                </a:solidFill>
+                <a:latin typeface="+mn-lt"/>
+                <a:ea typeface="+mn-ea"/>
+                <a:cs typeface="+mn-cs"/>
+              </a:defRPr>
+            </a:lvl2pPr>
+            <a:lvl3pPr marL="1143000" indent="-228600" algn="l" rtl="0" eaLnBrk="1" fontAlgn="base" hangingPunct="1">
+              <a:lnSpc>
+                <a:spcPct val="90000"/>
+              </a:lnSpc>
+              <a:spcBef>
+                <a:spcPts val="500"/>
+              </a:spcBef>
+              <a:spcAft>
+                <a:spcPct val="0"/>
+              </a:spcAft>
+              <a:buFont typeface="Arial" panose="020B0604020202020204" pitchFamily="34" charset="0"/>
+              <a:buChar char="•"/>
+              <a:defRPr sz="2000" kern="1200">
+                <a:solidFill>
+                  <a:schemeClr val="tx1"/>
+                </a:solidFill>
+                <a:latin typeface="+mn-lt"/>
+                <a:ea typeface="+mn-ea"/>
+                <a:cs typeface="+mn-cs"/>
+              </a:defRPr>
+            </a:lvl3pPr>
+            <a:lvl4pPr marL="1600200" indent="-228600" algn="l" rtl="0" eaLnBrk="1" fontAlgn="base" hangingPunct="1">
+              <a:lnSpc>
+                <a:spcPct val="90000"/>
+              </a:lnSpc>
+              <a:spcBef>
+                <a:spcPts val="500"/>
+              </a:spcBef>
+              <a:spcAft>
+                <a:spcPct val="0"/>
+              </a:spcAft>
+              <a:buFont typeface="Arial" panose="020B0604020202020204" pitchFamily="34" charset="0"/>
+              <a:buChar char="•"/>
+              <a:defRPr kern="1200">
+                <a:solidFill>
+                  <a:schemeClr val="tx1"/>
+                </a:solidFill>
+                <a:latin typeface="+mn-lt"/>
+                <a:ea typeface="+mn-ea"/>
+                <a:cs typeface="+mn-cs"/>
+              </a:defRPr>
+            </a:lvl4pPr>
+            <a:lvl5pPr marL="2057400" indent="-228600" algn="l" rtl="0" eaLnBrk="1" fontAlgn="base" hangingPunct="1">
+              <a:lnSpc>
+                <a:spcPct val="90000"/>
+              </a:lnSpc>
+              <a:spcBef>
+                <a:spcPts val="500"/>
+              </a:spcBef>
+              <a:spcAft>
+                <a:spcPct val="0"/>
+              </a:spcAft>
+              <a:buFont typeface="Arial" panose="020B0604020202020204" pitchFamily="34" charset="0"/>
+              <a:buChar char="•"/>
+              <a:defRPr kern="1200">
+                <a:solidFill>
+                  <a:schemeClr val="tx1"/>
+                </a:solidFill>
+                <a:latin typeface="+mn-lt"/>
+                <a:ea typeface="+mn-ea"/>
+                <a:cs typeface="+mn-cs"/>
+              </a:defRPr>
+            </a:lvl5pPr>
+            <a:lvl6pPr marL="2514600" indent="-228600" algn="l" defTabSz="914400" rtl="0" eaLnBrk="1" latinLnBrk="0" hangingPunct="1">
+              <a:lnSpc>
+                <a:spcPct val="90000"/>
+              </a:lnSpc>
+              <a:spcBef>
+                <a:spcPts val="500"/>
+              </a:spcBef>
+              <a:buFont typeface="Arial" panose="020B0604020202020204" pitchFamily="34" charset="0"/>
+              <a:buChar char="•"/>
+              <a:defRPr sz="1800" kern="1200">
+                <a:solidFill>
+                  <a:schemeClr val="tx1"/>
+                </a:solidFill>
+                <a:latin typeface="+mn-lt"/>
+                <a:ea typeface="+mn-ea"/>
+                <a:cs typeface="+mn-cs"/>
+              </a:defRPr>
+            </a:lvl6pPr>
+            <a:lvl7pPr marL="2971800" indent="-228600" algn="l" defTabSz="914400" rtl="0" eaLnBrk="1" latinLnBrk="0" hangingPunct="1">
+              <a:lnSpc>
+                <a:spcPct val="90000"/>
+              </a:lnSpc>
+              <a:spcBef>
+                <a:spcPts val="500"/>
+              </a:spcBef>
+              <a:buFont typeface="Arial" panose="020B0604020202020204" pitchFamily="34" charset="0"/>
+              <a:buChar char="•"/>
+              <a:defRPr sz="1800" kern="1200">
+                <a:solidFill>
+                  <a:schemeClr val="tx1"/>
+                </a:solidFill>
+                <a:latin typeface="+mn-lt"/>
+                <a:ea typeface="+mn-ea"/>
+                <a:cs typeface="+mn-cs"/>
+              </a:defRPr>
+            </a:lvl7pPr>
+            <a:lvl8pPr marL="3429000" indent="-228600" algn="l" defTabSz="914400" rtl="0" eaLnBrk="1" latinLnBrk="0" hangingPunct="1">
+              <a:lnSpc>
+                <a:spcPct val="90000"/>
+              </a:lnSpc>
+              <a:spcBef>
+                <a:spcPts val="500"/>
+              </a:spcBef>
+              <a:buFont typeface="Arial" panose="020B0604020202020204" pitchFamily="34" charset="0"/>
+              <a:buChar char="•"/>
+              <a:defRPr sz="1800" kern="1200">
+                <a:solidFill>
+                  <a:schemeClr val="tx1"/>
+                </a:solidFill>
+                <a:latin typeface="+mn-lt"/>
+                <a:ea typeface="+mn-ea"/>
+                <a:cs typeface="+mn-cs"/>
+              </a:defRPr>
+            </a:lvl8pPr>
+            <a:lvl9pPr marL="3886200" indent="-228600" algn="l" defTabSz="914400" rtl="0" eaLnBrk="1" latinLnBrk="0" hangingPunct="1">
+              <a:lnSpc>
+                <a:spcPct val="90000"/>
+              </a:lnSpc>
+              <a:spcBef>
+                <a:spcPts val="500"/>
+              </a:spcBef>
+              <a:buFont typeface="Arial" panose="020B0604020202020204" pitchFamily="34" charset="0"/>
+              <a:buChar char="•"/>
+              <a:defRPr sz="1800" kern="1200">
+                <a:solidFill>
+                  <a:schemeClr val="tx1"/>
+                </a:solidFill>
+                <a:latin typeface="+mn-lt"/>
+                <a:ea typeface="+mn-ea"/>
+                <a:cs typeface="+mn-cs"/>
+              </a:defRPr>
+            </a:lvl9pPr>
+          </a:lstStyle>
+          <a:p>
+            <a:r>
+              <a:rPr lang="ru-RU" b="1" dirty="0">
+                <a:latin typeface="Segoe UI Light" panose="020B0502040204020203" pitchFamily="34" charset="0"/>
+                <a:cs typeface="Segoe UI Light" panose="020B0502040204020203" pitchFamily="34" charset="0"/>
+              </a:rPr>
+              <a:t>Выполнен анализ сервисов, предоставляющих возможность извлечения ключевой информации из текста;</a:t>
+            </a:r>
+          </a:p>
+          <a:p>
+            <a:r>
+              <a:rPr lang="ru-RU" b="1" dirty="0">
+                <a:latin typeface="Segoe UI Light" panose="020B0502040204020203" pitchFamily="34" charset="0"/>
+                <a:cs typeface="Segoe UI Light" panose="020B0502040204020203" pitchFamily="34" charset="0"/>
+              </a:rPr>
+              <a:t>Исследованы </a:t>
+            </a:r>
+            <a:r>
+              <a:rPr lang="ru-RU" b="1" dirty="0" smtClean="0">
+                <a:latin typeface="Segoe UI Light" panose="020B0502040204020203" pitchFamily="34" charset="0"/>
+                <a:cs typeface="Segoe UI Light" panose="020B0502040204020203" pitchFamily="34" charset="0"/>
+              </a:rPr>
+              <a:t>концепции машинного перевода, а так же алгоритмы, </a:t>
+            </a:r>
+            <a:r>
+              <a:rPr lang="ru-RU" b="1" dirty="0">
+                <a:latin typeface="Segoe UI Light" panose="020B0502040204020203" pitchFamily="34" charset="0"/>
+                <a:cs typeface="Segoe UI Light" panose="020B0502040204020203" pitchFamily="34" charset="0"/>
+              </a:rPr>
+              <a:t>применяющиеся для разрешения лексической многозначности при переводе слов;</a:t>
+            </a:r>
+          </a:p>
+          <a:p>
+            <a:r>
+              <a:rPr lang="ru-RU" b="1" dirty="0">
+                <a:latin typeface="Segoe UI Light" panose="020B0502040204020203" pitchFamily="34" charset="0"/>
+                <a:cs typeface="Segoe UI Light" panose="020B0502040204020203" pitchFamily="34" charset="0"/>
+              </a:rPr>
+              <a:t>Построена </a:t>
+            </a:r>
+            <a:r>
+              <a:rPr lang="ru-RU" b="1" dirty="0" smtClean="0">
+                <a:latin typeface="Segoe UI Light" panose="020B0502040204020203" pitchFamily="34" charset="0"/>
+                <a:cs typeface="Segoe UI Light" panose="020B0502040204020203" pitchFamily="34" charset="0"/>
+              </a:rPr>
+              <a:t>структурно-функциональная схема </a:t>
+            </a:r>
+            <a:r>
+              <a:rPr lang="ru-RU" b="1" dirty="0">
+                <a:latin typeface="Segoe UI Light" panose="020B0502040204020203" pitchFamily="34" charset="0"/>
+                <a:cs typeface="Segoe UI Light" panose="020B0502040204020203" pitchFamily="34" charset="0"/>
+              </a:rPr>
+              <a:t>системы поиска релевантных документов;</a:t>
+            </a:r>
+          </a:p>
+          <a:p>
+            <a:r>
+              <a:rPr lang="ru-RU" b="1" dirty="0">
+                <a:latin typeface="Segoe UI Light" panose="020B0502040204020203" pitchFamily="34" charset="0"/>
+                <a:cs typeface="Segoe UI Light" panose="020B0502040204020203" pitchFamily="34" charset="0"/>
+              </a:rPr>
+              <a:t>Разработано мобильное приложение под ОС Android, обеспечивающего поиск в сети интернет по заданному текстовому документу/веб-странице релевантных </a:t>
+            </a:r>
+            <a:r>
+              <a:rPr lang="ru-RU" b="1" dirty="0" smtClean="0">
+                <a:latin typeface="Segoe UI Light" panose="020B0502040204020203" pitchFamily="34" charset="0"/>
+                <a:cs typeface="Segoe UI Light" panose="020B0502040204020203" pitchFamily="34" charset="0"/>
+              </a:rPr>
+              <a:t>документов</a:t>
+            </a:r>
+            <a:r>
+              <a:rPr lang="ru-RU" b="1" dirty="0">
+                <a:latin typeface="Segoe UI Light" panose="020B0502040204020203" pitchFamily="34" charset="0"/>
+                <a:cs typeface="Segoe UI Light" panose="020B0502040204020203" pitchFamily="34" charset="0"/>
+              </a:rPr>
+              <a:t>, в том числе представленных на языке отличном от языка входных данных.</a:t>
+            </a:r>
+            <a:endParaRPr lang="en-US" b="1" dirty="0">
+              <a:latin typeface="Segoe UI Light" panose="020B0502040204020203" pitchFamily="34" charset="0"/>
+              <a:cs typeface="Segoe UI Light" panose="020B0502040204020203" pitchFamily="34" charset="0"/>
+            </a:endParaRPr>
+          </a:p>
+        </p:txBody>
+      </p:sp>
+      <p:sp>
+        <p:nvSpPr>
+          <p:cNvPr id="8" name="Номер слайда 7"/>
+          <p:cNvSpPr>
+            <a:spLocks noGrp="1"/>
+          </p:cNvSpPr>
+          <p:nvPr>
+            <p:ph type="sldNum" sz="quarter" idx="12"/>
+          </p:nvPr>
+        </p:nvSpPr>
+        <p:spPr/>
+        <p:txBody>
+          <a:bodyPr/>
+          <a:lstStyle/>
+          <a:p>
+            <a:pPr>
+              <a:defRPr/>
+            </a:pPr>
+            <a:fld id="{637BB883-034B-46AA-86AA-031E198DD488}" type="slidenum">
+              <a:rPr lang="be-BY" smtClean="0"/>
+              <a:pPr>
+                <a:defRPr/>
+              </a:pPr>
+              <a:t>14</a:t>
+            </a:fld>
+            <a:endParaRPr lang="be-BY"/>
+          </a:p>
+        </p:txBody>
+      </p:sp>
+    </p:spTree>
+    <p:extLst>
+      <p:ext uri="{BB962C8B-B14F-4D97-AF65-F5344CB8AC3E}">
+        <p14:creationId xmlns:p14="http://schemas.microsoft.com/office/powerpoint/2010/main" val="832058148"/>
+      </p:ext>
+    </p:extLst>
+  </p:cSld>
+  <p:clrMapOvr>
+    <a:masterClrMapping/>
+  </p:clrMapOvr>
+  <p:timing>
+    <p:tnLst>
+      <p:par>
+        <p:cTn id="1" dur="indefinite" restart="never" nodeType="tmRoot"/>
+      </p:par>
+    </p:tnLst>
+  </p:timing>
+</p:sld>
+</file>
+
+<file path=ppt/slides/slide15.xml><?xml version="1.0" encoding="utf-8"?>
+<p:sld xmlns:a="http://schemas.openxmlformats.org/drawingml/2006/main" xmlns:r="http://schemas.openxmlformats.org/officeDocument/2006/relationships" xmlns:p="http://schemas.openxmlformats.org/presentationml/2006/main">
+  <p:cSld>
+    <p:spTree>
+      <p:nvGrpSpPr>
+        <p:cNvPr id="1" name=""/>
+        <p:cNvGrpSpPr/>
+        <p:nvPr/>
+      </p:nvGrpSpPr>
+      <p:grpSpPr>
+        <a:xfrm>
+          <a:off x="0" y="0"/>
+          <a:ext cx="0" cy="0"/>
+          <a:chOff x="0" y="0"/>
+          <a:chExt cx="0" cy="0"/>
+        </a:xfrm>
+      </p:grpSpPr>
+      <p:pic>
+        <p:nvPicPr>
+          <p:cNvPr id="2" name="Picture 1"/>
+          <p:cNvPicPr>
+            <a:picLocks noChangeAspect="1"/>
+          </p:cNvPicPr>
+          <p:nvPr/>
+        </p:nvPicPr>
+        <p:blipFill rotWithShape="1">
+          <a:blip r:embed="rId2"/>
+          <a:srcRect r="9412"/>
+          <a:stretch/>
+        </p:blipFill>
+        <p:spPr>
+          <a:xfrm>
+            <a:off x="1" y="0"/>
+            <a:ext cx="12192000" cy="1133475"/>
+          </a:xfrm>
+          <a:prstGeom prst="rect">
+            <a:avLst/>
+          </a:prstGeom>
+        </p:spPr>
+      </p:pic>
+      <p:sp>
+        <p:nvSpPr>
+          <p:cNvPr id="3" name="TextBox 2"/>
+          <p:cNvSpPr txBox="1"/>
+          <p:nvPr/>
+        </p:nvSpPr>
+        <p:spPr>
+          <a:xfrm>
+            <a:off x="3574473" y="142877"/>
+            <a:ext cx="8625049" cy="707886"/>
+          </a:xfrm>
+          <a:prstGeom prst="rect">
+            <a:avLst/>
+          </a:prstGeom>
+          <a:noFill/>
+        </p:spPr>
+        <p:txBody>
+          <a:bodyPr wrap="square" rtlCol="0">
+            <a:spAutoFit/>
+          </a:bodyPr>
+          <a:lstStyle/>
+          <a:p>
+            <a:pPr algn="r"/>
+            <a:r>
+              <a:rPr lang="ru-RU" sz="2000" dirty="0" smtClean="0">
+                <a:solidFill>
+                  <a:schemeClr val="bg1"/>
+                </a:solidFill>
+                <a:latin typeface="Segoe UI Light" panose="020B0502040204020203" pitchFamily="34" charset="0"/>
+                <a:ea typeface="Microsoft JhengHei" panose="020B0604030504040204" pitchFamily="34" charset="-120"/>
+                <a:cs typeface="Segoe UI Light" panose="020B0502040204020203" pitchFamily="34" charset="0"/>
+              </a:rPr>
+              <a:t>ФАКУЛЬТЕТ ПРИКЛАДНОЙ МАТЕМАТИКИ И ИНФОРМАТИКИ</a:t>
+            </a:r>
+            <a:endParaRPr lang="en-US" sz="2000" dirty="0" smtClean="0">
+              <a:solidFill>
+                <a:schemeClr val="bg1"/>
+              </a:solidFill>
+              <a:latin typeface="Segoe UI Light" panose="020B0502040204020203" pitchFamily="34" charset="0"/>
+              <a:ea typeface="Microsoft JhengHei" panose="020B0604030504040204" pitchFamily="34" charset="-120"/>
+              <a:cs typeface="Segoe UI Light" panose="020B0502040204020203" pitchFamily="34" charset="0"/>
+            </a:endParaRPr>
+          </a:p>
+          <a:p>
+            <a:pPr algn="r"/>
+            <a:r>
+              <a:rPr lang="ru-RU" sz="2000" dirty="0" smtClean="0">
+                <a:solidFill>
+                  <a:schemeClr val="bg1"/>
+                </a:solidFill>
+                <a:latin typeface="Segoe UI Light" panose="020B0502040204020203" pitchFamily="34" charset="0"/>
+                <a:ea typeface="Microsoft JhengHei" panose="020B0604030504040204" pitchFamily="34" charset="-120"/>
+                <a:cs typeface="Segoe UI Light" panose="020B0502040204020203" pitchFamily="34" charset="0"/>
+              </a:rPr>
+              <a:t>КАФЕДРА ИНФОРМАЦИОННЫХ СИСТЕМ УПРАВЛЕНИЯ</a:t>
+            </a:r>
+            <a:endParaRPr lang="en-US" sz="2000" dirty="0">
+              <a:solidFill>
+                <a:schemeClr val="bg1"/>
+              </a:solidFill>
+              <a:latin typeface="Segoe UI Light" panose="020B0502040204020203" pitchFamily="34" charset="0"/>
+              <a:ea typeface="Microsoft JhengHei" panose="020B0604030504040204" pitchFamily="34" charset="-120"/>
+              <a:cs typeface="Segoe UI Light" panose="020B0502040204020203" pitchFamily="34" charset="0"/>
+            </a:endParaRPr>
+          </a:p>
+        </p:txBody>
+      </p:sp>
+      <p:sp>
+        <p:nvSpPr>
+          <p:cNvPr id="4" name="Title 1"/>
+          <p:cNvSpPr txBox="1">
+            <a:spLocks/>
+          </p:cNvSpPr>
+          <p:nvPr/>
+        </p:nvSpPr>
+        <p:spPr>
+          <a:xfrm>
+            <a:off x="439387" y="1276352"/>
+            <a:ext cx="11269683" cy="611825"/>
+          </a:xfrm>
+          <a:prstGeom prst="rect">
+            <a:avLst/>
+          </a:prstGeom>
+        </p:spPr>
+        <p:txBody>
+          <a:bodyPr/>
+          <a:lstStyle>
+            <a:lvl1pPr algn="l" rtl="0" eaLnBrk="1" fontAlgn="base" hangingPunct="1">
+              <a:lnSpc>
+                <a:spcPct val="90000"/>
+              </a:lnSpc>
+              <a:spcBef>
+                <a:spcPct val="0"/>
+              </a:spcBef>
+              <a:spcAft>
+                <a:spcPct val="0"/>
+              </a:spcAft>
+              <a:defRPr sz="4400" kern="1200">
+                <a:solidFill>
+                  <a:schemeClr val="tx1"/>
+                </a:solidFill>
+                <a:latin typeface="+mj-lt"/>
+                <a:ea typeface="+mj-ea"/>
+                <a:cs typeface="+mj-cs"/>
+              </a:defRPr>
+            </a:lvl1pPr>
+            <a:lvl2pPr algn="l" rtl="0" eaLnBrk="1" fontAlgn="base" hangingPunct="1">
+              <a:lnSpc>
+                <a:spcPct val="90000"/>
+              </a:lnSpc>
+              <a:spcBef>
+                <a:spcPct val="0"/>
+              </a:spcBef>
+              <a:spcAft>
+                <a:spcPct val="0"/>
+              </a:spcAft>
+              <a:defRPr sz="4400">
+                <a:solidFill>
+                  <a:schemeClr val="tx1"/>
+                </a:solidFill>
+                <a:latin typeface="Calibri Light" panose="020F0302020204030204" pitchFamily="34" charset="0"/>
+              </a:defRPr>
+            </a:lvl2pPr>
+            <a:lvl3pPr algn="l" rtl="0" eaLnBrk="1" fontAlgn="base" hangingPunct="1">
+              <a:lnSpc>
+                <a:spcPct val="90000"/>
+              </a:lnSpc>
+              <a:spcBef>
+                <a:spcPct val="0"/>
+              </a:spcBef>
+              <a:spcAft>
+                <a:spcPct val="0"/>
+              </a:spcAft>
+              <a:defRPr sz="4400">
+                <a:solidFill>
+                  <a:schemeClr val="tx1"/>
+                </a:solidFill>
+                <a:latin typeface="Calibri Light" panose="020F0302020204030204" pitchFamily="34" charset="0"/>
+              </a:defRPr>
+            </a:lvl3pPr>
+            <a:lvl4pPr algn="l" rtl="0" eaLnBrk="1" fontAlgn="base" hangingPunct="1">
+              <a:lnSpc>
+                <a:spcPct val="90000"/>
+              </a:lnSpc>
+              <a:spcBef>
+                <a:spcPct val="0"/>
+              </a:spcBef>
+              <a:spcAft>
+                <a:spcPct val="0"/>
+              </a:spcAft>
+              <a:defRPr sz="4400">
+                <a:solidFill>
+                  <a:schemeClr val="tx1"/>
+                </a:solidFill>
+                <a:latin typeface="Calibri Light" panose="020F0302020204030204" pitchFamily="34" charset="0"/>
+              </a:defRPr>
+            </a:lvl4pPr>
+            <a:lvl5pPr algn="l" rtl="0" eaLnBrk="1" fontAlgn="base" hangingPunct="1">
+              <a:lnSpc>
+                <a:spcPct val="90000"/>
+              </a:lnSpc>
+              <a:spcBef>
+                <a:spcPct val="0"/>
+              </a:spcBef>
+              <a:spcAft>
+                <a:spcPct val="0"/>
+              </a:spcAft>
+              <a:defRPr sz="4400">
+                <a:solidFill>
+                  <a:schemeClr val="tx1"/>
+                </a:solidFill>
+                <a:latin typeface="Calibri Light" panose="020F0302020204030204" pitchFamily="34" charset="0"/>
+              </a:defRPr>
+            </a:lvl5pPr>
+            <a:lvl6pPr marL="457200" algn="l" rtl="0" eaLnBrk="1" fontAlgn="base" hangingPunct="1">
+              <a:lnSpc>
+                <a:spcPct val="90000"/>
+              </a:lnSpc>
+              <a:spcBef>
+                <a:spcPct val="0"/>
+              </a:spcBef>
+              <a:spcAft>
+                <a:spcPct val="0"/>
+              </a:spcAft>
+              <a:defRPr sz="4400">
+                <a:solidFill>
+                  <a:schemeClr val="tx1"/>
+                </a:solidFill>
+                <a:latin typeface="Calibri Light" panose="020F0302020204030204" pitchFamily="34" charset="0"/>
+              </a:defRPr>
+            </a:lvl6pPr>
+            <a:lvl7pPr marL="914400" algn="l" rtl="0" eaLnBrk="1" fontAlgn="base" hangingPunct="1">
+              <a:lnSpc>
+                <a:spcPct val="90000"/>
+              </a:lnSpc>
+              <a:spcBef>
+                <a:spcPct val="0"/>
+              </a:spcBef>
+              <a:spcAft>
+                <a:spcPct val="0"/>
+              </a:spcAft>
+              <a:defRPr sz="4400">
+                <a:solidFill>
+                  <a:schemeClr val="tx1"/>
+                </a:solidFill>
+                <a:latin typeface="Calibri Light" panose="020F0302020204030204" pitchFamily="34" charset="0"/>
+              </a:defRPr>
+            </a:lvl7pPr>
+            <a:lvl8pPr marL="1371600" algn="l" rtl="0" eaLnBrk="1" fontAlgn="base" hangingPunct="1">
+              <a:lnSpc>
+                <a:spcPct val="90000"/>
+              </a:lnSpc>
+              <a:spcBef>
+                <a:spcPct val="0"/>
+              </a:spcBef>
+              <a:spcAft>
+                <a:spcPct val="0"/>
+              </a:spcAft>
+              <a:defRPr sz="4400">
+                <a:solidFill>
+                  <a:schemeClr val="tx1"/>
+                </a:solidFill>
+                <a:latin typeface="Calibri Light" panose="020F0302020204030204" pitchFamily="34" charset="0"/>
+              </a:defRPr>
+            </a:lvl8pPr>
+            <a:lvl9pPr marL="1828800" algn="l" rtl="0" eaLnBrk="1" fontAlgn="base" hangingPunct="1">
+              <a:lnSpc>
+                <a:spcPct val="90000"/>
+              </a:lnSpc>
+              <a:spcBef>
+                <a:spcPct val="0"/>
+              </a:spcBef>
+              <a:spcAft>
+                <a:spcPct val="0"/>
+              </a:spcAft>
+              <a:defRPr sz="4400">
+                <a:solidFill>
+                  <a:schemeClr val="tx1"/>
+                </a:solidFill>
+                <a:latin typeface="Calibri Light" panose="020F0302020204030204" pitchFamily="34" charset="0"/>
+              </a:defRPr>
+            </a:lvl9pPr>
+          </a:lstStyle>
+          <a:p>
+            <a:pPr algn="ctr"/>
+            <a:r>
+              <a:rPr lang="ru-RU" b="1" dirty="0" smtClean="0">
+                <a:latin typeface="Segoe UI Light" panose="020B0502040204020203" pitchFamily="34" charset="0"/>
+                <a:cs typeface="Segoe UI Light" panose="020B0502040204020203" pitchFamily="34" charset="0"/>
+              </a:rPr>
+              <a:t>Спасибо за внимание!</a:t>
+            </a:r>
+            <a:endParaRPr lang="en-US" b="1" dirty="0">
+              <a:latin typeface="Segoe UI Light" panose="020B0502040204020203" pitchFamily="34" charset="0"/>
+              <a:cs typeface="Segoe UI Light" panose="020B0502040204020203" pitchFamily="34" charset="0"/>
+            </a:endParaRPr>
+          </a:p>
+        </p:txBody>
+      </p:sp>
+      <p:sp>
+        <p:nvSpPr>
+          <p:cNvPr id="7" name="Номер слайда 6"/>
+          <p:cNvSpPr>
+            <a:spLocks noGrp="1"/>
+          </p:cNvSpPr>
+          <p:nvPr>
+            <p:ph type="sldNum" sz="quarter" idx="12"/>
+          </p:nvPr>
+        </p:nvSpPr>
+        <p:spPr/>
+        <p:txBody>
+          <a:bodyPr/>
+          <a:lstStyle/>
+          <a:p>
+            <a:pPr>
+              <a:defRPr/>
+            </a:pPr>
+            <a:fld id="{637BB883-034B-46AA-86AA-031E198DD488}" type="slidenum">
+              <a:rPr lang="be-BY" smtClean="0"/>
+              <a:pPr>
+                <a:defRPr/>
+              </a:pPr>
+              <a:t>15</a:t>
+            </a:fld>
+            <a:endParaRPr lang="be-BY"/>
           </a:p>
         </p:txBody>
       </p:sp>
@@ -6893,6 +7586,35 @@
               <a:ea typeface="Microsoft JhengHei" panose="020B0604030504040204" pitchFamily="34" charset="-120"/>
               <a:cs typeface="Segoe UI Light" panose="020B0502040204020203" pitchFamily="34" charset="0"/>
             </a:endParaRPr>
+          </a:p>
+        </p:txBody>
+      </p:sp>
+      <p:sp>
+        <p:nvSpPr>
+          <p:cNvPr id="8" name="Номер слайда 7"/>
+          <p:cNvSpPr>
+            <a:spLocks noGrp="1"/>
+          </p:cNvSpPr>
+          <p:nvPr>
+            <p:ph type="sldNum" sz="quarter" idx="12"/>
+          </p:nvPr>
+        </p:nvSpPr>
+        <p:spPr/>
+        <p:txBody>
+          <a:bodyPr/>
+          <a:lstStyle/>
+          <a:p>
+            <a:pPr>
+              <a:defRPr/>
+            </a:pPr>
+            <a:fld id="{11A46158-5B92-4B5A-829F-ECD4B0F351BC}" type="slidenum">
+              <a:rPr lang="be-BY" smtClean="0"/>
+              <a:pPr>
+                <a:defRPr/>
+              </a:pPr>
+              <a:t>2</a:t>
+            </a:fld>
+            <a:endParaRPr lang="be-BY"/>
           </a:p>
         </p:txBody>
       </p:sp>
@@ -7567,6 +8289,35 @@
           </a:prstGeom>
         </p:spPr>
       </p:pic>
+      <p:sp>
+        <p:nvSpPr>
+          <p:cNvPr id="9" name="Номер слайда 8"/>
+          <p:cNvSpPr>
+            <a:spLocks noGrp="1"/>
+          </p:cNvSpPr>
+          <p:nvPr>
+            <p:ph type="sldNum" sz="quarter" idx="12"/>
+          </p:nvPr>
+        </p:nvSpPr>
+        <p:spPr/>
+        <p:txBody>
+          <a:bodyPr/>
+          <a:lstStyle/>
+          <a:p>
+            <a:pPr>
+              <a:defRPr/>
+            </a:pPr>
+            <a:fld id="{637BB883-034B-46AA-86AA-031E198DD488}" type="slidenum">
+              <a:rPr lang="be-BY" smtClean="0"/>
+              <a:pPr>
+                <a:defRPr/>
+              </a:pPr>
+              <a:t>3</a:t>
+            </a:fld>
+            <a:endParaRPr lang="be-BY"/>
+          </a:p>
+        </p:txBody>
+      </p:sp>
     </p:spTree>
     <p:extLst>
       <p:ext uri="{BB962C8B-B14F-4D97-AF65-F5344CB8AC3E}">
@@ -8206,19 +8957,23 @@
               <a:buAutoNum type="arabicPeriod"/>
             </a:pPr>
             <a:r>
-              <a:rPr lang="ru-RU" sz="2000" b="1" dirty="0">
-                <a:latin typeface="Segoe UI Light" panose="020B0502040204020203" pitchFamily="34" charset="0"/>
-                <a:cs typeface="Segoe UI Light" panose="020B0502040204020203" pitchFamily="34" charset="0"/>
-              </a:rPr>
-              <a:t>Разработать алгоритм разрешения лексической многозначности при переводе</a:t>
-            </a:r>
-            <a:r>
               <a:rPr lang="ru-RU" sz="2000" b="1" dirty="0" smtClean="0">
                 <a:latin typeface="Segoe UI Light" panose="020B0502040204020203" pitchFamily="34" charset="0"/>
                 <a:cs typeface="Segoe UI Light" panose="020B0502040204020203" pitchFamily="34" charset="0"/>
               </a:rPr>
+              <a:t>Разработать алгоритм машинного перевода</a:t>
+            </a:r>
+            <a:r>
+              <a:rPr lang="ru-RU" sz="2000" b="1" dirty="0" smtClean="0">
+                <a:latin typeface="Segoe UI Light" panose="020B0502040204020203" pitchFamily="34" charset="0"/>
+                <a:cs typeface="Segoe UI Light" panose="020B0502040204020203" pitchFamily="34" charset="0"/>
+              </a:rPr>
               <a:t>;</a:t>
             </a:r>
+            <a:endParaRPr lang="ru-RU" sz="2000" b="1" dirty="0" smtClean="0">
+              <a:latin typeface="Segoe UI Light" panose="020B0502040204020203" pitchFamily="34" charset="0"/>
+              <a:cs typeface="Segoe UI Light" panose="020B0502040204020203" pitchFamily="34" charset="0"/>
+            </a:endParaRPr>
           </a:p>
           <a:p>
             <a:pPr marL="914400" lvl="1" indent="-457200">
@@ -8256,6 +9011,35 @@
               <a:latin typeface="Segoe UI Light" panose="020B0502040204020203" pitchFamily="34" charset="0"/>
               <a:cs typeface="Segoe UI Light" panose="020B0502040204020203" pitchFamily="34" charset="0"/>
             </a:endParaRPr>
+          </a:p>
+        </p:txBody>
+      </p:sp>
+      <p:sp>
+        <p:nvSpPr>
+          <p:cNvPr id="8" name="Номер слайда 7"/>
+          <p:cNvSpPr>
+            <a:spLocks noGrp="1"/>
+          </p:cNvSpPr>
+          <p:nvPr>
+            <p:ph type="sldNum" sz="quarter" idx="12"/>
+          </p:nvPr>
+        </p:nvSpPr>
+        <p:spPr/>
+        <p:txBody>
+          <a:bodyPr/>
+          <a:lstStyle/>
+          <a:p>
+            <a:pPr>
+              <a:defRPr/>
+            </a:pPr>
+            <a:fld id="{637BB883-034B-46AA-86AA-031E198DD488}" type="slidenum">
+              <a:rPr lang="be-BY" smtClean="0"/>
+              <a:pPr>
+                <a:defRPr/>
+              </a:pPr>
+              <a:t>4</a:t>
+            </a:fld>
+            <a:endParaRPr lang="be-BY"/>
           </a:p>
         </p:txBody>
       </p:sp>
@@ -8305,7 +9089,7 @@
           <p:nvPr/>
         </p:nvPicPr>
         <p:blipFill rotWithShape="1">
-          <a:blip r:embed="rId2"/>
+          <a:blip r:embed="rId3"/>
           <a:srcRect r="9412"/>
           <a:stretch/>
         </p:blipFill>
@@ -8585,7 +9369,7 @@
           <p:nvPr/>
         </p:nvPicPr>
         <p:blipFill>
-          <a:blip r:embed="rId3">
+          <a:blip r:embed="rId4">
             <a:extLst>
               <a:ext uri="{28A0092B-C50C-407E-A947-70E740481C1C}">
                 <a14:useLocalDpi xmlns:a14="http://schemas.microsoft.com/office/drawing/2010/main" val="0"/>
@@ -8599,7 +9383,7 @@
         </p:blipFill>
         <p:spPr bwMode="auto">
           <a:xfrm>
-            <a:off x="2181139" y="2445391"/>
+            <a:off x="2181139" y="2512498"/>
             <a:ext cx="7638174" cy="3737296"/>
           </a:xfrm>
           <a:prstGeom prst="rect">
@@ -8613,31 +9397,30 @@
       </p:pic>
       <p:sp>
         <p:nvSpPr>
-          <p:cNvPr id="9" name="TextBox 8"/>
-          <p:cNvSpPr txBox="1"/>
-          <p:nvPr/>
-        </p:nvSpPr>
-        <p:spPr>
-          <a:xfrm>
-            <a:off x="3926714" y="6281654"/>
-            <a:ext cx="3763972" cy="369332"/>
-          </a:xfrm>
-          <a:prstGeom prst="rect">
-            <a:avLst/>
-          </a:prstGeom>
-          <a:noFill/>
-        </p:spPr>
+          <p:cNvPr id="7" name="Номер слайда 6"/>
+          <p:cNvSpPr>
+            <a:spLocks noGrp="1"/>
+          </p:cNvSpPr>
+          <p:nvPr>
+            <p:ph type="sldNum" sz="quarter" idx="12"/>
+          </p:nvPr>
+        </p:nvSpPr>
+        <p:spPr/>
         <p:txBody>
-          <a:bodyPr wrap="square" rtlCol="0">
-            <a:spAutoFit/>
-          </a:bodyPr>
+          <a:bodyPr/>
           <a:lstStyle/>
           <a:p>
-            <a:r>
-              <a:rPr lang="ru-RU" dirty="0"/>
-              <a:t>Процесс извлечения ключевых слов</a:t>
-            </a:r>
-            <a:endParaRPr lang="en-US" dirty="0"/>
+            <a:pPr>
+              <a:defRPr/>
+            </a:pPr>
+            <a:fld id="{637BB883-034B-46AA-86AA-031E198DD488}" type="slidenum">
+              <a:rPr lang="be-BY" smtClean="0"/>
+              <a:pPr>
+                <a:defRPr/>
+              </a:pPr>
+              <a:t>5</a:t>
+            </a:fld>
+            <a:endParaRPr lang="be-BY"/>
           </a:p>
         </p:txBody>
       </p:sp>
@@ -9425,6 +10208,35 @@
           </a:p>
         </p:txBody>
       </p:sp>
+      <p:sp>
+        <p:nvSpPr>
+          <p:cNvPr id="8" name="Номер слайда 7"/>
+          <p:cNvSpPr>
+            <a:spLocks noGrp="1"/>
+          </p:cNvSpPr>
+          <p:nvPr>
+            <p:ph type="sldNum" sz="quarter" idx="12"/>
+          </p:nvPr>
+        </p:nvSpPr>
+        <p:spPr/>
+        <p:txBody>
+          <a:bodyPr/>
+          <a:lstStyle/>
+          <a:p>
+            <a:pPr>
+              <a:defRPr/>
+            </a:pPr>
+            <a:fld id="{637BB883-034B-46AA-86AA-031E198DD488}" type="slidenum">
+              <a:rPr lang="be-BY" smtClean="0"/>
+              <a:pPr>
+                <a:defRPr/>
+              </a:pPr>
+              <a:t>6</a:t>
+            </a:fld>
+            <a:endParaRPr lang="be-BY"/>
+          </a:p>
+        </p:txBody>
+      </p:sp>
     </p:spTree>
     <p:extLst>
       <p:ext uri="{BB962C8B-B14F-4D97-AF65-F5344CB8AC3E}">
@@ -9930,21 +10742,38 @@
           <a:p>
             <a:r>
               <a:rPr lang="ru-RU" dirty="0" smtClean="0"/>
-              <a:t>Выделение </a:t>
-            </a:r>
-            <a:r>
-              <a:rPr lang="ru-RU" dirty="0" smtClean="0"/>
-              <a:t>контекста для</a:t>
-            </a:r>
-            <a:r>
-              <a:rPr lang="ru-RU" dirty="0" smtClean="0"/>
-              <a:t> ключевого </a:t>
-            </a:r>
-            <a:r>
-              <a:rPr lang="ru-RU" dirty="0" smtClean="0"/>
-              <a:t>слово</a:t>
+              <a:t>Выделение контекста для ключевого слова</a:t>
             </a:r>
             <a:endParaRPr lang="en-US" dirty="0"/>
+          </a:p>
+        </p:txBody>
+      </p:sp>
+      <p:sp>
+        <p:nvSpPr>
+          <p:cNvPr id="8" name="Номер слайда 7"/>
+          <p:cNvSpPr>
+            <a:spLocks noGrp="1"/>
+          </p:cNvSpPr>
+          <p:nvPr>
+            <p:ph type="sldNum" sz="quarter" idx="12"/>
+          </p:nvPr>
+        </p:nvSpPr>
+        <p:spPr/>
+        <p:txBody>
+          <a:bodyPr/>
+          <a:lstStyle/>
+          <a:p>
+            <a:pPr>
+              <a:defRPr/>
+            </a:pPr>
+            <a:fld id="{637BB883-034B-46AA-86AA-031E198DD488}" type="slidenum">
+              <a:rPr lang="be-BY" smtClean="0"/>
+              <a:pPr>
+                <a:defRPr/>
+              </a:pPr>
+              <a:t>7</a:t>
+            </a:fld>
+            <a:endParaRPr lang="be-BY" dirty="0"/>
           </a:p>
         </p:txBody>
       </p:sp>
@@ -10085,7 +10914,7 @@
         </p:nvSpPr>
         <p:spPr>
           <a:xfrm>
-            <a:off x="838200" y="1276352"/>
+            <a:off x="762700" y="1276352"/>
             <a:ext cx="10515600" cy="611825"/>
           </a:xfrm>
           <a:prstGeom prst="rect">
@@ -10258,7 +11087,7 @@
                 <a:latin typeface="Segoe UI Light" panose="020B0502040204020203" pitchFamily="34" charset="0"/>
                 <a:cs typeface="Segoe UI Light" panose="020B0502040204020203" pitchFamily="34" charset="0"/>
               </a:rPr>
-              <a:t>Разрешение лексической многозначности при переводе</a:t>
+              <a:t>Концепции машинного перевода</a:t>
             </a:r>
             <a:endParaRPr lang="en-US" b="1" dirty="0">
               <a:latin typeface="Segoe UI Light" panose="020B0502040204020203" pitchFamily="34" charset="0"/>
@@ -10269,387 +11098,239 @@
       </p:sp>
       <p:sp>
         <p:nvSpPr>
-          <p:cNvPr id="8" name="Content Placeholder 2"/>
-          <p:cNvSpPr txBox="1">
-            <a:spLocks/>
+          <p:cNvPr id="7" name="Номер слайда 6"/>
+          <p:cNvSpPr>
+            <a:spLocks noGrp="1"/>
           </p:cNvSpPr>
+          <p:nvPr>
+            <p:ph type="sldNum" sz="quarter" idx="12"/>
+          </p:nvPr>
+        </p:nvSpPr>
+        <p:spPr/>
+        <p:txBody>
+          <a:bodyPr/>
+          <a:lstStyle/>
+          <a:p>
+            <a:pPr>
+              <a:defRPr/>
+            </a:pPr>
+            <a:fld id="{637BB883-034B-46AA-86AA-031E198DD488}" type="slidenum">
+              <a:rPr lang="be-BY" smtClean="0"/>
+              <a:pPr>
+                <a:defRPr/>
+              </a:pPr>
+              <a:t>8</a:t>
+            </a:fld>
+            <a:endParaRPr lang="be-BY"/>
+          </a:p>
+        </p:txBody>
+      </p:sp>
+      <p:pic>
+        <p:nvPicPr>
+          <p:cNvPr id="9" name="Picture 24" descr="C:\personal\diplom\screenshots\scheme\2.png"/>
+          <p:cNvPicPr/>
+          <p:nvPr/>
+        </p:nvPicPr>
+        <p:blipFill>
+          <a:blip r:embed="rId3">
+            <a:extLst>
+              <a:ext uri="{28A0092B-C50C-407E-A947-70E740481C1C}">
+                <a14:useLocalDpi xmlns:a14="http://schemas.microsoft.com/office/drawing/2010/main" val="0"/>
+              </a:ext>
+            </a:extLst>
+          </a:blip>
+          <a:srcRect/>
+          <a:stretch>
+            <a:fillRect/>
+          </a:stretch>
+        </p:blipFill>
+        <p:spPr bwMode="auto">
+          <a:xfrm>
+            <a:off x="345151" y="2789904"/>
+            <a:ext cx="3190812" cy="3032055"/>
+          </a:xfrm>
+          <a:prstGeom prst="rect">
+            <a:avLst/>
+          </a:prstGeom>
+          <a:noFill/>
+          <a:ln>
+            <a:noFill/>
+          </a:ln>
+        </p:spPr>
+      </p:pic>
+      <p:pic>
+        <p:nvPicPr>
+          <p:cNvPr id="10" name="Picture 34" descr="C:\personal\diplom\screenshots\scheme\2.png"/>
+          <p:cNvPicPr/>
+          <p:nvPr/>
+        </p:nvPicPr>
+        <p:blipFill>
+          <a:blip r:embed="rId4">
+            <a:extLst>
+              <a:ext uri="{28A0092B-C50C-407E-A947-70E740481C1C}">
+                <a14:useLocalDpi xmlns:a14="http://schemas.microsoft.com/office/drawing/2010/main" val="0"/>
+              </a:ext>
+            </a:extLst>
+          </a:blip>
+          <a:srcRect/>
+          <a:stretch>
+            <a:fillRect/>
+          </a:stretch>
+        </p:blipFill>
+        <p:spPr bwMode="auto">
+          <a:xfrm>
+            <a:off x="4276194" y="2789904"/>
+            <a:ext cx="3294870" cy="3032056"/>
+          </a:xfrm>
+          <a:prstGeom prst="rect">
+            <a:avLst/>
+          </a:prstGeom>
+          <a:noFill/>
+          <a:ln>
+            <a:noFill/>
+          </a:ln>
+        </p:spPr>
+      </p:pic>
+      <p:pic>
+        <p:nvPicPr>
+          <p:cNvPr id="11" name="Picture 35"/>
+          <p:cNvPicPr/>
+          <p:nvPr/>
+        </p:nvPicPr>
+        <p:blipFill>
+          <a:blip r:embed="rId5">
+            <a:extLst>
+              <a:ext uri="{28A0092B-C50C-407E-A947-70E740481C1C}">
+                <a14:useLocalDpi xmlns:a14="http://schemas.microsoft.com/office/drawing/2010/main" val="0"/>
+              </a:ext>
+            </a:extLst>
+          </a:blip>
+          <a:srcRect/>
+          <a:stretch>
+            <a:fillRect/>
+          </a:stretch>
+        </p:blipFill>
+        <p:spPr bwMode="auto">
+          <a:xfrm>
+            <a:off x="8124730" y="2789905"/>
+            <a:ext cx="3468150" cy="3032055"/>
+          </a:xfrm>
+          <a:prstGeom prst="rect">
+            <a:avLst/>
+          </a:prstGeom>
+          <a:noFill/>
+          <a:ln>
+            <a:noFill/>
+          </a:ln>
+        </p:spPr>
+      </p:pic>
+      <p:sp>
+        <p:nvSpPr>
+          <p:cNvPr id="12" name="Прямоугольник 11"/>
+          <p:cNvSpPr/>
           <p:nvPr/>
         </p:nvSpPr>
         <p:spPr>
           <a:xfrm>
-            <a:off x="838200" y="3103397"/>
-            <a:ext cx="10309167" cy="3305715"/>
+            <a:off x="9263140" y="6101737"/>
+            <a:ext cx="1614288" cy="369332"/>
           </a:xfrm>
           <a:prstGeom prst="rect">
             <a:avLst/>
           </a:prstGeom>
         </p:spPr>
         <p:txBody>
-          <a:bodyPr/>
-          <a:lstStyle>
-            <a:lvl1pPr marL="228600" indent="-228600" algn="l" rtl="0" eaLnBrk="1" fontAlgn="base" hangingPunct="1">
-              <a:lnSpc>
-                <a:spcPct val="90000"/>
-              </a:lnSpc>
-              <a:spcBef>
-                <a:spcPts val="1000"/>
-              </a:spcBef>
-              <a:spcAft>
-                <a:spcPct val="0"/>
-              </a:spcAft>
-              <a:buFont typeface="Arial" panose="020B0604020202020204" pitchFamily="34" charset="0"/>
-              <a:buChar char="•"/>
-              <a:defRPr sz="2800" kern="1200">
-                <a:solidFill>
-                  <a:schemeClr val="tx1"/>
-                </a:solidFill>
-                <a:latin typeface="+mn-lt"/>
-                <a:ea typeface="+mn-ea"/>
-                <a:cs typeface="+mn-cs"/>
-              </a:defRPr>
-            </a:lvl1pPr>
-            <a:lvl2pPr marL="685800" indent="-228600" algn="l" rtl="0" eaLnBrk="1" fontAlgn="base" hangingPunct="1">
-              <a:lnSpc>
-                <a:spcPct val="90000"/>
-              </a:lnSpc>
-              <a:spcBef>
-                <a:spcPts val="500"/>
-              </a:spcBef>
-              <a:spcAft>
-                <a:spcPct val="0"/>
-              </a:spcAft>
-              <a:buFont typeface="Arial" panose="020B0604020202020204" pitchFamily="34" charset="0"/>
-              <a:buChar char="•"/>
-              <a:defRPr sz="2400" kern="1200">
-                <a:solidFill>
-                  <a:schemeClr val="tx1"/>
-                </a:solidFill>
-                <a:latin typeface="+mn-lt"/>
-                <a:ea typeface="+mn-ea"/>
-                <a:cs typeface="+mn-cs"/>
-              </a:defRPr>
-            </a:lvl2pPr>
-            <a:lvl3pPr marL="1143000" indent="-228600" algn="l" rtl="0" eaLnBrk="1" fontAlgn="base" hangingPunct="1">
-              <a:lnSpc>
-                <a:spcPct val="90000"/>
-              </a:lnSpc>
-              <a:spcBef>
-                <a:spcPts val="500"/>
-              </a:spcBef>
-              <a:spcAft>
-                <a:spcPct val="0"/>
-              </a:spcAft>
-              <a:buFont typeface="Arial" panose="020B0604020202020204" pitchFamily="34" charset="0"/>
-              <a:buChar char="•"/>
-              <a:defRPr sz="2000" kern="1200">
-                <a:solidFill>
-                  <a:schemeClr val="tx1"/>
-                </a:solidFill>
-                <a:latin typeface="+mn-lt"/>
-                <a:ea typeface="+mn-ea"/>
-                <a:cs typeface="+mn-cs"/>
-              </a:defRPr>
-            </a:lvl3pPr>
-            <a:lvl4pPr marL="1600200" indent="-228600" algn="l" rtl="0" eaLnBrk="1" fontAlgn="base" hangingPunct="1">
-              <a:lnSpc>
-                <a:spcPct val="90000"/>
-              </a:lnSpc>
-              <a:spcBef>
-                <a:spcPts val="500"/>
-              </a:spcBef>
-              <a:spcAft>
-                <a:spcPct val="0"/>
-              </a:spcAft>
-              <a:buFont typeface="Arial" panose="020B0604020202020204" pitchFamily="34" charset="0"/>
-              <a:buChar char="•"/>
-              <a:defRPr kern="1200">
-                <a:solidFill>
-                  <a:schemeClr val="tx1"/>
-                </a:solidFill>
-                <a:latin typeface="+mn-lt"/>
-                <a:ea typeface="+mn-ea"/>
-                <a:cs typeface="+mn-cs"/>
-              </a:defRPr>
-            </a:lvl4pPr>
-            <a:lvl5pPr marL="2057400" indent="-228600" algn="l" rtl="0" eaLnBrk="1" fontAlgn="base" hangingPunct="1">
-              <a:lnSpc>
-                <a:spcPct val="90000"/>
-              </a:lnSpc>
-              <a:spcBef>
-                <a:spcPts val="500"/>
-              </a:spcBef>
-              <a:spcAft>
-                <a:spcPct val="0"/>
-              </a:spcAft>
-              <a:buFont typeface="Arial" panose="020B0604020202020204" pitchFamily="34" charset="0"/>
-              <a:buChar char="•"/>
-              <a:defRPr kern="1200">
-                <a:solidFill>
-                  <a:schemeClr val="tx1"/>
-                </a:solidFill>
-                <a:latin typeface="+mn-lt"/>
-                <a:ea typeface="+mn-ea"/>
-                <a:cs typeface="+mn-cs"/>
-              </a:defRPr>
-            </a:lvl5pPr>
-            <a:lvl6pPr marL="2514600" indent="-228600" algn="l" defTabSz="914400" rtl="0" eaLnBrk="1" latinLnBrk="0" hangingPunct="1">
-              <a:lnSpc>
-                <a:spcPct val="90000"/>
-              </a:lnSpc>
-              <a:spcBef>
-                <a:spcPts val="500"/>
-              </a:spcBef>
-              <a:buFont typeface="Arial" panose="020B0604020202020204" pitchFamily="34" charset="0"/>
-              <a:buChar char="•"/>
-              <a:defRPr sz="1800" kern="1200">
-                <a:solidFill>
-                  <a:schemeClr val="tx1"/>
-                </a:solidFill>
-                <a:latin typeface="+mn-lt"/>
-                <a:ea typeface="+mn-ea"/>
-                <a:cs typeface="+mn-cs"/>
-              </a:defRPr>
-            </a:lvl6pPr>
-            <a:lvl7pPr marL="2971800" indent="-228600" algn="l" defTabSz="914400" rtl="0" eaLnBrk="1" latinLnBrk="0" hangingPunct="1">
-              <a:lnSpc>
-                <a:spcPct val="90000"/>
-              </a:lnSpc>
-              <a:spcBef>
-                <a:spcPts val="500"/>
-              </a:spcBef>
-              <a:buFont typeface="Arial" panose="020B0604020202020204" pitchFamily="34" charset="0"/>
-              <a:buChar char="•"/>
-              <a:defRPr sz="1800" kern="1200">
-                <a:solidFill>
-                  <a:schemeClr val="tx1"/>
-                </a:solidFill>
-                <a:latin typeface="+mn-lt"/>
-                <a:ea typeface="+mn-ea"/>
-                <a:cs typeface="+mn-cs"/>
-              </a:defRPr>
-            </a:lvl7pPr>
-            <a:lvl8pPr marL="3429000" indent="-228600" algn="l" defTabSz="914400" rtl="0" eaLnBrk="1" latinLnBrk="0" hangingPunct="1">
-              <a:lnSpc>
-                <a:spcPct val="90000"/>
-              </a:lnSpc>
-              <a:spcBef>
-                <a:spcPts val="500"/>
-              </a:spcBef>
-              <a:buFont typeface="Arial" panose="020B0604020202020204" pitchFamily="34" charset="0"/>
-              <a:buChar char="•"/>
-              <a:defRPr sz="1800" kern="1200">
-                <a:solidFill>
-                  <a:schemeClr val="tx1"/>
-                </a:solidFill>
-                <a:latin typeface="+mn-lt"/>
-                <a:ea typeface="+mn-ea"/>
-                <a:cs typeface="+mn-cs"/>
-              </a:defRPr>
-            </a:lvl8pPr>
-            <a:lvl9pPr marL="3886200" indent="-228600" algn="l" defTabSz="914400" rtl="0" eaLnBrk="1" latinLnBrk="0" hangingPunct="1">
-              <a:lnSpc>
-                <a:spcPct val="90000"/>
-              </a:lnSpc>
-              <a:spcBef>
-                <a:spcPts val="500"/>
-              </a:spcBef>
-              <a:buFont typeface="Arial" panose="020B0604020202020204" pitchFamily="34" charset="0"/>
-              <a:buChar char="•"/>
-              <a:defRPr sz="1800" kern="1200">
-                <a:solidFill>
-                  <a:schemeClr val="tx1"/>
-                </a:solidFill>
-                <a:latin typeface="+mn-lt"/>
-                <a:ea typeface="+mn-ea"/>
-                <a:cs typeface="+mn-cs"/>
-              </a:defRPr>
-            </a:lvl9pPr>
-          </a:lstStyle>
-          <a:p>
-            <a:pPr marL="514350" indent="-514350">
-              <a:spcBef>
-                <a:spcPts val="2000"/>
-              </a:spcBef>
-              <a:buFont typeface="+mj-lt"/>
-              <a:buAutoNum type="arabicPeriod"/>
-            </a:pPr>
-            <a:r>
-              <a:rPr lang="ru-RU" sz="2400" b="1" dirty="0">
-                <a:latin typeface="Segoe UI Light" panose="020B0502040204020203" pitchFamily="34" charset="0"/>
-                <a:cs typeface="Segoe UI Light" panose="020B0502040204020203" pitchFamily="34" charset="0"/>
-              </a:rPr>
-              <a:t>Разрешение лексической многозначности происходит</a:t>
-            </a:r>
-            <a:r>
-              <a:rPr lang="en-US" sz="2400" b="1" dirty="0">
-                <a:latin typeface="Segoe UI Light" panose="020B0502040204020203" pitchFamily="34" charset="0"/>
-                <a:cs typeface="Segoe UI Light" panose="020B0502040204020203" pitchFamily="34" charset="0"/>
-              </a:rPr>
-              <a:t> </a:t>
-            </a:r>
-            <a:r>
-              <a:rPr lang="ru-RU" sz="2400" b="1" dirty="0">
-                <a:latin typeface="Segoe UI Light" panose="020B0502040204020203" pitchFamily="34" charset="0"/>
-                <a:cs typeface="Segoe UI Light" panose="020B0502040204020203" pitchFamily="34" charset="0"/>
-              </a:rPr>
-              <a:t>по методу Леска. </a:t>
-            </a:r>
-            <a:endParaRPr lang="ru-RU" sz="2400" b="1" dirty="0" smtClean="0">
-              <a:latin typeface="Segoe UI Light" panose="020B0502040204020203" pitchFamily="34" charset="0"/>
-              <a:cs typeface="Segoe UI Light" panose="020B0502040204020203" pitchFamily="34" charset="0"/>
-            </a:endParaRPr>
-          </a:p>
-          <a:p>
-            <a:pPr marL="514350" indent="-514350">
-              <a:lnSpc>
-                <a:spcPct val="120000"/>
-              </a:lnSpc>
-              <a:spcBef>
-                <a:spcPts val="2000"/>
-              </a:spcBef>
-              <a:buFont typeface="+mj-lt"/>
-              <a:buAutoNum type="arabicPeriod"/>
-            </a:pPr>
-            <a:r>
-              <a:rPr lang="ru-RU" sz="2400" b="1" dirty="0" smtClean="0">
-                <a:latin typeface="Segoe UI Light" panose="020B0502040204020203" pitchFamily="34" charset="0"/>
-                <a:cs typeface="Segoe UI Light" panose="020B0502040204020203" pitchFamily="34" charset="0"/>
-              </a:rPr>
-              <a:t>В качестве внешнего источника знаний используется </a:t>
-            </a:r>
-            <a:r>
-              <a:rPr lang="en-US" sz="2400" b="1" dirty="0" err="1" smtClean="0">
-                <a:latin typeface="Segoe UI Light" panose="020B0502040204020203" pitchFamily="34" charset="0"/>
-                <a:cs typeface="Segoe UI Light" panose="020B0502040204020203" pitchFamily="34" charset="0"/>
-              </a:rPr>
-              <a:t>BabelNet</a:t>
-            </a:r>
-            <a:r>
-              <a:rPr lang="en-US" sz="2400" b="1" dirty="0" smtClean="0">
-                <a:latin typeface="Segoe UI Light" panose="020B0502040204020203" pitchFamily="34" charset="0"/>
-                <a:cs typeface="Segoe UI Light" panose="020B0502040204020203" pitchFamily="34" charset="0"/>
-              </a:rPr>
-              <a:t>.</a:t>
-            </a:r>
-            <a:r>
-              <a:rPr lang="ru-RU" sz="2400" b="1" dirty="0" smtClean="0">
-                <a:latin typeface="Segoe UI Light" panose="020B0502040204020203" pitchFamily="34" charset="0"/>
-                <a:cs typeface="Segoe UI Light" panose="020B0502040204020203" pitchFamily="34" charset="0"/>
-              </a:rPr>
-              <a:t/>
-            </a:r>
-            <a:br>
-              <a:rPr lang="ru-RU" sz="2400" b="1" dirty="0" smtClean="0">
-                <a:latin typeface="Segoe UI Light" panose="020B0502040204020203" pitchFamily="34" charset="0"/>
-                <a:cs typeface="Segoe UI Light" panose="020B0502040204020203" pitchFamily="34" charset="0"/>
-              </a:rPr>
-            </a:br>
-            <a:r>
-              <a:rPr lang="ru-RU" sz="2400" b="1" dirty="0" smtClean="0">
-                <a:latin typeface="Segoe UI Light" panose="020B0502040204020203" pitchFamily="34" charset="0"/>
-                <a:cs typeface="Segoe UI Light" panose="020B0502040204020203" pitchFamily="34" charset="0"/>
-              </a:rPr>
-              <a:t>На 13.05.2017 </a:t>
-            </a:r>
-            <a:r>
-              <a:rPr lang="en-US" sz="2400" b="1" dirty="0" err="1" smtClean="0">
-                <a:latin typeface="Segoe UI Light" panose="020B0502040204020203" pitchFamily="34" charset="0"/>
-                <a:cs typeface="Segoe UI Light" panose="020B0502040204020203" pitchFamily="34" charset="0"/>
-              </a:rPr>
-              <a:t>BabelNet</a:t>
-            </a:r>
-            <a:r>
-              <a:rPr lang="en-US" sz="2400" b="1" dirty="0" smtClean="0">
-                <a:latin typeface="Segoe UI Light" panose="020B0502040204020203" pitchFamily="34" charset="0"/>
-                <a:cs typeface="Segoe UI Light" panose="020B0502040204020203" pitchFamily="34" charset="0"/>
-              </a:rPr>
-              <a:t> </a:t>
-            </a:r>
-            <a:r>
-              <a:rPr lang="ru-RU" sz="2400" b="1" dirty="0" smtClean="0">
-                <a:latin typeface="Segoe UI Light" panose="020B0502040204020203" pitchFamily="34" charset="0"/>
-                <a:cs typeface="Segoe UI Light" panose="020B0502040204020203" pitchFamily="34" charset="0"/>
-              </a:rPr>
-              <a:t>интегрировал в себе: </a:t>
-            </a:r>
-          </a:p>
-          <a:p>
-            <a:pPr lvl="2"/>
-            <a:r>
-              <a:rPr lang="en-US" sz="2200" b="1" dirty="0" smtClean="0">
-                <a:latin typeface="Segoe UI Light" panose="020B0502040204020203" pitchFamily="34" charset="0"/>
-                <a:cs typeface="Segoe UI Light" panose="020B0502040204020203" pitchFamily="34" charset="0"/>
-              </a:rPr>
-              <a:t>WordNet </a:t>
-            </a:r>
-            <a:r>
-              <a:rPr lang="en-US" sz="2200" b="1" dirty="0">
-                <a:latin typeface="Segoe UI Light" panose="020B0502040204020203" pitchFamily="34" charset="0"/>
-                <a:cs typeface="Segoe UI Light" panose="020B0502040204020203" pitchFamily="34" charset="0"/>
-              </a:rPr>
-              <a:t>(</a:t>
-            </a:r>
-            <a:r>
-              <a:rPr lang="ru-RU" sz="2200" b="1" dirty="0">
-                <a:latin typeface="Segoe UI Light" panose="020B0502040204020203" pitchFamily="34" charset="0"/>
-                <a:cs typeface="Segoe UI Light" panose="020B0502040204020203" pitchFamily="34" charset="0"/>
-              </a:rPr>
-              <a:t>версия 3.0), </a:t>
-            </a:r>
-          </a:p>
-          <a:p>
-            <a:pPr lvl="2"/>
-            <a:r>
-              <a:rPr lang="en-US" sz="2200" b="1" dirty="0">
-                <a:latin typeface="Segoe UI Light" panose="020B0502040204020203" pitchFamily="34" charset="0"/>
-                <a:cs typeface="Segoe UI Light" panose="020B0502040204020203" pitchFamily="34" charset="0"/>
-              </a:rPr>
-              <a:t>Open Multilingual WordNet (</a:t>
-            </a:r>
-            <a:r>
-              <a:rPr lang="ru-RU" sz="2200" b="1" dirty="0">
-                <a:latin typeface="Segoe UI Light" panose="020B0502040204020203" pitchFamily="34" charset="0"/>
-                <a:cs typeface="Segoe UI Light" panose="020B0502040204020203" pitchFamily="34" charset="0"/>
-              </a:rPr>
-              <a:t>январь 2017), </a:t>
-            </a:r>
-          </a:p>
-          <a:p>
-            <a:pPr lvl="2"/>
-            <a:r>
-              <a:rPr lang="en-US" sz="2200" b="1" dirty="0">
-                <a:latin typeface="Segoe UI Light" panose="020B0502040204020203" pitchFamily="34" charset="0"/>
-                <a:cs typeface="Segoe UI Light" panose="020B0502040204020203" pitchFamily="34" charset="0"/>
-              </a:rPr>
-              <a:t>Wikipedia (</a:t>
-            </a:r>
-            <a:r>
-              <a:rPr lang="ru-RU" sz="2200" b="1" dirty="0">
-                <a:latin typeface="Segoe UI Light" panose="020B0502040204020203" pitchFamily="34" charset="0"/>
-                <a:cs typeface="Segoe UI Light" panose="020B0502040204020203" pitchFamily="34" charset="0"/>
-              </a:rPr>
-              <a:t>январь 2017)</a:t>
-            </a:r>
-          </a:p>
-          <a:p>
-            <a:pPr lvl="2"/>
-            <a:r>
-              <a:rPr lang="ru-RU" sz="2200" b="1" dirty="0">
-                <a:latin typeface="Segoe UI Light" panose="020B0502040204020203" pitchFamily="34" charset="0"/>
-                <a:cs typeface="Segoe UI Light" panose="020B0502040204020203" pitchFamily="34" charset="0"/>
-              </a:rPr>
-              <a:t>...</a:t>
-            </a:r>
-            <a:endParaRPr lang="ru-RU" sz="2200" b="1" dirty="0" smtClean="0">
-              <a:latin typeface="Segoe UI Light" panose="020B0502040204020203" pitchFamily="34" charset="0"/>
-              <a:cs typeface="Segoe UI Light" panose="020B0502040204020203" pitchFamily="34" charset="0"/>
-            </a:endParaRPr>
-          </a:p>
-          <a:p>
-            <a:endParaRPr lang="ru-RU" sz="2400" b="1" dirty="0" smtClean="0">
-              <a:latin typeface="Segoe UI Light" panose="020B0502040204020203" pitchFamily="34" charset="0"/>
-              <a:cs typeface="Segoe UI Light" panose="020B0502040204020203" pitchFamily="34" charset="0"/>
-            </a:endParaRPr>
+          <a:bodyPr wrap="none">
+            <a:spAutoFit/>
+          </a:bodyPr>
+          <a:lstStyle/>
+          <a:p>
+            <a:r>
+              <a:rPr lang="ru-RU" dirty="0" smtClean="0">
+                <a:latin typeface="Times New Roman" panose="02020603050405020304" pitchFamily="18" charset="0"/>
+                <a:ea typeface="Times New Roman" panose="02020603050405020304" pitchFamily="18" charset="0"/>
+              </a:rPr>
+              <a:t>Перевод </a:t>
+            </a:r>
+            <a:r>
+              <a:rPr lang="ru-RU" dirty="0" err="1" smtClean="0">
+                <a:latin typeface="Times New Roman" panose="02020603050405020304" pitchFamily="18" charset="0"/>
+                <a:ea typeface="Times New Roman" panose="02020603050405020304" pitchFamily="18" charset="0"/>
+              </a:rPr>
+              <a:t>ПОЗа</a:t>
+            </a:r>
+            <a:endParaRPr lang="be-BY" dirty="0"/>
+          </a:p>
+        </p:txBody>
+      </p:sp>
+      <p:sp>
+        <p:nvSpPr>
+          <p:cNvPr id="13" name="Прямоугольник 12"/>
+          <p:cNvSpPr/>
+          <p:nvPr/>
+        </p:nvSpPr>
+        <p:spPr>
+          <a:xfrm>
+            <a:off x="4595398" y="6101737"/>
+            <a:ext cx="3001206" cy="369332"/>
+          </a:xfrm>
+          <a:prstGeom prst="rect">
+            <a:avLst/>
+          </a:prstGeom>
+        </p:spPr>
+        <p:txBody>
+          <a:bodyPr wrap="none">
+            <a:spAutoFit/>
+          </a:bodyPr>
+          <a:lstStyle/>
+          <a:p>
+            <a:r>
+              <a:rPr lang="ru-RU" dirty="0" smtClean="0">
+                <a:latin typeface="Times New Roman" panose="02020603050405020304" pitchFamily="18" charset="0"/>
+                <a:ea typeface="Times New Roman" panose="02020603050405020304" pitchFamily="18" charset="0"/>
+              </a:rPr>
+              <a:t>Перевод документов и </a:t>
+            </a:r>
+            <a:r>
+              <a:rPr lang="ru-RU" dirty="0" err="1" smtClean="0">
+                <a:latin typeface="Times New Roman" panose="02020603050405020304" pitchFamily="18" charset="0"/>
+                <a:ea typeface="Times New Roman" panose="02020603050405020304" pitchFamily="18" charset="0"/>
+              </a:rPr>
+              <a:t>ПОЗа</a:t>
+            </a:r>
+            <a:endParaRPr lang="be-BY" dirty="0"/>
+          </a:p>
+        </p:txBody>
+      </p:sp>
+      <p:sp>
+        <p:nvSpPr>
+          <p:cNvPr id="14" name="Прямоугольник 13"/>
+          <p:cNvSpPr/>
+          <p:nvPr/>
+        </p:nvSpPr>
+        <p:spPr>
+          <a:xfrm>
+            <a:off x="835094" y="6101737"/>
+            <a:ext cx="2210926" cy="369332"/>
+          </a:xfrm>
+          <a:prstGeom prst="rect">
+            <a:avLst/>
+          </a:prstGeom>
+        </p:spPr>
+        <p:txBody>
+          <a:bodyPr wrap="none">
+            <a:spAutoFit/>
+          </a:bodyPr>
+          <a:lstStyle/>
+          <a:p>
+            <a:r>
+              <a:rPr lang="ru-RU" dirty="0" smtClean="0">
+                <a:latin typeface="Times New Roman" panose="02020603050405020304" pitchFamily="18" charset="0"/>
+                <a:ea typeface="Times New Roman" panose="02020603050405020304" pitchFamily="18" charset="0"/>
+              </a:rPr>
+              <a:t>Перевод документов</a:t>
+            </a:r>
+            <a:endParaRPr lang="be-BY" dirty="0"/>
           </a:p>
         </p:txBody>
       </p:sp>
@@ -10782,7 +11463,7 @@
       </p:sp>
       <p:sp>
         <p:nvSpPr>
-          <p:cNvPr id="4" name="Title 1"/>
+          <p:cNvPr id="6" name="Title 1"/>
           <p:cNvSpPr txBox="1">
             <a:spLocks/>
           </p:cNvSpPr>
@@ -10790,8 +11471,8 @@
         </p:nvSpPr>
         <p:spPr>
           <a:xfrm>
-            <a:off x="439387" y="1276352"/>
-            <a:ext cx="11269683" cy="1308906"/>
+            <a:off x="838200" y="1276352"/>
+            <a:ext cx="10515600" cy="611825"/>
           </a:xfrm>
           <a:prstGeom prst="rect">
             <a:avLst/>
@@ -10959,11 +11640,11 @@
           <a:p>
             <a:pPr algn="ctr"/>
             <a:r>
-              <a:rPr lang="ru-RU" b="1" dirty="0">
-                <a:latin typeface="Segoe UI Light" panose="020B0502040204020203" pitchFamily="34" charset="0"/>
-                <a:cs typeface="Segoe UI Light" panose="020B0502040204020203" pitchFamily="34" charset="0"/>
-              </a:rPr>
-              <a:t>Структурно-функциональная схема системы поиска релевантных документов</a:t>
+              <a:rPr lang="ru-RU" b="1" dirty="0" smtClean="0">
+                <a:latin typeface="Segoe UI Light" panose="020B0502040204020203" pitchFamily="34" charset="0"/>
+                <a:cs typeface="Segoe UI Light" panose="020B0502040204020203" pitchFamily="34" charset="0"/>
+              </a:rPr>
+              <a:t>Разрешение лексической многозначности при переводе</a:t>
             </a:r>
             <a:endParaRPr lang="en-US" b="1" dirty="0">
               <a:latin typeface="Segoe UI Light" panose="020B0502040204020203" pitchFamily="34" charset="0"/>
@@ -10972,43 +11653,973 @@
           </a:p>
         </p:txBody>
       </p:sp>
-      <p:pic>
-        <p:nvPicPr>
-          <p:cNvPr id="8" name="Рисунок 4" descr="D:\diplom\git\diplom\картинки\sequence_diagramm.png"/>
-          <p:cNvPicPr/>
+      <p:sp>
+        <p:nvSpPr>
+          <p:cNvPr id="8" name="Content Placeholder 2"/>
+          <p:cNvSpPr txBox="1">
+            <a:spLocks/>
+          </p:cNvSpPr>
           <p:nvPr/>
-        </p:nvPicPr>
-        <p:blipFill>
-          <a:blip r:embed="rId3" cstate="print">
-            <a:extLst>
-              <a:ext uri="{28A0092B-C50C-407E-A947-70E740481C1C}">
-                <a14:useLocalDpi xmlns:a14="http://schemas.microsoft.com/office/drawing/2010/main" val="0"/>
-              </a:ext>
-            </a:extLst>
-          </a:blip>
-          <a:srcRect/>
-          <a:stretch>
-            <a:fillRect/>
-          </a:stretch>
-        </p:blipFill>
-        <p:spPr bwMode="auto">
+        </p:nvSpPr>
+        <p:spPr>
           <a:xfrm>
-            <a:off x="2103121" y="2743204"/>
-            <a:ext cx="7861502" cy="3802034"/>
+            <a:off x="6786695" y="3128562"/>
+            <a:ext cx="5217952" cy="2710175"/>
+          </a:xfrm>
+          <a:prstGeom prst="rect">
+            <a:avLst/>
+          </a:prstGeom>
+        </p:spPr>
+        <p:txBody>
+          <a:bodyPr/>
+          <a:lstStyle>
+            <a:lvl1pPr marL="228600" indent="-228600" algn="l" rtl="0" eaLnBrk="1" fontAlgn="base" hangingPunct="1">
+              <a:lnSpc>
+                <a:spcPct val="90000"/>
+              </a:lnSpc>
+              <a:spcBef>
+                <a:spcPts val="1000"/>
+              </a:spcBef>
+              <a:spcAft>
+                <a:spcPct val="0"/>
+              </a:spcAft>
+              <a:buFont typeface="Arial" panose="020B0604020202020204" pitchFamily="34" charset="0"/>
+              <a:buChar char="•"/>
+              <a:defRPr sz="2800" kern="1200">
+                <a:solidFill>
+                  <a:schemeClr val="tx1"/>
+                </a:solidFill>
+                <a:latin typeface="+mn-lt"/>
+                <a:ea typeface="+mn-ea"/>
+                <a:cs typeface="+mn-cs"/>
+              </a:defRPr>
+            </a:lvl1pPr>
+            <a:lvl2pPr marL="685800" indent="-228600" algn="l" rtl="0" eaLnBrk="1" fontAlgn="base" hangingPunct="1">
+              <a:lnSpc>
+                <a:spcPct val="90000"/>
+              </a:lnSpc>
+              <a:spcBef>
+                <a:spcPts val="500"/>
+              </a:spcBef>
+              <a:spcAft>
+                <a:spcPct val="0"/>
+              </a:spcAft>
+              <a:buFont typeface="Arial" panose="020B0604020202020204" pitchFamily="34" charset="0"/>
+              <a:buChar char="•"/>
+              <a:defRPr sz="2400" kern="1200">
+                <a:solidFill>
+                  <a:schemeClr val="tx1"/>
+                </a:solidFill>
+                <a:latin typeface="+mn-lt"/>
+                <a:ea typeface="+mn-ea"/>
+                <a:cs typeface="+mn-cs"/>
+              </a:defRPr>
+            </a:lvl2pPr>
+            <a:lvl3pPr marL="1143000" indent="-228600" algn="l" rtl="0" eaLnBrk="1" fontAlgn="base" hangingPunct="1">
+              <a:lnSpc>
+                <a:spcPct val="90000"/>
+              </a:lnSpc>
+              <a:spcBef>
+                <a:spcPts val="500"/>
+              </a:spcBef>
+              <a:spcAft>
+                <a:spcPct val="0"/>
+              </a:spcAft>
+              <a:buFont typeface="Arial" panose="020B0604020202020204" pitchFamily="34" charset="0"/>
+              <a:buChar char="•"/>
+              <a:defRPr sz="2000" kern="1200">
+                <a:solidFill>
+                  <a:schemeClr val="tx1"/>
+                </a:solidFill>
+                <a:latin typeface="+mn-lt"/>
+                <a:ea typeface="+mn-ea"/>
+                <a:cs typeface="+mn-cs"/>
+              </a:defRPr>
+            </a:lvl3pPr>
+            <a:lvl4pPr marL="1600200" indent="-228600" algn="l" rtl="0" eaLnBrk="1" fontAlgn="base" hangingPunct="1">
+              <a:lnSpc>
+                <a:spcPct val="90000"/>
+              </a:lnSpc>
+              <a:spcBef>
+                <a:spcPts val="500"/>
+              </a:spcBef>
+              <a:spcAft>
+                <a:spcPct val="0"/>
+              </a:spcAft>
+              <a:buFont typeface="Arial" panose="020B0604020202020204" pitchFamily="34" charset="0"/>
+              <a:buChar char="•"/>
+              <a:defRPr kern="1200">
+                <a:solidFill>
+                  <a:schemeClr val="tx1"/>
+                </a:solidFill>
+                <a:latin typeface="+mn-lt"/>
+                <a:ea typeface="+mn-ea"/>
+                <a:cs typeface="+mn-cs"/>
+              </a:defRPr>
+            </a:lvl4pPr>
+            <a:lvl5pPr marL="2057400" indent="-228600" algn="l" rtl="0" eaLnBrk="1" fontAlgn="base" hangingPunct="1">
+              <a:lnSpc>
+                <a:spcPct val="90000"/>
+              </a:lnSpc>
+              <a:spcBef>
+                <a:spcPts val="500"/>
+              </a:spcBef>
+              <a:spcAft>
+                <a:spcPct val="0"/>
+              </a:spcAft>
+              <a:buFont typeface="Arial" panose="020B0604020202020204" pitchFamily="34" charset="0"/>
+              <a:buChar char="•"/>
+              <a:defRPr kern="1200">
+                <a:solidFill>
+                  <a:schemeClr val="tx1"/>
+                </a:solidFill>
+                <a:latin typeface="+mn-lt"/>
+                <a:ea typeface="+mn-ea"/>
+                <a:cs typeface="+mn-cs"/>
+              </a:defRPr>
+            </a:lvl5pPr>
+            <a:lvl6pPr marL="2514600" indent="-228600" algn="l" defTabSz="914400" rtl="0" eaLnBrk="1" latinLnBrk="0" hangingPunct="1">
+              <a:lnSpc>
+                <a:spcPct val="90000"/>
+              </a:lnSpc>
+              <a:spcBef>
+                <a:spcPts val="500"/>
+              </a:spcBef>
+              <a:buFont typeface="Arial" panose="020B0604020202020204" pitchFamily="34" charset="0"/>
+              <a:buChar char="•"/>
+              <a:defRPr sz="1800" kern="1200">
+                <a:solidFill>
+                  <a:schemeClr val="tx1"/>
+                </a:solidFill>
+                <a:latin typeface="+mn-lt"/>
+                <a:ea typeface="+mn-ea"/>
+                <a:cs typeface="+mn-cs"/>
+              </a:defRPr>
+            </a:lvl6pPr>
+            <a:lvl7pPr marL="2971800" indent="-228600" algn="l" defTabSz="914400" rtl="0" eaLnBrk="1" latinLnBrk="0" hangingPunct="1">
+              <a:lnSpc>
+                <a:spcPct val="90000"/>
+              </a:lnSpc>
+              <a:spcBef>
+                <a:spcPts val="500"/>
+              </a:spcBef>
+              <a:buFont typeface="Arial" panose="020B0604020202020204" pitchFamily="34" charset="0"/>
+              <a:buChar char="•"/>
+              <a:defRPr sz="1800" kern="1200">
+                <a:solidFill>
+                  <a:schemeClr val="tx1"/>
+                </a:solidFill>
+                <a:latin typeface="+mn-lt"/>
+                <a:ea typeface="+mn-ea"/>
+                <a:cs typeface="+mn-cs"/>
+              </a:defRPr>
+            </a:lvl7pPr>
+            <a:lvl8pPr marL="3429000" indent="-228600" algn="l" defTabSz="914400" rtl="0" eaLnBrk="1" latinLnBrk="0" hangingPunct="1">
+              <a:lnSpc>
+                <a:spcPct val="90000"/>
+              </a:lnSpc>
+              <a:spcBef>
+                <a:spcPts val="500"/>
+              </a:spcBef>
+              <a:buFont typeface="Arial" panose="020B0604020202020204" pitchFamily="34" charset="0"/>
+              <a:buChar char="•"/>
+              <a:defRPr sz="1800" kern="1200">
+                <a:solidFill>
+                  <a:schemeClr val="tx1"/>
+                </a:solidFill>
+                <a:latin typeface="+mn-lt"/>
+                <a:ea typeface="+mn-ea"/>
+                <a:cs typeface="+mn-cs"/>
+              </a:defRPr>
+            </a:lvl8pPr>
+            <a:lvl9pPr marL="3886200" indent="-228600" algn="l" defTabSz="914400" rtl="0" eaLnBrk="1" latinLnBrk="0" hangingPunct="1">
+              <a:lnSpc>
+                <a:spcPct val="90000"/>
+              </a:lnSpc>
+              <a:spcBef>
+                <a:spcPts val="500"/>
+              </a:spcBef>
+              <a:buFont typeface="Arial" panose="020B0604020202020204" pitchFamily="34" charset="0"/>
+              <a:buChar char="•"/>
+              <a:defRPr sz="1800" kern="1200">
+                <a:solidFill>
+                  <a:schemeClr val="tx1"/>
+                </a:solidFill>
+                <a:latin typeface="+mn-lt"/>
+                <a:ea typeface="+mn-ea"/>
+                <a:cs typeface="+mn-cs"/>
+              </a:defRPr>
+            </a:lvl9pPr>
+          </a:lstStyle>
+          <a:p>
+            <a:pPr marL="457200" indent="-457200">
+              <a:spcBef>
+                <a:spcPts val="2000"/>
+              </a:spcBef>
+              <a:buFont typeface="+mj-lt"/>
+              <a:buAutoNum type="arabicPeriod"/>
+            </a:pPr>
+            <a:r>
+              <a:rPr lang="ru-RU" sz="2400" b="1" dirty="0">
+                <a:latin typeface="Segoe UI Light" panose="020B0502040204020203" pitchFamily="34" charset="0"/>
+                <a:cs typeface="Segoe UI Light" panose="020B0502040204020203" pitchFamily="34" charset="0"/>
+              </a:rPr>
+              <a:t>Разрешение лексической многозначности происходит</a:t>
+            </a:r>
+            <a:r>
+              <a:rPr lang="en-US" sz="2400" b="1" dirty="0">
+                <a:latin typeface="Segoe UI Light" panose="020B0502040204020203" pitchFamily="34" charset="0"/>
+                <a:cs typeface="Segoe UI Light" panose="020B0502040204020203" pitchFamily="34" charset="0"/>
+              </a:rPr>
+              <a:t> </a:t>
+            </a:r>
+            <a:r>
+              <a:rPr lang="ru-RU" sz="2400" b="1" dirty="0">
+                <a:latin typeface="Segoe UI Light" panose="020B0502040204020203" pitchFamily="34" charset="0"/>
+                <a:cs typeface="Segoe UI Light" panose="020B0502040204020203" pitchFamily="34" charset="0"/>
+              </a:rPr>
+              <a:t>по </a:t>
+            </a:r>
+            <a:r>
+              <a:rPr lang="ru-RU" sz="2400" b="1" dirty="0" smtClean="0">
+                <a:latin typeface="Segoe UI Light" panose="020B0502040204020203" pitchFamily="34" charset="0"/>
+                <a:cs typeface="Segoe UI Light" panose="020B0502040204020203" pitchFamily="34" charset="0"/>
+              </a:rPr>
+              <a:t>алгоритму Леска</a:t>
+            </a:r>
+          </a:p>
+          <a:p>
+            <a:pPr marL="457200" indent="-457200">
+              <a:spcBef>
+                <a:spcPts val="2000"/>
+              </a:spcBef>
+              <a:buFont typeface="+mj-lt"/>
+              <a:buAutoNum type="arabicPeriod"/>
+            </a:pPr>
+            <a:r>
+              <a:rPr lang="ru-RU" sz="2400" b="1" dirty="0" smtClean="0">
+                <a:latin typeface="Segoe UI Light" panose="020B0502040204020203" pitchFamily="34" charset="0"/>
+                <a:cs typeface="Segoe UI Light" panose="020B0502040204020203" pitchFamily="34" charset="0"/>
+              </a:rPr>
+              <a:t>В качестве внешнего источника знаний используется многоязычный электронный тезаурус </a:t>
+            </a:r>
+            <a:r>
+              <a:rPr lang="en-US" sz="2400" b="1" dirty="0" err="1" smtClean="0">
+                <a:latin typeface="Segoe UI Light" panose="020B0502040204020203" pitchFamily="34" charset="0"/>
+                <a:cs typeface="Segoe UI Light" panose="020B0502040204020203" pitchFamily="34" charset="0"/>
+              </a:rPr>
+              <a:t>BabelNet</a:t>
+            </a:r>
+            <a:r>
+              <a:rPr lang="en-US" sz="2400" b="1" dirty="0" smtClean="0">
+                <a:latin typeface="Segoe UI Light" panose="020B0502040204020203" pitchFamily="34" charset="0"/>
+                <a:cs typeface="Segoe UI Light" panose="020B0502040204020203" pitchFamily="34" charset="0"/>
+              </a:rPr>
+              <a:t>.</a:t>
+            </a:r>
+            <a:endParaRPr lang="ru-RU" sz="2400" b="1" dirty="0" smtClean="0">
+              <a:latin typeface="Segoe UI Light" panose="020B0502040204020203" pitchFamily="34" charset="0"/>
+              <a:cs typeface="Segoe UI Light" panose="020B0502040204020203" pitchFamily="34" charset="0"/>
+            </a:endParaRPr>
+          </a:p>
+        </p:txBody>
+      </p:sp>
+      <p:sp>
+        <p:nvSpPr>
+          <p:cNvPr id="7" name="Номер слайда 6"/>
+          <p:cNvSpPr>
+            <a:spLocks noGrp="1"/>
+          </p:cNvSpPr>
+          <p:nvPr>
+            <p:ph type="sldNum" sz="quarter" idx="12"/>
+          </p:nvPr>
+        </p:nvSpPr>
+        <p:spPr/>
+        <p:txBody>
+          <a:bodyPr/>
+          <a:lstStyle/>
+          <a:p>
+            <a:pPr>
+              <a:defRPr/>
+            </a:pPr>
+            <a:fld id="{637BB883-034B-46AA-86AA-031E198DD488}" type="slidenum">
+              <a:rPr lang="be-BY" smtClean="0"/>
+              <a:pPr>
+                <a:defRPr/>
+              </a:pPr>
+              <a:t>9</a:t>
+            </a:fld>
+            <a:endParaRPr lang="be-BY" dirty="0"/>
+          </a:p>
+        </p:txBody>
+      </p:sp>
+      <p:graphicFrame>
+        <p:nvGraphicFramePr>
+          <p:cNvPr id="5" name="Таблица 4"/>
+          <p:cNvGraphicFramePr>
+            <a:graphicFrameLocks noGrp="1"/>
+          </p:cNvGraphicFramePr>
+          <p:nvPr>
+            <p:extLst>
+              <p:ext uri="{D42A27DB-BD31-4B8C-83A1-F6EECF244321}">
+                <p14:modId xmlns:p14="http://schemas.microsoft.com/office/powerpoint/2010/main" val="2724674849"/>
+              </p:ext>
+            </p:extLst>
+          </p:nvPr>
+        </p:nvGraphicFramePr>
+        <p:xfrm>
+          <a:off x="205916" y="2709543"/>
+          <a:ext cx="6421388" cy="3728272"/>
+        </p:xfrm>
+        <a:graphic>
+          <a:graphicData uri="http://schemas.openxmlformats.org/drawingml/2006/table">
+            <a:tbl>
+              <a:tblPr firstRow="1" firstCol="1" bandRow="1">
+                <a:tableStyleId>{5C22544A-7EE6-4342-B048-85BDC9FD1C3A}</a:tableStyleId>
+              </a:tblPr>
+              <a:tblGrid>
+                <a:gridCol w="3870561"/>
+                <a:gridCol w="1323070"/>
+                <a:gridCol w="1227757"/>
+              </a:tblGrid>
+              <a:tr h="386271">
+                <a:tc>
+                  <a:txBody>
+                    <a:bodyPr/>
+                    <a:lstStyle/>
+                    <a:p>
+                      <a:pPr algn="ctr">
+                        <a:lnSpc>
+                          <a:spcPts val="1800"/>
+                        </a:lnSpc>
+                        <a:spcAft>
+                          <a:spcPts val="0"/>
+                        </a:spcAft>
+                      </a:pPr>
+                      <a:r>
+                        <a:rPr lang="ru-RU" sz="1400" dirty="0" err="1">
+                          <a:effectLst/>
+                        </a:rPr>
+                        <a:t>Синсет</a:t>
+                      </a:r>
+                      <a:r>
+                        <a:rPr lang="ru-RU" sz="1400" dirty="0">
+                          <a:effectLst/>
+                        </a:rPr>
+                        <a:t> и соответствующие ему значения</a:t>
+                      </a:r>
+                      <a:endParaRPr lang="be-BY" sz="1400" dirty="0">
+                        <a:effectLst/>
+                        <a:latin typeface="Times New Roman" panose="02020603050405020304" pitchFamily="18" charset="0"/>
+                        <a:ea typeface="Times New Roman" panose="02020603050405020304" pitchFamily="18" charset="0"/>
+                        <a:cs typeface="Times New Roman" panose="02020603050405020304" pitchFamily="18" charset="0"/>
+                      </a:endParaRPr>
+                    </a:p>
+                  </a:txBody>
+                  <a:tcPr marL="68580" marR="68580" marT="0" marB="0"/>
+                </a:tc>
+                <a:tc>
+                  <a:txBody>
+                    <a:bodyPr/>
+                    <a:lstStyle/>
+                    <a:p>
+                      <a:pPr algn="ctr">
+                        <a:lnSpc>
+                          <a:spcPts val="1800"/>
+                        </a:lnSpc>
+                        <a:spcAft>
+                          <a:spcPts val="0"/>
+                        </a:spcAft>
+                      </a:pPr>
+                      <a:r>
+                        <a:rPr lang="ru-RU" sz="1400">
+                          <a:effectLst/>
+                        </a:rPr>
+                        <a:t>Русский перевод</a:t>
+                      </a:r>
+                      <a:endParaRPr lang="be-BY" sz="1400">
+                        <a:effectLst/>
+                        <a:latin typeface="Times New Roman" panose="02020603050405020304" pitchFamily="18" charset="0"/>
+                        <a:ea typeface="Times New Roman" panose="02020603050405020304" pitchFamily="18" charset="0"/>
+                        <a:cs typeface="Times New Roman" panose="02020603050405020304" pitchFamily="18" charset="0"/>
+                      </a:endParaRPr>
+                    </a:p>
+                  </a:txBody>
+                  <a:tcPr marL="68580" marR="68580" marT="0" marB="0"/>
+                </a:tc>
+                <a:tc>
+                  <a:txBody>
+                    <a:bodyPr/>
+                    <a:lstStyle/>
+                    <a:p>
+                      <a:pPr algn="ctr">
+                        <a:lnSpc>
+                          <a:spcPts val="1800"/>
+                        </a:lnSpc>
+                        <a:spcAft>
+                          <a:spcPts val="0"/>
+                        </a:spcAft>
+                      </a:pPr>
+                      <a:r>
+                        <a:rPr lang="ru-RU" sz="1400">
+                          <a:effectLst/>
+                        </a:rPr>
+                        <a:t>Французский перевод</a:t>
+                      </a:r>
+                      <a:endParaRPr lang="be-BY" sz="1400">
+                        <a:effectLst/>
+                        <a:latin typeface="Times New Roman" panose="02020603050405020304" pitchFamily="18" charset="0"/>
+                        <a:ea typeface="Times New Roman" panose="02020603050405020304" pitchFamily="18" charset="0"/>
+                        <a:cs typeface="Times New Roman" panose="02020603050405020304" pitchFamily="18" charset="0"/>
+                      </a:endParaRPr>
+                    </a:p>
+                  </a:txBody>
+                  <a:tcPr marL="68580" marR="68580" marT="0" marB="0"/>
+                </a:tc>
+              </a:tr>
+              <a:tr h="1351949">
+                <a:tc>
+                  <a:txBody>
+                    <a:bodyPr/>
+                    <a:lstStyle/>
+                    <a:p>
+                      <a:pPr algn="ctr">
+                        <a:lnSpc>
+                          <a:spcPts val="1800"/>
+                        </a:lnSpc>
+                        <a:spcAft>
+                          <a:spcPts val="0"/>
+                        </a:spcAft>
+                      </a:pPr>
+                      <a:r>
+                        <a:rPr lang="en-US" sz="1400" dirty="0">
+                          <a:effectLst/>
+                        </a:rPr>
+                        <a:t>treatment, intervention</a:t>
+                      </a:r>
+                      <a:endParaRPr lang="be-BY" sz="1400" dirty="0">
+                        <a:effectLst/>
+                      </a:endParaRPr>
+                    </a:p>
+                    <a:p>
+                      <a:pPr algn="ctr">
+                        <a:lnSpc>
+                          <a:spcPts val="1800"/>
+                        </a:lnSpc>
+                        <a:spcAft>
+                          <a:spcPts val="0"/>
+                        </a:spcAft>
+                      </a:pPr>
+                      <a:r>
+                        <a:rPr lang="en-US" sz="1400" dirty="0">
+                          <a:effectLst/>
+                        </a:rPr>
+                        <a:t>Provided to improve a situation (especially medical procedures or applications that are intended to relieve disease or injury).</a:t>
+                      </a:r>
+                      <a:endParaRPr lang="be-BY" sz="1400" dirty="0">
+                        <a:effectLst/>
+                      </a:endParaRPr>
+                    </a:p>
+                    <a:p>
+                      <a:pPr algn="ctr">
+                        <a:lnSpc>
+                          <a:spcPts val="1800"/>
+                        </a:lnSpc>
+                        <a:spcAft>
+                          <a:spcPts val="0"/>
+                        </a:spcAft>
+                      </a:pPr>
+                      <a:r>
+                        <a:rPr lang="en-US" sz="1400" dirty="0">
+                          <a:effectLst/>
+                        </a:rPr>
+                        <a:t>Medical care for an disease or injury.</a:t>
+                      </a:r>
+                      <a:endParaRPr lang="be-BY" sz="1400" dirty="0">
+                        <a:effectLst/>
+                      </a:endParaRPr>
+                    </a:p>
+                    <a:p>
+                      <a:pPr algn="ctr">
+                        <a:lnSpc>
+                          <a:spcPts val="1800"/>
+                        </a:lnSpc>
+                        <a:spcAft>
+                          <a:spcPts val="0"/>
+                        </a:spcAft>
+                      </a:pPr>
+                      <a:r>
+                        <a:rPr lang="en-US" sz="1400" dirty="0">
+                          <a:effectLst/>
+                        </a:rPr>
+                        <a:t>A treatment or cure is applied after a medical problem has already started.</a:t>
+                      </a:r>
+                      <a:endParaRPr lang="be-BY" sz="1400" dirty="0">
+                        <a:effectLst/>
+                        <a:latin typeface="Times New Roman" panose="02020603050405020304" pitchFamily="18" charset="0"/>
+                        <a:ea typeface="Times New Roman" panose="02020603050405020304" pitchFamily="18" charset="0"/>
+                        <a:cs typeface="Times New Roman" panose="02020603050405020304" pitchFamily="18" charset="0"/>
+                      </a:endParaRPr>
+                    </a:p>
+                  </a:txBody>
+                  <a:tcPr marL="68580" marR="68580" marT="0" marB="0"/>
+                </a:tc>
+                <a:tc>
+                  <a:txBody>
+                    <a:bodyPr/>
+                    <a:lstStyle/>
+                    <a:p>
+                      <a:pPr algn="ctr">
+                        <a:lnSpc>
+                          <a:spcPts val="1800"/>
+                        </a:lnSpc>
+                        <a:spcAft>
+                          <a:spcPts val="0"/>
+                        </a:spcAft>
+                      </a:pPr>
+                      <a:r>
+                        <a:rPr lang="ru-RU" sz="1400" dirty="0">
+                          <a:effectLst/>
+                        </a:rPr>
+                        <a:t>лечение</a:t>
+                      </a:r>
+                      <a:endParaRPr lang="be-BY" sz="1400" dirty="0">
+                        <a:effectLst/>
+                        <a:latin typeface="Times New Roman" panose="02020603050405020304" pitchFamily="18" charset="0"/>
+                        <a:ea typeface="Times New Roman" panose="02020603050405020304" pitchFamily="18" charset="0"/>
+                        <a:cs typeface="Times New Roman" panose="02020603050405020304" pitchFamily="18" charset="0"/>
+                      </a:endParaRPr>
+                    </a:p>
+                  </a:txBody>
+                  <a:tcPr marL="68580" marR="68580" marT="0" marB="0"/>
+                </a:tc>
+                <a:tc>
+                  <a:txBody>
+                    <a:bodyPr/>
+                    <a:lstStyle/>
+                    <a:p>
+                      <a:pPr algn="ctr">
+                        <a:lnSpc>
+                          <a:spcPts val="1800"/>
+                        </a:lnSpc>
+                        <a:spcAft>
+                          <a:spcPts val="0"/>
+                        </a:spcAft>
+                      </a:pPr>
+                      <a:r>
+                        <a:rPr lang="ru-RU" sz="1400" dirty="0" err="1">
+                          <a:effectLst/>
+                        </a:rPr>
+                        <a:t>traitement</a:t>
+                      </a:r>
+                      <a:endParaRPr lang="be-BY" sz="1400" dirty="0">
+                        <a:effectLst/>
+                        <a:latin typeface="Times New Roman" panose="02020603050405020304" pitchFamily="18" charset="0"/>
+                        <a:ea typeface="Times New Roman" panose="02020603050405020304" pitchFamily="18" charset="0"/>
+                        <a:cs typeface="Times New Roman" panose="02020603050405020304" pitchFamily="18" charset="0"/>
+                      </a:endParaRPr>
+                    </a:p>
+                  </a:txBody>
+                  <a:tcPr marL="68580" marR="68580" marT="0" marB="0"/>
+                </a:tc>
+              </a:tr>
+              <a:tr h="386271">
+                <a:tc>
+                  <a:txBody>
+                    <a:bodyPr/>
+                    <a:lstStyle/>
+                    <a:p>
+                      <a:pPr algn="ctr">
+                        <a:lnSpc>
+                          <a:spcPts val="1800"/>
+                        </a:lnSpc>
+                        <a:spcAft>
+                          <a:spcPts val="0"/>
+                        </a:spcAft>
+                      </a:pPr>
+                      <a:r>
+                        <a:rPr lang="en-US" sz="1400">
+                          <a:effectLst/>
+                        </a:rPr>
+                        <a:t>treatment, handling</a:t>
+                      </a:r>
+                      <a:endParaRPr lang="be-BY" sz="1400">
+                        <a:effectLst/>
+                      </a:endParaRPr>
+                    </a:p>
+                    <a:p>
+                      <a:pPr algn="ctr">
+                        <a:lnSpc>
+                          <a:spcPts val="1800"/>
+                        </a:lnSpc>
+                        <a:spcAft>
+                          <a:spcPts val="0"/>
+                        </a:spcAft>
+                      </a:pPr>
+                      <a:r>
+                        <a:rPr lang="en-US" sz="1400">
+                          <a:effectLst/>
+                        </a:rPr>
+                        <a:t>The management of someone or something.</a:t>
+                      </a:r>
+                      <a:endParaRPr lang="be-BY" sz="1400">
+                        <a:effectLst/>
+                        <a:latin typeface="Times New Roman" panose="02020603050405020304" pitchFamily="18" charset="0"/>
+                        <a:ea typeface="Times New Roman" panose="02020603050405020304" pitchFamily="18" charset="0"/>
+                        <a:cs typeface="Times New Roman" panose="02020603050405020304" pitchFamily="18" charset="0"/>
+                      </a:endParaRPr>
+                    </a:p>
+                  </a:txBody>
+                  <a:tcPr marL="68580" marR="68580" marT="0" marB="0"/>
+                </a:tc>
+                <a:tc>
+                  <a:txBody>
+                    <a:bodyPr/>
+                    <a:lstStyle/>
+                    <a:p>
+                      <a:pPr algn="ctr">
+                        <a:lnSpc>
+                          <a:spcPts val="1800"/>
+                        </a:lnSpc>
+                        <a:spcAft>
+                          <a:spcPts val="0"/>
+                        </a:spcAft>
+                      </a:pPr>
+                      <a:r>
+                        <a:rPr lang="ru-RU" sz="1400" dirty="0">
+                          <a:effectLst/>
+                        </a:rPr>
+                        <a:t>обращение</a:t>
+                      </a:r>
+                      <a:endParaRPr lang="be-BY" sz="1400" dirty="0">
+                        <a:effectLst/>
+                        <a:latin typeface="Times New Roman" panose="02020603050405020304" pitchFamily="18" charset="0"/>
+                        <a:ea typeface="Times New Roman" panose="02020603050405020304" pitchFamily="18" charset="0"/>
+                        <a:cs typeface="Times New Roman" panose="02020603050405020304" pitchFamily="18" charset="0"/>
+                      </a:endParaRPr>
+                    </a:p>
+                  </a:txBody>
+                  <a:tcPr marL="68580" marR="68580" marT="0" marB="0"/>
+                </a:tc>
+                <a:tc>
+                  <a:txBody>
+                    <a:bodyPr/>
+                    <a:lstStyle/>
+                    <a:p>
+                      <a:pPr algn="ctr">
+                        <a:lnSpc>
+                          <a:spcPts val="1800"/>
+                        </a:lnSpc>
+                        <a:spcAft>
+                          <a:spcPts val="0"/>
+                        </a:spcAft>
+                      </a:pPr>
+                      <a:r>
+                        <a:rPr lang="ru-RU" sz="1400">
+                          <a:effectLst/>
+                        </a:rPr>
+                        <a:t>traitement</a:t>
+                      </a:r>
+                      <a:endParaRPr lang="be-BY" sz="1400">
+                        <a:effectLst/>
+                        <a:latin typeface="Times New Roman" panose="02020603050405020304" pitchFamily="18" charset="0"/>
+                        <a:ea typeface="Times New Roman" panose="02020603050405020304" pitchFamily="18" charset="0"/>
+                        <a:cs typeface="Times New Roman" panose="02020603050405020304" pitchFamily="18" charset="0"/>
+                      </a:endParaRPr>
+                    </a:p>
+                  </a:txBody>
+                  <a:tcPr marL="68580" marR="68580" marT="0" marB="0"/>
+                </a:tc>
+              </a:tr>
+              <a:tr h="299272">
+                <a:tc>
+                  <a:txBody>
+                    <a:bodyPr/>
+                    <a:lstStyle/>
+                    <a:p>
+                      <a:pPr algn="ctr">
+                        <a:lnSpc>
+                          <a:spcPts val="1800"/>
+                        </a:lnSpc>
+                        <a:spcAft>
+                          <a:spcPts val="0"/>
+                        </a:spcAft>
+                      </a:pPr>
+                      <a:r>
+                        <a:rPr lang="en-US" sz="1400" dirty="0">
+                          <a:effectLst/>
+                        </a:rPr>
+                        <a:t>A manner of dealing with something artistically</a:t>
+                      </a:r>
+                      <a:endParaRPr lang="be-BY" sz="1400" dirty="0">
+                        <a:effectLst/>
+                        <a:latin typeface="Times New Roman" panose="02020603050405020304" pitchFamily="18" charset="0"/>
+                        <a:ea typeface="Times New Roman" panose="02020603050405020304" pitchFamily="18" charset="0"/>
+                        <a:cs typeface="Times New Roman" panose="02020603050405020304" pitchFamily="18" charset="0"/>
+                      </a:endParaRPr>
+                    </a:p>
+                  </a:txBody>
+                  <a:tcPr marL="68580" marR="68580" marT="0" marB="0"/>
+                </a:tc>
+                <a:tc>
+                  <a:txBody>
+                    <a:bodyPr/>
+                    <a:lstStyle/>
+                    <a:p>
+                      <a:pPr algn="ctr">
+                        <a:lnSpc>
+                          <a:spcPts val="1800"/>
+                        </a:lnSpc>
+                        <a:spcAft>
+                          <a:spcPts val="0"/>
+                        </a:spcAft>
+                      </a:pPr>
+                      <a:r>
+                        <a:rPr lang="ru-RU" sz="1400" dirty="0">
+                          <a:effectLst/>
+                        </a:rPr>
+                        <a:t>трактовка</a:t>
+                      </a:r>
+                      <a:endParaRPr lang="be-BY" sz="1400" dirty="0">
+                        <a:effectLst/>
+                        <a:latin typeface="Times New Roman" panose="02020603050405020304" pitchFamily="18" charset="0"/>
+                        <a:ea typeface="Times New Roman" panose="02020603050405020304" pitchFamily="18" charset="0"/>
+                        <a:cs typeface="Times New Roman" panose="02020603050405020304" pitchFamily="18" charset="0"/>
+                      </a:endParaRPr>
+                    </a:p>
+                  </a:txBody>
+                  <a:tcPr marL="68580" marR="68580" marT="0" marB="0"/>
+                </a:tc>
+                <a:tc>
+                  <a:txBody>
+                    <a:bodyPr/>
+                    <a:lstStyle/>
+                    <a:p>
+                      <a:pPr algn="ctr">
+                        <a:lnSpc>
+                          <a:spcPts val="1800"/>
+                        </a:lnSpc>
+                        <a:spcAft>
+                          <a:spcPts val="0"/>
+                        </a:spcAft>
+                      </a:pPr>
+                      <a:r>
+                        <a:rPr lang="ru-RU" sz="1400" dirty="0" err="1">
+                          <a:effectLst/>
+                        </a:rPr>
+                        <a:t>traitement</a:t>
+                      </a:r>
+                      <a:endParaRPr lang="be-BY" sz="1400" dirty="0">
+                        <a:effectLst/>
+                        <a:latin typeface="Times New Roman" panose="02020603050405020304" pitchFamily="18" charset="0"/>
+                        <a:ea typeface="Times New Roman" panose="02020603050405020304" pitchFamily="18" charset="0"/>
+                        <a:cs typeface="Times New Roman" panose="02020603050405020304" pitchFamily="18" charset="0"/>
+                      </a:endParaRPr>
+                    </a:p>
+                  </a:txBody>
+                  <a:tcPr marL="68580" marR="68580" marT="0" marB="0"/>
+                </a:tc>
+              </a:tr>
+              <a:tr h="772543">
+                <a:tc>
+                  <a:txBody>
+                    <a:bodyPr/>
+                    <a:lstStyle/>
+                    <a:p>
+                      <a:pPr algn="ctr">
+                        <a:lnSpc>
+                          <a:spcPts val="1800"/>
+                        </a:lnSpc>
+                        <a:spcAft>
+                          <a:spcPts val="0"/>
+                        </a:spcAft>
+                      </a:pPr>
+                      <a:r>
+                        <a:rPr lang="en-US" sz="1400">
+                          <a:effectLst/>
+                        </a:rPr>
+                        <a:t>discourse, treatment, discussion, speech</a:t>
+                      </a:r>
+                      <a:endParaRPr lang="be-BY" sz="1400">
+                        <a:effectLst/>
+                      </a:endParaRPr>
+                    </a:p>
+                    <a:p>
+                      <a:pPr algn="ctr">
+                        <a:lnSpc>
+                          <a:spcPts val="1800"/>
+                        </a:lnSpc>
+                        <a:spcAft>
+                          <a:spcPts val="0"/>
+                        </a:spcAft>
+                      </a:pPr>
+                      <a:r>
+                        <a:rPr lang="en-US" sz="1400">
+                          <a:effectLst/>
+                        </a:rPr>
+                        <a:t>An extended communication dealing with some particular topic.</a:t>
+                      </a:r>
+                      <a:endParaRPr lang="be-BY" sz="1400">
+                        <a:effectLst/>
+                        <a:latin typeface="Times New Roman" panose="02020603050405020304" pitchFamily="18" charset="0"/>
+                        <a:ea typeface="Times New Roman" panose="02020603050405020304" pitchFamily="18" charset="0"/>
+                        <a:cs typeface="Times New Roman" panose="02020603050405020304" pitchFamily="18" charset="0"/>
+                      </a:endParaRPr>
+                    </a:p>
+                  </a:txBody>
+                  <a:tcPr marL="68580" marR="68580" marT="0" marB="0"/>
+                </a:tc>
+                <a:tc>
+                  <a:txBody>
+                    <a:bodyPr/>
+                    <a:lstStyle/>
+                    <a:p>
+                      <a:pPr algn="ctr">
+                        <a:lnSpc>
+                          <a:spcPts val="1800"/>
+                        </a:lnSpc>
+                        <a:spcAft>
+                          <a:spcPts val="0"/>
+                        </a:spcAft>
+                      </a:pPr>
+                      <a:r>
+                        <a:rPr lang="ru-RU" sz="1400" dirty="0">
+                          <a:effectLst/>
+                        </a:rPr>
+                        <a:t>Дискурс, доклад, лекция</a:t>
+                      </a:r>
+                      <a:endParaRPr lang="be-BY" sz="1400" dirty="0">
+                        <a:effectLst/>
+                        <a:latin typeface="Times New Roman" panose="02020603050405020304" pitchFamily="18" charset="0"/>
+                        <a:ea typeface="Times New Roman" panose="02020603050405020304" pitchFamily="18" charset="0"/>
+                        <a:cs typeface="Times New Roman" panose="02020603050405020304" pitchFamily="18" charset="0"/>
+                      </a:endParaRPr>
+                    </a:p>
+                  </a:txBody>
+                  <a:tcPr marL="68580" marR="68580" marT="0" marB="0"/>
+                </a:tc>
+                <a:tc>
+                  <a:txBody>
+                    <a:bodyPr/>
+                    <a:lstStyle/>
+                    <a:p>
+                      <a:pPr algn="ctr">
+                        <a:lnSpc>
+                          <a:spcPts val="1800"/>
+                        </a:lnSpc>
+                        <a:spcAft>
+                          <a:spcPts val="0"/>
+                        </a:spcAft>
+                      </a:pPr>
+                      <a:r>
+                        <a:rPr lang="en-US" sz="1400" dirty="0" err="1">
+                          <a:effectLst/>
+                        </a:rPr>
+                        <a:t>discours</a:t>
+                      </a:r>
+                      <a:r>
+                        <a:rPr lang="en-US" sz="1400" dirty="0">
+                          <a:effectLst/>
+                        </a:rPr>
+                        <a:t>, </a:t>
+                      </a:r>
+                      <a:r>
+                        <a:rPr lang="en-US" sz="1400" dirty="0" err="1">
+                          <a:effectLst/>
+                        </a:rPr>
+                        <a:t>discours</a:t>
+                      </a:r>
+                      <a:r>
+                        <a:rPr lang="en-US" sz="1400" dirty="0">
+                          <a:effectLst/>
+                        </a:rPr>
+                        <a:t> </a:t>
+                      </a:r>
+                      <a:r>
+                        <a:rPr lang="en-US" sz="1400" dirty="0" err="1">
+                          <a:effectLst/>
+                        </a:rPr>
+                        <a:t>politique</a:t>
+                      </a:r>
+                      <a:r>
+                        <a:rPr lang="en-US" sz="1400" dirty="0">
+                          <a:effectLst/>
+                        </a:rPr>
+                        <a:t>, </a:t>
+                      </a:r>
+                      <a:r>
+                        <a:rPr lang="en-US" sz="1400" dirty="0" err="1">
+                          <a:effectLst/>
+                        </a:rPr>
+                        <a:t>discours</a:t>
+                      </a:r>
+                      <a:r>
+                        <a:rPr lang="en-US" sz="1400" dirty="0">
+                          <a:effectLst/>
+                        </a:rPr>
+                        <a:t> public</a:t>
+                      </a:r>
+                      <a:endParaRPr lang="be-BY" sz="1400" dirty="0">
+                        <a:effectLst/>
+                        <a:latin typeface="Times New Roman" panose="02020603050405020304" pitchFamily="18" charset="0"/>
+                        <a:ea typeface="Times New Roman" panose="02020603050405020304" pitchFamily="18" charset="0"/>
+                        <a:cs typeface="Times New Roman" panose="02020603050405020304" pitchFamily="18" charset="0"/>
+                      </a:endParaRPr>
+                    </a:p>
+                  </a:txBody>
+                  <a:tcPr marL="68580" marR="68580" marT="0" marB="0"/>
+                </a:tc>
+              </a:tr>
+            </a:tbl>
+          </a:graphicData>
+        </a:graphic>
+      </p:graphicFrame>
+      <p:sp>
+        <p:nvSpPr>
+          <p:cNvPr id="9" name="TextBox 8"/>
+          <p:cNvSpPr txBox="1"/>
+          <p:nvPr/>
+        </p:nvSpPr>
+        <p:spPr>
+          <a:xfrm>
+            <a:off x="1692487" y="6446443"/>
+            <a:ext cx="3763972" cy="369332"/>
           </a:xfrm>
           <a:prstGeom prst="rect">
             <a:avLst/>
           </a:prstGeom>
           <a:noFill/>
-          <a:ln>
-            <a:noFill/>
-          </a:ln>
         </p:spPr>
-      </p:pic>
+        <p:txBody>
+          <a:bodyPr wrap="square" rtlCol="0">
+            <a:spAutoFit/>
+          </a:bodyPr>
+          <a:lstStyle/>
+          <a:p>
+            <a:r>
+              <a:rPr lang="ru-RU" dirty="0" smtClean="0"/>
+              <a:t>Набор </a:t>
+            </a:r>
+            <a:r>
+              <a:rPr lang="ru-RU" dirty="0" err="1" smtClean="0"/>
+              <a:t>синсетов</a:t>
+            </a:r>
+            <a:r>
+              <a:rPr lang="ru-RU" dirty="0" smtClean="0"/>
+              <a:t> для </a:t>
+            </a:r>
+            <a:r>
+              <a:rPr lang="en-US" dirty="0" smtClean="0"/>
+              <a:t>“treatment”</a:t>
+            </a:r>
+            <a:endParaRPr lang="en-US" dirty="0"/>
+          </a:p>
+        </p:txBody>
+      </p:sp>
     </p:spTree>
     <p:extLst>
       <p:ext uri="{BB962C8B-B14F-4D97-AF65-F5344CB8AC3E}">
-        <p14:creationId xmlns:p14="http://schemas.microsoft.com/office/powerpoint/2010/main" val="2568091625"/>
+        <p14:creationId xmlns:p14="http://schemas.microsoft.com/office/powerpoint/2010/main" val="197350167"/>
       </p:ext>
     </p:extLst>
   </p:cSld>
